--- a/5-slide-requirement_GIDEON.pptx
+++ b/5-slide-requirement_GIDEON.pptx
@@ -3060,7 +3060,7 @@
             <a:avLst/>
           </a:prstGeom>
           <a:solidFill>
-            <a:srgbClr val="92D050"/>
+            <a:schemeClr val="accent6"/>
           </a:solidFill>
         </p:spPr>
         <p:style>
@@ -3086,33 +3086,45 @@
             <a:pPr algn="ctr"/>
             <a:r>
               <a:rPr lang="en-US" dirty="0">
+                <a:solidFill>
+                  <a:schemeClr val="tx1"/>
+                </a:solidFill>
                 <a:latin typeface="Roboto Condensed Light" panose="02000000000000000000" pitchFamily="2" charset="0"/>
                 <a:ea typeface="Roboto Condensed Light" panose="02000000000000000000" pitchFamily="2" charset="0"/>
               </a:rPr>
-              <a:t>Philippines</a:t>
+              <a:t>Italy</a:t>
             </a:r>
           </a:p>
           <a:p>
             <a:r>
               <a:rPr lang="en-US" sz="1600" dirty="0">
+                <a:solidFill>
+                  <a:schemeClr val="tx1"/>
+                </a:solidFill>
                 <a:latin typeface="Roboto Condensed Light" panose="02000000000000000000" pitchFamily="2" charset="0"/>
                 <a:ea typeface="Roboto Condensed Light" panose="02000000000000000000" pitchFamily="2" charset="0"/>
               </a:rPr>
-              <a:t>Risk: High</a:t>
+              <a:t>Risk: Manageable</a:t>
             </a:r>
           </a:p>
           <a:p>
             <a:r>
               <a:rPr lang="en-US" sz="1600" dirty="0">
+                <a:solidFill>
+                  <a:schemeClr val="tx1"/>
+                </a:solidFill>
                 <a:latin typeface="Roboto Condensed Light" panose="02000000000000000000" pitchFamily="2" charset="0"/>
                 <a:ea typeface="Roboto Condensed Light" panose="02000000000000000000" pitchFamily="2" charset="0"/>
               </a:rPr>
-              <a:t>GDP: -5%</a:t>
+              <a:t>GDP Change: +12.37%</a:t>
             </a:r>
           </a:p>
           <a:p>
             <a:r>
               <a:rPr lang="en-US" sz="1600" dirty="0" err="1">
+                <a:solidFill>
+                  <a:schemeClr val="tx1"/>
+                </a:solidFill>
                 <a:latin typeface="Roboto Condensed Light" panose="02000000000000000000" pitchFamily="2" charset="0"/>
                 <a:ea typeface="Roboto Condensed Light" panose="02000000000000000000" pitchFamily="2" charset="0"/>
               </a:rPr>
@@ -3120,21 +3132,39 @@
             </a:r>
             <a:r>
               <a:rPr lang="en-US" sz="1600" dirty="0">
+                <a:solidFill>
+                  <a:schemeClr val="tx1"/>
+                </a:solidFill>
                 <a:latin typeface="Roboto Condensed Light" panose="02000000000000000000" pitchFamily="2" charset="0"/>
                 <a:ea typeface="Roboto Condensed Light" panose="02000000000000000000" pitchFamily="2" charset="0"/>
               </a:rPr>
-              <a:t> Growth: +20%</a:t>
+              <a:t> Growth: 0.22%</a:t>
             </a:r>
           </a:p>
           <a:p>
             <a:r>
               <a:rPr lang="en-US" sz="1600" dirty="0">
+                <a:solidFill>
+                  <a:schemeClr val="tx1"/>
+                </a:solidFill>
                 <a:latin typeface="Roboto Condensed Light" panose="02000000000000000000" pitchFamily="2" charset="0"/>
                 <a:ea typeface="Roboto Condensed Light" panose="02000000000000000000" pitchFamily="2" charset="0"/>
               </a:rPr>
               <a:t>Pollution: Low</a:t>
             </a:r>
           </a:p>
+          <a:p>
+            <a:r>
+              <a:rPr lang="en-US" sz="1600" dirty="0">
+                <a:solidFill>
+                  <a:schemeClr val="tx1"/>
+                </a:solidFill>
+                <a:latin typeface="Roboto Condensed Light" panose="02000000000000000000" pitchFamily="2" charset="0"/>
+                <a:ea typeface="Roboto Condensed Light" panose="02000000000000000000" pitchFamily="2" charset="0"/>
+              </a:rPr>
+              <a:t>Mobility Score: 26 </a:t>
+            </a:r>
+          </a:p>
         </p:txBody>
       </p:sp>
       <p:sp>
@@ -3145,14 +3175,136 @@
         </p:nvSpPr>
         <p:spPr>
           <a:xfrm>
-            <a:off x="2819400" y="3428476"/>
+            <a:off x="5803900" y="3575310"/>
             <a:ext cx="2717800" cy="1886473"/>
           </a:xfrm>
           <a:prstGeom prst="roundRect">
             <a:avLst/>
           </a:prstGeom>
           <a:solidFill>
-            <a:srgbClr val="FFC000"/>
+            <a:srgbClr val="FFFF00"/>
+          </a:solidFill>
+        </p:spPr>
+        <p:style>
+          <a:lnRef idx="2">
+            <a:schemeClr val="accent1">
+              <a:shade val="50000"/>
+            </a:schemeClr>
+          </a:lnRef>
+          <a:fillRef idx="1">
+            <a:schemeClr val="accent1"/>
+          </a:fillRef>
+          <a:effectRef idx="0">
+            <a:schemeClr val="accent1"/>
+          </a:effectRef>
+          <a:fontRef idx="minor">
+            <a:schemeClr val="lt1"/>
+          </a:fontRef>
+        </p:style>
+        <p:txBody>
+          <a:bodyPr rtlCol="0" anchor="t"/>
+          <a:lstStyle/>
+          <a:p>
+            <a:pPr algn="ctr"/>
+            <a:r>
+              <a:rPr lang="en-US" dirty="0">
+                <a:solidFill>
+                  <a:schemeClr val="tx1"/>
+                </a:solidFill>
+                <a:latin typeface="Roboto Condensed Light" panose="02000000000000000000" pitchFamily="2" charset="0"/>
+                <a:ea typeface="Roboto Condensed Light" panose="02000000000000000000" pitchFamily="2" charset="0"/>
+              </a:rPr>
+              <a:t>Sweden</a:t>
+            </a:r>
+          </a:p>
+          <a:p>
+            <a:r>
+              <a:rPr lang="en-US" sz="1600" dirty="0">
+                <a:solidFill>
+                  <a:schemeClr val="tx1"/>
+                </a:solidFill>
+                <a:latin typeface="Roboto Condensed Light" panose="02000000000000000000" pitchFamily="2" charset="0"/>
+                <a:ea typeface="Roboto Condensed Light" panose="02000000000000000000" pitchFamily="2" charset="0"/>
+              </a:rPr>
+              <a:t>Risk: Moderate</a:t>
+            </a:r>
+          </a:p>
+          <a:p>
+            <a:r>
+              <a:rPr lang="en-US" sz="1600" dirty="0">
+                <a:solidFill>
+                  <a:schemeClr val="tx1"/>
+                </a:solidFill>
+                <a:latin typeface="Roboto Condensed Light" panose="02000000000000000000" pitchFamily="2" charset="0"/>
+                <a:ea typeface="Roboto Condensed Light" panose="02000000000000000000" pitchFamily="2" charset="0"/>
+              </a:rPr>
+              <a:t>GDP Change: +0.33%</a:t>
+            </a:r>
+          </a:p>
+          <a:p>
+            <a:r>
+              <a:rPr lang="en-US" sz="1600" dirty="0" err="1">
+                <a:solidFill>
+                  <a:schemeClr val="tx1"/>
+                </a:solidFill>
+                <a:latin typeface="Roboto Condensed Light" panose="02000000000000000000" pitchFamily="2" charset="0"/>
+                <a:ea typeface="Roboto Condensed Light" panose="02000000000000000000" pitchFamily="2" charset="0"/>
+              </a:rPr>
+              <a:t>Covid</a:t>
+            </a:r>
+            <a:r>
+              <a:rPr lang="en-US" sz="1600" dirty="0">
+                <a:solidFill>
+                  <a:schemeClr val="tx1"/>
+                </a:solidFill>
+                <a:latin typeface="Roboto Condensed Light" panose="02000000000000000000" pitchFamily="2" charset="0"/>
+                <a:ea typeface="Roboto Condensed Light" panose="02000000000000000000" pitchFamily="2" charset="0"/>
+              </a:rPr>
+              <a:t> Growth: 1.04%</a:t>
+            </a:r>
+          </a:p>
+          <a:p>
+            <a:r>
+              <a:rPr lang="en-US" sz="1600" dirty="0">
+                <a:solidFill>
+                  <a:schemeClr val="tx1"/>
+                </a:solidFill>
+                <a:latin typeface="Roboto Condensed Light" panose="02000000000000000000" pitchFamily="2" charset="0"/>
+                <a:ea typeface="Roboto Condensed Light" panose="02000000000000000000" pitchFamily="2" charset="0"/>
+              </a:rPr>
+              <a:t>Pollution: Low</a:t>
+            </a:r>
+          </a:p>
+          <a:p>
+            <a:r>
+              <a:rPr lang="en-US" sz="1600" dirty="0">
+                <a:solidFill>
+                  <a:schemeClr val="tx1"/>
+                </a:solidFill>
+                <a:latin typeface="Roboto Condensed Light" panose="02000000000000000000" pitchFamily="2" charset="0"/>
+                <a:ea typeface="Roboto Condensed Light" panose="02000000000000000000" pitchFamily="2" charset="0"/>
+              </a:rPr>
+              <a:t>Mobility Score: 9</a:t>
+            </a:r>
+          </a:p>
+        </p:txBody>
+      </p:sp>
+      <p:sp>
+        <p:nvSpPr>
+          <p:cNvPr id="16" name="Rounded Rectangle 15"/>
+          <p:cNvSpPr/>
+          <p:nvPr/>
+        </p:nvSpPr>
+        <p:spPr>
+          <a:xfrm>
+            <a:off x="5803900" y="1308099"/>
+            <a:ext cx="2717800" cy="1886473"/>
+          </a:xfrm>
+          <a:prstGeom prst="roundRect">
+            <a:avLst/>
+          </a:prstGeom>
+          <a:solidFill>
+            <a:srgbClr val="FFFF00"/>
           </a:solidFill>
         </p:spPr>
         <p:style>
@@ -3196,7 +3348,7 @@
                 <a:latin typeface="Roboto Condensed Light" panose="02000000000000000000" pitchFamily="2" charset="0"/>
                 <a:ea typeface="Roboto Condensed Light" panose="02000000000000000000" pitchFamily="2" charset="0"/>
               </a:rPr>
-              <a:t>Risk: High</a:t>
+              <a:t>Risk: Moderate</a:t>
             </a:r>
           </a:p>
           <a:p>
@@ -3208,7 +3360,7 @@
                 <a:latin typeface="Roboto Condensed Light" panose="02000000000000000000" pitchFamily="2" charset="0"/>
                 <a:ea typeface="Roboto Condensed Light" panose="02000000000000000000" pitchFamily="2" charset="0"/>
               </a:rPr>
-              <a:t>GDP: -5%</a:t>
+              <a:t>GDP Change: +5%</a:t>
             </a:r>
           </a:p>
           <a:p>
@@ -3230,7 +3382,7 @@
                 <a:latin typeface="Roboto Condensed Light" panose="02000000000000000000" pitchFamily="2" charset="0"/>
                 <a:ea typeface="Roboto Condensed Light" panose="02000000000000000000" pitchFamily="2" charset="0"/>
               </a:rPr>
-              <a:t> Growth: +20%</a:t>
+              <a:t> Growth: 1.84%</a:t>
             </a:r>
           </a:p>
           <a:p>
@@ -3245,204 +3397,139 @@
               <a:t>Pollution: Low</a:t>
             </a:r>
           </a:p>
-        </p:txBody>
-      </p:sp>
-      <p:sp>
-        <p:nvSpPr>
-          <p:cNvPr id="16" name="Rounded Rectangle 15"/>
-          <p:cNvSpPr/>
-          <p:nvPr/>
-        </p:nvSpPr>
-        <p:spPr>
-          <a:xfrm>
-            <a:off x="5803900" y="1308099"/>
-            <a:ext cx="2717800" cy="1886473"/>
-          </a:xfrm>
-          <a:prstGeom prst="roundRect">
-            <a:avLst/>
-          </a:prstGeom>
-          <a:solidFill>
-            <a:srgbClr val="C00000"/>
-          </a:solidFill>
-        </p:spPr>
-        <p:style>
-          <a:lnRef idx="2">
-            <a:schemeClr val="accent1">
-              <a:shade val="50000"/>
-            </a:schemeClr>
-          </a:lnRef>
-          <a:fillRef idx="1">
-            <a:schemeClr val="accent1"/>
-          </a:fillRef>
-          <a:effectRef idx="0">
-            <a:schemeClr val="accent1"/>
-          </a:effectRef>
-          <a:fontRef idx="minor">
-            <a:schemeClr val="lt1"/>
-          </a:fontRef>
-        </p:style>
-        <p:txBody>
-          <a:bodyPr rtlCol="0" anchor="t"/>
-          <a:lstStyle/>
-          <a:p>
-            <a:pPr algn="ctr"/>
-            <a:r>
-              <a:rPr lang="en-US" dirty="0">
-                <a:latin typeface="Roboto Condensed Light" panose="02000000000000000000" pitchFamily="2" charset="0"/>
-                <a:ea typeface="Roboto Condensed Light" panose="02000000000000000000" pitchFamily="2" charset="0"/>
-              </a:rPr>
-              <a:t>Philippines</a:t>
-            </a:r>
-          </a:p>
           <a:p>
             <a:r>
               <a:rPr lang="en-US" sz="1600" dirty="0">
-                <a:latin typeface="Roboto Condensed Light" panose="02000000000000000000" pitchFamily="2" charset="0"/>
-                <a:ea typeface="Roboto Condensed Light" panose="02000000000000000000" pitchFamily="2" charset="0"/>
-              </a:rPr>
-              <a:t>Risk: High</a:t>
-            </a:r>
-          </a:p>
-          <a:p>
-            <a:r>
-              <a:rPr lang="en-US" sz="1600" dirty="0">
-                <a:latin typeface="Roboto Condensed Light" panose="02000000000000000000" pitchFamily="2" charset="0"/>
-                <a:ea typeface="Roboto Condensed Light" panose="02000000000000000000" pitchFamily="2" charset="0"/>
-              </a:rPr>
-              <a:t>GDP: -5%</a:t>
-            </a:r>
-          </a:p>
-          <a:p>
-            <a:r>
-              <a:rPr lang="en-US" sz="1600" dirty="0" err="1">
-                <a:latin typeface="Roboto Condensed Light" panose="02000000000000000000" pitchFamily="2" charset="0"/>
-                <a:ea typeface="Roboto Condensed Light" panose="02000000000000000000" pitchFamily="2" charset="0"/>
-              </a:rPr>
-              <a:t>Covid</a:t>
-            </a:r>
-            <a:r>
-              <a:rPr lang="en-US" sz="1600" dirty="0">
-                <a:latin typeface="Roboto Condensed Light" panose="02000000000000000000" pitchFamily="2" charset="0"/>
-                <a:ea typeface="Roboto Condensed Light" panose="02000000000000000000" pitchFamily="2" charset="0"/>
-              </a:rPr>
-              <a:t> Growth: +20%</a:t>
-            </a:r>
-          </a:p>
-          <a:p>
-            <a:r>
-              <a:rPr lang="en-US" sz="1600" dirty="0">
-                <a:latin typeface="Roboto Condensed Light" panose="02000000000000000000" pitchFamily="2" charset="0"/>
-                <a:ea typeface="Roboto Condensed Light" panose="02000000000000000000" pitchFamily="2" charset="0"/>
-              </a:rPr>
-              <a:t>Pollution: Low</a:t>
-            </a:r>
-          </a:p>
-        </p:txBody>
-      </p:sp>
-      <p:sp>
-        <p:nvSpPr>
-          <p:cNvPr id="17" name="Rounded Rectangle 16"/>
-          <p:cNvSpPr/>
-          <p:nvPr/>
-        </p:nvSpPr>
-        <p:spPr>
-          <a:xfrm>
-            <a:off x="8902700" y="1244075"/>
-            <a:ext cx="2717800" cy="1886473"/>
-          </a:xfrm>
-          <a:prstGeom prst="roundRect">
-            <a:avLst/>
-          </a:prstGeom>
-          <a:solidFill>
-            <a:srgbClr val="FFFF00"/>
-          </a:solidFill>
-        </p:spPr>
-        <p:style>
-          <a:lnRef idx="2">
-            <a:schemeClr val="accent1">
-              <a:shade val="50000"/>
-            </a:schemeClr>
-          </a:lnRef>
-          <a:fillRef idx="1">
-            <a:schemeClr val="accent1"/>
-          </a:fillRef>
-          <a:effectRef idx="0">
-            <a:schemeClr val="accent1"/>
-          </a:effectRef>
-          <a:fontRef idx="minor">
-            <a:schemeClr val="lt1"/>
-          </a:fontRef>
-        </p:style>
-        <p:txBody>
-          <a:bodyPr rtlCol="0" anchor="t"/>
-          <a:lstStyle/>
-          <a:p>
-            <a:pPr algn="ctr"/>
-            <a:r>
-              <a:rPr lang="en-US">
                 <a:solidFill>
                   <a:schemeClr val="tx1"/>
                 </a:solidFill>
                 <a:latin typeface="Roboto Condensed Light" panose="02000000000000000000" pitchFamily="2" charset="0"/>
                 <a:ea typeface="Roboto Condensed Light" panose="02000000000000000000" pitchFamily="2" charset="0"/>
               </a:rPr>
-              <a:t>Philippines</a:t>
-            </a:r>
-          </a:p>
-          <a:p>
-            <a:r>
-              <a:rPr lang="en-US" sz="1600">
+              <a:t>Mobility Score: 33</a:t>
+            </a:r>
+          </a:p>
+        </p:txBody>
+      </p:sp>
+      <p:sp>
+        <p:nvSpPr>
+          <p:cNvPr id="17" name="Rounded Rectangle 16"/>
+          <p:cNvSpPr/>
+          <p:nvPr/>
+        </p:nvSpPr>
+        <p:spPr>
+          <a:xfrm>
+            <a:off x="8902700" y="1244075"/>
+            <a:ext cx="2717800" cy="1886473"/>
+          </a:xfrm>
+          <a:prstGeom prst="roundRect">
+            <a:avLst/>
+          </a:prstGeom>
+          <a:solidFill>
+            <a:srgbClr val="FFFF00"/>
+          </a:solidFill>
+        </p:spPr>
+        <p:style>
+          <a:lnRef idx="2">
+            <a:schemeClr val="accent1">
+              <a:shade val="50000"/>
+            </a:schemeClr>
+          </a:lnRef>
+          <a:fillRef idx="1">
+            <a:schemeClr val="accent1"/>
+          </a:fillRef>
+          <a:effectRef idx="0">
+            <a:schemeClr val="accent1"/>
+          </a:effectRef>
+          <a:fontRef idx="minor">
+            <a:schemeClr val="lt1"/>
+          </a:fontRef>
+        </p:style>
+        <p:txBody>
+          <a:bodyPr rtlCol="0" anchor="t"/>
+          <a:lstStyle/>
+          <a:p>
+            <a:pPr algn="ctr"/>
+            <a:r>
+              <a:rPr lang="en-US" dirty="0">
                 <a:solidFill>
                   <a:schemeClr val="tx1"/>
                 </a:solidFill>
                 <a:latin typeface="Roboto Condensed Light" panose="02000000000000000000" pitchFamily="2" charset="0"/>
                 <a:ea typeface="Roboto Condensed Light" panose="02000000000000000000" pitchFamily="2" charset="0"/>
               </a:rPr>
-              <a:t>Risk: High</a:t>
-            </a:r>
-          </a:p>
-          <a:p>
-            <a:r>
-              <a:rPr lang="en-US" sz="1600">
+              <a:t>Singapore</a:t>
+            </a:r>
+          </a:p>
+          <a:p>
+            <a:r>
+              <a:rPr lang="en-US" sz="1600" dirty="0">
                 <a:solidFill>
                   <a:schemeClr val="tx1"/>
                 </a:solidFill>
                 <a:latin typeface="Roboto Condensed Light" panose="02000000000000000000" pitchFamily="2" charset="0"/>
                 <a:ea typeface="Roboto Condensed Light" panose="02000000000000000000" pitchFamily="2" charset="0"/>
               </a:rPr>
-              <a:t>GDP: -5%</a:t>
-            </a:r>
-          </a:p>
-          <a:p>
-            <a:r>
-              <a:rPr lang="en-US" sz="1600">
+              <a:t>Risk: Moderate</a:t>
+            </a:r>
+          </a:p>
+          <a:p>
+            <a:r>
+              <a:rPr lang="en-US" sz="1600" dirty="0">
                 <a:solidFill>
                   <a:schemeClr val="tx1"/>
                 </a:solidFill>
                 <a:latin typeface="Roboto Condensed Light" panose="02000000000000000000" pitchFamily="2" charset="0"/>
                 <a:ea typeface="Roboto Condensed Light" panose="02000000000000000000" pitchFamily="2" charset="0"/>
               </a:rPr>
-              <a:t>Covid Growth: +20%</a:t>
-            </a:r>
-          </a:p>
-          <a:p>
-            <a:r>
-              <a:rPr lang="en-US" sz="1600">
+              <a:t>GDP: +2.1%</a:t>
+            </a:r>
+          </a:p>
+          <a:p>
+            <a:r>
+              <a:rPr lang="en-US" sz="1600" dirty="0" err="1">
                 <a:solidFill>
                   <a:schemeClr val="tx1"/>
                 </a:solidFill>
                 <a:latin typeface="Roboto Condensed Light" panose="02000000000000000000" pitchFamily="2" charset="0"/>
                 <a:ea typeface="Roboto Condensed Light" panose="02000000000000000000" pitchFamily="2" charset="0"/>
               </a:rPr>
-              <a:t>Pollution: Low</a:t>
-            </a:r>
-            <a:endParaRPr lang="en-US" sz="1600" dirty="0">
-              <a:solidFill>
-                <a:schemeClr val="tx1"/>
-              </a:solidFill>
-              <a:latin typeface="Roboto Condensed Light" panose="02000000000000000000" pitchFamily="2" charset="0"/>
-              <a:ea typeface="Roboto Condensed Light" panose="02000000000000000000" pitchFamily="2" charset="0"/>
-            </a:endParaRPr>
+              <a:t>Covid</a:t>
+            </a:r>
+            <a:r>
+              <a:rPr lang="en-US" sz="1600" dirty="0">
+                <a:solidFill>
+                  <a:schemeClr val="tx1"/>
+                </a:solidFill>
+                <a:latin typeface="Roboto Condensed Light" panose="02000000000000000000" pitchFamily="2" charset="0"/>
+                <a:ea typeface="Roboto Condensed Light" panose="02000000000000000000" pitchFamily="2" charset="0"/>
+              </a:rPr>
+              <a:t> Growth: 1.65%</a:t>
+            </a:r>
+          </a:p>
+          <a:p>
+            <a:r>
+              <a:rPr lang="en-US" sz="1600" dirty="0">
+                <a:solidFill>
+                  <a:schemeClr val="tx1"/>
+                </a:solidFill>
+                <a:latin typeface="Roboto Condensed Light" panose="02000000000000000000" pitchFamily="2" charset="0"/>
+                <a:ea typeface="Roboto Condensed Light" panose="02000000000000000000" pitchFamily="2" charset="0"/>
+              </a:rPr>
+              <a:t>Pollution: Moderate</a:t>
+            </a:r>
+          </a:p>
+          <a:p>
+            <a:r>
+              <a:rPr lang="en-US" sz="1600" dirty="0">
+                <a:solidFill>
+                  <a:schemeClr val="tx1"/>
+                </a:solidFill>
+                <a:latin typeface="Roboto Condensed Light" panose="02000000000000000000" pitchFamily="2" charset="0"/>
+                <a:ea typeface="Roboto Condensed Light" panose="02000000000000000000" pitchFamily="2" charset="0"/>
+              </a:rPr>
+              <a:t>Mobility Score: 41</a:t>
+            </a:r>
           </a:p>
         </p:txBody>
       </p:sp>
@@ -3819,14 +3906,14 @@
         </p:nvSpPr>
         <p:spPr>
           <a:xfrm>
-            <a:off x="5803900" y="3467800"/>
+            <a:off x="2819400" y="3575310"/>
             <a:ext cx="2717800" cy="1886473"/>
           </a:xfrm>
           <a:prstGeom prst="roundRect">
             <a:avLst/>
           </a:prstGeom>
           <a:solidFill>
-            <a:srgbClr val="FFFF00"/>
+            <a:srgbClr val="FF0000"/>
           </a:solidFill>
         </p:spPr>
         <p:style>
@@ -3858,7 +3945,7 @@
                 <a:latin typeface="Roboto Condensed Light" panose="02000000000000000000" pitchFamily="2" charset="0"/>
                 <a:ea typeface="Roboto Condensed Light" panose="02000000000000000000" pitchFamily="2" charset="0"/>
               </a:rPr>
-              <a:t>Philippines</a:t>
+              <a:t>Japan</a:t>
             </a:r>
           </a:p>
           <a:p>
@@ -3882,7 +3969,7 @@
                 <a:latin typeface="Roboto Condensed Light" panose="02000000000000000000" pitchFamily="2" charset="0"/>
                 <a:ea typeface="Roboto Condensed Light" panose="02000000000000000000" pitchFamily="2" charset="0"/>
               </a:rPr>
-              <a:t>GDP: -5%</a:t>
+              <a:t>GDP Change: -0.51%</a:t>
             </a:r>
           </a:p>
           <a:p>
@@ -3904,7 +3991,7 @@
                 <a:latin typeface="Roboto Condensed Light" panose="02000000000000000000" pitchFamily="2" charset="0"/>
                 <a:ea typeface="Roboto Condensed Light" panose="02000000000000000000" pitchFamily="2" charset="0"/>
               </a:rPr>
-              <a:t> Growth: +20%</a:t>
+              <a:t> Growth: 0.14%</a:t>
             </a:r>
           </a:p>
           <a:p>
@@ -3916,7 +4003,19 @@
                 <a:latin typeface="Roboto Condensed Light" panose="02000000000000000000" pitchFamily="2" charset="0"/>
                 <a:ea typeface="Roboto Condensed Light" panose="02000000000000000000" pitchFamily="2" charset="0"/>
               </a:rPr>
-              <a:t>Pollution: Low</a:t>
+              <a:t>Pollution: Low </a:t>
+            </a:r>
+          </a:p>
+          <a:p>
+            <a:r>
+              <a:rPr lang="en-US" sz="1600" dirty="0">
+                <a:solidFill>
+                  <a:schemeClr val="tx1"/>
+                </a:solidFill>
+                <a:latin typeface="Roboto Condensed Light" panose="02000000000000000000" pitchFamily="2" charset="0"/>
+                <a:ea typeface="Roboto Condensed Light" panose="02000000000000000000" pitchFamily="2" charset="0"/>
+              </a:rPr>
+              <a:t>Mobility Score: 13</a:t>
             </a:r>
           </a:p>
         </p:txBody>
@@ -3929,8 +4028,8 @@
         </p:nvSpPr>
         <p:spPr>
           <a:xfrm>
-            <a:off x="7082163" y="1141661"/>
-            <a:ext cx="5009002" cy="4621575"/>
+            <a:off x="6979798" y="1124262"/>
+            <a:ext cx="5009002" cy="4615525"/>
           </a:xfrm>
           <a:prstGeom prst="rect">
             <a:avLst/>
@@ -4586,7 +4685,7 @@
         <p:spPr>
           <a:xfrm>
             <a:off x="2641600" y="2260600"/>
-            <a:ext cx="2019300" cy="3108543"/>
+            <a:ext cx="2019300" cy="3754874"/>
           </a:xfrm>
           <a:prstGeom prst="rect">
             <a:avLst/>
@@ -4604,21 +4703,7 @@
                 <a:latin typeface="Roboto Condensed Light" panose="02000000000000000000" pitchFamily="2" charset="0"/>
                 <a:ea typeface="Roboto Condensed Light" panose="02000000000000000000" pitchFamily="2" charset="0"/>
               </a:rPr>
-              <a:t>The yellow lines indicate the onset of lockdown in Italy and the bars show the actual number of </a:t>
-            </a:r>
-            <a:r>
-              <a:rPr lang="en-US" sz="1400" dirty="0" err="1">
-                <a:latin typeface="Roboto Condensed Light" panose="02000000000000000000" pitchFamily="2" charset="0"/>
-                <a:ea typeface="Roboto Condensed Light" panose="02000000000000000000" pitchFamily="2" charset="0"/>
-              </a:rPr>
-              <a:t>covid</a:t>
-            </a:r>
-            <a:r>
-              <a:rPr lang="en-US" sz="1400" dirty="0">
-                <a:latin typeface="Roboto Condensed Light" panose="02000000000000000000" pitchFamily="2" charset="0"/>
-                <a:ea typeface="Roboto Condensed Light" panose="02000000000000000000" pitchFamily="2" charset="0"/>
-              </a:rPr>
-              <a:t> growth cases in the country at the time the mobility data was captured. The slightly increasing activity at the parks indicate that lives are slowly going back to normal for Italians by May 2020 compared to its low during March and April.</a:t>
+              <a:t>The yellow lines indicate the onset of lockdown in Italy and the bars show the actual number of covid-19 growth cases in the country at the time the mobility data was captured. The slightly increasing activity at the parks indicate that lives are slowly going back to normal for Italians by May 2020 compared to its low during March and April.</a:t>
             </a:r>
           </a:p>
         </p:txBody>
@@ -4733,22 +4818,14 @@
           <a:p>
             <a:r>
               <a:rPr lang="en-US" sz="1100" b="1" dirty="0"/>
-              <a:t>Headline</a:t>
+              <a:t>Residential Mobility Plateau</a:t>
             </a:r>
             <a:br>
               <a:rPr lang="en-US" sz="1100" b="1" dirty="0"/>
             </a:br>
             <a:r>
               <a:rPr lang="en-US" sz="1100" dirty="0"/>
-              <a:t>The yellow lines indicate the onset of lockdown in Italy and the bars show the actual number of </a:t>
-            </a:r>
-            <a:r>
-              <a:rPr lang="en-US" sz="1100" dirty="0" err="1"/>
-              <a:t>covid</a:t>
-            </a:r>
-            <a:r>
-              <a:rPr lang="en-US" sz="1100" dirty="0"/>
-              <a:t> growth cases in the country at the time the mobility data was captured.</a:t>
+              <a:t>The yellow line indicates that the lockdown protocol has reached its plateau and cases have gone down after it. </a:t>
             </a:r>
           </a:p>
         </p:txBody>
@@ -4790,22 +4867,14 @@
           <a:p>
             <a:r>
               <a:rPr lang="en-US" sz="1100" b="1" dirty="0"/>
-              <a:t>Headline</a:t>
+              <a:t>Covid-19 Cases Stabilizing</a:t>
             </a:r>
             <a:br>
               <a:rPr lang="en-US" sz="1100" b="1" dirty="0"/>
             </a:br>
             <a:r>
               <a:rPr lang="en-US" sz="1100" dirty="0"/>
-              <a:t>The yellow lines indicate the onset of lockdown in Italy and the bars show the actual number of </a:t>
-            </a:r>
-            <a:r>
-              <a:rPr lang="en-US" sz="1100" dirty="0" err="1"/>
-              <a:t>covid</a:t>
-            </a:r>
-            <a:r>
-              <a:rPr lang="en-US" sz="1100" dirty="0"/>
-              <a:t> growth cases in the country at the time the mobility data was captured.</a:t>
+              <a:t>The pandemic has eased a bit on its attack on Italy and the growth rate has decreased compared to the earlier months of March and April. </a:t>
             </a:r>
           </a:p>
         </p:txBody>
@@ -4847,22 +4916,14 @@
           <a:p>
             <a:r>
               <a:rPr lang="en-US" sz="1100" b="1" dirty="0"/>
-              <a:t>Headline</a:t>
+              <a:t>Grocery Activity Remains Lowered</a:t>
             </a:r>
             <a:br>
               <a:rPr lang="en-US" sz="1100" b="1" dirty="0"/>
             </a:br>
             <a:r>
               <a:rPr lang="en-US" sz="1100" dirty="0"/>
-              <a:t>The yellow lines indicate the onset of lockdown in Italy and the bars show the actual number of </a:t>
-            </a:r>
-            <a:r>
-              <a:rPr lang="en-US" sz="1100" dirty="0" err="1"/>
-              <a:t>covid</a:t>
-            </a:r>
-            <a:r>
-              <a:rPr lang="en-US" sz="1100" dirty="0"/>
-              <a:t> growth cases in the country at the time the mobility data was captured.</a:t>
+              <a:t>Groceries and pharmacies remain at a lower range compared to baseline data from before Covid-19. </a:t>
             </a:r>
           </a:p>
         </p:txBody>
@@ -5251,7 +5312,7 @@
         <p:spPr>
           <a:xfrm>
             <a:off x="2641600" y="2260600"/>
-            <a:ext cx="2019300" cy="3323987"/>
+            <a:ext cx="2019300" cy="2246769"/>
           </a:xfrm>
           <a:prstGeom prst="rect">
             <a:avLst/>
@@ -5266,15 +5327,16 @@
           <a:p>
             <a:r>
               <a:rPr lang="en-US" sz="1400" dirty="0"/>
-              <a:t>The yellow lines indicate the onset of lockdown in Italy and the bars show the actual number of </a:t>
-            </a:r>
-            <a:r>
-              <a:rPr lang="en-US" sz="1400" dirty="0" err="1"/>
-              <a:t>covid</a:t>
-            </a:r>
+              <a:t>The forecasted GDP is relatively close to the actual GDP growth of the country. An R^2 value of XX has been observed in the modeling of the data. </a:t>
+            </a:r>
+          </a:p>
+          <a:p>
+            <a:endParaRPr lang="en-US" sz="1400" dirty="0"/>
+          </a:p>
+          <a:p>
             <a:r>
               <a:rPr lang="en-US" sz="1400" dirty="0"/>
-              <a:t> growth cases in the country at the time the mobility data was captured. The slightly increasing activity at the parks indicate that lives are slowly going back to normal for Italians by May 2020 compared to its low during March and April.</a:t>
+              <a:t>A projected increase in GDP is expected.</a:t>
             </a:r>
           </a:p>
         </p:txBody>
@@ -5859,7 +5921,7 @@
         <p:spPr>
           <a:xfrm>
             <a:off x="2641600" y="2260600"/>
-            <a:ext cx="2019300" cy="3323987"/>
+            <a:ext cx="2019300" cy="3539430"/>
           </a:xfrm>
           <a:prstGeom prst="rect">
             <a:avLst/>
@@ -5874,15 +5936,7 @@
           <a:p>
             <a:r>
               <a:rPr lang="en-US" sz="1400" dirty="0"/>
-              <a:t>The yellow lines indicate the onset of lockdown in Italy and the bars show the actual number of </a:t>
-            </a:r>
-            <a:r>
-              <a:rPr lang="en-US" sz="1400" dirty="0" err="1"/>
-              <a:t>covid</a:t>
-            </a:r>
-            <a:r>
-              <a:rPr lang="en-US" sz="1400" dirty="0"/>
-              <a:t> growth cases in the country at the time the mobility data was captured. The slightly increasing activity at the parks indicate that lives are slowly going back to normal for Italians by May 2020 compared to its low during March and April.</a:t>
+              <a:t>Air quality in Singapore from all its air quality monitoring stations indicate Good to Moderate pollution levels at this time. The map updates from the globally stationed air monitoring sites every 48 hours and can be studied more closely to understand environmental contribution to the impact assessment of covid-19.</a:t>
             </a:r>
           </a:p>
         </p:txBody>
@@ -5916,30 +5970,6 @@
           </a:p>
         </p:txBody>
       </p:sp>
-      <p:pic>
-        <p:nvPicPr>
-          <p:cNvPr id="2" name="Picture 1"/>
-          <p:cNvPicPr>
-            <a:picLocks noChangeAspect="1"/>
-          </p:cNvPicPr>
-          <p:nvPr/>
-        </p:nvPicPr>
-        <p:blipFill>
-          <a:blip r:embed="rId2"/>
-          <a:stretch>
-            <a:fillRect/>
-          </a:stretch>
-        </p:blipFill>
-        <p:spPr>
-          <a:xfrm>
-            <a:off x="4864099" y="1557223"/>
-            <a:ext cx="7010331" cy="4132376"/>
-          </a:xfrm>
-          <a:prstGeom prst="rect">
-            <a:avLst/>
-          </a:prstGeom>
-        </p:spPr>
-      </p:pic>
       <p:sp>
         <p:nvSpPr>
           <p:cNvPr id="15" name="Rectangle 14"/>
@@ -5997,7 +6027,7 @@
           <p:nvPr/>
         </p:nvPicPr>
         <p:blipFill>
-          <a:blip r:embed="rId3" cstate="print">
+          <a:blip r:embed="rId2" cstate="print">
             <a:extLst>
               <a:ext uri="{28A0092B-C50C-407E-A947-70E740481C1C}">
                 <a14:useLocalDpi xmlns:a14="http://schemas.microsoft.com/office/drawing/2010/main" val="0"/>
@@ -6083,6 +6113,42 @@
           </a:p>
         </p:txBody>
       </p:sp>
+      <p:pic>
+        <p:nvPicPr>
+          <p:cNvPr id="7" name="Picture 6">
+            <a:extLst>
+              <a:ext uri="{FF2B5EF4-FFF2-40B4-BE49-F238E27FC236}">
+                <a16:creationId xmlns:a16="http://schemas.microsoft.com/office/drawing/2014/main" id="{8B476AF1-8E92-E745-AFF6-031ABAE3AFC0}"/>
+              </a:ext>
+            </a:extLst>
+          </p:cNvPr>
+          <p:cNvPicPr>
+            <a:picLocks noChangeAspect="1"/>
+          </p:cNvPicPr>
+          <p:nvPr/>
+        </p:nvPicPr>
+        <p:blipFill>
+          <a:blip r:embed="rId3">
+            <a:extLst>
+              <a:ext uri="{28A0092B-C50C-407E-A947-70E740481C1C}">
+                <a14:useLocalDpi xmlns:a14="http://schemas.microsoft.com/office/drawing/2010/main" val="0"/>
+              </a:ext>
+            </a:extLst>
+          </a:blip>
+          <a:stretch>
+            <a:fillRect/>
+          </a:stretch>
+        </p:blipFill>
+        <p:spPr>
+          <a:xfrm>
+            <a:off x="4864100" y="1549137"/>
+            <a:ext cx="7118350" cy="4566005"/>
+          </a:xfrm>
+          <a:prstGeom prst="rect">
+            <a:avLst/>
+          </a:prstGeom>
+        </p:spPr>
+      </p:pic>
     </p:spTree>
     <p:extLst>
       <p:ext uri="{BB962C8B-B14F-4D97-AF65-F5344CB8AC3E}">
@@ -6431,7 +6497,7 @@
           <a:p>
             <a:r>
               <a:rPr lang="en-US" sz="2400" b="1" dirty="0"/>
-              <a:t>Meet The Team</a:t>
+              <a:t>Team Gideon</a:t>
             </a:r>
           </a:p>
         </p:txBody>
@@ -6578,7 +6644,7 @@
         <p:spPr>
           <a:xfrm>
             <a:off x="2641599" y="1593159"/>
-            <a:ext cx="2637199" cy="2462213"/>
+            <a:ext cx="2832101" cy="4401205"/>
           </a:xfrm>
           <a:prstGeom prst="rect">
             <a:avLst/>
@@ -6593,15 +6659,41 @@
           <a:p>
             <a:r>
               <a:rPr lang="en-US" sz="1400" dirty="0"/>
-              <a:t>The yellow lines indicate the onset of lockdown in Italy and the bars show the actual number of </a:t>
+              <a:t>Team GIDEON is comprised of the following members (clockwise from top left) : Nick </a:t>
             </a:r>
             <a:r>
               <a:rPr lang="en-US" sz="1400" dirty="0" err="1"/>
-              <a:t>covid</a:t>
+              <a:t>Tobia</a:t>
             </a:r>
             <a:r>
               <a:rPr lang="en-US" sz="1400" dirty="0"/>
-              <a:t> growth cases in the country at the time the mobility data was captured. The slightly increasing activity at the parks indicate that lives are slowly going back to normal for Italians by May 2020 compared to its low during March and April.</a:t>
+              <a:t>, Kristel Zapata, Theresa Tan, Miguel Oscar Castelo and Helen Mary Labao-</a:t>
+            </a:r>
+            <a:r>
+              <a:rPr lang="en-US" sz="1400" dirty="0" err="1"/>
+              <a:t>Barrameda</a:t>
+            </a:r>
+            <a:r>
+              <a:rPr lang="en-US" sz="1400" dirty="0"/>
+              <a:t>.</a:t>
+            </a:r>
+          </a:p>
+          <a:p>
+            <a:endParaRPr lang="en-US" sz="1400" dirty="0"/>
+          </a:p>
+          <a:p>
+            <a:r>
+              <a:rPr lang="en-US" sz="1400" dirty="0"/>
+              <a:t>They are colleagues and data consultants from a private research firm based in Metro Manila, Philippines. </a:t>
+            </a:r>
+          </a:p>
+          <a:p>
+            <a:endParaRPr lang="en-US" sz="1400" dirty="0"/>
+          </a:p>
+          <a:p>
+            <a:r>
+              <a:rPr lang="en-US" sz="1400" dirty="0"/>
+              <a:t>Apart from the acronym, the team name is inspired by the story of Gideon in the book of Judges in the Bible which beat the odds in warfare with 3 symbolic items: trumpet (noise of human activity), clay jar (the enclosure caused by Covid-19), and the torch (night light NASA data). </a:t>
             </a:r>
           </a:p>
         </p:txBody>

--- a/5-slide-requirement_GIDEON.pptx
+++ b/5-slide-requirement_GIDEON.pptx
@@ -3040,8 +3040,19 @@
                 <a:latin typeface="Roboto Condensed Light" panose="02000000000000000000" pitchFamily="2" charset="0"/>
                 <a:ea typeface="Roboto Condensed Light" panose="02000000000000000000" pitchFamily="2" charset="0"/>
               </a:rPr>
-              <a:t>Team GIDEON</a:t>
-            </a:r>
+              <a:t>Team GIDEON – Visit us at </a:t>
+            </a:r>
+            <a:r>
+              <a:rPr lang="en-US" sz="2400" dirty="0" err="1">
+                <a:latin typeface="Roboto Condensed Light" panose="02000000000000000000" pitchFamily="2" charset="0"/>
+                <a:ea typeface="Roboto Condensed Light" panose="02000000000000000000" pitchFamily="2" charset="0"/>
+              </a:rPr>
+              <a:t>projectgideon.co</a:t>
+            </a:r>
+            <a:endParaRPr lang="en-US" sz="2400" dirty="0">
+              <a:latin typeface="Roboto Condensed Light" panose="02000000000000000000" pitchFamily="2" charset="0"/>
+              <a:ea typeface="Roboto Condensed Light" panose="02000000000000000000" pitchFamily="2" charset="0"/>
+            </a:endParaRPr>
           </a:p>
         </p:txBody>
       </p:sp>
@@ -4323,8 +4334,13 @@
           <a:p>
             <a:r>
               <a:rPr lang="en-US" sz="2400" dirty="0"/>
-              <a:t>Team GIDEON</a:t>
-            </a:r>
+              <a:t>Team GIDEON – Visit us at </a:t>
+            </a:r>
+            <a:r>
+              <a:rPr lang="en-US" sz="2400" dirty="0" err="1"/>
+              <a:t>projectgideon.co</a:t>
+            </a:r>
+            <a:endParaRPr lang="en-US" sz="2400" dirty="0"/>
           </a:p>
         </p:txBody>
       </p:sp>
@@ -5043,8 +5059,13 @@
           <a:p>
             <a:r>
               <a:rPr lang="en-US" sz="2400" dirty="0"/>
-              <a:t>Team GIDEON</a:t>
-            </a:r>
+              <a:t>Team GIDEON – Visit us at </a:t>
+            </a:r>
+            <a:r>
+              <a:rPr lang="en-US" sz="2400" dirty="0" err="1"/>
+              <a:t>projectgideon.co</a:t>
+            </a:r>
+            <a:endParaRPr lang="en-US" sz="2400" dirty="0"/>
           </a:p>
         </p:txBody>
       </p:sp>
@@ -5652,8 +5673,13 @@
           <a:p>
             <a:r>
               <a:rPr lang="en-US" sz="2400" dirty="0"/>
-              <a:t>Team GIDEON</a:t>
-            </a:r>
+              <a:t>Team GIDEON – Visit us at </a:t>
+            </a:r>
+            <a:r>
+              <a:rPr lang="en-US" sz="2400" dirty="0" err="1"/>
+              <a:t>projectgideon.co</a:t>
+            </a:r>
+            <a:endParaRPr lang="en-US" sz="2400" dirty="0"/>
           </a:p>
         </p:txBody>
       </p:sp>
@@ -6264,7 +6290,15 @@
           <a:p>
             <a:r>
               <a:rPr lang="en-US" sz="2400" dirty="0"/>
-              <a:t>Team GIDEON</a:t>
+              <a:t>Team GIDEON – Beat the odds  with data.  - https://</a:t>
+            </a:r>
+            <a:r>
+              <a:rPr lang="en-US" sz="2400" dirty="0" err="1"/>
+              <a:t>projectgideon.co</a:t>
+            </a:r>
+            <a:r>
+              <a:rPr lang="en-US" sz="2400" dirty="0"/>
+              <a:t>/</a:t>
             </a:r>
           </a:p>
         </p:txBody>
@@ -6693,7 +6727,7 @@
           <a:p>
             <a:r>
               <a:rPr lang="en-US" sz="1400" dirty="0"/>
-              <a:t>Apart from the acronym, the team name is inspired by the story of Gideon in the book of Judges in the Bible which beat the odds in warfare with 3 symbolic items: trumpet (noise of human activity), clay jar (the enclosure caused by Covid-19), and the torch (night light NASA data). </a:t>
+              <a:t>Apart from the acronym, the team name is inspired by the story of Gideon in the book of Judges in the Bible which beat the odds in warfare against Midianites with 3 symbolic items: trumpet (noise of human activity), clay jar (the isolation caused by Covid-19), and the torch (night light NASA data). </a:t>
             </a:r>
           </a:p>
         </p:txBody>

--- a/5-slide-requirement_GIDEON.pptx
+++ b/5-slide-requirement_GIDEON.pptx
@@ -11574,7 +11574,7 @@
           <a:p>
             <a:fld id="{8FC4E41D-B3F7-4526-ABA4-1183C6C39B77}" type="datetimeFigureOut">
               <a:rPr lang="en-US" smtClean="0"/>
-              <a:t>5/31/20</a:t>
+              <a:t>5/31/2020</a:t>
             </a:fld>
             <a:endParaRPr lang="en-US"/>
           </a:p>
@@ -11742,7 +11742,7 @@
           <a:p>
             <a:fld id="{8FC4E41D-B3F7-4526-ABA4-1183C6C39B77}" type="datetimeFigureOut">
               <a:rPr lang="en-US" smtClean="0"/>
-              <a:t>5/31/20</a:t>
+              <a:t>5/31/2020</a:t>
             </a:fld>
             <a:endParaRPr lang="en-US"/>
           </a:p>
@@ -11920,7 +11920,7 @@
           <a:p>
             <a:fld id="{8FC4E41D-B3F7-4526-ABA4-1183C6C39B77}" type="datetimeFigureOut">
               <a:rPr lang="en-US" smtClean="0"/>
-              <a:t>5/31/20</a:t>
+              <a:t>5/31/2020</a:t>
             </a:fld>
             <a:endParaRPr lang="en-US"/>
           </a:p>
@@ -12088,7 +12088,7 @@
           <a:p>
             <a:fld id="{8FC4E41D-B3F7-4526-ABA4-1183C6C39B77}" type="datetimeFigureOut">
               <a:rPr lang="en-US" smtClean="0"/>
-              <a:t>5/31/20</a:t>
+              <a:t>5/31/2020</a:t>
             </a:fld>
             <a:endParaRPr lang="en-US"/>
           </a:p>
@@ -12333,7 +12333,7 @@
           <a:p>
             <a:fld id="{8FC4E41D-B3F7-4526-ABA4-1183C6C39B77}" type="datetimeFigureOut">
               <a:rPr lang="en-US" smtClean="0"/>
-              <a:t>5/31/20</a:t>
+              <a:t>5/31/2020</a:t>
             </a:fld>
             <a:endParaRPr lang="en-US"/>
           </a:p>
@@ -12562,7 +12562,7 @@
           <a:p>
             <a:fld id="{8FC4E41D-B3F7-4526-ABA4-1183C6C39B77}" type="datetimeFigureOut">
               <a:rPr lang="en-US" smtClean="0"/>
-              <a:t>5/31/20</a:t>
+              <a:t>5/31/2020</a:t>
             </a:fld>
             <a:endParaRPr lang="en-US"/>
           </a:p>
@@ -12926,7 +12926,7 @@
           <a:p>
             <a:fld id="{8FC4E41D-B3F7-4526-ABA4-1183C6C39B77}" type="datetimeFigureOut">
               <a:rPr lang="en-US" smtClean="0"/>
-              <a:t>5/31/20</a:t>
+              <a:t>5/31/2020</a:t>
             </a:fld>
             <a:endParaRPr lang="en-US"/>
           </a:p>
@@ -13043,7 +13043,7 @@
           <a:p>
             <a:fld id="{8FC4E41D-B3F7-4526-ABA4-1183C6C39B77}" type="datetimeFigureOut">
               <a:rPr lang="en-US" smtClean="0"/>
-              <a:t>5/31/20</a:t>
+              <a:t>5/31/2020</a:t>
             </a:fld>
             <a:endParaRPr lang="en-US"/>
           </a:p>
@@ -13138,7 +13138,7 @@
           <a:p>
             <a:fld id="{8FC4E41D-B3F7-4526-ABA4-1183C6C39B77}" type="datetimeFigureOut">
               <a:rPr lang="en-US" smtClean="0"/>
-              <a:t>5/31/20</a:t>
+              <a:t>5/31/2020</a:t>
             </a:fld>
             <a:endParaRPr lang="en-US"/>
           </a:p>
@@ -13413,7 +13413,7 @@
           <a:p>
             <a:fld id="{8FC4E41D-B3F7-4526-ABA4-1183C6C39B77}" type="datetimeFigureOut">
               <a:rPr lang="en-US" smtClean="0"/>
-              <a:t>5/31/20</a:t>
+              <a:t>5/31/2020</a:t>
             </a:fld>
             <a:endParaRPr lang="en-US"/>
           </a:p>
@@ -13665,7 +13665,7 @@
           <a:p>
             <a:fld id="{8FC4E41D-B3F7-4526-ABA4-1183C6C39B77}" type="datetimeFigureOut">
               <a:rPr lang="en-US" smtClean="0"/>
-              <a:t>5/31/20</a:t>
+              <a:t>5/31/2020</a:t>
             </a:fld>
             <a:endParaRPr lang="en-US"/>
           </a:p>
@@ -13876,7 +13876,7 @@
           <a:p>
             <a:fld id="{8FC4E41D-B3F7-4526-ABA4-1183C6C39B77}" type="datetimeFigureOut">
               <a:rPr lang="en-US" smtClean="0"/>
-              <a:t>5/31/20</a:t>
+              <a:t>5/31/2020</a:t>
             </a:fld>
             <a:endParaRPr lang="en-US"/>
           </a:p>
@@ -15368,8 +15368,8 @@
         </p:nvSpPr>
         <p:spPr>
           <a:xfrm>
-            <a:off x="6979798" y="1124262"/>
-            <a:ext cx="5009002" cy="4615525"/>
+            <a:off x="7182998" y="0"/>
+            <a:ext cx="5009002" cy="6858000"/>
           </a:xfrm>
           <a:prstGeom prst="rect">
             <a:avLst/>
@@ -16273,6 +16273,60 @@
           </a:p>
         </p:txBody>
       </p:sp>
+      <p:sp>
+        <p:nvSpPr>
+          <p:cNvPr id="18" name="Rectangle 17"/>
+          <p:cNvSpPr/>
+          <p:nvPr/>
+        </p:nvSpPr>
+        <p:spPr>
+          <a:xfrm>
+            <a:off x="0" y="0"/>
+            <a:ext cx="5009002" cy="6858000"/>
+          </a:xfrm>
+          <a:prstGeom prst="rect">
+            <a:avLst/>
+          </a:prstGeom>
+          <a:solidFill>
+            <a:schemeClr val="bg2">
+              <a:lumMod val="10000"/>
+              <a:alpha val="84000"/>
+            </a:schemeClr>
+          </a:solidFill>
+        </p:spPr>
+        <p:style>
+          <a:lnRef idx="2">
+            <a:schemeClr val="accent1">
+              <a:shade val="50000"/>
+            </a:schemeClr>
+          </a:lnRef>
+          <a:fillRef idx="1">
+            <a:schemeClr val="accent1"/>
+          </a:fillRef>
+          <a:effectRef idx="0">
+            <a:schemeClr val="accent1"/>
+          </a:effectRef>
+          <a:fontRef idx="minor">
+            <a:schemeClr val="lt1"/>
+          </a:fontRef>
+        </p:style>
+        <p:txBody>
+          <a:bodyPr rtlCol="0" anchor="t"/>
+          <a:lstStyle/>
+          <a:p>
+            <a:endParaRPr lang="en-US" sz="2400" dirty="0"/>
+          </a:p>
+          <a:p>
+            <a:r>
+              <a:rPr lang="en-US" sz="2400" dirty="0"/>
+              <a:t>GIDEON is an integrated public policy information portal that aims to measure the impact of COVID on various countries and its effect in economic and environmental terms. The countries that are able to contain COVID while keeping their economy afloat with minimal impact to the environment stand the best chance of sustainably bouncing back after this crisis. </a:t>
+            </a:r>
+          </a:p>
+          <a:p>
+            <a:endParaRPr lang="en-US" sz="2400" dirty="0"/>
+          </a:p>
+        </p:txBody>
+      </p:sp>
     </p:spTree>
     <p:extLst>
       <p:ext uri="{BB962C8B-B14F-4D97-AF65-F5344CB8AC3E}">
@@ -16283,6 +16337,92 @@
   <p:clrMapOvr>
     <a:masterClrMapping/>
   </p:clrMapOvr>
+  <p:timing>
+    <p:tnLst>
+      <p:par>
+        <p:cTn id="1" dur="indefinite" restart="never" nodeType="tmRoot">
+          <p:childTnLst>
+            <p:seq concurrent="1" nextAc="seek">
+              <p:cTn id="2" dur="indefinite" nodeType="mainSeq">
+                <p:childTnLst>
+                  <p:par>
+                    <p:cTn id="3" fill="hold">
+                      <p:stCondLst>
+                        <p:cond delay="indefinite"/>
+                      </p:stCondLst>
+                      <p:childTnLst>
+                        <p:par>
+                          <p:cTn id="4" fill="hold">
+                            <p:stCondLst>
+                              <p:cond delay="0"/>
+                            </p:stCondLst>
+                            <p:childTnLst>
+                              <p:par>
+                                <p:cTn id="5" presetID="10" presetClass="entr" presetSubtype="0" fill="hold" grpId="0" nodeType="clickEffect">
+                                  <p:stCondLst>
+                                    <p:cond delay="0"/>
+                                  </p:stCondLst>
+                                  <p:childTnLst>
+                                    <p:set>
+                                      <p:cBhvr>
+                                        <p:cTn id="6" dur="1" fill="hold">
+                                          <p:stCondLst>
+                                            <p:cond delay="0"/>
+                                          </p:stCondLst>
+                                        </p:cTn>
+                                        <p:tgtEl>
+                                          <p:spTgt spid="18"/>
+                                        </p:tgtEl>
+                                        <p:attrNameLst>
+                                          <p:attrName>style.visibility</p:attrName>
+                                        </p:attrNameLst>
+                                      </p:cBhvr>
+                                      <p:to>
+                                        <p:strVal val="visible"/>
+                                      </p:to>
+                                    </p:set>
+                                    <p:animEffect transition="in" filter="fade">
+                                      <p:cBhvr>
+                                        <p:cTn id="7" dur="500"/>
+                                        <p:tgtEl>
+                                          <p:spTgt spid="18"/>
+                                        </p:tgtEl>
+                                      </p:cBhvr>
+                                    </p:animEffect>
+                                  </p:childTnLst>
+                                </p:cTn>
+                              </p:par>
+                            </p:childTnLst>
+                          </p:cTn>
+                        </p:par>
+                      </p:childTnLst>
+                    </p:cTn>
+                  </p:par>
+                </p:childTnLst>
+              </p:cTn>
+              <p:prevCondLst>
+                <p:cond evt="onPrev" delay="0">
+                  <p:tgtEl>
+                    <p:sldTgt/>
+                  </p:tgtEl>
+                </p:cond>
+              </p:prevCondLst>
+              <p:nextCondLst>
+                <p:cond evt="onNext" delay="0">
+                  <p:tgtEl>
+                    <p:sldTgt/>
+                  </p:tgtEl>
+                </p:cond>
+              </p:nextCondLst>
+            </p:seq>
+          </p:childTnLst>
+        </p:cTn>
+      </p:par>
+    </p:tnLst>
+    <p:bldLst>
+      <p:bldP spid="18" grpId="0" animBg="1"/>
+    </p:bldLst>
+  </p:timing>
 </p:sld>
 </file>
 
@@ -16887,6 +17027,60 @@
           </a:p>
         </p:txBody>
       </p:sp>
+      <p:sp>
+        <p:nvSpPr>
+          <p:cNvPr id="17" name="Rectangle 16"/>
+          <p:cNvSpPr/>
+          <p:nvPr/>
+        </p:nvSpPr>
+        <p:spPr>
+          <a:xfrm>
+            <a:off x="7182998" y="0"/>
+            <a:ext cx="5009002" cy="6858000"/>
+          </a:xfrm>
+          <a:prstGeom prst="rect">
+            <a:avLst/>
+          </a:prstGeom>
+          <a:solidFill>
+            <a:schemeClr val="bg2">
+              <a:lumMod val="10000"/>
+              <a:alpha val="84000"/>
+            </a:schemeClr>
+          </a:solidFill>
+        </p:spPr>
+        <p:style>
+          <a:lnRef idx="2">
+            <a:schemeClr val="accent1">
+              <a:shade val="50000"/>
+            </a:schemeClr>
+          </a:lnRef>
+          <a:fillRef idx="1">
+            <a:schemeClr val="accent1"/>
+          </a:fillRef>
+          <a:effectRef idx="0">
+            <a:schemeClr val="accent1"/>
+          </a:effectRef>
+          <a:fontRef idx="minor">
+            <a:schemeClr val="lt1"/>
+          </a:fontRef>
+        </p:style>
+        <p:txBody>
+          <a:bodyPr rtlCol="0" anchor="t"/>
+          <a:lstStyle/>
+          <a:p>
+            <a:endParaRPr lang="en-US" sz="2400" dirty="0"/>
+          </a:p>
+          <a:p>
+            <a:r>
+              <a:rPr lang="en-US" sz="2400" dirty="0"/>
+              <a:t>GIDEON is an integrated public policy information portal that aims to measure the impact of COVID on various countries and its effect in economic and environmental terms. The countries that are able to contain COVID while keeping their economy afloat with minimal impact to the environment stand the best chance of sustainably bouncing back after this crisis. </a:t>
+            </a:r>
+          </a:p>
+          <a:p>
+            <a:endParaRPr lang="en-US" sz="2400" dirty="0"/>
+          </a:p>
+        </p:txBody>
+      </p:sp>
     </p:spTree>
     <p:extLst>
       <p:ext uri="{BB962C8B-B14F-4D97-AF65-F5344CB8AC3E}">
@@ -16897,6 +17091,92 @@
   <p:clrMapOvr>
     <a:masterClrMapping/>
   </p:clrMapOvr>
+  <p:timing>
+    <p:tnLst>
+      <p:par>
+        <p:cTn id="1" dur="indefinite" restart="never" nodeType="tmRoot">
+          <p:childTnLst>
+            <p:seq concurrent="1" nextAc="seek">
+              <p:cTn id="2" dur="indefinite" nodeType="mainSeq">
+                <p:childTnLst>
+                  <p:par>
+                    <p:cTn id="3" fill="hold">
+                      <p:stCondLst>
+                        <p:cond delay="indefinite"/>
+                      </p:stCondLst>
+                      <p:childTnLst>
+                        <p:par>
+                          <p:cTn id="4" fill="hold">
+                            <p:stCondLst>
+                              <p:cond delay="0"/>
+                            </p:stCondLst>
+                            <p:childTnLst>
+                              <p:par>
+                                <p:cTn id="5" presetID="10" presetClass="entr" presetSubtype="0" fill="hold" grpId="0" nodeType="clickEffect">
+                                  <p:stCondLst>
+                                    <p:cond delay="0"/>
+                                  </p:stCondLst>
+                                  <p:childTnLst>
+                                    <p:set>
+                                      <p:cBhvr>
+                                        <p:cTn id="6" dur="1" fill="hold">
+                                          <p:stCondLst>
+                                            <p:cond delay="0"/>
+                                          </p:stCondLst>
+                                        </p:cTn>
+                                        <p:tgtEl>
+                                          <p:spTgt spid="17"/>
+                                        </p:tgtEl>
+                                        <p:attrNameLst>
+                                          <p:attrName>style.visibility</p:attrName>
+                                        </p:attrNameLst>
+                                      </p:cBhvr>
+                                      <p:to>
+                                        <p:strVal val="visible"/>
+                                      </p:to>
+                                    </p:set>
+                                    <p:animEffect transition="in" filter="fade">
+                                      <p:cBhvr>
+                                        <p:cTn id="7" dur="500"/>
+                                        <p:tgtEl>
+                                          <p:spTgt spid="17"/>
+                                        </p:tgtEl>
+                                      </p:cBhvr>
+                                    </p:animEffect>
+                                  </p:childTnLst>
+                                </p:cTn>
+                              </p:par>
+                            </p:childTnLst>
+                          </p:cTn>
+                        </p:par>
+                      </p:childTnLst>
+                    </p:cTn>
+                  </p:par>
+                </p:childTnLst>
+              </p:cTn>
+              <p:prevCondLst>
+                <p:cond evt="onPrev" delay="0">
+                  <p:tgtEl>
+                    <p:sldTgt/>
+                  </p:tgtEl>
+                </p:cond>
+              </p:prevCondLst>
+              <p:nextCondLst>
+                <p:cond evt="onNext" delay="0">
+                  <p:tgtEl>
+                    <p:sldTgt/>
+                  </p:tgtEl>
+                </p:cond>
+              </p:nextCondLst>
+            </p:seq>
+          </p:childTnLst>
+        </p:cTn>
+      </p:par>
+    </p:tnLst>
+    <p:bldLst>
+      <p:bldP spid="17" grpId="0" animBg="1"/>
+    </p:bldLst>
+  </p:timing>
 </p:sld>
 </file>
 
@@ -17632,6 +17912,60 @@
           </a:graphicData>
         </a:graphic>
       </p:graphicFrame>
+      <p:sp>
+        <p:nvSpPr>
+          <p:cNvPr id="20" name="Rectangle 19"/>
+          <p:cNvSpPr/>
+          <p:nvPr/>
+        </p:nvSpPr>
+        <p:spPr>
+          <a:xfrm>
+            <a:off x="-2897" y="0"/>
+            <a:ext cx="5009002" cy="6858000"/>
+          </a:xfrm>
+          <a:prstGeom prst="rect">
+            <a:avLst/>
+          </a:prstGeom>
+          <a:solidFill>
+            <a:schemeClr val="bg2">
+              <a:lumMod val="10000"/>
+              <a:alpha val="84000"/>
+            </a:schemeClr>
+          </a:solidFill>
+        </p:spPr>
+        <p:style>
+          <a:lnRef idx="2">
+            <a:schemeClr val="accent1">
+              <a:shade val="50000"/>
+            </a:schemeClr>
+          </a:lnRef>
+          <a:fillRef idx="1">
+            <a:schemeClr val="accent1"/>
+          </a:fillRef>
+          <a:effectRef idx="0">
+            <a:schemeClr val="accent1"/>
+          </a:effectRef>
+          <a:fontRef idx="minor">
+            <a:schemeClr val="lt1"/>
+          </a:fontRef>
+        </p:style>
+        <p:txBody>
+          <a:bodyPr rtlCol="0" anchor="t"/>
+          <a:lstStyle/>
+          <a:p>
+            <a:endParaRPr lang="en-US" sz="2400" dirty="0"/>
+          </a:p>
+          <a:p>
+            <a:r>
+              <a:rPr lang="en-US" sz="2400" dirty="0"/>
+              <a:t>GIDEON is an integrated public policy information portal that aims to measure the impact of COVID on various countries and its effect in economic and environmental terms. The countries that are able to contain COVID while keeping their economy afloat with minimal impact to the environment stand the best chance of sustainably bouncing back after this crisis. </a:t>
+            </a:r>
+          </a:p>
+          <a:p>
+            <a:endParaRPr lang="en-US" sz="2400" dirty="0"/>
+          </a:p>
+        </p:txBody>
+      </p:sp>
     </p:spTree>
     <p:extLst>
       <p:ext uri="{BB962C8B-B14F-4D97-AF65-F5344CB8AC3E}">
@@ -17642,6 +17976,92 @@
   <p:clrMapOvr>
     <a:masterClrMapping/>
   </p:clrMapOvr>
+  <p:timing>
+    <p:tnLst>
+      <p:par>
+        <p:cTn id="1" dur="indefinite" restart="never" nodeType="tmRoot">
+          <p:childTnLst>
+            <p:seq concurrent="1" nextAc="seek">
+              <p:cTn id="2" dur="indefinite" nodeType="mainSeq">
+                <p:childTnLst>
+                  <p:par>
+                    <p:cTn id="3" fill="hold">
+                      <p:stCondLst>
+                        <p:cond delay="indefinite"/>
+                      </p:stCondLst>
+                      <p:childTnLst>
+                        <p:par>
+                          <p:cTn id="4" fill="hold">
+                            <p:stCondLst>
+                              <p:cond delay="0"/>
+                            </p:stCondLst>
+                            <p:childTnLst>
+                              <p:par>
+                                <p:cTn id="5" presetID="10" presetClass="entr" presetSubtype="0" fill="hold" grpId="0" nodeType="clickEffect">
+                                  <p:stCondLst>
+                                    <p:cond delay="0"/>
+                                  </p:stCondLst>
+                                  <p:childTnLst>
+                                    <p:set>
+                                      <p:cBhvr>
+                                        <p:cTn id="6" dur="1" fill="hold">
+                                          <p:stCondLst>
+                                            <p:cond delay="0"/>
+                                          </p:stCondLst>
+                                        </p:cTn>
+                                        <p:tgtEl>
+                                          <p:spTgt spid="20"/>
+                                        </p:tgtEl>
+                                        <p:attrNameLst>
+                                          <p:attrName>style.visibility</p:attrName>
+                                        </p:attrNameLst>
+                                      </p:cBhvr>
+                                      <p:to>
+                                        <p:strVal val="visible"/>
+                                      </p:to>
+                                    </p:set>
+                                    <p:animEffect transition="in" filter="fade">
+                                      <p:cBhvr>
+                                        <p:cTn id="7" dur="500"/>
+                                        <p:tgtEl>
+                                          <p:spTgt spid="20"/>
+                                        </p:tgtEl>
+                                      </p:cBhvr>
+                                    </p:animEffect>
+                                  </p:childTnLst>
+                                </p:cTn>
+                              </p:par>
+                            </p:childTnLst>
+                          </p:cTn>
+                        </p:par>
+                      </p:childTnLst>
+                    </p:cTn>
+                  </p:par>
+                </p:childTnLst>
+              </p:cTn>
+              <p:prevCondLst>
+                <p:cond evt="onPrev" delay="0">
+                  <p:tgtEl>
+                    <p:sldTgt/>
+                  </p:tgtEl>
+                </p:cond>
+              </p:prevCondLst>
+              <p:nextCondLst>
+                <p:cond evt="onNext" delay="0">
+                  <p:tgtEl>
+                    <p:sldTgt/>
+                  </p:tgtEl>
+                </p:cond>
+              </p:nextCondLst>
+            </p:seq>
+          </p:childTnLst>
+        </p:cTn>
+      </p:par>
+    </p:tnLst>
+    <p:bldLst>
+      <p:bldP spid="20" grpId="0" animBg="1"/>
+    </p:bldLst>
+  </p:timing>
 </p:sld>
 </file>
 
@@ -18342,6 +18762,13 @@
   <p:clrMapOvr>
     <a:masterClrMapping/>
   </p:clrMapOvr>
+  <p:timing>
+    <p:tnLst>
+      <p:par>
+        <p:cTn id="1" dur="indefinite" restart="never" nodeType="tmRoot"/>
+      </p:par>
+    </p:tnLst>
+  </p:timing>
 </p:sld>
 </file>
 

--- a/5-slide-requirement_GIDEON.pptx
+++ b/5-slide-requirement_GIDEON.pptx
@@ -7,7 +7,7 @@
   <p:sldIdLst>
     <p:sldId id="256" r:id="rId2"/>
     <p:sldId id="257" r:id="rId3"/>
-    <p:sldId id="258" r:id="rId4"/>
+    <p:sldId id="261" r:id="rId4"/>
     <p:sldId id="259" r:id="rId5"/>
     <p:sldId id="260" r:id="rId6"/>
   </p:sldIdLst>
@@ -117,6 +117,1717 @@
 </file>
 
 <file path=ppt/charts/chart1.xml><?xml version="1.0" encoding="utf-8"?>
+<c:chartSpace xmlns:c="http://schemas.openxmlformats.org/drawingml/2006/chart" xmlns:a="http://schemas.openxmlformats.org/drawingml/2006/main" xmlns:r="http://schemas.openxmlformats.org/officeDocument/2006/relationships" xmlns:c16r2="http://schemas.microsoft.com/office/drawing/2015/06/chart">
+  <c:date1904 val="0"/>
+  <c:lang val="en-US"/>
+  <c:roundedCorners val="1"/>
+  <mc:AlternateContent xmlns:mc="http://schemas.openxmlformats.org/markup-compatibility/2006">
+    <mc:Choice xmlns:c14="http://schemas.microsoft.com/office/drawing/2007/8/2/chart" Requires="c14">
+      <c14:style val="102"/>
+    </mc:Choice>
+    <mc:Fallback>
+      <c:style val="2"/>
+    </mc:Fallback>
+  </mc:AlternateContent>
+  <c:chart>
+    <c:title>
+      <c:tx>
+        <c:rich>
+          <a:bodyPr/>
+          <a:lstStyle/>
+          <a:p>
+            <a:pPr>
+              <a:defRPr/>
+            </a:pPr>
+            <a:r>
+              <a:rPr lang="en-US" sz="1050" dirty="0" smtClean="0"/>
+              <a:t>Philippines</a:t>
+            </a:r>
+            <a:endParaRPr lang="en-US" sz="1050" dirty="0"/>
+          </a:p>
+        </c:rich>
+      </c:tx>
+      <c:layout/>
+      <c:overlay val="0"/>
+    </c:title>
+    <c:autoTitleDeleted val="0"/>
+    <c:plotArea>
+      <c:layout/>
+      <c:lineChart>
+        <c:grouping val="standard"/>
+        <c:varyColors val="1"/>
+        <c:ser>
+          <c:idx val="0"/>
+          <c:order val="0"/>
+          <c:tx>
+            <c:strRef>
+              <c:f>'[GDP Computation.xlsx]Philippines'!$O$1:$O$2</c:f>
+              <c:strCache>
+                <c:ptCount val="2"/>
+                <c:pt idx="0">
+                  <c:v>GDP</c:v>
+                </c:pt>
+              </c:strCache>
+            </c:strRef>
+          </c:tx>
+          <c:marker>
+            <c:symbol val="none"/>
+          </c:marker>
+          <c:cat>
+            <c:strRef>
+              <c:f>'[GDP Computation.xlsx]Philippines'!$N$3:$N$9</c:f>
+              <c:strCache>
+                <c:ptCount val="7"/>
+                <c:pt idx="0">
+                  <c:v>2018Q4</c:v>
+                </c:pt>
+                <c:pt idx="1">
+                  <c:v>2019Q1</c:v>
+                </c:pt>
+                <c:pt idx="2">
+                  <c:v>2019Q2</c:v>
+                </c:pt>
+                <c:pt idx="3">
+                  <c:v>2019Q3</c:v>
+                </c:pt>
+                <c:pt idx="4">
+                  <c:v>2019Q4</c:v>
+                </c:pt>
+                <c:pt idx="5">
+                  <c:v>2020Q1</c:v>
+                </c:pt>
+                <c:pt idx="6">
+                  <c:v>2020Q2</c:v>
+                </c:pt>
+              </c:strCache>
+            </c:strRef>
+          </c:cat>
+          <c:val>
+            <c:numRef>
+              <c:f>'[GDP Computation.xlsx]Philippines'!$O$3:$O$9</c:f>
+              <c:numCache>
+                <c:formatCode>General</c:formatCode>
+                <c:ptCount val="7"/>
+                <c:pt idx="0">
+                  <c:v>2</c:v>
+                </c:pt>
+                <c:pt idx="1">
+                  <c:v>0.6</c:v>
+                </c:pt>
+                <c:pt idx="2">
+                  <c:v>1.2</c:v>
+                </c:pt>
+                <c:pt idx="3">
+                  <c:v>2.2999999999999998</c:v>
+                </c:pt>
+                <c:pt idx="4">
+                  <c:v>1.8</c:v>
+                </c:pt>
+                <c:pt idx="5">
+                  <c:v>-5.0999999999999996</c:v>
+                </c:pt>
+              </c:numCache>
+            </c:numRef>
+          </c:val>
+          <c:smooth val="0"/>
+          <c:extLst>
+            <c:ext xmlns:c16="http://schemas.microsoft.com/office/drawing/2014/chart" uri="{C3380CC4-5D6E-409C-BE32-E72D297353CC}">
+              <c16:uniqueId val="{00000000-B688-42E0-8636-5833EF2D4D3A}"/>
+            </c:ext>
+          </c:extLst>
+        </c:ser>
+        <c:ser>
+          <c:idx val="1"/>
+          <c:order val="1"/>
+          <c:tx>
+            <c:strRef>
+              <c:f>'[GDP Computation.xlsx]Philippines'!$P$1:$P$2</c:f>
+              <c:strCache>
+                <c:ptCount val="2"/>
+                <c:pt idx="0">
+                  <c:v>Predicted</c:v>
+                </c:pt>
+              </c:strCache>
+            </c:strRef>
+          </c:tx>
+          <c:marker>
+            <c:symbol val="none"/>
+          </c:marker>
+          <c:cat>
+            <c:strRef>
+              <c:f>'[GDP Computation.xlsx]Philippines'!$N$3:$N$9</c:f>
+              <c:strCache>
+                <c:ptCount val="7"/>
+                <c:pt idx="0">
+                  <c:v>2018Q4</c:v>
+                </c:pt>
+                <c:pt idx="1">
+                  <c:v>2019Q1</c:v>
+                </c:pt>
+                <c:pt idx="2">
+                  <c:v>2019Q2</c:v>
+                </c:pt>
+                <c:pt idx="3">
+                  <c:v>2019Q3</c:v>
+                </c:pt>
+                <c:pt idx="4">
+                  <c:v>2019Q4</c:v>
+                </c:pt>
+                <c:pt idx="5">
+                  <c:v>2020Q1</c:v>
+                </c:pt>
+                <c:pt idx="6">
+                  <c:v>2020Q2</c:v>
+                </c:pt>
+              </c:strCache>
+            </c:strRef>
+          </c:cat>
+          <c:val>
+            <c:numRef>
+              <c:f>'[GDP Computation.xlsx]Philippines'!$P$3:$P$9</c:f>
+              <c:numCache>
+                <c:formatCode>General</c:formatCode>
+                <c:ptCount val="7"/>
+                <c:pt idx="0">
+                  <c:v>1.4223429999999999</c:v>
+                </c:pt>
+                <c:pt idx="1">
+                  <c:v>0.68071999999999999</c:v>
+                </c:pt>
+                <c:pt idx="2">
+                  <c:v>0.72453699999999999</c:v>
+                </c:pt>
+                <c:pt idx="3">
+                  <c:v>3.3206720000000001</c:v>
+                </c:pt>
+                <c:pt idx="4">
+                  <c:v>1.3910659999999999</c:v>
+                </c:pt>
+                <c:pt idx="5">
+                  <c:v>-4.7393390000000002</c:v>
+                </c:pt>
+                <c:pt idx="6">
+                  <c:v>5.0006524099999998</c:v>
+                </c:pt>
+              </c:numCache>
+            </c:numRef>
+          </c:val>
+          <c:smooth val="0"/>
+          <c:extLst>
+            <c:ext xmlns:c16="http://schemas.microsoft.com/office/drawing/2014/chart" uri="{C3380CC4-5D6E-409C-BE32-E72D297353CC}">
+              <c16:uniqueId val="{00000001-B688-42E0-8636-5833EF2D4D3A}"/>
+            </c:ext>
+          </c:extLst>
+        </c:ser>
+        <c:dLbls>
+          <c:showLegendKey val="0"/>
+          <c:showVal val="0"/>
+          <c:showCatName val="0"/>
+          <c:showSerName val="0"/>
+          <c:showPercent val="0"/>
+          <c:showBubbleSize val="0"/>
+        </c:dLbls>
+        <c:smooth val="0"/>
+        <c:axId val="113815902"/>
+        <c:axId val="1097001643"/>
+      </c:lineChart>
+      <c:catAx>
+        <c:axId val="113815902"/>
+        <c:scaling>
+          <c:orientation val="minMax"/>
+        </c:scaling>
+        <c:delete val="0"/>
+        <c:axPos val="b"/>
+        <c:title>
+          <c:tx>
+            <c:rich>
+              <a:bodyPr/>
+              <a:lstStyle/>
+              <a:p>
+                <a:pPr lvl="0">
+                  <a:defRPr b="0">
+                    <a:solidFill>
+                      <a:srgbClr val="000000"/>
+                    </a:solidFill>
+                    <a:latin typeface="+mn-lt"/>
+                  </a:defRPr>
+                </a:pPr>
+                <a:endParaRPr lang="en-US"/>
+              </a:p>
+            </c:rich>
+          </c:tx>
+          <c:layout/>
+          <c:overlay val="0"/>
+        </c:title>
+        <c:numFmt formatCode="General" sourceLinked="1"/>
+        <c:majorTickMark val="none"/>
+        <c:minorTickMark val="none"/>
+        <c:tickLblPos val="low"/>
+        <c:txPr>
+          <a:bodyPr/>
+          <a:lstStyle/>
+          <a:p>
+            <a:pPr lvl="0">
+              <a:defRPr sz="700" b="0">
+                <a:solidFill>
+                  <a:srgbClr val="000000"/>
+                </a:solidFill>
+                <a:latin typeface="+mn-lt"/>
+              </a:defRPr>
+            </a:pPr>
+            <a:endParaRPr lang="en-US"/>
+          </a:p>
+        </c:txPr>
+        <c:crossAx val="1097001643"/>
+        <c:crosses val="autoZero"/>
+        <c:auto val="1"/>
+        <c:lblAlgn val="ctr"/>
+        <c:lblOffset val="100"/>
+        <c:noMultiLvlLbl val="1"/>
+      </c:catAx>
+      <c:valAx>
+        <c:axId val="1097001643"/>
+        <c:scaling>
+          <c:orientation val="minMax"/>
+        </c:scaling>
+        <c:delete val="0"/>
+        <c:axPos val="l"/>
+        <c:majorGridlines>
+          <c:spPr>
+            <a:ln>
+              <a:solidFill>
+                <a:srgbClr val="B7B7B7"/>
+              </a:solidFill>
+            </a:ln>
+          </c:spPr>
+        </c:majorGridlines>
+        <c:minorGridlines>
+          <c:spPr>
+            <a:ln>
+              <a:solidFill>
+                <a:srgbClr val="CCCCCC">
+                  <a:alpha val="0"/>
+                </a:srgbClr>
+              </a:solidFill>
+            </a:ln>
+          </c:spPr>
+        </c:minorGridlines>
+        <c:title>
+          <c:tx>
+            <c:rich>
+              <a:bodyPr/>
+              <a:lstStyle/>
+              <a:p>
+                <a:pPr lvl="0">
+                  <a:defRPr b="0">
+                    <a:solidFill>
+                      <a:srgbClr val="000000"/>
+                    </a:solidFill>
+                    <a:latin typeface="+mn-lt"/>
+                  </a:defRPr>
+                </a:pPr>
+                <a:endParaRPr lang="en-US"/>
+              </a:p>
+            </c:rich>
+          </c:tx>
+          <c:layout/>
+          <c:overlay val="0"/>
+        </c:title>
+        <c:numFmt formatCode="General" sourceLinked="1"/>
+        <c:majorTickMark val="none"/>
+        <c:minorTickMark val="none"/>
+        <c:tickLblPos val="nextTo"/>
+        <c:spPr>
+          <a:ln/>
+        </c:spPr>
+        <c:txPr>
+          <a:bodyPr/>
+          <a:lstStyle/>
+          <a:p>
+            <a:pPr lvl="0">
+              <a:defRPr b="0">
+                <a:solidFill>
+                  <a:srgbClr val="000000"/>
+                </a:solidFill>
+                <a:latin typeface="+mn-lt"/>
+              </a:defRPr>
+            </a:pPr>
+            <a:endParaRPr lang="en-US"/>
+          </a:p>
+        </c:txPr>
+        <c:crossAx val="113815902"/>
+        <c:crosses val="autoZero"/>
+        <c:crossBetween val="between"/>
+      </c:valAx>
+    </c:plotArea>
+    <c:plotVisOnly val="1"/>
+    <c:dispBlanksAs val="zero"/>
+    <c:showDLblsOverMax val="1"/>
+  </c:chart>
+  <c:externalData r:id="rId1">
+    <c:autoUpdate val="0"/>
+  </c:externalData>
+</c:chartSpace>
+</file>
+
+<file path=ppt/charts/chart2.xml><?xml version="1.0" encoding="utf-8"?>
+<c:chartSpace xmlns:c="http://schemas.openxmlformats.org/drawingml/2006/chart" xmlns:a="http://schemas.openxmlformats.org/drawingml/2006/main" xmlns:r="http://schemas.openxmlformats.org/officeDocument/2006/relationships" xmlns:c16r2="http://schemas.microsoft.com/office/drawing/2015/06/chart">
+  <c:date1904 val="0"/>
+  <c:lang val="en-US"/>
+  <c:roundedCorners val="1"/>
+  <mc:AlternateContent xmlns:mc="http://schemas.openxmlformats.org/markup-compatibility/2006">
+    <mc:Choice xmlns:c14="http://schemas.microsoft.com/office/drawing/2007/8/2/chart" Requires="c14">
+      <c14:style val="102"/>
+    </mc:Choice>
+    <mc:Fallback>
+      <c:style val="2"/>
+    </mc:Fallback>
+  </mc:AlternateContent>
+  <c:chart>
+    <c:title>
+      <c:tx>
+        <c:rich>
+          <a:bodyPr/>
+          <a:lstStyle/>
+          <a:p>
+            <a:pPr>
+              <a:defRPr/>
+            </a:pPr>
+            <a:r>
+              <a:rPr lang="en-US" sz="1000" dirty="0" smtClean="0"/>
+              <a:t>Sweden</a:t>
+            </a:r>
+            <a:endParaRPr lang="en-US" sz="1000" dirty="0"/>
+          </a:p>
+        </c:rich>
+      </c:tx>
+      <c:layout/>
+      <c:overlay val="0"/>
+    </c:title>
+    <c:autoTitleDeleted val="0"/>
+    <c:plotArea>
+      <c:layout/>
+      <c:lineChart>
+        <c:grouping val="standard"/>
+        <c:varyColors val="1"/>
+        <c:ser>
+          <c:idx val="0"/>
+          <c:order val="0"/>
+          <c:tx>
+            <c:strRef>
+              <c:f>'[GDP Computation.xlsx]Sweden'!$T$1:$T$2</c:f>
+              <c:strCache>
+                <c:ptCount val="2"/>
+                <c:pt idx="0">
+                  <c:v>GDP</c:v>
+                </c:pt>
+              </c:strCache>
+            </c:strRef>
+          </c:tx>
+          <c:marker>
+            <c:symbol val="none"/>
+          </c:marker>
+          <c:cat>
+            <c:strRef>
+              <c:f>'[GDP Computation.xlsx]Sweden'!$S$3:$S$9</c:f>
+              <c:strCache>
+                <c:ptCount val="7"/>
+                <c:pt idx="0">
+                  <c:v>2018Q4</c:v>
+                </c:pt>
+                <c:pt idx="1">
+                  <c:v>2019Q1</c:v>
+                </c:pt>
+                <c:pt idx="2">
+                  <c:v>2019Q2</c:v>
+                </c:pt>
+                <c:pt idx="3">
+                  <c:v>2019Q3</c:v>
+                </c:pt>
+                <c:pt idx="4">
+                  <c:v>2019Q4</c:v>
+                </c:pt>
+                <c:pt idx="5">
+                  <c:v>2020Q1</c:v>
+                </c:pt>
+                <c:pt idx="6">
+                  <c:v>2020Q2</c:v>
+                </c:pt>
+              </c:strCache>
+            </c:strRef>
+          </c:cat>
+          <c:val>
+            <c:numRef>
+              <c:f>'[GDP Computation.xlsx]Sweden'!$T$3:$T$9</c:f>
+              <c:numCache>
+                <c:formatCode>General</c:formatCode>
+                <c:ptCount val="7"/>
+                <c:pt idx="0">
+                  <c:v>1.3</c:v>
+                </c:pt>
+                <c:pt idx="1">
+                  <c:v>0.6</c:v>
+                </c:pt>
+                <c:pt idx="2">
+                  <c:v>-0.2</c:v>
+                </c:pt>
+                <c:pt idx="3">
+                  <c:v>0.5</c:v>
+                </c:pt>
+                <c:pt idx="4">
+                  <c:v>0.1</c:v>
+                </c:pt>
+                <c:pt idx="5">
+                  <c:v>-0.3</c:v>
+                </c:pt>
+              </c:numCache>
+            </c:numRef>
+          </c:val>
+          <c:smooth val="0"/>
+          <c:extLst>
+            <c:ext xmlns:c16="http://schemas.microsoft.com/office/drawing/2014/chart" uri="{C3380CC4-5D6E-409C-BE32-E72D297353CC}">
+              <c16:uniqueId val="{00000000-D279-4C04-BB04-FDF271364EA0}"/>
+            </c:ext>
+          </c:extLst>
+        </c:ser>
+        <c:ser>
+          <c:idx val="1"/>
+          <c:order val="1"/>
+          <c:tx>
+            <c:strRef>
+              <c:f>'[GDP Computation.xlsx]Sweden'!$U$1:$U$2</c:f>
+              <c:strCache>
+                <c:ptCount val="2"/>
+                <c:pt idx="0">
+                  <c:v>Predicted GDP</c:v>
+                </c:pt>
+              </c:strCache>
+            </c:strRef>
+          </c:tx>
+          <c:marker>
+            <c:symbol val="none"/>
+          </c:marker>
+          <c:cat>
+            <c:strRef>
+              <c:f>'[GDP Computation.xlsx]Sweden'!$S$3:$S$9</c:f>
+              <c:strCache>
+                <c:ptCount val="7"/>
+                <c:pt idx="0">
+                  <c:v>2018Q4</c:v>
+                </c:pt>
+                <c:pt idx="1">
+                  <c:v>2019Q1</c:v>
+                </c:pt>
+                <c:pt idx="2">
+                  <c:v>2019Q2</c:v>
+                </c:pt>
+                <c:pt idx="3">
+                  <c:v>2019Q3</c:v>
+                </c:pt>
+                <c:pt idx="4">
+                  <c:v>2019Q4</c:v>
+                </c:pt>
+                <c:pt idx="5">
+                  <c:v>2020Q1</c:v>
+                </c:pt>
+                <c:pt idx="6">
+                  <c:v>2020Q2</c:v>
+                </c:pt>
+              </c:strCache>
+            </c:strRef>
+          </c:cat>
+          <c:val>
+            <c:numRef>
+              <c:f>'[GDP Computation.xlsx]Sweden'!$U$3:$U$9</c:f>
+              <c:numCache>
+                <c:formatCode>General</c:formatCode>
+                <c:ptCount val="7"/>
+                <c:pt idx="0">
+                  <c:v>1.110878</c:v>
+                </c:pt>
+                <c:pt idx="1">
+                  <c:v>0.200241</c:v>
+                </c:pt>
+                <c:pt idx="2">
+                  <c:v>-4.1999000000000002E-2</c:v>
+                </c:pt>
+                <c:pt idx="3">
+                  <c:v>0.84573699999999996</c:v>
+                </c:pt>
+                <c:pt idx="4">
+                  <c:v>0.16353100000000001</c:v>
+                </c:pt>
+                <c:pt idx="5">
+                  <c:v>-0.27838800000000002</c:v>
+                </c:pt>
+                <c:pt idx="6">
+                  <c:v>0.33158671000000001</c:v>
+                </c:pt>
+              </c:numCache>
+            </c:numRef>
+          </c:val>
+          <c:smooth val="0"/>
+          <c:extLst>
+            <c:ext xmlns:c16="http://schemas.microsoft.com/office/drawing/2014/chart" uri="{C3380CC4-5D6E-409C-BE32-E72D297353CC}">
+              <c16:uniqueId val="{00000001-D279-4C04-BB04-FDF271364EA0}"/>
+            </c:ext>
+          </c:extLst>
+        </c:ser>
+        <c:dLbls>
+          <c:showLegendKey val="0"/>
+          <c:showVal val="0"/>
+          <c:showCatName val="0"/>
+          <c:showSerName val="0"/>
+          <c:showPercent val="0"/>
+          <c:showBubbleSize val="0"/>
+        </c:dLbls>
+        <c:smooth val="0"/>
+        <c:axId val="1133477203"/>
+        <c:axId val="265088196"/>
+      </c:lineChart>
+      <c:catAx>
+        <c:axId val="1133477203"/>
+        <c:scaling>
+          <c:orientation val="minMax"/>
+        </c:scaling>
+        <c:delete val="0"/>
+        <c:axPos val="b"/>
+        <c:title>
+          <c:tx>
+            <c:rich>
+              <a:bodyPr/>
+              <a:lstStyle/>
+              <a:p>
+                <a:pPr lvl="0">
+                  <a:defRPr b="0">
+                    <a:solidFill>
+                      <a:srgbClr val="000000"/>
+                    </a:solidFill>
+                    <a:latin typeface="+mn-lt"/>
+                  </a:defRPr>
+                </a:pPr>
+                <a:endParaRPr lang="en-US"/>
+              </a:p>
+            </c:rich>
+          </c:tx>
+          <c:layout/>
+          <c:overlay val="0"/>
+        </c:title>
+        <c:numFmt formatCode="General" sourceLinked="1"/>
+        <c:majorTickMark val="none"/>
+        <c:minorTickMark val="none"/>
+        <c:tickLblPos val="low"/>
+        <c:txPr>
+          <a:bodyPr/>
+          <a:lstStyle/>
+          <a:p>
+            <a:pPr lvl="0">
+              <a:defRPr sz="600" b="0">
+                <a:solidFill>
+                  <a:srgbClr val="000000"/>
+                </a:solidFill>
+                <a:latin typeface="+mn-lt"/>
+              </a:defRPr>
+            </a:pPr>
+            <a:endParaRPr lang="en-US"/>
+          </a:p>
+        </c:txPr>
+        <c:crossAx val="265088196"/>
+        <c:crosses val="autoZero"/>
+        <c:auto val="1"/>
+        <c:lblAlgn val="ctr"/>
+        <c:lblOffset val="100"/>
+        <c:noMultiLvlLbl val="1"/>
+      </c:catAx>
+      <c:valAx>
+        <c:axId val="265088196"/>
+        <c:scaling>
+          <c:orientation val="minMax"/>
+        </c:scaling>
+        <c:delete val="0"/>
+        <c:axPos val="l"/>
+        <c:majorGridlines>
+          <c:spPr>
+            <a:ln>
+              <a:solidFill>
+                <a:srgbClr val="B7B7B7"/>
+              </a:solidFill>
+            </a:ln>
+          </c:spPr>
+        </c:majorGridlines>
+        <c:minorGridlines>
+          <c:spPr>
+            <a:ln>
+              <a:solidFill>
+                <a:srgbClr val="CCCCCC">
+                  <a:alpha val="0"/>
+                </a:srgbClr>
+              </a:solidFill>
+            </a:ln>
+          </c:spPr>
+        </c:minorGridlines>
+        <c:title>
+          <c:tx>
+            <c:rich>
+              <a:bodyPr/>
+              <a:lstStyle/>
+              <a:p>
+                <a:pPr lvl="0">
+                  <a:defRPr b="0">
+                    <a:solidFill>
+                      <a:srgbClr val="000000"/>
+                    </a:solidFill>
+                    <a:latin typeface="+mn-lt"/>
+                  </a:defRPr>
+                </a:pPr>
+                <a:endParaRPr lang="en-US"/>
+              </a:p>
+            </c:rich>
+          </c:tx>
+          <c:layout/>
+          <c:overlay val="0"/>
+        </c:title>
+        <c:numFmt formatCode="General" sourceLinked="1"/>
+        <c:majorTickMark val="none"/>
+        <c:minorTickMark val="none"/>
+        <c:tickLblPos val="nextTo"/>
+        <c:spPr>
+          <a:ln/>
+        </c:spPr>
+        <c:txPr>
+          <a:bodyPr/>
+          <a:lstStyle/>
+          <a:p>
+            <a:pPr lvl="0">
+              <a:defRPr b="0">
+                <a:solidFill>
+                  <a:srgbClr val="000000"/>
+                </a:solidFill>
+                <a:latin typeface="+mn-lt"/>
+              </a:defRPr>
+            </a:pPr>
+            <a:endParaRPr lang="en-US"/>
+          </a:p>
+        </c:txPr>
+        <c:crossAx val="1133477203"/>
+        <c:crosses val="autoZero"/>
+        <c:crossBetween val="between"/>
+      </c:valAx>
+    </c:plotArea>
+    <c:plotVisOnly val="1"/>
+    <c:dispBlanksAs val="zero"/>
+    <c:showDLblsOverMax val="1"/>
+  </c:chart>
+  <c:externalData r:id="rId1">
+    <c:autoUpdate val="0"/>
+  </c:externalData>
+</c:chartSpace>
+</file>
+
+<file path=ppt/charts/chart3.xml><?xml version="1.0" encoding="utf-8"?>
+<c:chartSpace xmlns:c="http://schemas.openxmlformats.org/drawingml/2006/chart" xmlns:a="http://schemas.openxmlformats.org/drawingml/2006/main" xmlns:r="http://schemas.openxmlformats.org/officeDocument/2006/relationships" xmlns:c16r2="http://schemas.microsoft.com/office/drawing/2015/06/chart">
+  <c:date1904 val="0"/>
+  <c:lang val="en-US"/>
+  <c:roundedCorners val="1"/>
+  <mc:AlternateContent xmlns:mc="http://schemas.openxmlformats.org/markup-compatibility/2006">
+    <mc:Choice xmlns:c14="http://schemas.microsoft.com/office/drawing/2007/8/2/chart" Requires="c14">
+      <c14:style val="102"/>
+    </mc:Choice>
+    <mc:Fallback>
+      <c:style val="2"/>
+    </mc:Fallback>
+  </mc:AlternateContent>
+  <c:chart>
+    <c:title>
+      <c:tx>
+        <c:rich>
+          <a:bodyPr/>
+          <a:lstStyle/>
+          <a:p>
+            <a:pPr>
+              <a:defRPr/>
+            </a:pPr>
+            <a:r>
+              <a:rPr lang="en-US" sz="1050" dirty="0" smtClean="0"/>
+              <a:t>Singapore</a:t>
+            </a:r>
+            <a:endParaRPr lang="en-US" sz="1050" dirty="0"/>
+          </a:p>
+        </c:rich>
+      </c:tx>
+      <c:layout/>
+      <c:overlay val="0"/>
+    </c:title>
+    <c:autoTitleDeleted val="0"/>
+    <c:plotArea>
+      <c:layout/>
+      <c:lineChart>
+        <c:grouping val="standard"/>
+        <c:varyColors val="1"/>
+        <c:ser>
+          <c:idx val="0"/>
+          <c:order val="0"/>
+          <c:tx>
+            <c:strRef>
+              <c:f>'[GDP Computation.xlsx]Singapore'!$U$2:$U$3</c:f>
+              <c:strCache>
+                <c:ptCount val="2"/>
+                <c:pt idx="0">
+                  <c:v>gdp</c:v>
+                </c:pt>
+              </c:strCache>
+            </c:strRef>
+          </c:tx>
+          <c:marker>
+            <c:symbol val="none"/>
+          </c:marker>
+          <c:cat>
+            <c:strRef>
+              <c:f>'[GDP Computation.xlsx]Singapore'!$T$4:$T$10</c:f>
+              <c:strCache>
+                <c:ptCount val="7"/>
+                <c:pt idx="0">
+                  <c:v>2018Q4</c:v>
+                </c:pt>
+                <c:pt idx="1">
+                  <c:v>2019Q1</c:v>
+                </c:pt>
+                <c:pt idx="2">
+                  <c:v>2019Q2</c:v>
+                </c:pt>
+                <c:pt idx="3">
+                  <c:v>2019Q3</c:v>
+                </c:pt>
+                <c:pt idx="4">
+                  <c:v>2019Q4</c:v>
+                </c:pt>
+                <c:pt idx="5">
+                  <c:v>2020Q1</c:v>
+                </c:pt>
+                <c:pt idx="6">
+                  <c:v>2020Q2</c:v>
+                </c:pt>
+              </c:strCache>
+            </c:strRef>
+          </c:cat>
+          <c:val>
+            <c:numRef>
+              <c:f>'[GDP Computation.xlsx]Singapore'!$U$4:$U$10</c:f>
+              <c:numCache>
+                <c:formatCode>General</c:formatCode>
+                <c:ptCount val="7"/>
+                <c:pt idx="0">
+                  <c:v>-0.8</c:v>
+                </c:pt>
+                <c:pt idx="1">
+                  <c:v>2.2999999999999998</c:v>
+                </c:pt>
+                <c:pt idx="2">
+                  <c:v>-0.8</c:v>
+                </c:pt>
+                <c:pt idx="3">
+                  <c:v>2.2000000000000002</c:v>
+                </c:pt>
+                <c:pt idx="4">
+                  <c:v>0.6</c:v>
+                </c:pt>
+                <c:pt idx="5">
+                  <c:v>-4.7</c:v>
+                </c:pt>
+              </c:numCache>
+            </c:numRef>
+          </c:val>
+          <c:smooth val="0"/>
+          <c:extLst>
+            <c:ext xmlns:c16="http://schemas.microsoft.com/office/drawing/2014/chart" uri="{C3380CC4-5D6E-409C-BE32-E72D297353CC}">
+              <c16:uniqueId val="{00000000-6088-4C00-8433-3BBC214303B2}"/>
+            </c:ext>
+          </c:extLst>
+        </c:ser>
+        <c:ser>
+          <c:idx val="1"/>
+          <c:order val="1"/>
+          <c:tx>
+            <c:strRef>
+              <c:f>'[GDP Computation.xlsx]Singapore'!$V$2:$V$3</c:f>
+              <c:strCache>
+                <c:ptCount val="2"/>
+                <c:pt idx="0">
+                  <c:v>predicted gdp</c:v>
+                </c:pt>
+              </c:strCache>
+            </c:strRef>
+          </c:tx>
+          <c:marker>
+            <c:symbol val="none"/>
+          </c:marker>
+          <c:cat>
+            <c:strRef>
+              <c:f>'[GDP Computation.xlsx]Singapore'!$T$4:$T$10</c:f>
+              <c:strCache>
+                <c:ptCount val="7"/>
+                <c:pt idx="0">
+                  <c:v>2018Q4</c:v>
+                </c:pt>
+                <c:pt idx="1">
+                  <c:v>2019Q1</c:v>
+                </c:pt>
+                <c:pt idx="2">
+                  <c:v>2019Q2</c:v>
+                </c:pt>
+                <c:pt idx="3">
+                  <c:v>2019Q3</c:v>
+                </c:pt>
+                <c:pt idx="4">
+                  <c:v>2019Q4</c:v>
+                </c:pt>
+                <c:pt idx="5">
+                  <c:v>2020Q1</c:v>
+                </c:pt>
+                <c:pt idx="6">
+                  <c:v>2020Q2</c:v>
+                </c:pt>
+              </c:strCache>
+            </c:strRef>
+          </c:cat>
+          <c:val>
+            <c:numRef>
+              <c:f>'[GDP Computation.xlsx]Singapore'!$V$4:$V$10</c:f>
+              <c:numCache>
+                <c:formatCode>General</c:formatCode>
+                <c:ptCount val="7"/>
+                <c:pt idx="0">
+                  <c:v>-1.4745889999999999</c:v>
+                </c:pt>
+                <c:pt idx="1">
+                  <c:v>1.4130229999999999</c:v>
+                </c:pt>
+                <c:pt idx="2">
+                  <c:v>-0.46603099999999997</c:v>
+                </c:pt>
+                <c:pt idx="3">
+                  <c:v>2.9539960000000001</c:v>
+                </c:pt>
+                <c:pt idx="4">
+                  <c:v>0.642486</c:v>
+                </c:pt>
+                <c:pt idx="5">
+                  <c:v>-4.268885</c:v>
+                </c:pt>
+                <c:pt idx="6">
+                  <c:v>2.1660533900000001</c:v>
+                </c:pt>
+              </c:numCache>
+            </c:numRef>
+          </c:val>
+          <c:smooth val="0"/>
+          <c:extLst>
+            <c:ext xmlns:c16="http://schemas.microsoft.com/office/drawing/2014/chart" uri="{C3380CC4-5D6E-409C-BE32-E72D297353CC}">
+              <c16:uniqueId val="{00000001-6088-4C00-8433-3BBC214303B2}"/>
+            </c:ext>
+          </c:extLst>
+        </c:ser>
+        <c:dLbls>
+          <c:showLegendKey val="0"/>
+          <c:showVal val="0"/>
+          <c:showCatName val="0"/>
+          <c:showSerName val="0"/>
+          <c:showPercent val="0"/>
+          <c:showBubbleSize val="0"/>
+        </c:dLbls>
+        <c:smooth val="0"/>
+        <c:axId val="1303246263"/>
+        <c:axId val="1023012259"/>
+      </c:lineChart>
+      <c:catAx>
+        <c:axId val="1303246263"/>
+        <c:scaling>
+          <c:orientation val="minMax"/>
+        </c:scaling>
+        <c:delete val="0"/>
+        <c:axPos val="b"/>
+        <c:title>
+          <c:tx>
+            <c:rich>
+              <a:bodyPr/>
+              <a:lstStyle/>
+              <a:p>
+                <a:pPr lvl="0">
+                  <a:defRPr b="0">
+                    <a:solidFill>
+                      <a:srgbClr val="000000"/>
+                    </a:solidFill>
+                    <a:latin typeface="+mn-lt"/>
+                  </a:defRPr>
+                </a:pPr>
+                <a:endParaRPr lang="en-US"/>
+              </a:p>
+            </c:rich>
+          </c:tx>
+          <c:layout/>
+          <c:overlay val="0"/>
+        </c:title>
+        <c:numFmt formatCode="General" sourceLinked="1"/>
+        <c:majorTickMark val="none"/>
+        <c:minorTickMark val="none"/>
+        <c:tickLblPos val="low"/>
+        <c:txPr>
+          <a:bodyPr/>
+          <a:lstStyle/>
+          <a:p>
+            <a:pPr lvl="0">
+              <a:defRPr sz="600" b="0">
+                <a:solidFill>
+                  <a:srgbClr val="000000"/>
+                </a:solidFill>
+                <a:latin typeface="+mn-lt"/>
+              </a:defRPr>
+            </a:pPr>
+            <a:endParaRPr lang="en-US"/>
+          </a:p>
+        </c:txPr>
+        <c:crossAx val="1023012259"/>
+        <c:crosses val="autoZero"/>
+        <c:auto val="1"/>
+        <c:lblAlgn val="ctr"/>
+        <c:lblOffset val="100"/>
+        <c:noMultiLvlLbl val="1"/>
+      </c:catAx>
+      <c:valAx>
+        <c:axId val="1023012259"/>
+        <c:scaling>
+          <c:orientation val="minMax"/>
+        </c:scaling>
+        <c:delete val="0"/>
+        <c:axPos val="l"/>
+        <c:majorGridlines>
+          <c:spPr>
+            <a:ln>
+              <a:solidFill>
+                <a:srgbClr val="B7B7B7"/>
+              </a:solidFill>
+            </a:ln>
+          </c:spPr>
+        </c:majorGridlines>
+        <c:minorGridlines>
+          <c:spPr>
+            <a:ln>
+              <a:solidFill>
+                <a:srgbClr val="CCCCCC">
+                  <a:alpha val="0"/>
+                </a:srgbClr>
+              </a:solidFill>
+            </a:ln>
+          </c:spPr>
+        </c:minorGridlines>
+        <c:title>
+          <c:tx>
+            <c:rich>
+              <a:bodyPr/>
+              <a:lstStyle/>
+              <a:p>
+                <a:pPr lvl="0">
+                  <a:defRPr b="0">
+                    <a:solidFill>
+                      <a:srgbClr val="000000"/>
+                    </a:solidFill>
+                    <a:latin typeface="+mn-lt"/>
+                  </a:defRPr>
+                </a:pPr>
+                <a:endParaRPr lang="en-US"/>
+              </a:p>
+            </c:rich>
+          </c:tx>
+          <c:layout/>
+          <c:overlay val="0"/>
+        </c:title>
+        <c:numFmt formatCode="General" sourceLinked="1"/>
+        <c:majorTickMark val="none"/>
+        <c:minorTickMark val="none"/>
+        <c:tickLblPos val="nextTo"/>
+        <c:spPr>
+          <a:ln/>
+        </c:spPr>
+        <c:txPr>
+          <a:bodyPr/>
+          <a:lstStyle/>
+          <a:p>
+            <a:pPr lvl="0">
+              <a:defRPr b="0">
+                <a:solidFill>
+                  <a:srgbClr val="000000"/>
+                </a:solidFill>
+                <a:latin typeface="+mn-lt"/>
+              </a:defRPr>
+            </a:pPr>
+            <a:endParaRPr lang="en-US"/>
+          </a:p>
+        </c:txPr>
+        <c:crossAx val="1303246263"/>
+        <c:crosses val="autoZero"/>
+        <c:crossBetween val="between"/>
+      </c:valAx>
+    </c:plotArea>
+    <c:plotVisOnly val="1"/>
+    <c:dispBlanksAs val="zero"/>
+    <c:showDLblsOverMax val="1"/>
+  </c:chart>
+  <c:externalData r:id="rId1">
+    <c:autoUpdate val="0"/>
+  </c:externalData>
+</c:chartSpace>
+</file>
+
+<file path=ppt/charts/chart4.xml><?xml version="1.0" encoding="utf-8"?>
+<c:chartSpace xmlns:c="http://schemas.openxmlformats.org/drawingml/2006/chart" xmlns:a="http://schemas.openxmlformats.org/drawingml/2006/main" xmlns:r="http://schemas.openxmlformats.org/officeDocument/2006/relationships" xmlns:c16r2="http://schemas.microsoft.com/office/drawing/2015/06/chart">
+  <c:date1904 val="0"/>
+  <c:lang val="en-US"/>
+  <c:roundedCorners val="1"/>
+  <mc:AlternateContent xmlns:mc="http://schemas.openxmlformats.org/markup-compatibility/2006">
+    <mc:Choice xmlns:c14="http://schemas.microsoft.com/office/drawing/2007/8/2/chart" Requires="c14">
+      <c14:style val="102"/>
+    </mc:Choice>
+    <mc:Fallback>
+      <c:style val="2"/>
+    </mc:Fallback>
+  </mc:AlternateContent>
+  <c:chart>
+    <c:title>
+      <c:tx>
+        <c:rich>
+          <a:bodyPr/>
+          <a:lstStyle/>
+          <a:p>
+            <a:pPr>
+              <a:defRPr/>
+            </a:pPr>
+            <a:r>
+              <a:rPr lang="en-US" sz="1050" dirty="0" smtClean="0"/>
+              <a:t>Japan</a:t>
+            </a:r>
+            <a:endParaRPr lang="en-US" sz="1050" dirty="0"/>
+          </a:p>
+        </c:rich>
+      </c:tx>
+      <c:layout/>
+      <c:overlay val="0"/>
+    </c:title>
+    <c:autoTitleDeleted val="0"/>
+    <c:plotArea>
+      <c:layout/>
+      <c:lineChart>
+        <c:grouping val="standard"/>
+        <c:varyColors val="1"/>
+        <c:ser>
+          <c:idx val="0"/>
+          <c:order val="0"/>
+          <c:tx>
+            <c:strRef>
+              <c:f>'[GDP Computation.xlsx]Japan'!$T$1:$T$2</c:f>
+              <c:strCache>
+                <c:ptCount val="2"/>
+                <c:pt idx="0">
+                  <c:v>GDP</c:v>
+                </c:pt>
+              </c:strCache>
+            </c:strRef>
+          </c:tx>
+          <c:marker>
+            <c:symbol val="none"/>
+          </c:marker>
+          <c:val>
+            <c:numRef>
+              <c:f>'[GDP Computation.xlsx]Japan'!$T$3:$T$9</c:f>
+              <c:numCache>
+                <c:formatCode>General</c:formatCode>
+                <c:ptCount val="7"/>
+                <c:pt idx="0">
+                  <c:v>0.6</c:v>
+                </c:pt>
+                <c:pt idx="1">
+                  <c:v>0.6</c:v>
+                </c:pt>
+                <c:pt idx="2">
+                  <c:v>0.5</c:v>
+                </c:pt>
+                <c:pt idx="3">
+                  <c:v>0</c:v>
+                </c:pt>
+                <c:pt idx="4">
+                  <c:v>-1.9</c:v>
+                </c:pt>
+                <c:pt idx="5">
+                  <c:v>-0.9</c:v>
+                </c:pt>
+              </c:numCache>
+            </c:numRef>
+          </c:val>
+          <c:smooth val="0"/>
+          <c:extLst>
+            <c:ext xmlns:c16="http://schemas.microsoft.com/office/drawing/2014/chart" uri="{C3380CC4-5D6E-409C-BE32-E72D297353CC}">
+              <c16:uniqueId val="{00000000-5E98-4B31-BDBB-4D37F8074DF3}"/>
+            </c:ext>
+          </c:extLst>
+        </c:ser>
+        <c:ser>
+          <c:idx val="1"/>
+          <c:order val="1"/>
+          <c:tx>
+            <c:strRef>
+              <c:f>'[GDP Computation.xlsx]Japan'!$U$1:$U$2</c:f>
+              <c:strCache>
+                <c:ptCount val="2"/>
+                <c:pt idx="0">
+                  <c:v>Predicted</c:v>
+                </c:pt>
+              </c:strCache>
+            </c:strRef>
+          </c:tx>
+          <c:marker>
+            <c:symbol val="none"/>
+          </c:marker>
+          <c:val>
+            <c:numRef>
+              <c:f>'[GDP Computation.xlsx]Japan'!$U$3:$U$9</c:f>
+              <c:numCache>
+                <c:formatCode>General</c:formatCode>
+                <c:ptCount val="7"/>
+                <c:pt idx="0">
+                  <c:v>0.71658999999999995</c:v>
+                </c:pt>
+                <c:pt idx="1">
+                  <c:v>0.47378300000000001</c:v>
+                </c:pt>
+                <c:pt idx="2">
+                  <c:v>-8.2810000000000002E-3</c:v>
+                </c:pt>
+                <c:pt idx="3">
+                  <c:v>-0.32007200000000002</c:v>
+                </c:pt>
+                <c:pt idx="4">
+                  <c:v>-0.32007200000000002</c:v>
+                </c:pt>
+                <c:pt idx="5">
+                  <c:v>-9.2002E-2</c:v>
+                </c:pt>
+                <c:pt idx="6">
+                  <c:v>-0.50750715000000002</c:v>
+                </c:pt>
+              </c:numCache>
+            </c:numRef>
+          </c:val>
+          <c:smooth val="0"/>
+          <c:extLst>
+            <c:ext xmlns:c16="http://schemas.microsoft.com/office/drawing/2014/chart" uri="{C3380CC4-5D6E-409C-BE32-E72D297353CC}">
+              <c16:uniqueId val="{00000001-5E98-4B31-BDBB-4D37F8074DF3}"/>
+            </c:ext>
+          </c:extLst>
+        </c:ser>
+        <c:dLbls>
+          <c:showLegendKey val="0"/>
+          <c:showVal val="0"/>
+          <c:showCatName val="0"/>
+          <c:showSerName val="0"/>
+          <c:showPercent val="0"/>
+          <c:showBubbleSize val="0"/>
+        </c:dLbls>
+        <c:smooth val="0"/>
+        <c:axId val="2108864249"/>
+        <c:axId val="804326217"/>
+      </c:lineChart>
+      <c:catAx>
+        <c:axId val="2108864249"/>
+        <c:scaling>
+          <c:orientation val="minMax"/>
+        </c:scaling>
+        <c:delete val="0"/>
+        <c:axPos val="b"/>
+        <c:title>
+          <c:tx>
+            <c:rich>
+              <a:bodyPr/>
+              <a:lstStyle/>
+              <a:p>
+                <a:pPr lvl="0">
+                  <a:defRPr b="0">
+                    <a:solidFill>
+                      <a:srgbClr val="000000"/>
+                    </a:solidFill>
+                    <a:latin typeface="+mn-lt"/>
+                  </a:defRPr>
+                </a:pPr>
+                <a:endParaRPr lang="en-US"/>
+              </a:p>
+            </c:rich>
+          </c:tx>
+          <c:layout/>
+          <c:overlay val="0"/>
+        </c:title>
+        <c:majorTickMark val="none"/>
+        <c:minorTickMark val="none"/>
+        <c:tickLblPos val="low"/>
+        <c:txPr>
+          <a:bodyPr/>
+          <a:lstStyle/>
+          <a:p>
+            <a:pPr lvl="0">
+              <a:defRPr b="0">
+                <a:solidFill>
+                  <a:srgbClr val="000000"/>
+                </a:solidFill>
+                <a:latin typeface="+mn-lt"/>
+              </a:defRPr>
+            </a:pPr>
+            <a:endParaRPr lang="en-US"/>
+          </a:p>
+        </c:txPr>
+        <c:crossAx val="804326217"/>
+        <c:crosses val="autoZero"/>
+        <c:auto val="1"/>
+        <c:lblAlgn val="ctr"/>
+        <c:lblOffset val="100"/>
+        <c:noMultiLvlLbl val="1"/>
+      </c:catAx>
+      <c:valAx>
+        <c:axId val="804326217"/>
+        <c:scaling>
+          <c:orientation val="minMax"/>
+        </c:scaling>
+        <c:delete val="0"/>
+        <c:axPos val="l"/>
+        <c:majorGridlines>
+          <c:spPr>
+            <a:ln>
+              <a:solidFill>
+                <a:srgbClr val="B7B7B7"/>
+              </a:solidFill>
+            </a:ln>
+          </c:spPr>
+        </c:majorGridlines>
+        <c:minorGridlines>
+          <c:spPr>
+            <a:ln>
+              <a:solidFill>
+                <a:srgbClr val="CCCCCC">
+                  <a:alpha val="0"/>
+                </a:srgbClr>
+              </a:solidFill>
+            </a:ln>
+          </c:spPr>
+        </c:minorGridlines>
+        <c:title>
+          <c:tx>
+            <c:rich>
+              <a:bodyPr/>
+              <a:lstStyle/>
+              <a:p>
+                <a:pPr lvl="0">
+                  <a:defRPr b="0">
+                    <a:solidFill>
+                      <a:srgbClr val="000000"/>
+                    </a:solidFill>
+                    <a:latin typeface="+mn-lt"/>
+                  </a:defRPr>
+                </a:pPr>
+                <a:endParaRPr lang="en-US"/>
+              </a:p>
+            </c:rich>
+          </c:tx>
+          <c:layout/>
+          <c:overlay val="0"/>
+        </c:title>
+        <c:numFmt formatCode="General" sourceLinked="1"/>
+        <c:majorTickMark val="none"/>
+        <c:minorTickMark val="none"/>
+        <c:tickLblPos val="low"/>
+        <c:spPr>
+          <a:ln/>
+        </c:spPr>
+        <c:txPr>
+          <a:bodyPr/>
+          <a:lstStyle/>
+          <a:p>
+            <a:pPr lvl="0">
+              <a:defRPr b="0">
+                <a:solidFill>
+                  <a:srgbClr val="000000"/>
+                </a:solidFill>
+                <a:latin typeface="+mn-lt"/>
+              </a:defRPr>
+            </a:pPr>
+            <a:endParaRPr lang="en-US"/>
+          </a:p>
+        </c:txPr>
+        <c:crossAx val="2108864249"/>
+        <c:crosses val="autoZero"/>
+        <c:crossBetween val="between"/>
+      </c:valAx>
+    </c:plotArea>
+    <c:plotVisOnly val="1"/>
+    <c:dispBlanksAs val="zero"/>
+    <c:showDLblsOverMax val="1"/>
+  </c:chart>
+  <c:externalData r:id="rId1">
+    <c:autoUpdate val="0"/>
+  </c:externalData>
+</c:chartSpace>
+</file>
+
+<file path=ppt/charts/chart5.xml><?xml version="1.0" encoding="utf-8"?>
+<c:chartSpace xmlns:c="http://schemas.openxmlformats.org/drawingml/2006/chart" xmlns:a="http://schemas.openxmlformats.org/drawingml/2006/main" xmlns:r="http://schemas.openxmlformats.org/officeDocument/2006/relationships" xmlns:c16r2="http://schemas.microsoft.com/office/drawing/2015/06/chart">
+  <c:date1904 val="0"/>
+  <c:lang val="en-US"/>
+  <c:roundedCorners val="1"/>
+  <mc:AlternateContent xmlns:mc="http://schemas.openxmlformats.org/markup-compatibility/2006">
+    <mc:Choice xmlns:c14="http://schemas.microsoft.com/office/drawing/2007/8/2/chart" Requires="c14">
+      <c14:style val="102"/>
+    </mc:Choice>
+    <mc:Fallback>
+      <c:style val="2"/>
+    </mc:Fallback>
+  </mc:AlternateContent>
+  <c:chart>
+    <c:title>
+      <c:tx>
+        <c:rich>
+          <a:bodyPr/>
+          <a:lstStyle/>
+          <a:p>
+            <a:pPr>
+              <a:defRPr/>
+            </a:pPr>
+            <a:r>
+              <a:rPr lang="en-US" sz="1050" dirty="0" smtClean="0"/>
+              <a:t>Italy</a:t>
+            </a:r>
+            <a:endParaRPr lang="en-US" sz="1050" dirty="0"/>
+          </a:p>
+        </c:rich>
+      </c:tx>
+      <c:layout/>
+      <c:overlay val="0"/>
+    </c:title>
+    <c:autoTitleDeleted val="0"/>
+    <c:plotArea>
+      <c:layout/>
+      <c:lineChart>
+        <c:grouping val="standard"/>
+        <c:varyColors val="1"/>
+        <c:ser>
+          <c:idx val="0"/>
+          <c:order val="0"/>
+          <c:tx>
+            <c:strRef>
+              <c:f>'[GDP Computation.xlsx]Italy'!$Q$1:$Q$2</c:f>
+              <c:strCache>
+                <c:ptCount val="2"/>
+                <c:pt idx="0">
+                  <c:v>GDP</c:v>
+                </c:pt>
+              </c:strCache>
+            </c:strRef>
+          </c:tx>
+          <c:marker>
+            <c:symbol val="none"/>
+          </c:marker>
+          <c:cat>
+            <c:strRef>
+              <c:f>'[GDP Computation.xlsx]Italy'!$P$3:$P$9</c:f>
+              <c:strCache>
+                <c:ptCount val="7"/>
+                <c:pt idx="0">
+                  <c:v>2018Q4</c:v>
+                </c:pt>
+                <c:pt idx="1">
+                  <c:v>2019Q1</c:v>
+                </c:pt>
+                <c:pt idx="2">
+                  <c:v>2019Q2</c:v>
+                </c:pt>
+                <c:pt idx="3">
+                  <c:v>2019Q3</c:v>
+                </c:pt>
+                <c:pt idx="4">
+                  <c:v>2019Q4</c:v>
+                </c:pt>
+                <c:pt idx="5">
+                  <c:v>2020Q1</c:v>
+                </c:pt>
+                <c:pt idx="6">
+                  <c:v>2020Q2</c:v>
+                </c:pt>
+              </c:strCache>
+            </c:strRef>
+          </c:cat>
+          <c:val>
+            <c:numRef>
+              <c:f>'[GDP Computation.xlsx]Italy'!$Q$3:$Q$9</c:f>
+              <c:numCache>
+                <c:formatCode>General</c:formatCode>
+                <c:ptCount val="7"/>
+                <c:pt idx="0">
+                  <c:v>0.1</c:v>
+                </c:pt>
+                <c:pt idx="1">
+                  <c:v>0.2</c:v>
+                </c:pt>
+                <c:pt idx="2">
+                  <c:v>0.1</c:v>
+                </c:pt>
+                <c:pt idx="3">
+                  <c:v>0.1</c:v>
+                </c:pt>
+                <c:pt idx="4">
+                  <c:v>-0.3</c:v>
+                </c:pt>
+                <c:pt idx="5">
+                  <c:v>-4.7</c:v>
+                </c:pt>
+              </c:numCache>
+            </c:numRef>
+          </c:val>
+          <c:smooth val="0"/>
+          <c:extLst>
+            <c:ext xmlns:c16="http://schemas.microsoft.com/office/drawing/2014/chart" uri="{C3380CC4-5D6E-409C-BE32-E72D297353CC}">
+              <c16:uniqueId val="{00000000-4954-4AFA-A9F7-8921676EB7FA}"/>
+            </c:ext>
+          </c:extLst>
+        </c:ser>
+        <c:ser>
+          <c:idx val="1"/>
+          <c:order val="1"/>
+          <c:tx>
+            <c:strRef>
+              <c:f>'[GDP Computation.xlsx]Italy'!$R$1:$R$2</c:f>
+              <c:strCache>
+                <c:ptCount val="2"/>
+                <c:pt idx="0">
+                  <c:v>Predicted</c:v>
+                </c:pt>
+              </c:strCache>
+            </c:strRef>
+          </c:tx>
+          <c:marker>
+            <c:symbol val="none"/>
+          </c:marker>
+          <c:cat>
+            <c:strRef>
+              <c:f>'[GDP Computation.xlsx]Italy'!$P$3:$P$9</c:f>
+              <c:strCache>
+                <c:ptCount val="7"/>
+                <c:pt idx="0">
+                  <c:v>2018Q4</c:v>
+                </c:pt>
+                <c:pt idx="1">
+                  <c:v>2019Q1</c:v>
+                </c:pt>
+                <c:pt idx="2">
+                  <c:v>2019Q2</c:v>
+                </c:pt>
+                <c:pt idx="3">
+                  <c:v>2019Q3</c:v>
+                </c:pt>
+                <c:pt idx="4">
+                  <c:v>2019Q4</c:v>
+                </c:pt>
+                <c:pt idx="5">
+                  <c:v>2020Q1</c:v>
+                </c:pt>
+                <c:pt idx="6">
+                  <c:v>2020Q2</c:v>
+                </c:pt>
+              </c:strCache>
+            </c:strRef>
+          </c:cat>
+          <c:val>
+            <c:numRef>
+              <c:f>'[GDP Computation.xlsx]Italy'!$R$3:$R$9</c:f>
+              <c:numCache>
+                <c:formatCode>General</c:formatCode>
+                <c:ptCount val="7"/>
+                <c:pt idx="0">
+                  <c:v>-1.429073</c:v>
+                </c:pt>
+                <c:pt idx="1">
+                  <c:v>-3.9052000000000003E-2</c:v>
+                </c:pt>
+                <c:pt idx="2">
+                  <c:v>7.6783000000000004E-2</c:v>
+                </c:pt>
+                <c:pt idx="3">
+                  <c:v>0.59262499999999996</c:v>
+                </c:pt>
+                <c:pt idx="4">
+                  <c:v>0.33074900000000002</c:v>
+                </c:pt>
+                <c:pt idx="5">
+                  <c:v>-4.0320309999999999</c:v>
+                </c:pt>
+                <c:pt idx="6">
+                  <c:v>12.3668785</c:v>
+                </c:pt>
+              </c:numCache>
+            </c:numRef>
+          </c:val>
+          <c:smooth val="0"/>
+          <c:extLst>
+            <c:ext xmlns:c16="http://schemas.microsoft.com/office/drawing/2014/chart" uri="{C3380CC4-5D6E-409C-BE32-E72D297353CC}">
+              <c16:uniqueId val="{00000001-4954-4AFA-A9F7-8921676EB7FA}"/>
+            </c:ext>
+          </c:extLst>
+        </c:ser>
+        <c:dLbls>
+          <c:showLegendKey val="0"/>
+          <c:showVal val="0"/>
+          <c:showCatName val="0"/>
+          <c:showSerName val="0"/>
+          <c:showPercent val="0"/>
+          <c:showBubbleSize val="0"/>
+        </c:dLbls>
+        <c:smooth val="0"/>
+        <c:axId val="320789435"/>
+        <c:axId val="1118877776"/>
+      </c:lineChart>
+      <c:catAx>
+        <c:axId val="320789435"/>
+        <c:scaling>
+          <c:orientation val="minMax"/>
+        </c:scaling>
+        <c:delete val="0"/>
+        <c:axPos val="b"/>
+        <c:title>
+          <c:tx>
+            <c:rich>
+              <a:bodyPr/>
+              <a:lstStyle/>
+              <a:p>
+                <a:pPr lvl="0">
+                  <a:defRPr b="0">
+                    <a:solidFill>
+                      <a:srgbClr val="000000"/>
+                    </a:solidFill>
+                    <a:latin typeface="+mn-lt"/>
+                  </a:defRPr>
+                </a:pPr>
+                <a:endParaRPr lang="en-US"/>
+              </a:p>
+            </c:rich>
+          </c:tx>
+          <c:layout/>
+          <c:overlay val="0"/>
+        </c:title>
+        <c:numFmt formatCode="General" sourceLinked="1"/>
+        <c:majorTickMark val="none"/>
+        <c:minorTickMark val="none"/>
+        <c:tickLblPos val="low"/>
+        <c:txPr>
+          <a:bodyPr/>
+          <a:lstStyle/>
+          <a:p>
+            <a:pPr lvl="0">
+              <a:defRPr sz="700" b="0">
+                <a:solidFill>
+                  <a:srgbClr val="000000"/>
+                </a:solidFill>
+                <a:latin typeface="+mn-lt"/>
+              </a:defRPr>
+            </a:pPr>
+            <a:endParaRPr lang="en-US"/>
+          </a:p>
+        </c:txPr>
+        <c:crossAx val="1118877776"/>
+        <c:crosses val="autoZero"/>
+        <c:auto val="1"/>
+        <c:lblAlgn val="ctr"/>
+        <c:lblOffset val="100"/>
+        <c:noMultiLvlLbl val="1"/>
+      </c:catAx>
+      <c:valAx>
+        <c:axId val="1118877776"/>
+        <c:scaling>
+          <c:orientation val="minMax"/>
+        </c:scaling>
+        <c:delete val="0"/>
+        <c:axPos val="l"/>
+        <c:majorGridlines>
+          <c:spPr>
+            <a:ln>
+              <a:solidFill>
+                <a:srgbClr val="B7B7B7"/>
+              </a:solidFill>
+            </a:ln>
+          </c:spPr>
+        </c:majorGridlines>
+        <c:minorGridlines>
+          <c:spPr>
+            <a:ln>
+              <a:solidFill>
+                <a:srgbClr val="CCCCCC">
+                  <a:alpha val="0"/>
+                </a:srgbClr>
+              </a:solidFill>
+            </a:ln>
+          </c:spPr>
+        </c:minorGridlines>
+        <c:title>
+          <c:tx>
+            <c:rich>
+              <a:bodyPr/>
+              <a:lstStyle/>
+              <a:p>
+                <a:pPr lvl="0">
+                  <a:defRPr b="0">
+                    <a:solidFill>
+                      <a:srgbClr val="000000"/>
+                    </a:solidFill>
+                    <a:latin typeface="+mn-lt"/>
+                  </a:defRPr>
+                </a:pPr>
+                <a:endParaRPr lang="en-US"/>
+              </a:p>
+            </c:rich>
+          </c:tx>
+          <c:layout/>
+          <c:overlay val="0"/>
+        </c:title>
+        <c:numFmt formatCode="General" sourceLinked="1"/>
+        <c:majorTickMark val="none"/>
+        <c:minorTickMark val="none"/>
+        <c:tickLblPos val="nextTo"/>
+        <c:spPr>
+          <a:ln/>
+        </c:spPr>
+        <c:txPr>
+          <a:bodyPr/>
+          <a:lstStyle/>
+          <a:p>
+            <a:pPr lvl="0">
+              <a:defRPr b="0">
+                <a:solidFill>
+                  <a:srgbClr val="000000"/>
+                </a:solidFill>
+                <a:latin typeface="+mn-lt"/>
+              </a:defRPr>
+            </a:pPr>
+            <a:endParaRPr lang="en-US"/>
+          </a:p>
+        </c:txPr>
+        <c:crossAx val="320789435"/>
+        <c:crosses val="autoZero"/>
+        <c:crossBetween val="between"/>
+      </c:valAx>
+    </c:plotArea>
+    <c:plotVisOnly val="1"/>
+    <c:dispBlanksAs val="zero"/>
+    <c:showDLblsOverMax val="1"/>
+  </c:chart>
+  <c:externalData r:id="rId1">
+    <c:autoUpdate val="0"/>
+  </c:externalData>
+</c:chartSpace>
+</file>
+
+<file path=ppt/charts/chart6.xml><?xml version="1.0" encoding="utf-8"?>
 <c:chartSpace xmlns:c="http://schemas.openxmlformats.org/drawingml/2006/chart" xmlns:a="http://schemas.openxmlformats.org/drawingml/2006/main" xmlns:r="http://schemas.openxmlformats.org/officeDocument/2006/relationships" xmlns:c16r2="http://schemas.microsoft.com/office/drawing/2015/06/chart">
   <c:date1904 val="0"/>
   <c:lang val="en-US"/>
@@ -16744,65 +18455,14 @@
       </p:sp>
       <p:sp>
         <p:nvSpPr>
-          <p:cNvPr id="24" name="Rectangle 23"/>
-          <p:cNvSpPr/>
-          <p:nvPr/>
-        </p:nvSpPr>
-        <p:spPr>
-          <a:xfrm>
-            <a:off x="2641600" y="1557223"/>
-            <a:ext cx="2019300" cy="508000"/>
-          </a:xfrm>
-          <a:prstGeom prst="rect">
-            <a:avLst/>
-          </a:prstGeom>
-          <a:solidFill>
-            <a:schemeClr val="bg2">
-              <a:lumMod val="50000"/>
-            </a:schemeClr>
-          </a:solidFill>
-          <a:ln>
-            <a:noFill/>
-          </a:ln>
-        </p:spPr>
-        <p:style>
-          <a:lnRef idx="2">
-            <a:schemeClr val="accent1">
-              <a:shade val="50000"/>
-            </a:schemeClr>
-          </a:lnRef>
-          <a:fillRef idx="1">
-            <a:schemeClr val="accent1"/>
-          </a:fillRef>
-          <a:effectRef idx="0">
-            <a:schemeClr val="accent1"/>
-          </a:effectRef>
-          <a:fontRef idx="minor">
-            <a:schemeClr val="lt1"/>
-          </a:fontRef>
-        </p:style>
-        <p:txBody>
-          <a:bodyPr rtlCol="0" anchor="ctr"/>
-          <a:lstStyle/>
-          <a:p>
-            <a:pPr algn="ctr"/>
-            <a:r>
-              <a:rPr lang="en-US" dirty="0"/>
-              <a:t>Select Country</a:t>
-            </a:r>
-          </a:p>
-        </p:txBody>
-      </p:sp>
-      <p:sp>
-        <p:nvSpPr>
           <p:cNvPr id="3" name="TextBox 2"/>
           <p:cNvSpPr txBox="1"/>
           <p:nvPr/>
         </p:nvSpPr>
         <p:spPr>
           <a:xfrm>
-            <a:off x="2641600" y="2260600"/>
-            <a:ext cx="2019300" cy="2246769"/>
+            <a:off x="2641599" y="1500358"/>
+            <a:ext cx="2532507" cy="1815882"/>
           </a:xfrm>
           <a:prstGeom prst="rect">
             <a:avLst/>
@@ -16831,30 +18491,6 @@
           </a:p>
         </p:txBody>
       </p:sp>
-      <p:pic>
-        <p:nvPicPr>
-          <p:cNvPr id="7" name="Picture 6"/>
-          <p:cNvPicPr>
-            <a:picLocks noChangeAspect="1"/>
-          </p:cNvPicPr>
-          <p:nvPr/>
-        </p:nvPicPr>
-        <p:blipFill>
-          <a:blip r:embed="rId2"/>
-          <a:stretch>
-            <a:fillRect/>
-          </a:stretch>
-        </p:blipFill>
-        <p:spPr>
-          <a:xfrm>
-            <a:off x="4864100" y="1600856"/>
-            <a:ext cx="6908800" cy="3983731"/>
-          </a:xfrm>
-          <a:prstGeom prst="rect">
-            <a:avLst/>
-          </a:prstGeom>
-        </p:spPr>
-      </p:pic>
       <p:sp>
         <p:nvSpPr>
           <p:cNvPr id="14" name="TextBox 13"/>
@@ -16941,7 +18577,7 @@
           <p:nvPr/>
         </p:nvPicPr>
         <p:blipFill>
-          <a:blip r:embed="rId3" cstate="print">
+          <a:blip r:embed="rId2" cstate="print">
             <a:extLst>
               <a:ext uri="{28A0092B-C50C-407E-A947-70E740481C1C}">
                 <a14:useLocalDpi xmlns:a14="http://schemas.microsoft.com/office/drawing/2010/main" val="0"/>
@@ -17027,64 +18663,252 @@
           </a:p>
         </p:txBody>
       </p:sp>
-      <p:sp>
-        <p:nvSpPr>
-          <p:cNvPr id="17" name="Rectangle 16"/>
-          <p:cNvSpPr/>
+      <p:graphicFrame>
+        <p:nvGraphicFramePr>
+          <p:cNvPr id="18" name="Chart 17" title="Chart"/>
+          <p:cNvGraphicFramePr>
+            <a:graphicFrameLocks/>
+          </p:cNvGraphicFramePr>
+          <p:nvPr>
+            <p:extLst>
+              <p:ext uri="{D42A27DB-BD31-4B8C-83A1-F6EECF244321}">
+                <p14:modId xmlns:p14="http://schemas.microsoft.com/office/powerpoint/2010/main" val="1846095638"/>
+              </p:ext>
+            </p:extLst>
+          </p:nvPr>
+        </p:nvGraphicFramePr>
+        <p:xfrm>
+          <a:off x="5207298" y="753575"/>
+          <a:ext cx="3073102" cy="1900201"/>
+        </p:xfrm>
+        <a:graphic>
+          <a:graphicData uri="http://schemas.openxmlformats.org/drawingml/2006/chart">
+            <c:chart xmlns:c="http://schemas.openxmlformats.org/drawingml/2006/chart" xmlns:r="http://schemas.openxmlformats.org/officeDocument/2006/relationships" r:id="rId3"/>
+          </a:graphicData>
+        </a:graphic>
+      </p:graphicFrame>
+      <p:graphicFrame>
+        <p:nvGraphicFramePr>
+          <p:cNvPr id="20" name="Chart 19" title="Chart"/>
+          <p:cNvGraphicFramePr>
+            <a:graphicFrameLocks/>
+          </p:cNvGraphicFramePr>
+          <p:nvPr>
+            <p:extLst>
+              <p:ext uri="{D42A27DB-BD31-4B8C-83A1-F6EECF244321}">
+                <p14:modId xmlns:p14="http://schemas.microsoft.com/office/powerpoint/2010/main" val="754455903"/>
+              </p:ext>
+            </p:extLst>
+          </p:nvPr>
+        </p:nvGraphicFramePr>
+        <p:xfrm>
+          <a:off x="8306098" y="702567"/>
+          <a:ext cx="3073101" cy="1951209"/>
+        </p:xfrm>
+        <a:graphic>
+          <a:graphicData uri="http://schemas.openxmlformats.org/drawingml/2006/chart">
+            <c:chart xmlns:c="http://schemas.openxmlformats.org/drawingml/2006/chart" xmlns:r="http://schemas.openxmlformats.org/officeDocument/2006/relationships" r:id="rId4"/>
+          </a:graphicData>
+        </a:graphic>
+      </p:graphicFrame>
+      <p:graphicFrame>
+        <p:nvGraphicFramePr>
+          <p:cNvPr id="25" name="Chart 24" title="Chart"/>
+          <p:cNvGraphicFramePr>
+            <a:graphicFrameLocks/>
+          </p:cNvGraphicFramePr>
+          <p:nvPr>
+            <p:extLst>
+              <p:ext uri="{D42A27DB-BD31-4B8C-83A1-F6EECF244321}">
+                <p14:modId xmlns:p14="http://schemas.microsoft.com/office/powerpoint/2010/main" val="3727918188"/>
+              </p:ext>
+            </p:extLst>
+          </p:nvPr>
+        </p:nvGraphicFramePr>
+        <p:xfrm>
+          <a:off x="5390007" y="2653776"/>
+          <a:ext cx="2916091" cy="1803117"/>
+        </p:xfrm>
+        <a:graphic>
+          <a:graphicData uri="http://schemas.openxmlformats.org/drawingml/2006/chart">
+            <c:chart xmlns:c="http://schemas.openxmlformats.org/drawingml/2006/chart" xmlns:r="http://schemas.openxmlformats.org/officeDocument/2006/relationships" r:id="rId5"/>
+          </a:graphicData>
+        </a:graphic>
+      </p:graphicFrame>
+      <p:graphicFrame>
+        <p:nvGraphicFramePr>
+          <p:cNvPr id="26" name="Chart 25" title="Chart"/>
+          <p:cNvGraphicFramePr>
+            <a:graphicFrameLocks/>
+          </p:cNvGraphicFramePr>
           <p:nvPr/>
-        </p:nvSpPr>
+        </p:nvGraphicFramePr>
+        <p:xfrm>
+          <a:off x="8463109" y="2724672"/>
+          <a:ext cx="2916090" cy="1617891"/>
+        </p:xfrm>
+        <a:graphic>
+          <a:graphicData uri="http://schemas.openxmlformats.org/drawingml/2006/chart">
+            <c:chart xmlns:c="http://schemas.openxmlformats.org/drawingml/2006/chart" xmlns:r="http://schemas.openxmlformats.org/officeDocument/2006/relationships" r:id="rId6"/>
+          </a:graphicData>
+        </a:graphic>
+      </p:graphicFrame>
+      <p:graphicFrame>
+        <p:nvGraphicFramePr>
+          <p:cNvPr id="28" name="Chart 27" title="Chart"/>
+          <p:cNvGraphicFramePr>
+            <a:graphicFrameLocks/>
+          </p:cNvGraphicFramePr>
+          <p:nvPr>
+            <p:extLst>
+              <p:ext uri="{D42A27DB-BD31-4B8C-83A1-F6EECF244321}">
+                <p14:modId xmlns:p14="http://schemas.microsoft.com/office/powerpoint/2010/main" val="3498804872"/>
+              </p:ext>
+            </p:extLst>
+          </p:nvPr>
+        </p:nvGraphicFramePr>
+        <p:xfrm>
+          <a:off x="5390008" y="4342563"/>
+          <a:ext cx="3098800" cy="1916091"/>
+        </p:xfrm>
+        <a:graphic>
+          <a:graphicData uri="http://schemas.openxmlformats.org/drawingml/2006/chart">
+            <c:chart xmlns:c="http://schemas.openxmlformats.org/drawingml/2006/chart" xmlns:r="http://schemas.openxmlformats.org/officeDocument/2006/relationships" r:id="rId7"/>
+          </a:graphicData>
+        </a:graphic>
+      </p:graphicFrame>
+      <p:cxnSp>
+        <p:nvCxnSpPr>
+          <p:cNvPr id="4" name="Straight Connector 3"/>
+          <p:cNvCxnSpPr/>
+          <p:nvPr/>
+        </p:nvCxnSpPr>
         <p:spPr>
           <a:xfrm>
-            <a:off x="7182998" y="0"/>
-            <a:ext cx="5009002" cy="6858000"/>
+            <a:off x="3086100" y="5138999"/>
+            <a:ext cx="1257300" cy="0"/>
           </a:xfrm>
-          <a:prstGeom prst="rect">
+          <a:prstGeom prst="line">
             <a:avLst/>
           </a:prstGeom>
-          <a:solidFill>
-            <a:schemeClr val="bg2">
-              <a:lumMod val="10000"/>
-              <a:alpha val="84000"/>
-            </a:schemeClr>
-          </a:solidFill>
+          <a:ln w="76200"/>
         </p:spPr>
         <p:style>
-          <a:lnRef idx="2">
-            <a:schemeClr val="accent1">
-              <a:shade val="50000"/>
-            </a:schemeClr>
+          <a:lnRef idx="1">
+            <a:schemeClr val="accent1"/>
           </a:lnRef>
-          <a:fillRef idx="1">
+          <a:fillRef idx="0">
             <a:schemeClr val="accent1"/>
           </a:fillRef>
           <a:effectRef idx="0">
             <a:schemeClr val="accent1"/>
           </a:effectRef>
           <a:fontRef idx="minor">
-            <a:schemeClr val="lt1"/>
+            <a:schemeClr val="tx1"/>
           </a:fontRef>
         </p:style>
+      </p:cxnSp>
+      <p:cxnSp>
+        <p:nvCxnSpPr>
+          <p:cNvPr id="29" name="Straight Connector 28"/>
+          <p:cNvCxnSpPr/>
+          <p:nvPr/>
+        </p:nvCxnSpPr>
+        <p:spPr>
+          <a:xfrm>
+            <a:off x="3086100" y="5558099"/>
+            <a:ext cx="1257300" cy="0"/>
+          </a:xfrm>
+          <a:prstGeom prst="line">
+            <a:avLst/>
+          </a:prstGeom>
+          <a:ln w="76200">
+            <a:solidFill>
+              <a:schemeClr val="accent2"/>
+            </a:solidFill>
+          </a:ln>
+        </p:spPr>
+        <p:style>
+          <a:lnRef idx="1">
+            <a:schemeClr val="accent1"/>
+          </a:lnRef>
+          <a:fillRef idx="0">
+            <a:schemeClr val="accent1"/>
+          </a:fillRef>
+          <a:effectRef idx="0">
+            <a:schemeClr val="accent1"/>
+          </a:effectRef>
+          <a:fontRef idx="minor">
+            <a:schemeClr val="tx1"/>
+          </a:fontRef>
+        </p:style>
+      </p:cxnSp>
+      <p:sp>
+        <p:nvSpPr>
+          <p:cNvPr id="7" name="TextBox 6"/>
+          <p:cNvSpPr txBox="1"/>
+          <p:nvPr/>
+        </p:nvSpPr>
+        <p:spPr>
+          <a:xfrm>
+            <a:off x="3175000" y="4872299"/>
+            <a:ext cx="1168400" cy="276999"/>
+          </a:xfrm>
+          <a:prstGeom prst="rect">
+            <a:avLst/>
+          </a:prstGeom>
+          <a:noFill/>
+        </p:spPr>
         <p:txBody>
-          <a:bodyPr rtlCol="0" anchor="t"/>
+          <a:bodyPr wrap="square" rtlCol="0">
+            <a:spAutoFit/>
+          </a:bodyPr>
           <a:lstStyle/>
           <a:p>
-            <a:endParaRPr lang="en-US" sz="2400" dirty="0"/>
-          </a:p>
-          <a:p>
+            <a:pPr algn="ctr"/>
             <a:r>
-              <a:rPr lang="en-US" sz="2400" dirty="0"/>
-              <a:t>GIDEON is an integrated public policy information portal that aims to measure the impact of COVID on various countries and its effect in economic and environmental terms. The countries that are able to contain COVID while keeping their economy afloat with minimal impact to the environment stand the best chance of sustainably bouncing back after this crisis. </a:t>
+              <a:rPr lang="en-US" sz="1200" dirty="0" smtClean="0"/>
+              <a:t>Current</a:t>
             </a:r>
-          </a:p>
-          <a:p>
-            <a:endParaRPr lang="en-US" sz="2400" dirty="0"/>
+            <a:endParaRPr lang="en-US" sz="1200" dirty="0"/>
+          </a:p>
+        </p:txBody>
+      </p:sp>
+      <p:sp>
+        <p:nvSpPr>
+          <p:cNvPr id="30" name="TextBox 29"/>
+          <p:cNvSpPr txBox="1"/>
+          <p:nvPr/>
+        </p:nvSpPr>
+        <p:spPr>
+          <a:xfrm>
+            <a:off x="3175000" y="5260849"/>
+            <a:ext cx="1168400" cy="276999"/>
+          </a:xfrm>
+          <a:prstGeom prst="rect">
+            <a:avLst/>
+          </a:prstGeom>
+          <a:noFill/>
+        </p:spPr>
+        <p:txBody>
+          <a:bodyPr wrap="square" rtlCol="0">
+            <a:spAutoFit/>
+          </a:bodyPr>
+          <a:lstStyle/>
+          <a:p>
+            <a:pPr algn="ctr"/>
+            <a:r>
+              <a:rPr lang="en-US" sz="1200" dirty="0" smtClean="0"/>
+              <a:t>Predicted GDP</a:t>
+            </a:r>
+            <a:endParaRPr lang="en-US" sz="1200" dirty="0"/>
           </a:p>
         </p:txBody>
       </p:sp>
     </p:spTree>
     <p:extLst>
       <p:ext uri="{BB962C8B-B14F-4D97-AF65-F5344CB8AC3E}">
-        <p14:creationId xmlns:p14="http://schemas.microsoft.com/office/powerpoint/2010/main" val="1239031180"/>
+        <p14:creationId xmlns:p14="http://schemas.microsoft.com/office/powerpoint/2010/main" val="1152169160"/>
       </p:ext>
     </p:extLst>
   </p:cSld>
@@ -17094,88 +18918,9 @@
   <p:timing>
     <p:tnLst>
       <p:par>
-        <p:cTn id="1" dur="indefinite" restart="never" nodeType="tmRoot">
-          <p:childTnLst>
-            <p:seq concurrent="1" nextAc="seek">
-              <p:cTn id="2" dur="indefinite" nodeType="mainSeq">
-                <p:childTnLst>
-                  <p:par>
-                    <p:cTn id="3" fill="hold">
-                      <p:stCondLst>
-                        <p:cond delay="indefinite"/>
-                      </p:stCondLst>
-                      <p:childTnLst>
-                        <p:par>
-                          <p:cTn id="4" fill="hold">
-                            <p:stCondLst>
-                              <p:cond delay="0"/>
-                            </p:stCondLst>
-                            <p:childTnLst>
-                              <p:par>
-                                <p:cTn id="5" presetID="10" presetClass="entr" presetSubtype="0" fill="hold" grpId="0" nodeType="clickEffect">
-                                  <p:stCondLst>
-                                    <p:cond delay="0"/>
-                                  </p:stCondLst>
-                                  <p:childTnLst>
-                                    <p:set>
-                                      <p:cBhvr>
-                                        <p:cTn id="6" dur="1" fill="hold">
-                                          <p:stCondLst>
-                                            <p:cond delay="0"/>
-                                          </p:stCondLst>
-                                        </p:cTn>
-                                        <p:tgtEl>
-                                          <p:spTgt spid="17"/>
-                                        </p:tgtEl>
-                                        <p:attrNameLst>
-                                          <p:attrName>style.visibility</p:attrName>
-                                        </p:attrNameLst>
-                                      </p:cBhvr>
-                                      <p:to>
-                                        <p:strVal val="visible"/>
-                                      </p:to>
-                                    </p:set>
-                                    <p:animEffect transition="in" filter="fade">
-                                      <p:cBhvr>
-                                        <p:cTn id="7" dur="500"/>
-                                        <p:tgtEl>
-                                          <p:spTgt spid="17"/>
-                                        </p:tgtEl>
-                                      </p:cBhvr>
-                                    </p:animEffect>
-                                  </p:childTnLst>
-                                </p:cTn>
-                              </p:par>
-                            </p:childTnLst>
-                          </p:cTn>
-                        </p:par>
-                      </p:childTnLst>
-                    </p:cTn>
-                  </p:par>
-                </p:childTnLst>
-              </p:cTn>
-              <p:prevCondLst>
-                <p:cond evt="onPrev" delay="0">
-                  <p:tgtEl>
-                    <p:sldTgt/>
-                  </p:tgtEl>
-                </p:cond>
-              </p:prevCondLst>
-              <p:nextCondLst>
-                <p:cond evt="onNext" delay="0">
-                  <p:tgtEl>
-                    <p:sldTgt/>
-                  </p:tgtEl>
-                </p:cond>
-              </p:nextCondLst>
-            </p:seq>
-          </p:childTnLst>
-        </p:cTn>
+        <p:cTn id="1" dur="indefinite" restart="never" nodeType="tmRoot"/>
       </p:par>
     </p:tnLst>
-    <p:bldLst>
-      <p:bldP spid="17" grpId="0" animBg="1"/>
-    </p:bldLst>
   </p:timing>
 </p:sld>
 </file>

--- a/5-slide-requirement_GIDEON.pptx
+++ b/5-slide-requirement_GIDEON.pptx
@@ -18905,6 +18905,60 @@
           </a:p>
         </p:txBody>
       </p:sp>
+      <p:sp>
+        <p:nvSpPr>
+          <p:cNvPr id="31" name="Rectangle 30"/>
+          <p:cNvSpPr/>
+          <p:nvPr/>
+        </p:nvSpPr>
+        <p:spPr>
+          <a:xfrm>
+            <a:off x="-2897" y="0"/>
+            <a:ext cx="5009002" cy="6858000"/>
+          </a:xfrm>
+          <a:prstGeom prst="rect">
+            <a:avLst/>
+          </a:prstGeom>
+          <a:solidFill>
+            <a:schemeClr val="bg2">
+              <a:lumMod val="10000"/>
+              <a:alpha val="84000"/>
+            </a:schemeClr>
+          </a:solidFill>
+        </p:spPr>
+        <p:style>
+          <a:lnRef idx="2">
+            <a:schemeClr val="accent1">
+              <a:shade val="50000"/>
+            </a:schemeClr>
+          </a:lnRef>
+          <a:fillRef idx="1">
+            <a:schemeClr val="accent1"/>
+          </a:fillRef>
+          <a:effectRef idx="0">
+            <a:schemeClr val="accent1"/>
+          </a:effectRef>
+          <a:fontRef idx="minor">
+            <a:schemeClr val="lt1"/>
+          </a:fontRef>
+        </p:style>
+        <p:txBody>
+          <a:bodyPr rtlCol="0" anchor="t"/>
+          <a:lstStyle/>
+          <a:p>
+            <a:endParaRPr lang="en-US" sz="2400" dirty="0"/>
+          </a:p>
+          <a:p>
+            <a:r>
+              <a:rPr lang="en-US" sz="2400" dirty="0"/>
+              <a:t>GIDEON is an integrated public policy information portal that aims to measure the impact of COVID on various countries and its effect in economic and environmental terms. The countries that are able to contain COVID while keeping their economy afloat with minimal impact to the environment stand the best chance of sustainably bouncing back after this crisis. </a:t>
+            </a:r>
+          </a:p>
+          <a:p>
+            <a:endParaRPr lang="en-US" sz="2400" dirty="0"/>
+          </a:p>
+        </p:txBody>
+      </p:sp>
     </p:spTree>
     <p:extLst>
       <p:ext uri="{BB962C8B-B14F-4D97-AF65-F5344CB8AC3E}">
@@ -18918,9 +18972,88 @@
   <p:timing>
     <p:tnLst>
       <p:par>
-        <p:cTn id="1" dur="indefinite" restart="never" nodeType="tmRoot"/>
+        <p:cTn id="1" dur="indefinite" restart="never" nodeType="tmRoot">
+          <p:childTnLst>
+            <p:seq concurrent="1" nextAc="seek">
+              <p:cTn id="2" dur="indefinite" nodeType="mainSeq">
+                <p:childTnLst>
+                  <p:par>
+                    <p:cTn id="3" fill="hold">
+                      <p:stCondLst>
+                        <p:cond delay="indefinite"/>
+                      </p:stCondLst>
+                      <p:childTnLst>
+                        <p:par>
+                          <p:cTn id="4" fill="hold">
+                            <p:stCondLst>
+                              <p:cond delay="0"/>
+                            </p:stCondLst>
+                            <p:childTnLst>
+                              <p:par>
+                                <p:cTn id="5" presetID="10" presetClass="entr" presetSubtype="0" fill="hold" grpId="0" nodeType="clickEffect">
+                                  <p:stCondLst>
+                                    <p:cond delay="0"/>
+                                  </p:stCondLst>
+                                  <p:childTnLst>
+                                    <p:set>
+                                      <p:cBhvr>
+                                        <p:cTn id="6" dur="1" fill="hold">
+                                          <p:stCondLst>
+                                            <p:cond delay="0"/>
+                                          </p:stCondLst>
+                                        </p:cTn>
+                                        <p:tgtEl>
+                                          <p:spTgt spid="31"/>
+                                        </p:tgtEl>
+                                        <p:attrNameLst>
+                                          <p:attrName>style.visibility</p:attrName>
+                                        </p:attrNameLst>
+                                      </p:cBhvr>
+                                      <p:to>
+                                        <p:strVal val="visible"/>
+                                      </p:to>
+                                    </p:set>
+                                    <p:animEffect transition="in" filter="fade">
+                                      <p:cBhvr>
+                                        <p:cTn id="7" dur="500"/>
+                                        <p:tgtEl>
+                                          <p:spTgt spid="31"/>
+                                        </p:tgtEl>
+                                      </p:cBhvr>
+                                    </p:animEffect>
+                                  </p:childTnLst>
+                                </p:cTn>
+                              </p:par>
+                            </p:childTnLst>
+                          </p:cTn>
+                        </p:par>
+                      </p:childTnLst>
+                    </p:cTn>
+                  </p:par>
+                </p:childTnLst>
+              </p:cTn>
+              <p:prevCondLst>
+                <p:cond evt="onPrev" delay="0">
+                  <p:tgtEl>
+                    <p:sldTgt/>
+                  </p:tgtEl>
+                </p:cond>
+              </p:prevCondLst>
+              <p:nextCondLst>
+                <p:cond evt="onNext" delay="0">
+                  <p:tgtEl>
+                    <p:sldTgt/>
+                  </p:tgtEl>
+                </p:cond>
+              </p:nextCondLst>
+            </p:seq>
+          </p:childTnLst>
+        </p:cTn>
       </p:par>
     </p:tnLst>
+    <p:bldLst>
+      <p:bldP spid="31" grpId="0" animBg="1"/>
+    </p:bldLst>
   </p:timing>
 </p:sld>
 </file>

--- a/5-slide-requirement_GIDEON.pptx
+++ b/5-slide-requirement_GIDEON.pptx
@@ -114,1697 +114,6 @@
     </p:ext>
   </p:extLst>
 </p:presentation>
-</file>
-
-<file path=ppt/charts/chart1.xml><?xml version="1.0" encoding="utf-8"?>
-<c:chartSpace xmlns:c="http://schemas.openxmlformats.org/drawingml/2006/chart" xmlns:a="http://schemas.openxmlformats.org/drawingml/2006/main" xmlns:r="http://schemas.openxmlformats.org/officeDocument/2006/relationships" xmlns:c16r2="http://schemas.microsoft.com/office/drawing/2015/06/chart">
-  <c:date1904 val="0"/>
-  <c:lang val="en-US"/>
-  <c:roundedCorners val="1"/>
-  <mc:AlternateContent xmlns:mc="http://schemas.openxmlformats.org/markup-compatibility/2006">
-    <mc:Choice xmlns:c14="http://schemas.microsoft.com/office/drawing/2007/8/2/chart" Requires="c14">
-      <c14:style val="102"/>
-    </mc:Choice>
-    <mc:Fallback>
-      <c:style val="2"/>
-    </mc:Fallback>
-  </mc:AlternateContent>
-  <c:chart>
-    <c:title>
-      <c:tx>
-        <c:rich>
-          <a:bodyPr/>
-          <a:lstStyle/>
-          <a:p>
-            <a:pPr>
-              <a:defRPr/>
-            </a:pPr>
-            <a:r>
-              <a:rPr lang="en-US" sz="1050" dirty="0"/>
-              <a:t>Philippines</a:t>
-            </a:r>
-          </a:p>
-        </c:rich>
-      </c:tx>
-      <c:overlay val="0"/>
-    </c:title>
-    <c:autoTitleDeleted val="0"/>
-    <c:plotArea>
-      <c:layout/>
-      <c:lineChart>
-        <c:grouping val="standard"/>
-        <c:varyColors val="1"/>
-        <c:ser>
-          <c:idx val="0"/>
-          <c:order val="0"/>
-          <c:tx>
-            <c:strRef>
-              <c:f>'[GDP Computation.xlsx]Philippines'!$O$1:$O$2</c:f>
-              <c:strCache>
-                <c:ptCount val="2"/>
-                <c:pt idx="0">
-                  <c:v>GDP</c:v>
-                </c:pt>
-              </c:strCache>
-            </c:strRef>
-          </c:tx>
-          <c:marker>
-            <c:symbol val="none"/>
-          </c:marker>
-          <c:cat>
-            <c:strRef>
-              <c:f>'[GDP Computation.xlsx]Philippines'!$N$3:$N$9</c:f>
-              <c:strCache>
-                <c:ptCount val="7"/>
-                <c:pt idx="0">
-                  <c:v>2018Q4</c:v>
-                </c:pt>
-                <c:pt idx="1">
-                  <c:v>2019Q1</c:v>
-                </c:pt>
-                <c:pt idx="2">
-                  <c:v>2019Q2</c:v>
-                </c:pt>
-                <c:pt idx="3">
-                  <c:v>2019Q3</c:v>
-                </c:pt>
-                <c:pt idx="4">
-                  <c:v>2019Q4</c:v>
-                </c:pt>
-                <c:pt idx="5">
-                  <c:v>2020Q1</c:v>
-                </c:pt>
-                <c:pt idx="6">
-                  <c:v>2020Q2</c:v>
-                </c:pt>
-              </c:strCache>
-            </c:strRef>
-          </c:cat>
-          <c:val>
-            <c:numRef>
-              <c:f>'[GDP Computation.xlsx]Philippines'!$O$3:$O$9</c:f>
-              <c:numCache>
-                <c:formatCode>General</c:formatCode>
-                <c:ptCount val="7"/>
-                <c:pt idx="0">
-                  <c:v>2</c:v>
-                </c:pt>
-                <c:pt idx="1">
-                  <c:v>0.6</c:v>
-                </c:pt>
-                <c:pt idx="2">
-                  <c:v>1.2</c:v>
-                </c:pt>
-                <c:pt idx="3">
-                  <c:v>2.2999999999999998</c:v>
-                </c:pt>
-                <c:pt idx="4">
-                  <c:v>1.8</c:v>
-                </c:pt>
-                <c:pt idx="5">
-                  <c:v>-5.0999999999999996</c:v>
-                </c:pt>
-              </c:numCache>
-            </c:numRef>
-          </c:val>
-          <c:smooth val="0"/>
-          <c:extLst>
-            <c:ext xmlns:c16="http://schemas.microsoft.com/office/drawing/2014/chart" uri="{C3380CC4-5D6E-409C-BE32-E72D297353CC}">
-              <c16:uniqueId val="{00000000-B688-42E0-8636-5833EF2D4D3A}"/>
-            </c:ext>
-          </c:extLst>
-        </c:ser>
-        <c:ser>
-          <c:idx val="1"/>
-          <c:order val="1"/>
-          <c:tx>
-            <c:strRef>
-              <c:f>'[GDP Computation.xlsx]Philippines'!$P$1:$P$2</c:f>
-              <c:strCache>
-                <c:ptCount val="2"/>
-                <c:pt idx="0">
-                  <c:v>Predicted</c:v>
-                </c:pt>
-              </c:strCache>
-            </c:strRef>
-          </c:tx>
-          <c:marker>
-            <c:symbol val="none"/>
-          </c:marker>
-          <c:cat>
-            <c:strRef>
-              <c:f>'[GDP Computation.xlsx]Philippines'!$N$3:$N$9</c:f>
-              <c:strCache>
-                <c:ptCount val="7"/>
-                <c:pt idx="0">
-                  <c:v>2018Q4</c:v>
-                </c:pt>
-                <c:pt idx="1">
-                  <c:v>2019Q1</c:v>
-                </c:pt>
-                <c:pt idx="2">
-                  <c:v>2019Q2</c:v>
-                </c:pt>
-                <c:pt idx="3">
-                  <c:v>2019Q3</c:v>
-                </c:pt>
-                <c:pt idx="4">
-                  <c:v>2019Q4</c:v>
-                </c:pt>
-                <c:pt idx="5">
-                  <c:v>2020Q1</c:v>
-                </c:pt>
-                <c:pt idx="6">
-                  <c:v>2020Q2</c:v>
-                </c:pt>
-              </c:strCache>
-            </c:strRef>
-          </c:cat>
-          <c:val>
-            <c:numRef>
-              <c:f>'[GDP Computation.xlsx]Philippines'!$P$3:$P$9</c:f>
-              <c:numCache>
-                <c:formatCode>General</c:formatCode>
-                <c:ptCount val="7"/>
-                <c:pt idx="0">
-                  <c:v>1.4223429999999999</c:v>
-                </c:pt>
-                <c:pt idx="1">
-                  <c:v>0.68071999999999999</c:v>
-                </c:pt>
-                <c:pt idx="2">
-                  <c:v>0.72453699999999999</c:v>
-                </c:pt>
-                <c:pt idx="3">
-                  <c:v>3.3206720000000001</c:v>
-                </c:pt>
-                <c:pt idx="4">
-                  <c:v>1.3910659999999999</c:v>
-                </c:pt>
-                <c:pt idx="5">
-                  <c:v>-4.7393390000000002</c:v>
-                </c:pt>
-                <c:pt idx="6">
-                  <c:v>5.0006524099999998</c:v>
-                </c:pt>
-              </c:numCache>
-            </c:numRef>
-          </c:val>
-          <c:smooth val="0"/>
-          <c:extLst>
-            <c:ext xmlns:c16="http://schemas.microsoft.com/office/drawing/2014/chart" uri="{C3380CC4-5D6E-409C-BE32-E72D297353CC}">
-              <c16:uniqueId val="{00000001-B688-42E0-8636-5833EF2D4D3A}"/>
-            </c:ext>
-          </c:extLst>
-        </c:ser>
-        <c:dLbls>
-          <c:showLegendKey val="0"/>
-          <c:showVal val="0"/>
-          <c:showCatName val="0"/>
-          <c:showSerName val="0"/>
-          <c:showPercent val="0"/>
-          <c:showBubbleSize val="0"/>
-        </c:dLbls>
-        <c:smooth val="0"/>
-        <c:axId val="113815902"/>
-        <c:axId val="1097001643"/>
-      </c:lineChart>
-      <c:catAx>
-        <c:axId val="113815902"/>
-        <c:scaling>
-          <c:orientation val="minMax"/>
-        </c:scaling>
-        <c:delete val="0"/>
-        <c:axPos val="b"/>
-        <c:title>
-          <c:tx>
-            <c:rich>
-              <a:bodyPr/>
-              <a:lstStyle/>
-              <a:p>
-                <a:pPr lvl="0">
-                  <a:defRPr b="0">
-                    <a:solidFill>
-                      <a:srgbClr val="000000"/>
-                    </a:solidFill>
-                    <a:latin typeface="+mn-lt"/>
-                  </a:defRPr>
-                </a:pPr>
-                <a:endParaRPr lang="en-US"/>
-              </a:p>
-            </c:rich>
-          </c:tx>
-          <c:overlay val="0"/>
-        </c:title>
-        <c:numFmt formatCode="General" sourceLinked="1"/>
-        <c:majorTickMark val="none"/>
-        <c:minorTickMark val="none"/>
-        <c:tickLblPos val="low"/>
-        <c:txPr>
-          <a:bodyPr/>
-          <a:lstStyle/>
-          <a:p>
-            <a:pPr lvl="0">
-              <a:defRPr sz="700" b="0">
-                <a:solidFill>
-                  <a:srgbClr val="000000"/>
-                </a:solidFill>
-                <a:latin typeface="+mn-lt"/>
-              </a:defRPr>
-            </a:pPr>
-            <a:endParaRPr lang="en-US"/>
-          </a:p>
-        </c:txPr>
-        <c:crossAx val="1097001643"/>
-        <c:crosses val="autoZero"/>
-        <c:auto val="1"/>
-        <c:lblAlgn val="ctr"/>
-        <c:lblOffset val="100"/>
-        <c:noMultiLvlLbl val="1"/>
-      </c:catAx>
-      <c:valAx>
-        <c:axId val="1097001643"/>
-        <c:scaling>
-          <c:orientation val="minMax"/>
-        </c:scaling>
-        <c:delete val="0"/>
-        <c:axPos val="l"/>
-        <c:majorGridlines>
-          <c:spPr>
-            <a:ln>
-              <a:solidFill>
-                <a:srgbClr val="B7B7B7"/>
-              </a:solidFill>
-            </a:ln>
-          </c:spPr>
-        </c:majorGridlines>
-        <c:minorGridlines>
-          <c:spPr>
-            <a:ln>
-              <a:solidFill>
-                <a:srgbClr val="CCCCCC">
-                  <a:alpha val="0"/>
-                </a:srgbClr>
-              </a:solidFill>
-            </a:ln>
-          </c:spPr>
-        </c:minorGridlines>
-        <c:title>
-          <c:tx>
-            <c:rich>
-              <a:bodyPr/>
-              <a:lstStyle/>
-              <a:p>
-                <a:pPr lvl="0">
-                  <a:defRPr b="0">
-                    <a:solidFill>
-                      <a:srgbClr val="000000"/>
-                    </a:solidFill>
-                    <a:latin typeface="+mn-lt"/>
-                  </a:defRPr>
-                </a:pPr>
-                <a:endParaRPr lang="en-US"/>
-              </a:p>
-            </c:rich>
-          </c:tx>
-          <c:overlay val="0"/>
-        </c:title>
-        <c:numFmt formatCode="General" sourceLinked="1"/>
-        <c:majorTickMark val="none"/>
-        <c:minorTickMark val="none"/>
-        <c:tickLblPos val="nextTo"/>
-        <c:spPr>
-          <a:ln/>
-        </c:spPr>
-        <c:txPr>
-          <a:bodyPr/>
-          <a:lstStyle/>
-          <a:p>
-            <a:pPr lvl="0">
-              <a:defRPr b="0">
-                <a:solidFill>
-                  <a:srgbClr val="000000"/>
-                </a:solidFill>
-                <a:latin typeface="+mn-lt"/>
-              </a:defRPr>
-            </a:pPr>
-            <a:endParaRPr lang="en-US"/>
-          </a:p>
-        </c:txPr>
-        <c:crossAx val="113815902"/>
-        <c:crosses val="autoZero"/>
-        <c:crossBetween val="between"/>
-      </c:valAx>
-    </c:plotArea>
-    <c:plotVisOnly val="1"/>
-    <c:dispBlanksAs val="zero"/>
-    <c:showDLblsOverMax val="1"/>
-  </c:chart>
-  <c:externalData r:id="rId1">
-    <c:autoUpdate val="0"/>
-  </c:externalData>
-</c:chartSpace>
-</file>
-
-<file path=ppt/charts/chart2.xml><?xml version="1.0" encoding="utf-8"?>
-<c:chartSpace xmlns:c="http://schemas.openxmlformats.org/drawingml/2006/chart" xmlns:a="http://schemas.openxmlformats.org/drawingml/2006/main" xmlns:r="http://schemas.openxmlformats.org/officeDocument/2006/relationships" xmlns:c16r2="http://schemas.microsoft.com/office/drawing/2015/06/chart">
-  <c:date1904 val="0"/>
-  <c:lang val="en-US"/>
-  <c:roundedCorners val="1"/>
-  <mc:AlternateContent xmlns:mc="http://schemas.openxmlformats.org/markup-compatibility/2006">
-    <mc:Choice xmlns:c14="http://schemas.microsoft.com/office/drawing/2007/8/2/chart" Requires="c14">
-      <c14:style val="102"/>
-    </mc:Choice>
-    <mc:Fallback>
-      <c:style val="2"/>
-    </mc:Fallback>
-  </mc:AlternateContent>
-  <c:chart>
-    <c:title>
-      <c:tx>
-        <c:rich>
-          <a:bodyPr/>
-          <a:lstStyle/>
-          <a:p>
-            <a:pPr>
-              <a:defRPr/>
-            </a:pPr>
-            <a:r>
-              <a:rPr lang="en-US" sz="1000" dirty="0"/>
-              <a:t>Sweden</a:t>
-            </a:r>
-          </a:p>
-        </c:rich>
-      </c:tx>
-      <c:overlay val="0"/>
-    </c:title>
-    <c:autoTitleDeleted val="0"/>
-    <c:plotArea>
-      <c:layout/>
-      <c:lineChart>
-        <c:grouping val="standard"/>
-        <c:varyColors val="1"/>
-        <c:ser>
-          <c:idx val="0"/>
-          <c:order val="0"/>
-          <c:tx>
-            <c:strRef>
-              <c:f>'[GDP Computation.xlsx]Sweden'!$T$1:$T$2</c:f>
-              <c:strCache>
-                <c:ptCount val="2"/>
-                <c:pt idx="0">
-                  <c:v>GDP</c:v>
-                </c:pt>
-              </c:strCache>
-            </c:strRef>
-          </c:tx>
-          <c:marker>
-            <c:symbol val="none"/>
-          </c:marker>
-          <c:cat>
-            <c:strRef>
-              <c:f>'[GDP Computation.xlsx]Sweden'!$S$3:$S$9</c:f>
-              <c:strCache>
-                <c:ptCount val="7"/>
-                <c:pt idx="0">
-                  <c:v>2018Q4</c:v>
-                </c:pt>
-                <c:pt idx="1">
-                  <c:v>2019Q1</c:v>
-                </c:pt>
-                <c:pt idx="2">
-                  <c:v>2019Q2</c:v>
-                </c:pt>
-                <c:pt idx="3">
-                  <c:v>2019Q3</c:v>
-                </c:pt>
-                <c:pt idx="4">
-                  <c:v>2019Q4</c:v>
-                </c:pt>
-                <c:pt idx="5">
-                  <c:v>2020Q1</c:v>
-                </c:pt>
-                <c:pt idx="6">
-                  <c:v>2020Q2</c:v>
-                </c:pt>
-              </c:strCache>
-            </c:strRef>
-          </c:cat>
-          <c:val>
-            <c:numRef>
-              <c:f>'[GDP Computation.xlsx]Sweden'!$T$3:$T$9</c:f>
-              <c:numCache>
-                <c:formatCode>General</c:formatCode>
-                <c:ptCount val="7"/>
-                <c:pt idx="0">
-                  <c:v>1.3</c:v>
-                </c:pt>
-                <c:pt idx="1">
-                  <c:v>0.6</c:v>
-                </c:pt>
-                <c:pt idx="2">
-                  <c:v>-0.2</c:v>
-                </c:pt>
-                <c:pt idx="3">
-                  <c:v>0.5</c:v>
-                </c:pt>
-                <c:pt idx="4">
-                  <c:v>0.1</c:v>
-                </c:pt>
-                <c:pt idx="5">
-                  <c:v>-0.3</c:v>
-                </c:pt>
-              </c:numCache>
-            </c:numRef>
-          </c:val>
-          <c:smooth val="0"/>
-          <c:extLst>
-            <c:ext xmlns:c16="http://schemas.microsoft.com/office/drawing/2014/chart" uri="{C3380CC4-5D6E-409C-BE32-E72D297353CC}">
-              <c16:uniqueId val="{00000000-D279-4C04-BB04-FDF271364EA0}"/>
-            </c:ext>
-          </c:extLst>
-        </c:ser>
-        <c:ser>
-          <c:idx val="1"/>
-          <c:order val="1"/>
-          <c:tx>
-            <c:strRef>
-              <c:f>'[GDP Computation.xlsx]Sweden'!$U$1:$U$2</c:f>
-              <c:strCache>
-                <c:ptCount val="2"/>
-                <c:pt idx="0">
-                  <c:v>Predicted GDP</c:v>
-                </c:pt>
-              </c:strCache>
-            </c:strRef>
-          </c:tx>
-          <c:marker>
-            <c:symbol val="none"/>
-          </c:marker>
-          <c:cat>
-            <c:strRef>
-              <c:f>'[GDP Computation.xlsx]Sweden'!$S$3:$S$9</c:f>
-              <c:strCache>
-                <c:ptCount val="7"/>
-                <c:pt idx="0">
-                  <c:v>2018Q4</c:v>
-                </c:pt>
-                <c:pt idx="1">
-                  <c:v>2019Q1</c:v>
-                </c:pt>
-                <c:pt idx="2">
-                  <c:v>2019Q2</c:v>
-                </c:pt>
-                <c:pt idx="3">
-                  <c:v>2019Q3</c:v>
-                </c:pt>
-                <c:pt idx="4">
-                  <c:v>2019Q4</c:v>
-                </c:pt>
-                <c:pt idx="5">
-                  <c:v>2020Q1</c:v>
-                </c:pt>
-                <c:pt idx="6">
-                  <c:v>2020Q2</c:v>
-                </c:pt>
-              </c:strCache>
-            </c:strRef>
-          </c:cat>
-          <c:val>
-            <c:numRef>
-              <c:f>'[GDP Computation.xlsx]Sweden'!$U$3:$U$9</c:f>
-              <c:numCache>
-                <c:formatCode>General</c:formatCode>
-                <c:ptCount val="7"/>
-                <c:pt idx="0">
-                  <c:v>1.110878</c:v>
-                </c:pt>
-                <c:pt idx="1">
-                  <c:v>0.200241</c:v>
-                </c:pt>
-                <c:pt idx="2">
-                  <c:v>-4.1999000000000002E-2</c:v>
-                </c:pt>
-                <c:pt idx="3">
-                  <c:v>0.84573699999999996</c:v>
-                </c:pt>
-                <c:pt idx="4">
-                  <c:v>0.16353100000000001</c:v>
-                </c:pt>
-                <c:pt idx="5">
-                  <c:v>-0.27838800000000002</c:v>
-                </c:pt>
-                <c:pt idx="6">
-                  <c:v>0.33158671000000001</c:v>
-                </c:pt>
-              </c:numCache>
-            </c:numRef>
-          </c:val>
-          <c:smooth val="0"/>
-          <c:extLst>
-            <c:ext xmlns:c16="http://schemas.microsoft.com/office/drawing/2014/chart" uri="{C3380CC4-5D6E-409C-BE32-E72D297353CC}">
-              <c16:uniqueId val="{00000001-D279-4C04-BB04-FDF271364EA0}"/>
-            </c:ext>
-          </c:extLst>
-        </c:ser>
-        <c:dLbls>
-          <c:showLegendKey val="0"/>
-          <c:showVal val="0"/>
-          <c:showCatName val="0"/>
-          <c:showSerName val="0"/>
-          <c:showPercent val="0"/>
-          <c:showBubbleSize val="0"/>
-        </c:dLbls>
-        <c:smooth val="0"/>
-        <c:axId val="1133477203"/>
-        <c:axId val="265088196"/>
-      </c:lineChart>
-      <c:catAx>
-        <c:axId val="1133477203"/>
-        <c:scaling>
-          <c:orientation val="minMax"/>
-        </c:scaling>
-        <c:delete val="0"/>
-        <c:axPos val="b"/>
-        <c:title>
-          <c:tx>
-            <c:rich>
-              <a:bodyPr/>
-              <a:lstStyle/>
-              <a:p>
-                <a:pPr lvl="0">
-                  <a:defRPr b="0">
-                    <a:solidFill>
-                      <a:srgbClr val="000000"/>
-                    </a:solidFill>
-                    <a:latin typeface="+mn-lt"/>
-                  </a:defRPr>
-                </a:pPr>
-                <a:endParaRPr lang="en-US"/>
-              </a:p>
-            </c:rich>
-          </c:tx>
-          <c:overlay val="0"/>
-        </c:title>
-        <c:numFmt formatCode="General" sourceLinked="1"/>
-        <c:majorTickMark val="none"/>
-        <c:minorTickMark val="none"/>
-        <c:tickLblPos val="low"/>
-        <c:txPr>
-          <a:bodyPr/>
-          <a:lstStyle/>
-          <a:p>
-            <a:pPr lvl="0">
-              <a:defRPr sz="600" b="0">
-                <a:solidFill>
-                  <a:srgbClr val="000000"/>
-                </a:solidFill>
-                <a:latin typeface="+mn-lt"/>
-              </a:defRPr>
-            </a:pPr>
-            <a:endParaRPr lang="en-US"/>
-          </a:p>
-        </c:txPr>
-        <c:crossAx val="265088196"/>
-        <c:crosses val="autoZero"/>
-        <c:auto val="1"/>
-        <c:lblAlgn val="ctr"/>
-        <c:lblOffset val="100"/>
-        <c:noMultiLvlLbl val="1"/>
-      </c:catAx>
-      <c:valAx>
-        <c:axId val="265088196"/>
-        <c:scaling>
-          <c:orientation val="minMax"/>
-        </c:scaling>
-        <c:delete val="0"/>
-        <c:axPos val="l"/>
-        <c:majorGridlines>
-          <c:spPr>
-            <a:ln>
-              <a:solidFill>
-                <a:srgbClr val="B7B7B7"/>
-              </a:solidFill>
-            </a:ln>
-          </c:spPr>
-        </c:majorGridlines>
-        <c:minorGridlines>
-          <c:spPr>
-            <a:ln>
-              <a:solidFill>
-                <a:srgbClr val="CCCCCC">
-                  <a:alpha val="0"/>
-                </a:srgbClr>
-              </a:solidFill>
-            </a:ln>
-          </c:spPr>
-        </c:minorGridlines>
-        <c:title>
-          <c:tx>
-            <c:rich>
-              <a:bodyPr/>
-              <a:lstStyle/>
-              <a:p>
-                <a:pPr lvl="0">
-                  <a:defRPr b="0">
-                    <a:solidFill>
-                      <a:srgbClr val="000000"/>
-                    </a:solidFill>
-                    <a:latin typeface="+mn-lt"/>
-                  </a:defRPr>
-                </a:pPr>
-                <a:endParaRPr lang="en-US"/>
-              </a:p>
-            </c:rich>
-          </c:tx>
-          <c:overlay val="0"/>
-        </c:title>
-        <c:numFmt formatCode="General" sourceLinked="1"/>
-        <c:majorTickMark val="none"/>
-        <c:minorTickMark val="none"/>
-        <c:tickLblPos val="nextTo"/>
-        <c:spPr>
-          <a:ln/>
-        </c:spPr>
-        <c:txPr>
-          <a:bodyPr/>
-          <a:lstStyle/>
-          <a:p>
-            <a:pPr lvl="0">
-              <a:defRPr b="0">
-                <a:solidFill>
-                  <a:srgbClr val="000000"/>
-                </a:solidFill>
-                <a:latin typeface="+mn-lt"/>
-              </a:defRPr>
-            </a:pPr>
-            <a:endParaRPr lang="en-US"/>
-          </a:p>
-        </c:txPr>
-        <c:crossAx val="1133477203"/>
-        <c:crosses val="autoZero"/>
-        <c:crossBetween val="between"/>
-      </c:valAx>
-    </c:plotArea>
-    <c:plotVisOnly val="1"/>
-    <c:dispBlanksAs val="zero"/>
-    <c:showDLblsOverMax val="1"/>
-  </c:chart>
-  <c:externalData r:id="rId1">
-    <c:autoUpdate val="0"/>
-  </c:externalData>
-</c:chartSpace>
-</file>
-
-<file path=ppt/charts/chart3.xml><?xml version="1.0" encoding="utf-8"?>
-<c:chartSpace xmlns:c="http://schemas.openxmlformats.org/drawingml/2006/chart" xmlns:a="http://schemas.openxmlformats.org/drawingml/2006/main" xmlns:r="http://schemas.openxmlformats.org/officeDocument/2006/relationships" xmlns:c16r2="http://schemas.microsoft.com/office/drawing/2015/06/chart">
-  <c:date1904 val="0"/>
-  <c:lang val="en-US"/>
-  <c:roundedCorners val="1"/>
-  <mc:AlternateContent xmlns:mc="http://schemas.openxmlformats.org/markup-compatibility/2006">
-    <mc:Choice xmlns:c14="http://schemas.microsoft.com/office/drawing/2007/8/2/chart" Requires="c14">
-      <c14:style val="102"/>
-    </mc:Choice>
-    <mc:Fallback>
-      <c:style val="2"/>
-    </mc:Fallback>
-  </mc:AlternateContent>
-  <c:chart>
-    <c:title>
-      <c:tx>
-        <c:rich>
-          <a:bodyPr/>
-          <a:lstStyle/>
-          <a:p>
-            <a:pPr>
-              <a:defRPr/>
-            </a:pPr>
-            <a:r>
-              <a:rPr lang="en-US" sz="1050" dirty="0"/>
-              <a:t>Singapore</a:t>
-            </a:r>
-          </a:p>
-        </c:rich>
-      </c:tx>
-      <c:overlay val="0"/>
-    </c:title>
-    <c:autoTitleDeleted val="0"/>
-    <c:plotArea>
-      <c:layout/>
-      <c:lineChart>
-        <c:grouping val="standard"/>
-        <c:varyColors val="1"/>
-        <c:ser>
-          <c:idx val="0"/>
-          <c:order val="0"/>
-          <c:tx>
-            <c:strRef>
-              <c:f>'[GDP Computation.xlsx]Singapore'!$U$2:$U$3</c:f>
-              <c:strCache>
-                <c:ptCount val="2"/>
-                <c:pt idx="0">
-                  <c:v>gdp</c:v>
-                </c:pt>
-              </c:strCache>
-            </c:strRef>
-          </c:tx>
-          <c:marker>
-            <c:symbol val="none"/>
-          </c:marker>
-          <c:cat>
-            <c:strRef>
-              <c:f>'[GDP Computation.xlsx]Singapore'!$T$4:$T$10</c:f>
-              <c:strCache>
-                <c:ptCount val="7"/>
-                <c:pt idx="0">
-                  <c:v>2018Q4</c:v>
-                </c:pt>
-                <c:pt idx="1">
-                  <c:v>2019Q1</c:v>
-                </c:pt>
-                <c:pt idx="2">
-                  <c:v>2019Q2</c:v>
-                </c:pt>
-                <c:pt idx="3">
-                  <c:v>2019Q3</c:v>
-                </c:pt>
-                <c:pt idx="4">
-                  <c:v>2019Q4</c:v>
-                </c:pt>
-                <c:pt idx="5">
-                  <c:v>2020Q1</c:v>
-                </c:pt>
-                <c:pt idx="6">
-                  <c:v>2020Q2</c:v>
-                </c:pt>
-              </c:strCache>
-            </c:strRef>
-          </c:cat>
-          <c:val>
-            <c:numRef>
-              <c:f>'[GDP Computation.xlsx]Singapore'!$U$4:$U$10</c:f>
-              <c:numCache>
-                <c:formatCode>General</c:formatCode>
-                <c:ptCount val="7"/>
-                <c:pt idx="0">
-                  <c:v>-0.8</c:v>
-                </c:pt>
-                <c:pt idx="1">
-                  <c:v>2.2999999999999998</c:v>
-                </c:pt>
-                <c:pt idx="2">
-                  <c:v>-0.8</c:v>
-                </c:pt>
-                <c:pt idx="3">
-                  <c:v>2.2000000000000002</c:v>
-                </c:pt>
-                <c:pt idx="4">
-                  <c:v>0.6</c:v>
-                </c:pt>
-                <c:pt idx="5">
-                  <c:v>-4.7</c:v>
-                </c:pt>
-              </c:numCache>
-            </c:numRef>
-          </c:val>
-          <c:smooth val="0"/>
-          <c:extLst>
-            <c:ext xmlns:c16="http://schemas.microsoft.com/office/drawing/2014/chart" uri="{C3380CC4-5D6E-409C-BE32-E72D297353CC}">
-              <c16:uniqueId val="{00000000-6088-4C00-8433-3BBC214303B2}"/>
-            </c:ext>
-          </c:extLst>
-        </c:ser>
-        <c:ser>
-          <c:idx val="1"/>
-          <c:order val="1"/>
-          <c:tx>
-            <c:strRef>
-              <c:f>'[GDP Computation.xlsx]Singapore'!$V$2:$V$3</c:f>
-              <c:strCache>
-                <c:ptCount val="2"/>
-                <c:pt idx="0">
-                  <c:v>predicted gdp</c:v>
-                </c:pt>
-              </c:strCache>
-            </c:strRef>
-          </c:tx>
-          <c:marker>
-            <c:symbol val="none"/>
-          </c:marker>
-          <c:cat>
-            <c:strRef>
-              <c:f>'[GDP Computation.xlsx]Singapore'!$T$4:$T$10</c:f>
-              <c:strCache>
-                <c:ptCount val="7"/>
-                <c:pt idx="0">
-                  <c:v>2018Q4</c:v>
-                </c:pt>
-                <c:pt idx="1">
-                  <c:v>2019Q1</c:v>
-                </c:pt>
-                <c:pt idx="2">
-                  <c:v>2019Q2</c:v>
-                </c:pt>
-                <c:pt idx="3">
-                  <c:v>2019Q3</c:v>
-                </c:pt>
-                <c:pt idx="4">
-                  <c:v>2019Q4</c:v>
-                </c:pt>
-                <c:pt idx="5">
-                  <c:v>2020Q1</c:v>
-                </c:pt>
-                <c:pt idx="6">
-                  <c:v>2020Q2</c:v>
-                </c:pt>
-              </c:strCache>
-            </c:strRef>
-          </c:cat>
-          <c:val>
-            <c:numRef>
-              <c:f>'[GDP Computation.xlsx]Singapore'!$V$4:$V$10</c:f>
-              <c:numCache>
-                <c:formatCode>General</c:formatCode>
-                <c:ptCount val="7"/>
-                <c:pt idx="0">
-                  <c:v>-1.4745889999999999</c:v>
-                </c:pt>
-                <c:pt idx="1">
-                  <c:v>1.4130229999999999</c:v>
-                </c:pt>
-                <c:pt idx="2">
-                  <c:v>-0.46603099999999997</c:v>
-                </c:pt>
-                <c:pt idx="3">
-                  <c:v>2.9539960000000001</c:v>
-                </c:pt>
-                <c:pt idx="4">
-                  <c:v>0.642486</c:v>
-                </c:pt>
-                <c:pt idx="5">
-                  <c:v>-4.268885</c:v>
-                </c:pt>
-                <c:pt idx="6">
-                  <c:v>2.1660533900000001</c:v>
-                </c:pt>
-              </c:numCache>
-            </c:numRef>
-          </c:val>
-          <c:smooth val="0"/>
-          <c:extLst>
-            <c:ext xmlns:c16="http://schemas.microsoft.com/office/drawing/2014/chart" uri="{C3380CC4-5D6E-409C-BE32-E72D297353CC}">
-              <c16:uniqueId val="{00000001-6088-4C00-8433-3BBC214303B2}"/>
-            </c:ext>
-          </c:extLst>
-        </c:ser>
-        <c:dLbls>
-          <c:showLegendKey val="0"/>
-          <c:showVal val="0"/>
-          <c:showCatName val="0"/>
-          <c:showSerName val="0"/>
-          <c:showPercent val="0"/>
-          <c:showBubbleSize val="0"/>
-        </c:dLbls>
-        <c:smooth val="0"/>
-        <c:axId val="1303246263"/>
-        <c:axId val="1023012259"/>
-      </c:lineChart>
-      <c:catAx>
-        <c:axId val="1303246263"/>
-        <c:scaling>
-          <c:orientation val="minMax"/>
-        </c:scaling>
-        <c:delete val="0"/>
-        <c:axPos val="b"/>
-        <c:title>
-          <c:tx>
-            <c:rich>
-              <a:bodyPr/>
-              <a:lstStyle/>
-              <a:p>
-                <a:pPr lvl="0">
-                  <a:defRPr b="0">
-                    <a:solidFill>
-                      <a:srgbClr val="000000"/>
-                    </a:solidFill>
-                    <a:latin typeface="+mn-lt"/>
-                  </a:defRPr>
-                </a:pPr>
-                <a:endParaRPr lang="en-US"/>
-              </a:p>
-            </c:rich>
-          </c:tx>
-          <c:overlay val="0"/>
-        </c:title>
-        <c:numFmt formatCode="General" sourceLinked="1"/>
-        <c:majorTickMark val="none"/>
-        <c:minorTickMark val="none"/>
-        <c:tickLblPos val="low"/>
-        <c:txPr>
-          <a:bodyPr/>
-          <a:lstStyle/>
-          <a:p>
-            <a:pPr lvl="0">
-              <a:defRPr sz="600" b="0">
-                <a:solidFill>
-                  <a:srgbClr val="000000"/>
-                </a:solidFill>
-                <a:latin typeface="+mn-lt"/>
-              </a:defRPr>
-            </a:pPr>
-            <a:endParaRPr lang="en-US"/>
-          </a:p>
-        </c:txPr>
-        <c:crossAx val="1023012259"/>
-        <c:crosses val="autoZero"/>
-        <c:auto val="1"/>
-        <c:lblAlgn val="ctr"/>
-        <c:lblOffset val="100"/>
-        <c:noMultiLvlLbl val="1"/>
-      </c:catAx>
-      <c:valAx>
-        <c:axId val="1023012259"/>
-        <c:scaling>
-          <c:orientation val="minMax"/>
-        </c:scaling>
-        <c:delete val="0"/>
-        <c:axPos val="l"/>
-        <c:majorGridlines>
-          <c:spPr>
-            <a:ln>
-              <a:solidFill>
-                <a:srgbClr val="B7B7B7"/>
-              </a:solidFill>
-            </a:ln>
-          </c:spPr>
-        </c:majorGridlines>
-        <c:minorGridlines>
-          <c:spPr>
-            <a:ln>
-              <a:solidFill>
-                <a:srgbClr val="CCCCCC">
-                  <a:alpha val="0"/>
-                </a:srgbClr>
-              </a:solidFill>
-            </a:ln>
-          </c:spPr>
-        </c:minorGridlines>
-        <c:title>
-          <c:tx>
-            <c:rich>
-              <a:bodyPr/>
-              <a:lstStyle/>
-              <a:p>
-                <a:pPr lvl="0">
-                  <a:defRPr b="0">
-                    <a:solidFill>
-                      <a:srgbClr val="000000"/>
-                    </a:solidFill>
-                    <a:latin typeface="+mn-lt"/>
-                  </a:defRPr>
-                </a:pPr>
-                <a:endParaRPr lang="en-US"/>
-              </a:p>
-            </c:rich>
-          </c:tx>
-          <c:overlay val="0"/>
-        </c:title>
-        <c:numFmt formatCode="General" sourceLinked="1"/>
-        <c:majorTickMark val="none"/>
-        <c:minorTickMark val="none"/>
-        <c:tickLblPos val="nextTo"/>
-        <c:spPr>
-          <a:ln/>
-        </c:spPr>
-        <c:txPr>
-          <a:bodyPr/>
-          <a:lstStyle/>
-          <a:p>
-            <a:pPr lvl="0">
-              <a:defRPr b="0">
-                <a:solidFill>
-                  <a:srgbClr val="000000"/>
-                </a:solidFill>
-                <a:latin typeface="+mn-lt"/>
-              </a:defRPr>
-            </a:pPr>
-            <a:endParaRPr lang="en-US"/>
-          </a:p>
-        </c:txPr>
-        <c:crossAx val="1303246263"/>
-        <c:crosses val="autoZero"/>
-        <c:crossBetween val="between"/>
-      </c:valAx>
-    </c:plotArea>
-    <c:plotVisOnly val="1"/>
-    <c:dispBlanksAs val="zero"/>
-    <c:showDLblsOverMax val="1"/>
-  </c:chart>
-  <c:externalData r:id="rId1">
-    <c:autoUpdate val="0"/>
-  </c:externalData>
-</c:chartSpace>
-</file>
-
-<file path=ppt/charts/chart4.xml><?xml version="1.0" encoding="utf-8"?>
-<c:chartSpace xmlns:c="http://schemas.openxmlformats.org/drawingml/2006/chart" xmlns:a="http://schemas.openxmlformats.org/drawingml/2006/main" xmlns:r="http://schemas.openxmlformats.org/officeDocument/2006/relationships" xmlns:c16r2="http://schemas.microsoft.com/office/drawing/2015/06/chart">
-  <c:date1904 val="0"/>
-  <c:lang val="en-US"/>
-  <c:roundedCorners val="1"/>
-  <mc:AlternateContent xmlns:mc="http://schemas.openxmlformats.org/markup-compatibility/2006">
-    <mc:Choice xmlns:c14="http://schemas.microsoft.com/office/drawing/2007/8/2/chart" Requires="c14">
-      <c14:style val="102"/>
-    </mc:Choice>
-    <mc:Fallback>
-      <c:style val="2"/>
-    </mc:Fallback>
-  </mc:AlternateContent>
-  <c:chart>
-    <c:title>
-      <c:tx>
-        <c:rich>
-          <a:bodyPr/>
-          <a:lstStyle/>
-          <a:p>
-            <a:pPr>
-              <a:defRPr/>
-            </a:pPr>
-            <a:r>
-              <a:rPr lang="en-US" sz="1050" dirty="0"/>
-              <a:t>Japan</a:t>
-            </a:r>
-          </a:p>
-        </c:rich>
-      </c:tx>
-      <c:overlay val="0"/>
-    </c:title>
-    <c:autoTitleDeleted val="0"/>
-    <c:plotArea>
-      <c:layout/>
-      <c:lineChart>
-        <c:grouping val="standard"/>
-        <c:varyColors val="1"/>
-        <c:ser>
-          <c:idx val="0"/>
-          <c:order val="0"/>
-          <c:tx>
-            <c:strRef>
-              <c:f>'[GDP Computation.xlsx]Japan'!$T$1:$T$2</c:f>
-              <c:strCache>
-                <c:ptCount val="2"/>
-                <c:pt idx="0">
-                  <c:v>GDP</c:v>
-                </c:pt>
-              </c:strCache>
-            </c:strRef>
-          </c:tx>
-          <c:marker>
-            <c:symbol val="none"/>
-          </c:marker>
-          <c:val>
-            <c:numRef>
-              <c:f>'[GDP Computation.xlsx]Japan'!$T$3:$T$9</c:f>
-              <c:numCache>
-                <c:formatCode>General</c:formatCode>
-                <c:ptCount val="7"/>
-                <c:pt idx="0">
-                  <c:v>0.6</c:v>
-                </c:pt>
-                <c:pt idx="1">
-                  <c:v>0.6</c:v>
-                </c:pt>
-                <c:pt idx="2">
-                  <c:v>0.5</c:v>
-                </c:pt>
-                <c:pt idx="3">
-                  <c:v>0</c:v>
-                </c:pt>
-                <c:pt idx="4">
-                  <c:v>-1.9</c:v>
-                </c:pt>
-                <c:pt idx="5">
-                  <c:v>-0.9</c:v>
-                </c:pt>
-              </c:numCache>
-            </c:numRef>
-          </c:val>
-          <c:smooth val="0"/>
-          <c:extLst>
-            <c:ext xmlns:c16="http://schemas.microsoft.com/office/drawing/2014/chart" uri="{C3380CC4-5D6E-409C-BE32-E72D297353CC}">
-              <c16:uniqueId val="{00000000-5E98-4B31-BDBB-4D37F8074DF3}"/>
-            </c:ext>
-          </c:extLst>
-        </c:ser>
-        <c:ser>
-          <c:idx val="1"/>
-          <c:order val="1"/>
-          <c:tx>
-            <c:strRef>
-              <c:f>'[GDP Computation.xlsx]Japan'!$U$1:$U$2</c:f>
-              <c:strCache>
-                <c:ptCount val="2"/>
-                <c:pt idx="0">
-                  <c:v>Predicted</c:v>
-                </c:pt>
-              </c:strCache>
-            </c:strRef>
-          </c:tx>
-          <c:marker>
-            <c:symbol val="none"/>
-          </c:marker>
-          <c:val>
-            <c:numRef>
-              <c:f>'[GDP Computation.xlsx]Japan'!$U$3:$U$9</c:f>
-              <c:numCache>
-                <c:formatCode>General</c:formatCode>
-                <c:ptCount val="7"/>
-                <c:pt idx="0">
-                  <c:v>0.71658999999999995</c:v>
-                </c:pt>
-                <c:pt idx="1">
-                  <c:v>0.47378300000000001</c:v>
-                </c:pt>
-                <c:pt idx="2">
-                  <c:v>-8.2810000000000002E-3</c:v>
-                </c:pt>
-                <c:pt idx="3">
-                  <c:v>-0.32007200000000002</c:v>
-                </c:pt>
-                <c:pt idx="4">
-                  <c:v>-0.32007200000000002</c:v>
-                </c:pt>
-                <c:pt idx="5">
-                  <c:v>-9.2002E-2</c:v>
-                </c:pt>
-                <c:pt idx="6">
-                  <c:v>-0.50750715000000002</c:v>
-                </c:pt>
-              </c:numCache>
-            </c:numRef>
-          </c:val>
-          <c:smooth val="0"/>
-          <c:extLst>
-            <c:ext xmlns:c16="http://schemas.microsoft.com/office/drawing/2014/chart" uri="{C3380CC4-5D6E-409C-BE32-E72D297353CC}">
-              <c16:uniqueId val="{00000001-5E98-4B31-BDBB-4D37F8074DF3}"/>
-            </c:ext>
-          </c:extLst>
-        </c:ser>
-        <c:dLbls>
-          <c:showLegendKey val="0"/>
-          <c:showVal val="0"/>
-          <c:showCatName val="0"/>
-          <c:showSerName val="0"/>
-          <c:showPercent val="0"/>
-          <c:showBubbleSize val="0"/>
-        </c:dLbls>
-        <c:smooth val="0"/>
-        <c:axId val="2108864249"/>
-        <c:axId val="804326217"/>
-      </c:lineChart>
-      <c:catAx>
-        <c:axId val="2108864249"/>
-        <c:scaling>
-          <c:orientation val="minMax"/>
-        </c:scaling>
-        <c:delete val="0"/>
-        <c:axPos val="b"/>
-        <c:title>
-          <c:tx>
-            <c:rich>
-              <a:bodyPr/>
-              <a:lstStyle/>
-              <a:p>
-                <a:pPr lvl="0">
-                  <a:defRPr b="0">
-                    <a:solidFill>
-                      <a:srgbClr val="000000"/>
-                    </a:solidFill>
-                    <a:latin typeface="+mn-lt"/>
-                  </a:defRPr>
-                </a:pPr>
-                <a:endParaRPr lang="en-US"/>
-              </a:p>
-            </c:rich>
-          </c:tx>
-          <c:overlay val="0"/>
-        </c:title>
-        <c:majorTickMark val="none"/>
-        <c:minorTickMark val="none"/>
-        <c:tickLblPos val="low"/>
-        <c:txPr>
-          <a:bodyPr/>
-          <a:lstStyle/>
-          <a:p>
-            <a:pPr lvl="0">
-              <a:defRPr b="0">
-                <a:solidFill>
-                  <a:srgbClr val="000000"/>
-                </a:solidFill>
-                <a:latin typeface="+mn-lt"/>
-              </a:defRPr>
-            </a:pPr>
-            <a:endParaRPr lang="en-US"/>
-          </a:p>
-        </c:txPr>
-        <c:crossAx val="804326217"/>
-        <c:crosses val="autoZero"/>
-        <c:auto val="1"/>
-        <c:lblAlgn val="ctr"/>
-        <c:lblOffset val="100"/>
-        <c:noMultiLvlLbl val="1"/>
-      </c:catAx>
-      <c:valAx>
-        <c:axId val="804326217"/>
-        <c:scaling>
-          <c:orientation val="minMax"/>
-        </c:scaling>
-        <c:delete val="0"/>
-        <c:axPos val="l"/>
-        <c:majorGridlines>
-          <c:spPr>
-            <a:ln>
-              <a:solidFill>
-                <a:srgbClr val="B7B7B7"/>
-              </a:solidFill>
-            </a:ln>
-          </c:spPr>
-        </c:majorGridlines>
-        <c:minorGridlines>
-          <c:spPr>
-            <a:ln>
-              <a:solidFill>
-                <a:srgbClr val="CCCCCC">
-                  <a:alpha val="0"/>
-                </a:srgbClr>
-              </a:solidFill>
-            </a:ln>
-          </c:spPr>
-        </c:minorGridlines>
-        <c:title>
-          <c:tx>
-            <c:rich>
-              <a:bodyPr/>
-              <a:lstStyle/>
-              <a:p>
-                <a:pPr lvl="0">
-                  <a:defRPr b="0">
-                    <a:solidFill>
-                      <a:srgbClr val="000000"/>
-                    </a:solidFill>
-                    <a:latin typeface="+mn-lt"/>
-                  </a:defRPr>
-                </a:pPr>
-                <a:endParaRPr lang="en-US"/>
-              </a:p>
-            </c:rich>
-          </c:tx>
-          <c:overlay val="0"/>
-        </c:title>
-        <c:numFmt formatCode="General" sourceLinked="1"/>
-        <c:majorTickMark val="none"/>
-        <c:minorTickMark val="none"/>
-        <c:tickLblPos val="low"/>
-        <c:spPr>
-          <a:ln/>
-        </c:spPr>
-        <c:txPr>
-          <a:bodyPr/>
-          <a:lstStyle/>
-          <a:p>
-            <a:pPr lvl="0">
-              <a:defRPr b="0">
-                <a:solidFill>
-                  <a:srgbClr val="000000"/>
-                </a:solidFill>
-                <a:latin typeface="+mn-lt"/>
-              </a:defRPr>
-            </a:pPr>
-            <a:endParaRPr lang="en-US"/>
-          </a:p>
-        </c:txPr>
-        <c:crossAx val="2108864249"/>
-        <c:crosses val="autoZero"/>
-        <c:crossBetween val="between"/>
-      </c:valAx>
-    </c:plotArea>
-    <c:plotVisOnly val="1"/>
-    <c:dispBlanksAs val="zero"/>
-    <c:showDLblsOverMax val="1"/>
-  </c:chart>
-  <c:externalData r:id="rId1">
-    <c:autoUpdate val="0"/>
-  </c:externalData>
-</c:chartSpace>
-</file>
-
-<file path=ppt/charts/chart5.xml><?xml version="1.0" encoding="utf-8"?>
-<c:chartSpace xmlns:c="http://schemas.openxmlformats.org/drawingml/2006/chart" xmlns:a="http://schemas.openxmlformats.org/drawingml/2006/main" xmlns:r="http://schemas.openxmlformats.org/officeDocument/2006/relationships" xmlns:c16r2="http://schemas.microsoft.com/office/drawing/2015/06/chart">
-  <c:date1904 val="0"/>
-  <c:lang val="en-US"/>
-  <c:roundedCorners val="1"/>
-  <mc:AlternateContent xmlns:mc="http://schemas.openxmlformats.org/markup-compatibility/2006">
-    <mc:Choice xmlns:c14="http://schemas.microsoft.com/office/drawing/2007/8/2/chart" Requires="c14">
-      <c14:style val="102"/>
-    </mc:Choice>
-    <mc:Fallback>
-      <c:style val="2"/>
-    </mc:Fallback>
-  </mc:AlternateContent>
-  <c:chart>
-    <c:title>
-      <c:tx>
-        <c:rich>
-          <a:bodyPr/>
-          <a:lstStyle/>
-          <a:p>
-            <a:pPr>
-              <a:defRPr/>
-            </a:pPr>
-            <a:r>
-              <a:rPr lang="en-US" sz="1050" dirty="0"/>
-              <a:t>Italy</a:t>
-            </a:r>
-          </a:p>
-        </c:rich>
-      </c:tx>
-      <c:overlay val="0"/>
-    </c:title>
-    <c:autoTitleDeleted val="0"/>
-    <c:plotArea>
-      <c:layout/>
-      <c:lineChart>
-        <c:grouping val="standard"/>
-        <c:varyColors val="1"/>
-        <c:ser>
-          <c:idx val="0"/>
-          <c:order val="0"/>
-          <c:tx>
-            <c:strRef>
-              <c:f>'[GDP Computation.xlsx]Italy'!$Q$1:$Q$2</c:f>
-              <c:strCache>
-                <c:ptCount val="2"/>
-                <c:pt idx="0">
-                  <c:v>GDP</c:v>
-                </c:pt>
-              </c:strCache>
-            </c:strRef>
-          </c:tx>
-          <c:marker>
-            <c:symbol val="none"/>
-          </c:marker>
-          <c:cat>
-            <c:strRef>
-              <c:f>'[GDP Computation.xlsx]Italy'!$P$3:$P$9</c:f>
-              <c:strCache>
-                <c:ptCount val="7"/>
-                <c:pt idx="0">
-                  <c:v>2018Q4</c:v>
-                </c:pt>
-                <c:pt idx="1">
-                  <c:v>2019Q1</c:v>
-                </c:pt>
-                <c:pt idx="2">
-                  <c:v>2019Q2</c:v>
-                </c:pt>
-                <c:pt idx="3">
-                  <c:v>2019Q3</c:v>
-                </c:pt>
-                <c:pt idx="4">
-                  <c:v>2019Q4</c:v>
-                </c:pt>
-                <c:pt idx="5">
-                  <c:v>2020Q1</c:v>
-                </c:pt>
-                <c:pt idx="6">
-                  <c:v>2020Q2</c:v>
-                </c:pt>
-              </c:strCache>
-            </c:strRef>
-          </c:cat>
-          <c:val>
-            <c:numRef>
-              <c:f>'[GDP Computation.xlsx]Italy'!$Q$3:$Q$9</c:f>
-              <c:numCache>
-                <c:formatCode>General</c:formatCode>
-                <c:ptCount val="7"/>
-                <c:pt idx="0">
-                  <c:v>0.1</c:v>
-                </c:pt>
-                <c:pt idx="1">
-                  <c:v>0.2</c:v>
-                </c:pt>
-                <c:pt idx="2">
-                  <c:v>0.1</c:v>
-                </c:pt>
-                <c:pt idx="3">
-                  <c:v>0.1</c:v>
-                </c:pt>
-                <c:pt idx="4">
-                  <c:v>-0.3</c:v>
-                </c:pt>
-                <c:pt idx="5">
-                  <c:v>-4.7</c:v>
-                </c:pt>
-              </c:numCache>
-            </c:numRef>
-          </c:val>
-          <c:smooth val="0"/>
-          <c:extLst>
-            <c:ext xmlns:c16="http://schemas.microsoft.com/office/drawing/2014/chart" uri="{C3380CC4-5D6E-409C-BE32-E72D297353CC}">
-              <c16:uniqueId val="{00000000-4954-4AFA-A9F7-8921676EB7FA}"/>
-            </c:ext>
-          </c:extLst>
-        </c:ser>
-        <c:ser>
-          <c:idx val="1"/>
-          <c:order val="1"/>
-          <c:tx>
-            <c:strRef>
-              <c:f>'[GDP Computation.xlsx]Italy'!$R$1:$R$2</c:f>
-              <c:strCache>
-                <c:ptCount val="2"/>
-                <c:pt idx="0">
-                  <c:v>Predicted</c:v>
-                </c:pt>
-              </c:strCache>
-            </c:strRef>
-          </c:tx>
-          <c:marker>
-            <c:symbol val="none"/>
-          </c:marker>
-          <c:cat>
-            <c:strRef>
-              <c:f>'[GDP Computation.xlsx]Italy'!$P$3:$P$9</c:f>
-              <c:strCache>
-                <c:ptCount val="7"/>
-                <c:pt idx="0">
-                  <c:v>2018Q4</c:v>
-                </c:pt>
-                <c:pt idx="1">
-                  <c:v>2019Q1</c:v>
-                </c:pt>
-                <c:pt idx="2">
-                  <c:v>2019Q2</c:v>
-                </c:pt>
-                <c:pt idx="3">
-                  <c:v>2019Q3</c:v>
-                </c:pt>
-                <c:pt idx="4">
-                  <c:v>2019Q4</c:v>
-                </c:pt>
-                <c:pt idx="5">
-                  <c:v>2020Q1</c:v>
-                </c:pt>
-                <c:pt idx="6">
-                  <c:v>2020Q2</c:v>
-                </c:pt>
-              </c:strCache>
-            </c:strRef>
-          </c:cat>
-          <c:val>
-            <c:numRef>
-              <c:f>'[GDP Computation.xlsx]Italy'!$R$3:$R$9</c:f>
-              <c:numCache>
-                <c:formatCode>General</c:formatCode>
-                <c:ptCount val="7"/>
-                <c:pt idx="0">
-                  <c:v>-1.429073</c:v>
-                </c:pt>
-                <c:pt idx="1">
-                  <c:v>-3.9052000000000003E-2</c:v>
-                </c:pt>
-                <c:pt idx="2">
-                  <c:v>7.6783000000000004E-2</c:v>
-                </c:pt>
-                <c:pt idx="3">
-                  <c:v>0.59262499999999996</c:v>
-                </c:pt>
-                <c:pt idx="4">
-                  <c:v>0.33074900000000002</c:v>
-                </c:pt>
-                <c:pt idx="5">
-                  <c:v>-4.0320309999999999</c:v>
-                </c:pt>
-                <c:pt idx="6">
-                  <c:v>12.3668785</c:v>
-                </c:pt>
-              </c:numCache>
-            </c:numRef>
-          </c:val>
-          <c:smooth val="0"/>
-          <c:extLst>
-            <c:ext xmlns:c16="http://schemas.microsoft.com/office/drawing/2014/chart" uri="{C3380CC4-5D6E-409C-BE32-E72D297353CC}">
-              <c16:uniqueId val="{00000001-4954-4AFA-A9F7-8921676EB7FA}"/>
-            </c:ext>
-          </c:extLst>
-        </c:ser>
-        <c:dLbls>
-          <c:showLegendKey val="0"/>
-          <c:showVal val="0"/>
-          <c:showCatName val="0"/>
-          <c:showSerName val="0"/>
-          <c:showPercent val="0"/>
-          <c:showBubbleSize val="0"/>
-        </c:dLbls>
-        <c:smooth val="0"/>
-        <c:axId val="320789435"/>
-        <c:axId val="1118877776"/>
-      </c:lineChart>
-      <c:catAx>
-        <c:axId val="320789435"/>
-        <c:scaling>
-          <c:orientation val="minMax"/>
-        </c:scaling>
-        <c:delete val="0"/>
-        <c:axPos val="b"/>
-        <c:title>
-          <c:tx>
-            <c:rich>
-              <a:bodyPr/>
-              <a:lstStyle/>
-              <a:p>
-                <a:pPr lvl="0">
-                  <a:defRPr b="0">
-                    <a:solidFill>
-                      <a:srgbClr val="000000"/>
-                    </a:solidFill>
-                    <a:latin typeface="+mn-lt"/>
-                  </a:defRPr>
-                </a:pPr>
-                <a:endParaRPr lang="en-US"/>
-              </a:p>
-            </c:rich>
-          </c:tx>
-          <c:overlay val="0"/>
-        </c:title>
-        <c:numFmt formatCode="General" sourceLinked="1"/>
-        <c:majorTickMark val="none"/>
-        <c:minorTickMark val="none"/>
-        <c:tickLblPos val="low"/>
-        <c:txPr>
-          <a:bodyPr/>
-          <a:lstStyle/>
-          <a:p>
-            <a:pPr lvl="0">
-              <a:defRPr sz="700" b="0">
-                <a:solidFill>
-                  <a:srgbClr val="000000"/>
-                </a:solidFill>
-                <a:latin typeface="+mn-lt"/>
-              </a:defRPr>
-            </a:pPr>
-            <a:endParaRPr lang="en-US"/>
-          </a:p>
-        </c:txPr>
-        <c:crossAx val="1118877776"/>
-        <c:crosses val="autoZero"/>
-        <c:auto val="1"/>
-        <c:lblAlgn val="ctr"/>
-        <c:lblOffset val="100"/>
-        <c:noMultiLvlLbl val="1"/>
-      </c:catAx>
-      <c:valAx>
-        <c:axId val="1118877776"/>
-        <c:scaling>
-          <c:orientation val="minMax"/>
-        </c:scaling>
-        <c:delete val="0"/>
-        <c:axPos val="l"/>
-        <c:majorGridlines>
-          <c:spPr>
-            <a:ln>
-              <a:solidFill>
-                <a:srgbClr val="B7B7B7"/>
-              </a:solidFill>
-            </a:ln>
-          </c:spPr>
-        </c:majorGridlines>
-        <c:minorGridlines>
-          <c:spPr>
-            <a:ln>
-              <a:solidFill>
-                <a:srgbClr val="CCCCCC">
-                  <a:alpha val="0"/>
-                </a:srgbClr>
-              </a:solidFill>
-            </a:ln>
-          </c:spPr>
-        </c:minorGridlines>
-        <c:title>
-          <c:tx>
-            <c:rich>
-              <a:bodyPr/>
-              <a:lstStyle/>
-              <a:p>
-                <a:pPr lvl="0">
-                  <a:defRPr b="0">
-                    <a:solidFill>
-                      <a:srgbClr val="000000"/>
-                    </a:solidFill>
-                    <a:latin typeface="+mn-lt"/>
-                  </a:defRPr>
-                </a:pPr>
-                <a:endParaRPr lang="en-US"/>
-              </a:p>
-            </c:rich>
-          </c:tx>
-          <c:overlay val="0"/>
-        </c:title>
-        <c:numFmt formatCode="General" sourceLinked="1"/>
-        <c:majorTickMark val="none"/>
-        <c:minorTickMark val="none"/>
-        <c:tickLblPos val="nextTo"/>
-        <c:spPr>
-          <a:ln/>
-        </c:spPr>
-        <c:txPr>
-          <a:bodyPr/>
-          <a:lstStyle/>
-          <a:p>
-            <a:pPr lvl="0">
-              <a:defRPr b="0">
-                <a:solidFill>
-                  <a:srgbClr val="000000"/>
-                </a:solidFill>
-                <a:latin typeface="+mn-lt"/>
-              </a:defRPr>
-            </a:pPr>
-            <a:endParaRPr lang="en-US"/>
-          </a:p>
-        </c:txPr>
-        <c:crossAx val="320789435"/>
-        <c:crosses val="autoZero"/>
-        <c:crossBetween val="between"/>
-      </c:valAx>
-    </c:plotArea>
-    <c:plotVisOnly val="1"/>
-    <c:dispBlanksAs val="zero"/>
-    <c:showDLblsOverMax val="1"/>
-  </c:chart>
-  <c:externalData r:id="rId1">
-    <c:autoUpdate val="0"/>
-  </c:externalData>
-</c:chartSpace>
 </file>
 
 <file path=ppt/slideLayouts/slideLayout1.xml><?xml version="1.0" encoding="utf-8"?>
@@ -4762,7 +3071,163 @@
             <a:avLst/>
           </a:prstGeom>
           <a:solidFill>
-            <a:schemeClr val="accent6"/>
+            <a:srgbClr val="C00000"/>
+          </a:solidFill>
+        </p:spPr>
+        <p:style>
+          <a:lnRef idx="2">
+            <a:schemeClr val="accent1">
+              <a:shade val="50000"/>
+            </a:schemeClr>
+          </a:lnRef>
+          <a:fillRef idx="1">
+            <a:schemeClr val="accent1"/>
+          </a:fillRef>
+          <a:effectRef idx="0">
+            <a:schemeClr val="accent1"/>
+          </a:effectRef>
+          <a:fontRef idx="minor">
+            <a:schemeClr val="lt1"/>
+          </a:fontRef>
+        </p:style>
+        <p:txBody>
+          <a:bodyPr rtlCol="0" anchor="t"/>
+          <a:lstStyle/>
+          <a:p>
+            <a:pPr algn="ctr"/>
+            <a:r>
+              <a:rPr lang="en-US" dirty="0">
+                <a:solidFill>
+                  <a:schemeClr val="bg1"/>
+                </a:solidFill>
+                <a:latin typeface="Roboto Condensed Light" panose="02000000000000000000" pitchFamily="2" charset="0"/>
+                <a:ea typeface="Roboto Condensed Light" panose="02000000000000000000" pitchFamily="2" charset="0"/>
+              </a:rPr>
+              <a:t>Italy</a:t>
+            </a:r>
+          </a:p>
+          <a:p>
+            <a:r>
+              <a:rPr lang="en-US" sz="1600" dirty="0">
+                <a:solidFill>
+                  <a:schemeClr val="bg1"/>
+                </a:solidFill>
+                <a:latin typeface="Roboto Condensed Light" panose="02000000000000000000" pitchFamily="2" charset="0"/>
+                <a:ea typeface="Roboto Condensed Light" panose="02000000000000000000" pitchFamily="2" charset="0"/>
+              </a:rPr>
+              <a:t>Risk: </a:t>
+            </a:r>
+            <a:r>
+              <a:rPr lang="en-US" sz="1600" dirty="0" err="1" smtClean="0">
+                <a:solidFill>
+                  <a:schemeClr val="bg1"/>
+                </a:solidFill>
+                <a:latin typeface="Roboto Condensed Light" panose="02000000000000000000" pitchFamily="2" charset="0"/>
+                <a:ea typeface="Roboto Condensed Light" panose="02000000000000000000" pitchFamily="2" charset="0"/>
+              </a:rPr>
+              <a:t>HIgh</a:t>
+            </a:r>
+            <a:endParaRPr lang="en-US" sz="1600" dirty="0">
+              <a:solidFill>
+                <a:schemeClr val="bg1"/>
+              </a:solidFill>
+              <a:latin typeface="Roboto Condensed Light" panose="02000000000000000000" pitchFamily="2" charset="0"/>
+              <a:ea typeface="Roboto Condensed Light" panose="02000000000000000000" pitchFamily="2" charset="0"/>
+            </a:endParaRPr>
+          </a:p>
+          <a:p>
+            <a:r>
+              <a:rPr lang="en-US" sz="1600" dirty="0">
+                <a:solidFill>
+                  <a:schemeClr val="bg1"/>
+                </a:solidFill>
+                <a:latin typeface="Roboto Condensed Light" panose="02000000000000000000" pitchFamily="2" charset="0"/>
+                <a:ea typeface="Roboto Condensed Light" panose="02000000000000000000" pitchFamily="2" charset="0"/>
+              </a:rPr>
+              <a:t>GDP Change: +12.37%</a:t>
+            </a:r>
+          </a:p>
+          <a:p>
+            <a:r>
+              <a:rPr lang="en-US" sz="1600" dirty="0" err="1">
+                <a:solidFill>
+                  <a:schemeClr val="bg1"/>
+                </a:solidFill>
+                <a:latin typeface="Roboto Condensed Light" panose="02000000000000000000" pitchFamily="2" charset="0"/>
+                <a:ea typeface="Roboto Condensed Light" panose="02000000000000000000" pitchFamily="2" charset="0"/>
+              </a:rPr>
+              <a:t>Covid</a:t>
+            </a:r>
+            <a:r>
+              <a:rPr lang="en-US" sz="1600" dirty="0">
+                <a:solidFill>
+                  <a:schemeClr val="bg1"/>
+                </a:solidFill>
+                <a:latin typeface="Roboto Condensed Light" panose="02000000000000000000" pitchFamily="2" charset="0"/>
+                <a:ea typeface="Roboto Condensed Light" panose="02000000000000000000" pitchFamily="2" charset="0"/>
+              </a:rPr>
+              <a:t> Growth: </a:t>
+            </a:r>
+            <a:r>
+              <a:rPr lang="en-US" sz="1600" dirty="0" smtClean="0">
+                <a:solidFill>
+                  <a:schemeClr val="bg1"/>
+                </a:solidFill>
+                <a:latin typeface="Roboto Condensed Light" panose="02000000000000000000" pitchFamily="2" charset="0"/>
+                <a:ea typeface="Roboto Condensed Light" panose="02000000000000000000" pitchFamily="2" charset="0"/>
+              </a:rPr>
+              <a:t>+212%</a:t>
+            </a:r>
+            <a:endParaRPr lang="en-US" sz="1600" dirty="0">
+              <a:solidFill>
+                <a:schemeClr val="bg1"/>
+              </a:solidFill>
+              <a:latin typeface="Roboto Condensed Light" panose="02000000000000000000" pitchFamily="2" charset="0"/>
+              <a:ea typeface="Roboto Condensed Light" panose="02000000000000000000" pitchFamily="2" charset="0"/>
+            </a:endParaRPr>
+          </a:p>
+          <a:p>
+            <a:r>
+              <a:rPr lang="en-US" sz="1600" dirty="0">
+                <a:solidFill>
+                  <a:schemeClr val="bg1"/>
+                </a:solidFill>
+                <a:latin typeface="Roboto Condensed Light" panose="02000000000000000000" pitchFamily="2" charset="0"/>
+                <a:ea typeface="Roboto Condensed Light" panose="02000000000000000000" pitchFamily="2" charset="0"/>
+              </a:rPr>
+              <a:t>Pollution: Low</a:t>
+            </a:r>
+          </a:p>
+          <a:p>
+            <a:r>
+              <a:rPr lang="en-US" sz="1600" dirty="0">
+                <a:solidFill>
+                  <a:schemeClr val="bg1"/>
+                </a:solidFill>
+                <a:latin typeface="Roboto Condensed Light" panose="02000000000000000000" pitchFamily="2" charset="0"/>
+                <a:ea typeface="Roboto Condensed Light" panose="02000000000000000000" pitchFamily="2" charset="0"/>
+              </a:rPr>
+              <a:t>Lockdown Index: 26 </a:t>
+            </a:r>
+          </a:p>
+        </p:txBody>
+      </p:sp>
+      <p:sp>
+        <p:nvSpPr>
+          <p:cNvPr id="15" name="Rounded Rectangle 14"/>
+          <p:cNvSpPr/>
+          <p:nvPr/>
+        </p:nvSpPr>
+        <p:spPr>
+          <a:xfrm>
+            <a:off x="5803900" y="3575310"/>
+            <a:ext cx="2717800" cy="1886473"/>
+          </a:xfrm>
+          <a:prstGeom prst="roundRect">
+            <a:avLst/>
+          </a:prstGeom>
+          <a:solidFill>
+            <a:schemeClr val="accent2"/>
           </a:solidFill>
         </p:spPr>
         <p:style>
@@ -4794,7 +3259,7 @@
                 <a:latin typeface="Roboto Condensed Light" panose="02000000000000000000" pitchFamily="2" charset="0"/>
                 <a:ea typeface="Roboto Condensed Light" panose="02000000000000000000" pitchFamily="2" charset="0"/>
               </a:rPr>
-              <a:t>Italy</a:t>
+              <a:t>Sweden</a:t>
             </a:r>
           </a:p>
           <a:p>
@@ -4806,8 +3271,25 @@
                 <a:latin typeface="Roboto Condensed Light" panose="02000000000000000000" pitchFamily="2" charset="0"/>
                 <a:ea typeface="Roboto Condensed Light" panose="02000000000000000000" pitchFamily="2" charset="0"/>
               </a:rPr>
-              <a:t>Risk: Manageable</a:t>
-            </a:r>
+              <a:t>Risk: </a:t>
+            </a:r>
+            <a:r>
+              <a:rPr lang="en-US" sz="1600" dirty="0" smtClean="0">
+                <a:solidFill>
+                  <a:schemeClr val="tx1"/>
+                </a:solidFill>
+                <a:latin typeface="Roboto Condensed Light" panose="02000000000000000000" pitchFamily="2" charset="0"/>
+                <a:ea typeface="Roboto Condensed Light" panose="02000000000000000000" pitchFamily="2" charset="0"/>
+              </a:rPr>
+              <a:t>Moderate-High</a:t>
+            </a:r>
+            <a:endParaRPr lang="en-US" sz="1600" dirty="0">
+              <a:solidFill>
+                <a:schemeClr val="tx1"/>
+              </a:solidFill>
+              <a:latin typeface="Roboto Condensed Light" panose="02000000000000000000" pitchFamily="2" charset="0"/>
+              <a:ea typeface="Roboto Condensed Light" panose="02000000000000000000" pitchFamily="2" charset="0"/>
+            </a:endParaRPr>
           </a:p>
           <a:p>
             <a:r>
@@ -4818,7 +3300,7 @@
                 <a:latin typeface="Roboto Condensed Light" panose="02000000000000000000" pitchFamily="2" charset="0"/>
                 <a:ea typeface="Roboto Condensed Light" panose="02000000000000000000" pitchFamily="2" charset="0"/>
               </a:rPr>
-              <a:t>GDP Change: +12.37%</a:t>
+              <a:t>GDP Change: +0.33%</a:t>
             </a:r>
           </a:p>
           <a:p>
@@ -4840,8 +3322,25 @@
                 <a:latin typeface="Roboto Condensed Light" panose="02000000000000000000" pitchFamily="2" charset="0"/>
                 <a:ea typeface="Roboto Condensed Light" panose="02000000000000000000" pitchFamily="2" charset="0"/>
               </a:rPr>
-              <a:t> Growth: 0.22%</a:t>
-            </a:r>
+              <a:t> Growth: </a:t>
+            </a:r>
+            <a:r>
+              <a:rPr lang="en-US" sz="1600" dirty="0" smtClean="0">
+                <a:solidFill>
+                  <a:schemeClr val="tx1"/>
+                </a:solidFill>
+                <a:latin typeface="Roboto Condensed Light" panose="02000000000000000000" pitchFamily="2" charset="0"/>
+                <a:ea typeface="Roboto Condensed Light" panose="02000000000000000000" pitchFamily="2" charset="0"/>
+              </a:rPr>
+              <a:t>+223%</a:t>
+            </a:r>
+            <a:endParaRPr lang="en-US" sz="1600" dirty="0">
+              <a:solidFill>
+                <a:schemeClr val="tx1"/>
+              </a:solidFill>
+              <a:latin typeface="Roboto Condensed Light" panose="02000000000000000000" pitchFamily="2" charset="0"/>
+              <a:ea typeface="Roboto Condensed Light" panose="02000000000000000000" pitchFamily="2" charset="0"/>
+            </a:endParaRPr>
           </a:p>
           <a:p>
             <a:r>
@@ -4864,27 +3363,27 @@
                 <a:latin typeface="Roboto Condensed Light" panose="02000000000000000000" pitchFamily="2" charset="0"/>
                 <a:ea typeface="Roboto Condensed Light" panose="02000000000000000000" pitchFamily="2" charset="0"/>
               </a:rPr>
-              <a:t>Lockdown Index: 26 </a:t>
-            </a:r>
-          </a:p>
-        </p:txBody>
-      </p:sp>
-      <p:sp>
-        <p:nvSpPr>
-          <p:cNvPr id="15" name="Rounded Rectangle 14"/>
+              <a:t>Lockdown Index: 9</a:t>
+            </a:r>
+          </a:p>
+        </p:txBody>
+      </p:sp>
+      <p:sp>
+        <p:nvSpPr>
+          <p:cNvPr id="16" name="Rounded Rectangle 15"/>
           <p:cNvSpPr/>
           <p:nvPr/>
         </p:nvSpPr>
         <p:spPr>
           <a:xfrm>
-            <a:off x="5803900" y="3575310"/>
+            <a:off x="5803900" y="1308099"/>
             <a:ext cx="2717800" cy="1886473"/>
           </a:xfrm>
           <a:prstGeom prst="roundRect">
             <a:avLst/>
           </a:prstGeom>
           <a:solidFill>
-            <a:srgbClr val="FFFF00"/>
+            <a:schemeClr val="accent4"/>
           </a:solidFill>
         </p:spPr>
         <p:style>
@@ -4916,7 +3415,7 @@
                 <a:latin typeface="Roboto Condensed Light" panose="02000000000000000000" pitchFamily="2" charset="0"/>
                 <a:ea typeface="Roboto Condensed Light" panose="02000000000000000000" pitchFamily="2" charset="0"/>
               </a:rPr>
-              <a:t>Sweden</a:t>
+              <a:t>Philippines</a:t>
             </a:r>
           </a:p>
           <a:p>
@@ -4940,7 +3439,7 @@
                 <a:latin typeface="Roboto Condensed Light" panose="02000000000000000000" pitchFamily="2" charset="0"/>
                 <a:ea typeface="Roboto Condensed Light" panose="02000000000000000000" pitchFamily="2" charset="0"/>
               </a:rPr>
-              <a:t>GDP Change: +0.33%</a:t>
+              <a:t>GDP Change: +5%</a:t>
             </a:r>
           </a:p>
           <a:p>
@@ -4962,8 +3461,25 @@
                 <a:latin typeface="Roboto Condensed Light" panose="02000000000000000000" pitchFamily="2" charset="0"/>
                 <a:ea typeface="Roboto Condensed Light" panose="02000000000000000000" pitchFamily="2" charset="0"/>
               </a:rPr>
-              <a:t> Growth: 1.04%</a:t>
-            </a:r>
+              <a:t> Growth: </a:t>
+            </a:r>
+            <a:r>
+              <a:rPr lang="en-US" sz="1600" dirty="0" smtClean="0">
+                <a:solidFill>
+                  <a:schemeClr val="tx1"/>
+                </a:solidFill>
+                <a:latin typeface="Roboto Condensed Light" panose="02000000000000000000" pitchFamily="2" charset="0"/>
+                <a:ea typeface="Roboto Condensed Light" panose="02000000000000000000" pitchFamily="2" charset="0"/>
+              </a:rPr>
+              <a:t>+171%</a:t>
+            </a:r>
+            <a:endParaRPr lang="en-US" sz="1600" dirty="0">
+              <a:solidFill>
+                <a:schemeClr val="tx1"/>
+              </a:solidFill>
+              <a:latin typeface="Roboto Condensed Light" panose="02000000000000000000" pitchFamily="2" charset="0"/>
+              <a:ea typeface="Roboto Condensed Light" panose="02000000000000000000" pitchFamily="2" charset="0"/>
+            </a:endParaRPr>
           </a:p>
           <a:p>
             <a:r>
@@ -4986,27 +3502,27 @@
                 <a:latin typeface="Roboto Condensed Light" panose="02000000000000000000" pitchFamily="2" charset="0"/>
                 <a:ea typeface="Roboto Condensed Light" panose="02000000000000000000" pitchFamily="2" charset="0"/>
               </a:rPr>
-              <a:t>Lockdown Index: 9</a:t>
-            </a:r>
-          </a:p>
-        </p:txBody>
-      </p:sp>
-      <p:sp>
-        <p:nvSpPr>
-          <p:cNvPr id="16" name="Rounded Rectangle 15"/>
+              <a:t>Lockdown Index : 33</a:t>
+            </a:r>
+          </a:p>
+        </p:txBody>
+      </p:sp>
+      <p:sp>
+        <p:nvSpPr>
+          <p:cNvPr id="17" name="Rounded Rectangle 16"/>
           <p:cNvSpPr/>
           <p:nvPr/>
         </p:nvSpPr>
         <p:spPr>
           <a:xfrm>
-            <a:off x="5803900" y="1308099"/>
+            <a:off x="8902700" y="1308099"/>
             <a:ext cx="2717800" cy="1886473"/>
           </a:xfrm>
           <a:prstGeom prst="roundRect">
             <a:avLst/>
           </a:prstGeom>
           <a:solidFill>
-            <a:srgbClr val="FFFF00"/>
+            <a:srgbClr val="00B050"/>
           </a:solidFill>
         </p:spPr>
         <p:style>
@@ -5033,43 +3549,77 @@
             <a:r>
               <a:rPr lang="en-US" dirty="0">
                 <a:solidFill>
-                  <a:schemeClr val="tx1"/>
+                  <a:schemeClr val="bg1"/>
                 </a:solidFill>
                 <a:latin typeface="Roboto Condensed Light" panose="02000000000000000000" pitchFamily="2" charset="0"/>
                 <a:ea typeface="Roboto Condensed Light" panose="02000000000000000000" pitchFamily="2" charset="0"/>
               </a:rPr>
-              <a:t>Philippines</a:t>
+              <a:t>Singapore</a:t>
             </a:r>
           </a:p>
           <a:p>
             <a:r>
               <a:rPr lang="en-US" sz="1600" dirty="0">
                 <a:solidFill>
-                  <a:schemeClr val="tx1"/>
+                  <a:schemeClr val="bg1"/>
                 </a:solidFill>
                 <a:latin typeface="Roboto Condensed Light" panose="02000000000000000000" pitchFamily="2" charset="0"/>
                 <a:ea typeface="Roboto Condensed Light" panose="02000000000000000000" pitchFamily="2" charset="0"/>
               </a:rPr>
-              <a:t>Risk: Moderate</a:t>
-            </a:r>
-          </a:p>
-          <a:p>
-            <a:r>
-              <a:rPr lang="en-US" sz="1600" dirty="0">
+              <a:t>Risk: </a:t>
+            </a:r>
+            <a:r>
+              <a:rPr lang="en-US" sz="1600" dirty="0" smtClean="0">
                 <a:solidFill>
-                  <a:schemeClr val="tx1"/>
+                  <a:schemeClr val="bg1"/>
                 </a:solidFill>
                 <a:latin typeface="Roboto Condensed Light" panose="02000000000000000000" pitchFamily="2" charset="0"/>
                 <a:ea typeface="Roboto Condensed Light" panose="02000000000000000000" pitchFamily="2" charset="0"/>
               </a:rPr>
-              <a:t>GDP Change: +5%</a:t>
-            </a:r>
+              <a:t>Low</a:t>
+            </a:r>
+            <a:endParaRPr lang="en-US" sz="1600" dirty="0">
+              <a:solidFill>
+                <a:schemeClr val="bg1"/>
+              </a:solidFill>
+              <a:latin typeface="Roboto Condensed Light" panose="02000000000000000000" pitchFamily="2" charset="0"/>
+              <a:ea typeface="Roboto Condensed Light" panose="02000000000000000000" pitchFamily="2" charset="0"/>
+            </a:endParaRPr>
+          </a:p>
+          <a:p>
+            <a:r>
+              <a:rPr lang="en-US" sz="1600" dirty="0">
+                <a:solidFill>
+                  <a:schemeClr val="bg1"/>
+                </a:solidFill>
+                <a:latin typeface="Roboto Condensed Light" panose="02000000000000000000" pitchFamily="2" charset="0"/>
+                <a:ea typeface="Roboto Condensed Light" panose="02000000000000000000" pitchFamily="2" charset="0"/>
+              </a:rPr>
+              <a:t>GDP: +</a:t>
+            </a:r>
+            <a:r>
+              <a:rPr lang="en-US" sz="1600" dirty="0" smtClean="0">
+                <a:solidFill>
+                  <a:schemeClr val="bg1"/>
+                </a:solidFill>
+                <a:latin typeface="Roboto Condensed Light" panose="02000000000000000000" pitchFamily="2" charset="0"/>
+                <a:ea typeface="Roboto Condensed Light" panose="02000000000000000000" pitchFamily="2" charset="0"/>
+              </a:rPr>
+              <a:t>2.17%</a:t>
+            </a:r>
+            <a:endParaRPr lang="en-US" sz="1600" dirty="0">
+              <a:solidFill>
+                <a:schemeClr val="bg1"/>
+              </a:solidFill>
+              <a:latin typeface="Roboto Condensed Light" panose="02000000000000000000" pitchFamily="2" charset="0"/>
+              <a:ea typeface="Roboto Condensed Light" panose="02000000000000000000" pitchFamily="2" charset="0"/>
+            </a:endParaRPr>
           </a:p>
           <a:p>
             <a:r>
               <a:rPr lang="en-US" sz="1600" dirty="0" err="1">
                 <a:solidFill>
-                  <a:schemeClr val="tx1"/>
+                  <a:schemeClr val="bg1"/>
                 </a:solidFill>
                 <a:latin typeface="Roboto Condensed Light" panose="02000000000000000000" pitchFamily="2" charset="0"/>
                 <a:ea typeface="Roboto Condensed Light" panose="02000000000000000000" pitchFamily="2" charset="0"/>
@@ -5079,141 +3629,46 @@
             <a:r>
               <a:rPr lang="en-US" sz="1600" dirty="0">
                 <a:solidFill>
-                  <a:schemeClr val="tx1"/>
+                  <a:schemeClr val="bg1"/>
                 </a:solidFill>
                 <a:latin typeface="Roboto Condensed Light" panose="02000000000000000000" pitchFamily="2" charset="0"/>
                 <a:ea typeface="Roboto Condensed Light" panose="02000000000000000000" pitchFamily="2" charset="0"/>
               </a:rPr>
-              <a:t> Growth: 1.84%</a:t>
-            </a:r>
-          </a:p>
-          <a:p>
-            <a:r>
-              <a:rPr lang="en-US" sz="1600" dirty="0">
+              <a:t> Growth: </a:t>
+            </a:r>
+            <a:r>
+              <a:rPr lang="en-US" sz="1600" dirty="0" smtClean="0">
                 <a:solidFill>
-                  <a:schemeClr val="tx1"/>
+                  <a:schemeClr val="bg1"/>
                 </a:solidFill>
                 <a:latin typeface="Roboto Condensed Light" panose="02000000000000000000" pitchFamily="2" charset="0"/>
                 <a:ea typeface="Roboto Condensed Light" panose="02000000000000000000" pitchFamily="2" charset="0"/>
               </a:rPr>
-              <a:t>Pollution: Low</a:t>
-            </a:r>
-          </a:p>
-          <a:p>
-            <a:r>
-              <a:rPr lang="en-US" sz="1600" dirty="0">
+              <a:t>+400</a:t>
+            </a:r>
+            <a:r>
+              <a:rPr lang="en-US" sz="1600" dirty="0" smtClean="0">
                 <a:solidFill>
-                  <a:schemeClr val="tx1"/>
+                  <a:schemeClr val="bg1"/>
                 </a:solidFill>
                 <a:latin typeface="Roboto Condensed Light" panose="02000000000000000000" pitchFamily="2" charset="0"/>
                 <a:ea typeface="Roboto Condensed Light" panose="02000000000000000000" pitchFamily="2" charset="0"/>
               </a:rPr>
-              <a:t>Lockdown Index : 33</a:t>
-            </a:r>
-          </a:p>
-        </p:txBody>
-      </p:sp>
-      <p:sp>
-        <p:nvSpPr>
-          <p:cNvPr id="17" name="Rounded Rectangle 16"/>
-          <p:cNvSpPr/>
-          <p:nvPr/>
-        </p:nvSpPr>
-        <p:spPr>
-          <a:xfrm>
-            <a:off x="8902700" y="1244075"/>
-            <a:ext cx="2717800" cy="1886473"/>
-          </a:xfrm>
-          <a:prstGeom prst="roundRect">
-            <a:avLst/>
-          </a:prstGeom>
-          <a:solidFill>
-            <a:srgbClr val="FFFF00"/>
-          </a:solidFill>
-        </p:spPr>
-        <p:style>
-          <a:lnRef idx="2">
-            <a:schemeClr val="accent1">
-              <a:shade val="50000"/>
-            </a:schemeClr>
-          </a:lnRef>
-          <a:fillRef idx="1">
-            <a:schemeClr val="accent1"/>
-          </a:fillRef>
-          <a:effectRef idx="0">
-            <a:schemeClr val="accent1"/>
-          </a:effectRef>
-          <a:fontRef idx="minor">
-            <a:schemeClr val="lt1"/>
-          </a:fontRef>
-        </p:style>
-        <p:txBody>
-          <a:bodyPr rtlCol="0" anchor="t"/>
-          <a:lstStyle/>
-          <a:p>
-            <a:pPr algn="ctr"/>
-            <a:r>
-              <a:rPr lang="en-US" dirty="0">
-                <a:solidFill>
-                  <a:schemeClr val="tx1"/>
-                </a:solidFill>
-                <a:latin typeface="Roboto Condensed Light" panose="02000000000000000000" pitchFamily="2" charset="0"/>
-                <a:ea typeface="Roboto Condensed Light" panose="02000000000000000000" pitchFamily="2" charset="0"/>
-              </a:rPr>
-              <a:t>Singapore</a:t>
-            </a:r>
+              <a:t>%</a:t>
+            </a:r>
+            <a:endParaRPr lang="en-US" sz="1600" dirty="0">
+              <a:solidFill>
+                <a:schemeClr val="bg1"/>
+              </a:solidFill>
+              <a:latin typeface="Roboto Condensed Light" panose="02000000000000000000" pitchFamily="2" charset="0"/>
+              <a:ea typeface="Roboto Condensed Light" panose="02000000000000000000" pitchFamily="2" charset="0"/>
+            </a:endParaRPr>
           </a:p>
           <a:p>
             <a:r>
               <a:rPr lang="en-US" sz="1600" dirty="0">
                 <a:solidFill>
-                  <a:schemeClr val="tx1"/>
-                </a:solidFill>
-                <a:latin typeface="Roboto Condensed Light" panose="02000000000000000000" pitchFamily="2" charset="0"/>
-                <a:ea typeface="Roboto Condensed Light" panose="02000000000000000000" pitchFamily="2" charset="0"/>
-              </a:rPr>
-              <a:t>Risk: Moderate</a:t>
-            </a:r>
-          </a:p>
-          <a:p>
-            <a:r>
-              <a:rPr lang="en-US" sz="1600" dirty="0">
-                <a:solidFill>
-                  <a:schemeClr val="tx1"/>
-                </a:solidFill>
-                <a:latin typeface="Roboto Condensed Light" panose="02000000000000000000" pitchFamily="2" charset="0"/>
-                <a:ea typeface="Roboto Condensed Light" panose="02000000000000000000" pitchFamily="2" charset="0"/>
-              </a:rPr>
-              <a:t>GDP: +2.1%</a:t>
-            </a:r>
-          </a:p>
-          <a:p>
-            <a:r>
-              <a:rPr lang="en-US" sz="1600" dirty="0" err="1">
-                <a:solidFill>
-                  <a:schemeClr val="tx1"/>
-                </a:solidFill>
-                <a:latin typeface="Roboto Condensed Light" panose="02000000000000000000" pitchFamily="2" charset="0"/>
-                <a:ea typeface="Roboto Condensed Light" panose="02000000000000000000" pitchFamily="2" charset="0"/>
-              </a:rPr>
-              <a:t>Covid</a:t>
-            </a:r>
-            <a:r>
-              <a:rPr lang="en-US" sz="1600" dirty="0">
-                <a:solidFill>
-                  <a:schemeClr val="tx1"/>
-                </a:solidFill>
-                <a:latin typeface="Roboto Condensed Light" panose="02000000000000000000" pitchFamily="2" charset="0"/>
-                <a:ea typeface="Roboto Condensed Light" panose="02000000000000000000" pitchFamily="2" charset="0"/>
-              </a:rPr>
-              <a:t> Growth: 1.65%</a:t>
-            </a:r>
-          </a:p>
-          <a:p>
-            <a:r>
-              <a:rPr lang="en-US" sz="1600" dirty="0">
-                <a:solidFill>
-                  <a:schemeClr val="tx1"/>
+                  <a:schemeClr val="bg1"/>
                 </a:solidFill>
                 <a:latin typeface="Roboto Condensed Light" panose="02000000000000000000" pitchFamily="2" charset="0"/>
                 <a:ea typeface="Roboto Condensed Light" panose="02000000000000000000" pitchFamily="2" charset="0"/>
@@ -5225,7 +3680,7 @@
             <a:r>
               <a:rPr lang="en-US" sz="1600" dirty="0">
                 <a:solidFill>
-                  <a:schemeClr val="tx1"/>
+                  <a:schemeClr val="bg1"/>
                 </a:solidFill>
                 <a:latin typeface="Roboto Condensed Light" panose="02000000000000000000" pitchFamily="2" charset="0"/>
                 <a:ea typeface="Roboto Condensed Light" panose="02000000000000000000" pitchFamily="2" charset="0"/>
@@ -5615,7 +4070,7 @@
             <a:avLst/>
           </a:prstGeom>
           <a:solidFill>
-            <a:srgbClr val="FF0000"/>
+            <a:srgbClr val="92D050"/>
           </a:solidFill>
         </p:spPr>
         <p:style>
@@ -5659,8 +4114,25 @@
                 <a:latin typeface="Roboto Condensed Light" panose="02000000000000000000" pitchFamily="2" charset="0"/>
                 <a:ea typeface="Roboto Condensed Light" panose="02000000000000000000" pitchFamily="2" charset="0"/>
               </a:rPr>
-              <a:t>Risk: High</a:t>
-            </a:r>
+              <a:t>Risk: </a:t>
+            </a:r>
+            <a:r>
+              <a:rPr lang="en-US" sz="1600" dirty="0" smtClean="0">
+                <a:solidFill>
+                  <a:schemeClr val="tx1"/>
+                </a:solidFill>
+                <a:latin typeface="Roboto Condensed Light" panose="02000000000000000000" pitchFamily="2" charset="0"/>
+                <a:ea typeface="Roboto Condensed Light" panose="02000000000000000000" pitchFamily="2" charset="0"/>
+              </a:rPr>
+              <a:t>Low-Moderate</a:t>
+            </a:r>
+            <a:endParaRPr lang="en-US" sz="1600" dirty="0">
+              <a:solidFill>
+                <a:schemeClr val="tx1"/>
+              </a:solidFill>
+              <a:latin typeface="Roboto Condensed Light" panose="02000000000000000000" pitchFamily="2" charset="0"/>
+              <a:ea typeface="Roboto Condensed Light" panose="02000000000000000000" pitchFamily="2" charset="0"/>
+            </a:endParaRPr>
           </a:p>
           <a:p>
             <a:r>
@@ -5693,8 +4165,25 @@
                 <a:latin typeface="Roboto Condensed Light" panose="02000000000000000000" pitchFamily="2" charset="0"/>
                 <a:ea typeface="Roboto Condensed Light" panose="02000000000000000000" pitchFamily="2" charset="0"/>
               </a:rPr>
-              <a:t> Growth: 0.14%</a:t>
-            </a:r>
+              <a:t> Growth: </a:t>
+            </a:r>
+            <a:r>
+              <a:rPr lang="en-US" sz="1600" dirty="0" smtClean="0">
+                <a:solidFill>
+                  <a:schemeClr val="tx1"/>
+                </a:solidFill>
+                <a:latin typeface="Roboto Condensed Light" panose="02000000000000000000" pitchFamily="2" charset="0"/>
+                <a:ea typeface="Roboto Condensed Light" panose="02000000000000000000" pitchFamily="2" charset="0"/>
+              </a:rPr>
+              <a:t>+248%</a:t>
+            </a:r>
+            <a:endParaRPr lang="en-US" sz="1600" dirty="0">
+              <a:solidFill>
+                <a:schemeClr val="tx1"/>
+              </a:solidFill>
+              <a:latin typeface="Roboto Condensed Light" panose="02000000000000000000" pitchFamily="2" charset="0"/>
+              <a:ea typeface="Roboto Condensed Light" panose="02000000000000000000" pitchFamily="2" charset="0"/>
+            </a:endParaRPr>
           </a:p>
           <a:p>
             <a:r>
@@ -5724,14 +4213,14 @@
       </p:sp>
       <p:sp>
         <p:nvSpPr>
-          <p:cNvPr id="2" name="Rectangle 1"/>
+          <p:cNvPr id="18" name="Rectangle 17"/>
           <p:cNvSpPr/>
           <p:nvPr/>
         </p:nvSpPr>
         <p:spPr>
           <a:xfrm>
-            <a:off x="9753598" y="4253948"/>
-            <a:ext cx="2438401" cy="2604052"/>
+            <a:off x="0" y="0"/>
+            <a:ext cx="5009002" cy="6858000"/>
           </a:xfrm>
           <a:prstGeom prst="rect">
             <a:avLst/>
@@ -5780,919 +4269,6 @@
     <p:extLst>
       <p:ext uri="{BB962C8B-B14F-4D97-AF65-F5344CB8AC3E}">
         <p14:creationId xmlns:p14="http://schemas.microsoft.com/office/powerpoint/2010/main" val="1757251175"/>
-      </p:ext>
-    </p:extLst>
-  </p:cSld>
-  <p:clrMapOvr>
-    <a:masterClrMapping/>
-  </p:clrMapOvr>
-  <p:timing>
-    <p:tnLst>
-      <p:par>
-        <p:cTn id="1" dur="indefinite" restart="never" nodeType="tmRoot">
-          <p:childTnLst>
-            <p:seq concurrent="1" nextAc="seek">
-              <p:cTn id="2" dur="indefinite" nodeType="mainSeq">
-                <p:childTnLst>
-                  <p:par>
-                    <p:cTn id="3" fill="hold">
-                      <p:stCondLst>
-                        <p:cond delay="indefinite"/>
-                      </p:stCondLst>
-                      <p:childTnLst>
-                        <p:par>
-                          <p:cTn id="4" fill="hold">
-                            <p:stCondLst>
-                              <p:cond delay="0"/>
-                            </p:stCondLst>
-                            <p:childTnLst>
-                              <p:par>
-                                <p:cTn id="5" presetID="10" presetClass="entr" presetSubtype="0" fill="hold" grpId="0" nodeType="clickEffect">
-                                  <p:stCondLst>
-                                    <p:cond delay="0"/>
-                                  </p:stCondLst>
-                                  <p:childTnLst>
-                                    <p:set>
-                                      <p:cBhvr>
-                                        <p:cTn id="6" dur="1" fill="hold">
-                                          <p:stCondLst>
-                                            <p:cond delay="0"/>
-                                          </p:stCondLst>
-                                        </p:cTn>
-                                        <p:tgtEl>
-                                          <p:spTgt spid="2"/>
-                                        </p:tgtEl>
-                                        <p:attrNameLst>
-                                          <p:attrName>style.visibility</p:attrName>
-                                        </p:attrNameLst>
-                                      </p:cBhvr>
-                                      <p:to>
-                                        <p:strVal val="visible"/>
-                                      </p:to>
-                                    </p:set>
-                                    <p:animEffect transition="in" filter="fade">
-                                      <p:cBhvr>
-                                        <p:cTn id="7" dur="500"/>
-                                        <p:tgtEl>
-                                          <p:spTgt spid="2"/>
-                                        </p:tgtEl>
-                                      </p:cBhvr>
-                                    </p:animEffect>
-                                  </p:childTnLst>
-                                </p:cTn>
-                              </p:par>
-                            </p:childTnLst>
-                          </p:cTn>
-                        </p:par>
-                      </p:childTnLst>
-                    </p:cTn>
-                  </p:par>
-                </p:childTnLst>
-              </p:cTn>
-              <p:prevCondLst>
-                <p:cond evt="onPrev" delay="0">
-                  <p:tgtEl>
-                    <p:sldTgt/>
-                  </p:tgtEl>
-                </p:cond>
-              </p:prevCondLst>
-              <p:nextCondLst>
-                <p:cond evt="onNext" delay="0">
-                  <p:tgtEl>
-                    <p:sldTgt/>
-                  </p:tgtEl>
-                </p:cond>
-              </p:nextCondLst>
-            </p:seq>
-          </p:childTnLst>
-        </p:cTn>
-      </p:par>
-    </p:tnLst>
-    <p:bldLst>
-      <p:bldP spid="2" grpId="0" animBg="1"/>
-    </p:bldLst>
-  </p:timing>
-</p:sld>
-</file>
-
-<file path=ppt/slides/slide2.xml><?xml version="1.0" encoding="utf-8"?>
-<p:sld xmlns:a="http://schemas.openxmlformats.org/drawingml/2006/main" xmlns:r="http://schemas.openxmlformats.org/officeDocument/2006/relationships" xmlns:p="http://schemas.openxmlformats.org/presentationml/2006/main">
-  <p:cSld>
-    <p:spTree>
-      <p:nvGrpSpPr>
-        <p:cNvPr id="1" name=""/>
-        <p:cNvGrpSpPr/>
-        <p:nvPr/>
-      </p:nvGrpSpPr>
-      <p:grpSpPr>
-        <a:xfrm>
-          <a:off x="0" y="0"/>
-          <a:ext cx="0" cy="0"/>
-          <a:chOff x="0" y="0"/>
-          <a:chExt cx="0" cy="0"/>
-        </a:xfrm>
-      </p:grpSpPr>
-      <p:sp>
-        <p:nvSpPr>
-          <p:cNvPr id="4" name="Rectangle 3"/>
-          <p:cNvSpPr/>
-          <p:nvPr/>
-        </p:nvSpPr>
-        <p:spPr>
-          <a:xfrm>
-            <a:off x="0" y="0"/>
-            <a:ext cx="12192000" cy="685800"/>
-          </a:xfrm>
-          <a:prstGeom prst="rect">
-            <a:avLst/>
-          </a:prstGeom>
-          <a:solidFill>
-            <a:schemeClr val="tx1"/>
-          </a:solidFill>
-        </p:spPr>
-        <p:style>
-          <a:lnRef idx="2">
-            <a:schemeClr val="accent1">
-              <a:shade val="50000"/>
-            </a:schemeClr>
-          </a:lnRef>
-          <a:fillRef idx="1">
-            <a:schemeClr val="accent1"/>
-          </a:fillRef>
-          <a:effectRef idx="0">
-            <a:schemeClr val="accent1"/>
-          </a:effectRef>
-          <a:fontRef idx="minor">
-            <a:schemeClr val="lt1"/>
-          </a:fontRef>
-        </p:style>
-        <p:txBody>
-          <a:bodyPr rtlCol="0" anchor="ctr"/>
-          <a:lstStyle/>
-          <a:p>
-            <a:r>
-              <a:rPr lang="en-US" sz="2400" dirty="0">
-                <a:latin typeface="Roboto Condensed Light" panose="02000000000000000000" pitchFamily="2" charset="0"/>
-                <a:ea typeface="Roboto Condensed Light" panose="02000000000000000000" pitchFamily="2" charset="0"/>
-              </a:rPr>
-              <a:t>		Global Impact Detection from Emitted Light, Onset of COVID, and NO2</a:t>
-            </a:r>
-          </a:p>
-        </p:txBody>
-      </p:sp>
-      <p:sp>
-        <p:nvSpPr>
-          <p:cNvPr id="5" name="Rectangle 4"/>
-          <p:cNvSpPr/>
-          <p:nvPr/>
-        </p:nvSpPr>
-        <p:spPr>
-          <a:xfrm>
-            <a:off x="0" y="685800"/>
-            <a:ext cx="2438400" cy="6172200"/>
-          </a:xfrm>
-          <a:prstGeom prst="rect">
-            <a:avLst/>
-          </a:prstGeom>
-          <a:solidFill>
-            <a:schemeClr val="bg2">
-              <a:lumMod val="75000"/>
-            </a:schemeClr>
-          </a:solidFill>
-        </p:spPr>
-        <p:style>
-          <a:lnRef idx="2">
-            <a:schemeClr val="accent1">
-              <a:shade val="50000"/>
-            </a:schemeClr>
-          </a:lnRef>
-          <a:fillRef idx="1">
-            <a:schemeClr val="accent1"/>
-          </a:fillRef>
-          <a:effectRef idx="0">
-            <a:schemeClr val="accent1"/>
-          </a:effectRef>
-          <a:fontRef idx="minor">
-            <a:schemeClr val="lt1"/>
-          </a:fontRef>
-        </p:style>
-        <p:txBody>
-          <a:bodyPr rtlCol="0" anchor="ctr"/>
-          <a:lstStyle/>
-          <a:p>
-            <a:pPr algn="ctr"/>
-            <a:endParaRPr lang="en-US"/>
-          </a:p>
-        </p:txBody>
-      </p:sp>
-      <p:sp>
-        <p:nvSpPr>
-          <p:cNvPr id="6" name="Rectangle 5"/>
-          <p:cNvSpPr/>
-          <p:nvPr/>
-        </p:nvSpPr>
-        <p:spPr>
-          <a:xfrm>
-            <a:off x="2438400" y="6172200"/>
-            <a:ext cx="9753600" cy="685800"/>
-          </a:xfrm>
-          <a:prstGeom prst="rect">
-            <a:avLst/>
-          </a:prstGeom>
-          <a:solidFill>
-            <a:schemeClr val="tx1"/>
-          </a:solidFill>
-        </p:spPr>
-        <p:style>
-          <a:lnRef idx="2">
-            <a:schemeClr val="accent1">
-              <a:shade val="50000"/>
-            </a:schemeClr>
-          </a:lnRef>
-          <a:fillRef idx="1">
-            <a:schemeClr val="accent1"/>
-          </a:fillRef>
-          <a:effectRef idx="0">
-            <a:schemeClr val="accent1"/>
-          </a:effectRef>
-          <a:fontRef idx="minor">
-            <a:schemeClr val="lt1"/>
-          </a:fontRef>
-        </p:style>
-        <p:txBody>
-          <a:bodyPr rtlCol="0" anchor="ctr"/>
-          <a:lstStyle/>
-          <a:p>
-            <a:r>
-              <a:rPr lang="en-US" sz="2400" dirty="0"/>
-              <a:t>Team GIDEON – Visit us at </a:t>
-            </a:r>
-            <a:r>
-              <a:rPr lang="en-US" sz="2400" dirty="0" err="1"/>
-              <a:t>projectgideon.co</a:t>
-            </a:r>
-            <a:endParaRPr lang="en-US" sz="2400" dirty="0"/>
-          </a:p>
-        </p:txBody>
-      </p:sp>
-      <p:sp>
-        <p:nvSpPr>
-          <p:cNvPr id="19" name="Rectangle 18"/>
-          <p:cNvSpPr/>
-          <p:nvPr/>
-        </p:nvSpPr>
-        <p:spPr>
-          <a:xfrm>
-            <a:off x="203200" y="952500"/>
-            <a:ext cx="2019300" cy="508000"/>
-          </a:xfrm>
-          <a:prstGeom prst="rect">
-            <a:avLst/>
-          </a:prstGeom>
-          <a:solidFill>
-            <a:schemeClr val="bg2">
-              <a:lumMod val="50000"/>
-            </a:schemeClr>
-          </a:solidFill>
-          <a:ln>
-            <a:noFill/>
-          </a:ln>
-        </p:spPr>
-        <p:style>
-          <a:lnRef idx="2">
-            <a:schemeClr val="accent1">
-              <a:shade val="50000"/>
-            </a:schemeClr>
-          </a:lnRef>
-          <a:fillRef idx="1">
-            <a:schemeClr val="accent1"/>
-          </a:fillRef>
-          <a:effectRef idx="0">
-            <a:schemeClr val="accent1"/>
-          </a:effectRef>
-          <a:fontRef idx="minor">
-            <a:schemeClr val="lt1"/>
-          </a:fontRef>
-        </p:style>
-        <p:txBody>
-          <a:bodyPr rtlCol="0" anchor="ctr"/>
-          <a:lstStyle/>
-          <a:p>
-            <a:pPr algn="ctr"/>
-            <a:r>
-              <a:rPr lang="en-US" dirty="0">
-                <a:latin typeface="Roboto Condensed Light" panose="02000000000000000000" pitchFamily="2" charset="0"/>
-                <a:ea typeface="Roboto Condensed Light" panose="02000000000000000000" pitchFamily="2" charset="0"/>
-              </a:rPr>
-              <a:t>Snapshot</a:t>
-            </a:r>
-          </a:p>
-        </p:txBody>
-      </p:sp>
-      <p:sp>
-        <p:nvSpPr>
-          <p:cNvPr id="20" name="Rectangle 19"/>
-          <p:cNvSpPr/>
-          <p:nvPr/>
-        </p:nvSpPr>
-        <p:spPr>
-          <a:xfrm>
-            <a:off x="203200" y="1549138"/>
-            <a:ext cx="2019300" cy="508000"/>
-          </a:xfrm>
-          <a:prstGeom prst="rect">
-            <a:avLst/>
-          </a:prstGeom>
-          <a:solidFill>
-            <a:schemeClr val="bg2">
-              <a:lumMod val="50000"/>
-            </a:schemeClr>
-          </a:solidFill>
-          <a:ln>
-            <a:noFill/>
-          </a:ln>
-        </p:spPr>
-        <p:style>
-          <a:lnRef idx="2">
-            <a:schemeClr val="accent1">
-              <a:shade val="50000"/>
-            </a:schemeClr>
-          </a:lnRef>
-          <a:fillRef idx="1">
-            <a:schemeClr val="accent1"/>
-          </a:fillRef>
-          <a:effectRef idx="0">
-            <a:schemeClr val="accent1"/>
-          </a:effectRef>
-          <a:fontRef idx="minor">
-            <a:schemeClr val="lt1"/>
-          </a:fontRef>
-        </p:style>
-        <p:txBody>
-          <a:bodyPr rtlCol="0" anchor="ctr"/>
-          <a:lstStyle/>
-          <a:p>
-            <a:pPr algn="ctr"/>
-            <a:r>
-              <a:rPr lang="en-US" dirty="0">
-                <a:latin typeface="Roboto Condensed Light" panose="02000000000000000000" pitchFamily="2" charset="0"/>
-                <a:ea typeface="Roboto Condensed Light" panose="02000000000000000000" pitchFamily="2" charset="0"/>
-              </a:rPr>
-              <a:t>COVID Situation</a:t>
-            </a:r>
-          </a:p>
-        </p:txBody>
-      </p:sp>
-      <p:sp>
-        <p:nvSpPr>
-          <p:cNvPr id="21" name="Rectangle 20"/>
-          <p:cNvSpPr/>
-          <p:nvPr/>
-        </p:nvSpPr>
-        <p:spPr>
-          <a:xfrm>
-            <a:off x="203200" y="2145776"/>
-            <a:ext cx="2019300" cy="508000"/>
-          </a:xfrm>
-          <a:prstGeom prst="rect">
-            <a:avLst/>
-          </a:prstGeom>
-          <a:solidFill>
-            <a:schemeClr val="bg2">
-              <a:lumMod val="50000"/>
-            </a:schemeClr>
-          </a:solidFill>
-          <a:ln>
-            <a:noFill/>
-          </a:ln>
-        </p:spPr>
-        <p:style>
-          <a:lnRef idx="2">
-            <a:schemeClr val="accent1">
-              <a:shade val="50000"/>
-            </a:schemeClr>
-          </a:lnRef>
-          <a:fillRef idx="1">
-            <a:schemeClr val="accent1"/>
-          </a:fillRef>
-          <a:effectRef idx="0">
-            <a:schemeClr val="accent1"/>
-          </a:effectRef>
-          <a:fontRef idx="minor">
-            <a:schemeClr val="lt1"/>
-          </a:fontRef>
-        </p:style>
-        <p:txBody>
-          <a:bodyPr rtlCol="0" anchor="ctr"/>
-          <a:lstStyle/>
-          <a:p>
-            <a:pPr algn="ctr"/>
-            <a:r>
-              <a:rPr lang="en-US" dirty="0">
-                <a:latin typeface="Roboto Condensed Light" panose="02000000000000000000" pitchFamily="2" charset="0"/>
-                <a:ea typeface="Roboto Condensed Light" panose="02000000000000000000" pitchFamily="2" charset="0"/>
-              </a:rPr>
-              <a:t>Economy</a:t>
-            </a:r>
-          </a:p>
-        </p:txBody>
-      </p:sp>
-      <p:sp>
-        <p:nvSpPr>
-          <p:cNvPr id="22" name="Rectangle 21"/>
-          <p:cNvSpPr/>
-          <p:nvPr/>
-        </p:nvSpPr>
-        <p:spPr>
-          <a:xfrm>
-            <a:off x="209550" y="2724672"/>
-            <a:ext cx="2019300" cy="508000"/>
-          </a:xfrm>
-          <a:prstGeom prst="rect">
-            <a:avLst/>
-          </a:prstGeom>
-          <a:solidFill>
-            <a:schemeClr val="bg2">
-              <a:lumMod val="50000"/>
-            </a:schemeClr>
-          </a:solidFill>
-          <a:ln>
-            <a:noFill/>
-          </a:ln>
-        </p:spPr>
-        <p:style>
-          <a:lnRef idx="2">
-            <a:schemeClr val="accent1">
-              <a:shade val="50000"/>
-            </a:schemeClr>
-          </a:lnRef>
-          <a:fillRef idx="1">
-            <a:schemeClr val="accent1"/>
-          </a:fillRef>
-          <a:effectRef idx="0">
-            <a:schemeClr val="accent1"/>
-          </a:effectRef>
-          <a:fontRef idx="minor">
-            <a:schemeClr val="lt1"/>
-          </a:fontRef>
-        </p:style>
-        <p:txBody>
-          <a:bodyPr rtlCol="0" anchor="ctr"/>
-          <a:lstStyle/>
-          <a:p>
-            <a:pPr algn="ctr"/>
-            <a:r>
-              <a:rPr lang="en-US" dirty="0">
-                <a:latin typeface="Roboto Condensed Light" panose="02000000000000000000" pitchFamily="2" charset="0"/>
-                <a:ea typeface="Roboto Condensed Light" panose="02000000000000000000" pitchFamily="2" charset="0"/>
-              </a:rPr>
-              <a:t>Environment</a:t>
-            </a:r>
-          </a:p>
-        </p:txBody>
-      </p:sp>
-      <p:sp>
-        <p:nvSpPr>
-          <p:cNvPr id="23" name="Rectangle 22"/>
-          <p:cNvSpPr/>
-          <p:nvPr/>
-        </p:nvSpPr>
-        <p:spPr>
-          <a:xfrm>
-            <a:off x="209550" y="3321310"/>
-            <a:ext cx="2019300" cy="508000"/>
-          </a:xfrm>
-          <a:prstGeom prst="rect">
-            <a:avLst/>
-          </a:prstGeom>
-          <a:solidFill>
-            <a:schemeClr val="bg2">
-              <a:lumMod val="50000"/>
-            </a:schemeClr>
-          </a:solidFill>
-          <a:ln>
-            <a:noFill/>
-          </a:ln>
-        </p:spPr>
-        <p:style>
-          <a:lnRef idx="2">
-            <a:schemeClr val="accent1">
-              <a:shade val="50000"/>
-            </a:schemeClr>
-          </a:lnRef>
-          <a:fillRef idx="1">
-            <a:schemeClr val="accent1"/>
-          </a:fillRef>
-          <a:effectRef idx="0">
-            <a:schemeClr val="accent1"/>
-          </a:effectRef>
-          <a:fontRef idx="minor">
-            <a:schemeClr val="lt1"/>
-          </a:fontRef>
-        </p:style>
-        <p:txBody>
-          <a:bodyPr rtlCol="0" anchor="ctr"/>
-          <a:lstStyle/>
-          <a:p>
-            <a:pPr algn="ctr"/>
-            <a:r>
-              <a:rPr lang="en-US" dirty="0">
-                <a:latin typeface="Roboto Condensed Light" panose="02000000000000000000" pitchFamily="2" charset="0"/>
-                <a:ea typeface="Roboto Condensed Light" panose="02000000000000000000" pitchFamily="2" charset="0"/>
-              </a:rPr>
-              <a:t>Meet the Team</a:t>
-            </a:r>
-          </a:p>
-        </p:txBody>
-      </p:sp>
-      <p:pic>
-        <p:nvPicPr>
-          <p:cNvPr id="2" name="Picture 1"/>
-          <p:cNvPicPr>
-            <a:picLocks noChangeAspect="1"/>
-          </p:cNvPicPr>
-          <p:nvPr/>
-        </p:nvPicPr>
-        <p:blipFill>
-          <a:blip r:embed="rId2"/>
-          <a:stretch>
-            <a:fillRect/>
-          </a:stretch>
-        </p:blipFill>
-        <p:spPr>
-          <a:xfrm>
-            <a:off x="4921051" y="1457584"/>
-            <a:ext cx="3645099" cy="4127003"/>
-          </a:xfrm>
-          <a:prstGeom prst="rect">
-            <a:avLst/>
-          </a:prstGeom>
-        </p:spPr>
-      </p:pic>
-      <p:sp>
-        <p:nvSpPr>
-          <p:cNvPr id="24" name="Rectangle 23"/>
-          <p:cNvSpPr/>
-          <p:nvPr/>
-        </p:nvSpPr>
-        <p:spPr>
-          <a:xfrm>
-            <a:off x="2641600" y="1557223"/>
-            <a:ext cx="2019300" cy="508000"/>
-          </a:xfrm>
-          <a:prstGeom prst="rect">
-            <a:avLst/>
-          </a:prstGeom>
-          <a:solidFill>
-            <a:schemeClr val="bg2">
-              <a:lumMod val="50000"/>
-            </a:schemeClr>
-          </a:solidFill>
-          <a:ln>
-            <a:noFill/>
-          </a:ln>
-        </p:spPr>
-        <p:style>
-          <a:lnRef idx="2">
-            <a:schemeClr val="accent1">
-              <a:shade val="50000"/>
-            </a:schemeClr>
-          </a:lnRef>
-          <a:fillRef idx="1">
-            <a:schemeClr val="accent1"/>
-          </a:fillRef>
-          <a:effectRef idx="0">
-            <a:schemeClr val="accent1"/>
-          </a:effectRef>
-          <a:fontRef idx="minor">
-            <a:schemeClr val="lt1"/>
-          </a:fontRef>
-        </p:style>
-        <p:txBody>
-          <a:bodyPr rtlCol="0" anchor="ctr"/>
-          <a:lstStyle/>
-          <a:p>
-            <a:pPr algn="ctr"/>
-            <a:r>
-              <a:rPr lang="en-US" dirty="0">
-                <a:latin typeface="Roboto Condensed Light" panose="02000000000000000000" pitchFamily="2" charset="0"/>
-                <a:ea typeface="Roboto Condensed Light" panose="02000000000000000000" pitchFamily="2" charset="0"/>
-              </a:rPr>
-              <a:t>Select Country</a:t>
-            </a:r>
-          </a:p>
-        </p:txBody>
-      </p:sp>
-      <p:sp>
-        <p:nvSpPr>
-          <p:cNvPr id="3" name="TextBox 2"/>
-          <p:cNvSpPr txBox="1"/>
-          <p:nvPr/>
-        </p:nvSpPr>
-        <p:spPr>
-          <a:xfrm>
-            <a:off x="2641600" y="2260600"/>
-            <a:ext cx="2019300" cy="3754874"/>
-          </a:xfrm>
-          <a:prstGeom prst="rect">
-            <a:avLst/>
-          </a:prstGeom>
-          <a:noFill/>
-        </p:spPr>
-        <p:txBody>
-          <a:bodyPr wrap="square" rtlCol="0">
-            <a:spAutoFit/>
-          </a:bodyPr>
-          <a:lstStyle/>
-          <a:p>
-            <a:r>
-              <a:rPr lang="en-US" sz="1400" dirty="0">
-                <a:latin typeface="Roboto Condensed Light" panose="02000000000000000000" pitchFamily="2" charset="0"/>
-                <a:ea typeface="Roboto Condensed Light" panose="02000000000000000000" pitchFamily="2" charset="0"/>
-              </a:rPr>
-              <a:t>The yellow lines indicate the onset of lockdown in Italy and the bars show the actual number of covid-19 growth cases in the country at the time the mobility data was captured. The slightly increasing activity at the parks indicate that lives are slowly going back to normal for Italians by May 2020 compared to its low during March and April.</a:t>
-            </a:r>
-          </a:p>
-        </p:txBody>
-      </p:sp>
-      <p:sp>
-        <p:nvSpPr>
-          <p:cNvPr id="8" name="TextBox 7"/>
-          <p:cNvSpPr txBox="1"/>
-          <p:nvPr/>
-        </p:nvSpPr>
-        <p:spPr>
-          <a:xfrm>
-            <a:off x="2641600" y="952500"/>
-            <a:ext cx="3975100" cy="461665"/>
-          </a:xfrm>
-          <a:prstGeom prst="rect">
-            <a:avLst/>
-          </a:prstGeom>
-          <a:noFill/>
-        </p:spPr>
-        <p:txBody>
-          <a:bodyPr wrap="square" rtlCol="0">
-            <a:spAutoFit/>
-          </a:bodyPr>
-          <a:lstStyle/>
-          <a:p>
-            <a:r>
-              <a:rPr lang="en-US" sz="2400" b="1" dirty="0">
-                <a:latin typeface="Roboto Condensed Light" panose="02000000000000000000" pitchFamily="2" charset="0"/>
-                <a:ea typeface="Roboto Condensed Light" panose="02000000000000000000" pitchFamily="2" charset="0"/>
-              </a:rPr>
-              <a:t>COVID Situation</a:t>
-            </a:r>
-          </a:p>
-        </p:txBody>
-      </p:sp>
-      <p:pic>
-        <p:nvPicPr>
-          <p:cNvPr id="1026" name="Picture 2" descr="http://localhost:8000/gqueers_space_apps/staging/images/logo.png"/>
-          <p:cNvPicPr>
-            <a:picLocks noChangeAspect="1" noChangeArrowheads="1"/>
-          </p:cNvPicPr>
-          <p:nvPr/>
-        </p:nvPicPr>
-        <p:blipFill>
-          <a:blip r:embed="rId3" cstate="print">
-            <a:extLst>
-              <a:ext uri="{28A0092B-C50C-407E-A947-70E740481C1C}">
-                <a14:useLocalDpi xmlns:a14="http://schemas.microsoft.com/office/drawing/2010/main" val="0"/>
-              </a:ext>
-            </a:extLst>
-          </a:blip>
-          <a:srcRect/>
-          <a:stretch>
-            <a:fillRect/>
-          </a:stretch>
-        </p:blipFill>
-        <p:spPr bwMode="auto">
-          <a:xfrm>
-            <a:off x="203200" y="167733"/>
-            <a:ext cx="1651000" cy="350334"/>
-          </a:xfrm>
-          <a:prstGeom prst="rect">
-            <a:avLst/>
-          </a:prstGeom>
-          <a:noFill/>
-          <a:extLst>
-            <a:ext uri="{909E8E84-426E-40DD-AFC4-6F175D3DCCD1}">
-              <a14:hiddenFill xmlns:a14="http://schemas.microsoft.com/office/drawing/2010/main">
-                <a:solidFill>
-                  <a:srgbClr val="FFFFFF"/>
-                </a:solidFill>
-              </a14:hiddenFill>
-            </a:ext>
-          </a:extLst>
-        </p:spPr>
-      </p:pic>
-      <p:sp>
-        <p:nvSpPr>
-          <p:cNvPr id="15" name="Rectangle 14"/>
-          <p:cNvSpPr/>
-          <p:nvPr/>
-        </p:nvSpPr>
-        <p:spPr>
-          <a:xfrm>
-            <a:off x="8775700" y="1557223"/>
-            <a:ext cx="3149600" cy="1096553"/>
-          </a:xfrm>
-          <a:prstGeom prst="rect">
-            <a:avLst/>
-          </a:prstGeom>
-        </p:spPr>
-        <p:style>
-          <a:lnRef idx="2">
-            <a:schemeClr val="accent1">
-              <a:shade val="50000"/>
-            </a:schemeClr>
-          </a:lnRef>
-          <a:fillRef idx="1">
-            <a:schemeClr val="accent1"/>
-          </a:fillRef>
-          <a:effectRef idx="0">
-            <a:schemeClr val="accent1"/>
-          </a:effectRef>
-          <a:fontRef idx="minor">
-            <a:schemeClr val="lt1"/>
-          </a:fontRef>
-        </p:style>
-        <p:txBody>
-          <a:bodyPr rtlCol="0" anchor="ctr"/>
-          <a:lstStyle/>
-          <a:p>
-            <a:r>
-              <a:rPr lang="en-US" sz="1100" b="1" dirty="0"/>
-              <a:t>Residential Mobility Plateau</a:t>
-            </a:r>
-            <a:br>
-              <a:rPr lang="en-US" sz="1100" b="1" dirty="0"/>
-            </a:br>
-            <a:r>
-              <a:rPr lang="en-US" sz="1100" dirty="0"/>
-              <a:t>The yellow line indicates that the lockdown protocol has reached its plateau and cases have gone down after it. </a:t>
-            </a:r>
-          </a:p>
-        </p:txBody>
-      </p:sp>
-      <p:sp>
-        <p:nvSpPr>
-          <p:cNvPr id="16" name="Rectangle 15"/>
-          <p:cNvSpPr/>
-          <p:nvPr/>
-        </p:nvSpPr>
-        <p:spPr>
-          <a:xfrm>
-            <a:off x="8775700" y="2972808"/>
-            <a:ext cx="3149600" cy="1096553"/>
-          </a:xfrm>
-          <a:prstGeom prst="rect">
-            <a:avLst/>
-          </a:prstGeom>
-        </p:spPr>
-        <p:style>
-          <a:lnRef idx="2">
-            <a:schemeClr val="accent1">
-              <a:shade val="50000"/>
-            </a:schemeClr>
-          </a:lnRef>
-          <a:fillRef idx="1">
-            <a:schemeClr val="accent1"/>
-          </a:fillRef>
-          <a:effectRef idx="0">
-            <a:schemeClr val="accent1"/>
-          </a:effectRef>
-          <a:fontRef idx="minor">
-            <a:schemeClr val="lt1"/>
-          </a:fontRef>
-        </p:style>
-        <p:txBody>
-          <a:bodyPr rtlCol="0" anchor="ctr"/>
-          <a:lstStyle/>
-          <a:p>
-            <a:r>
-              <a:rPr lang="en-US" sz="1100" b="1" dirty="0"/>
-              <a:t>Covid-19 Cases Stabilizing</a:t>
-            </a:r>
-            <a:br>
-              <a:rPr lang="en-US" sz="1100" b="1" dirty="0"/>
-            </a:br>
-            <a:r>
-              <a:rPr lang="en-US" sz="1100" dirty="0"/>
-              <a:t>The pandemic has eased a bit on its attack on Italy and the growth rate has decreased compared to the earlier months of March and April. </a:t>
-            </a:r>
-          </a:p>
-        </p:txBody>
-      </p:sp>
-      <p:sp>
-        <p:nvSpPr>
-          <p:cNvPr id="17" name="Rectangle 16"/>
-          <p:cNvSpPr/>
-          <p:nvPr/>
-        </p:nvSpPr>
-        <p:spPr>
-          <a:xfrm>
-            <a:off x="8775700" y="4388393"/>
-            <a:ext cx="3149600" cy="1096553"/>
-          </a:xfrm>
-          <a:prstGeom prst="rect">
-            <a:avLst/>
-          </a:prstGeom>
-        </p:spPr>
-        <p:style>
-          <a:lnRef idx="2">
-            <a:schemeClr val="accent1">
-              <a:shade val="50000"/>
-            </a:schemeClr>
-          </a:lnRef>
-          <a:fillRef idx="1">
-            <a:schemeClr val="accent1"/>
-          </a:fillRef>
-          <a:effectRef idx="0">
-            <a:schemeClr val="accent1"/>
-          </a:effectRef>
-          <a:fontRef idx="minor">
-            <a:schemeClr val="lt1"/>
-          </a:fontRef>
-        </p:style>
-        <p:txBody>
-          <a:bodyPr rtlCol="0" anchor="ctr"/>
-          <a:lstStyle/>
-          <a:p>
-            <a:r>
-              <a:rPr lang="en-US" sz="1100" b="1" dirty="0"/>
-              <a:t>Grocery Activity Remains Lowered</a:t>
-            </a:r>
-            <a:br>
-              <a:rPr lang="en-US" sz="1100" b="1" dirty="0"/>
-            </a:br>
-            <a:r>
-              <a:rPr lang="en-US" sz="1100" dirty="0"/>
-              <a:t>Groceries and pharmacies remain at a lower range compared to baseline data from before Covid-19. </a:t>
-            </a:r>
-          </a:p>
-        </p:txBody>
-      </p:sp>
-      <p:sp>
-        <p:nvSpPr>
-          <p:cNvPr id="18" name="Rectangle 17"/>
-          <p:cNvSpPr/>
-          <p:nvPr/>
-        </p:nvSpPr>
-        <p:spPr>
-          <a:xfrm>
-            <a:off x="0" y="0"/>
-            <a:ext cx="5009002" cy="6858000"/>
-          </a:xfrm>
-          <a:prstGeom prst="rect">
-            <a:avLst/>
-          </a:prstGeom>
-          <a:solidFill>
-            <a:schemeClr val="bg2">
-              <a:lumMod val="10000"/>
-              <a:alpha val="84000"/>
-            </a:schemeClr>
-          </a:solidFill>
-        </p:spPr>
-        <p:style>
-          <a:lnRef idx="2">
-            <a:schemeClr val="accent1">
-              <a:shade val="50000"/>
-            </a:schemeClr>
-          </a:lnRef>
-          <a:fillRef idx="1">
-            <a:schemeClr val="accent1"/>
-          </a:fillRef>
-          <a:effectRef idx="0">
-            <a:schemeClr val="accent1"/>
-          </a:effectRef>
-          <a:fontRef idx="minor">
-            <a:schemeClr val="lt1"/>
-          </a:fontRef>
-        </p:style>
-        <p:txBody>
-          <a:bodyPr rtlCol="0" anchor="t"/>
-          <a:lstStyle/>
-          <a:p>
-            <a:endParaRPr lang="en-US" sz="2400" dirty="0"/>
-          </a:p>
-          <a:p>
-            <a:r>
-              <a:rPr lang="en-US" sz="2400" dirty="0"/>
-              <a:t>GIDEON is an integrated public policy information portal that aims to measure the impact of COVID on various countries and its effect in economic and environmental terms. The countries that are able to contain COVID while keeping their economy afloat with minimal impact to the environment stand the best chance of sustainably bouncing back after this crisis. </a:t>
-            </a:r>
-          </a:p>
-          <a:p>
-            <a:endParaRPr lang="en-US" sz="2400" dirty="0"/>
-          </a:p>
-        </p:txBody>
-      </p:sp>
-    </p:spTree>
-    <p:extLst>
-      <p:ext uri="{BB962C8B-B14F-4D97-AF65-F5344CB8AC3E}">
-        <p14:creationId xmlns:p14="http://schemas.microsoft.com/office/powerpoint/2010/main" val="598440096"/>
       </p:ext>
     </p:extLst>
   </p:cSld>
@@ -6788,6 +4364,786 @@
 </p:sld>
 </file>
 
+<file path=ppt/slides/slide2.xml><?xml version="1.0" encoding="utf-8"?>
+<p:sld xmlns:a="http://schemas.openxmlformats.org/drawingml/2006/main" xmlns:r="http://schemas.openxmlformats.org/officeDocument/2006/relationships" xmlns:p="http://schemas.openxmlformats.org/presentationml/2006/main">
+  <p:cSld>
+    <p:spTree>
+      <p:nvGrpSpPr>
+        <p:cNvPr id="1" name=""/>
+        <p:cNvGrpSpPr/>
+        <p:nvPr/>
+      </p:nvGrpSpPr>
+      <p:grpSpPr>
+        <a:xfrm>
+          <a:off x="0" y="0"/>
+          <a:ext cx="0" cy="0"/>
+          <a:chOff x="0" y="0"/>
+          <a:chExt cx="0" cy="0"/>
+        </a:xfrm>
+      </p:grpSpPr>
+      <p:sp>
+        <p:nvSpPr>
+          <p:cNvPr id="4" name="Rectangle 3"/>
+          <p:cNvSpPr/>
+          <p:nvPr/>
+        </p:nvSpPr>
+        <p:spPr>
+          <a:xfrm>
+            <a:off x="0" y="0"/>
+            <a:ext cx="12192000" cy="685800"/>
+          </a:xfrm>
+          <a:prstGeom prst="rect">
+            <a:avLst/>
+          </a:prstGeom>
+          <a:solidFill>
+            <a:schemeClr val="tx1"/>
+          </a:solidFill>
+        </p:spPr>
+        <p:style>
+          <a:lnRef idx="2">
+            <a:schemeClr val="accent1">
+              <a:shade val="50000"/>
+            </a:schemeClr>
+          </a:lnRef>
+          <a:fillRef idx="1">
+            <a:schemeClr val="accent1"/>
+          </a:fillRef>
+          <a:effectRef idx="0">
+            <a:schemeClr val="accent1"/>
+          </a:effectRef>
+          <a:fontRef idx="minor">
+            <a:schemeClr val="lt1"/>
+          </a:fontRef>
+        </p:style>
+        <p:txBody>
+          <a:bodyPr rtlCol="0" anchor="ctr"/>
+          <a:lstStyle/>
+          <a:p>
+            <a:r>
+              <a:rPr lang="en-US" sz="2400" dirty="0">
+                <a:latin typeface="Roboto Condensed Light" panose="02000000000000000000" pitchFamily="2" charset="0"/>
+                <a:ea typeface="Roboto Condensed Light" panose="02000000000000000000" pitchFamily="2" charset="0"/>
+              </a:rPr>
+              <a:t>		Global Impact Detection from Emitted Light, Onset of COVID, and NO2</a:t>
+            </a:r>
+          </a:p>
+        </p:txBody>
+      </p:sp>
+      <p:sp>
+        <p:nvSpPr>
+          <p:cNvPr id="5" name="Rectangle 4"/>
+          <p:cNvSpPr/>
+          <p:nvPr/>
+        </p:nvSpPr>
+        <p:spPr>
+          <a:xfrm>
+            <a:off x="0" y="685800"/>
+            <a:ext cx="2438400" cy="6172200"/>
+          </a:xfrm>
+          <a:prstGeom prst="rect">
+            <a:avLst/>
+          </a:prstGeom>
+          <a:solidFill>
+            <a:schemeClr val="bg2">
+              <a:lumMod val="75000"/>
+            </a:schemeClr>
+          </a:solidFill>
+        </p:spPr>
+        <p:style>
+          <a:lnRef idx="2">
+            <a:schemeClr val="accent1">
+              <a:shade val="50000"/>
+            </a:schemeClr>
+          </a:lnRef>
+          <a:fillRef idx="1">
+            <a:schemeClr val="accent1"/>
+          </a:fillRef>
+          <a:effectRef idx="0">
+            <a:schemeClr val="accent1"/>
+          </a:effectRef>
+          <a:fontRef idx="minor">
+            <a:schemeClr val="lt1"/>
+          </a:fontRef>
+        </p:style>
+        <p:txBody>
+          <a:bodyPr rtlCol="0" anchor="ctr"/>
+          <a:lstStyle/>
+          <a:p>
+            <a:pPr algn="ctr"/>
+            <a:endParaRPr lang="en-US"/>
+          </a:p>
+        </p:txBody>
+      </p:sp>
+      <p:sp>
+        <p:nvSpPr>
+          <p:cNvPr id="6" name="Rectangle 5"/>
+          <p:cNvSpPr/>
+          <p:nvPr/>
+        </p:nvSpPr>
+        <p:spPr>
+          <a:xfrm>
+            <a:off x="2438400" y="6172200"/>
+            <a:ext cx="9753600" cy="685800"/>
+          </a:xfrm>
+          <a:prstGeom prst="rect">
+            <a:avLst/>
+          </a:prstGeom>
+          <a:solidFill>
+            <a:schemeClr val="tx1"/>
+          </a:solidFill>
+        </p:spPr>
+        <p:style>
+          <a:lnRef idx="2">
+            <a:schemeClr val="accent1">
+              <a:shade val="50000"/>
+            </a:schemeClr>
+          </a:lnRef>
+          <a:fillRef idx="1">
+            <a:schemeClr val="accent1"/>
+          </a:fillRef>
+          <a:effectRef idx="0">
+            <a:schemeClr val="accent1"/>
+          </a:effectRef>
+          <a:fontRef idx="minor">
+            <a:schemeClr val="lt1"/>
+          </a:fontRef>
+        </p:style>
+        <p:txBody>
+          <a:bodyPr rtlCol="0" anchor="ctr"/>
+          <a:lstStyle/>
+          <a:p>
+            <a:r>
+              <a:rPr lang="en-US" sz="2400" dirty="0"/>
+              <a:t>Team GIDEON – Visit us at </a:t>
+            </a:r>
+            <a:r>
+              <a:rPr lang="en-US" sz="2400" dirty="0" err="1"/>
+              <a:t>projectgideon.co</a:t>
+            </a:r>
+            <a:endParaRPr lang="en-US" sz="2400" dirty="0"/>
+          </a:p>
+        </p:txBody>
+      </p:sp>
+      <p:sp>
+        <p:nvSpPr>
+          <p:cNvPr id="19" name="Rectangle 18"/>
+          <p:cNvSpPr/>
+          <p:nvPr/>
+        </p:nvSpPr>
+        <p:spPr>
+          <a:xfrm>
+            <a:off x="203200" y="952500"/>
+            <a:ext cx="2019300" cy="508000"/>
+          </a:xfrm>
+          <a:prstGeom prst="rect">
+            <a:avLst/>
+          </a:prstGeom>
+          <a:solidFill>
+            <a:schemeClr val="bg2">
+              <a:lumMod val="50000"/>
+            </a:schemeClr>
+          </a:solidFill>
+          <a:ln>
+            <a:noFill/>
+          </a:ln>
+        </p:spPr>
+        <p:style>
+          <a:lnRef idx="2">
+            <a:schemeClr val="accent1">
+              <a:shade val="50000"/>
+            </a:schemeClr>
+          </a:lnRef>
+          <a:fillRef idx="1">
+            <a:schemeClr val="accent1"/>
+          </a:fillRef>
+          <a:effectRef idx="0">
+            <a:schemeClr val="accent1"/>
+          </a:effectRef>
+          <a:fontRef idx="minor">
+            <a:schemeClr val="lt1"/>
+          </a:fontRef>
+        </p:style>
+        <p:txBody>
+          <a:bodyPr rtlCol="0" anchor="ctr"/>
+          <a:lstStyle/>
+          <a:p>
+            <a:pPr algn="ctr"/>
+            <a:r>
+              <a:rPr lang="en-US" dirty="0">
+                <a:latin typeface="Roboto Condensed Light" panose="02000000000000000000" pitchFamily="2" charset="0"/>
+                <a:ea typeface="Roboto Condensed Light" panose="02000000000000000000" pitchFamily="2" charset="0"/>
+              </a:rPr>
+              <a:t>Snapshot</a:t>
+            </a:r>
+          </a:p>
+        </p:txBody>
+      </p:sp>
+      <p:sp>
+        <p:nvSpPr>
+          <p:cNvPr id="20" name="Rectangle 19"/>
+          <p:cNvSpPr/>
+          <p:nvPr/>
+        </p:nvSpPr>
+        <p:spPr>
+          <a:xfrm>
+            <a:off x="203200" y="1549138"/>
+            <a:ext cx="2019300" cy="508000"/>
+          </a:xfrm>
+          <a:prstGeom prst="rect">
+            <a:avLst/>
+          </a:prstGeom>
+          <a:solidFill>
+            <a:schemeClr val="bg2">
+              <a:lumMod val="50000"/>
+            </a:schemeClr>
+          </a:solidFill>
+          <a:ln>
+            <a:noFill/>
+          </a:ln>
+        </p:spPr>
+        <p:style>
+          <a:lnRef idx="2">
+            <a:schemeClr val="accent1">
+              <a:shade val="50000"/>
+            </a:schemeClr>
+          </a:lnRef>
+          <a:fillRef idx="1">
+            <a:schemeClr val="accent1"/>
+          </a:fillRef>
+          <a:effectRef idx="0">
+            <a:schemeClr val="accent1"/>
+          </a:effectRef>
+          <a:fontRef idx="minor">
+            <a:schemeClr val="lt1"/>
+          </a:fontRef>
+        </p:style>
+        <p:txBody>
+          <a:bodyPr rtlCol="0" anchor="ctr"/>
+          <a:lstStyle/>
+          <a:p>
+            <a:pPr algn="ctr"/>
+            <a:r>
+              <a:rPr lang="en-US" dirty="0">
+                <a:latin typeface="Roboto Condensed Light" panose="02000000000000000000" pitchFamily="2" charset="0"/>
+                <a:ea typeface="Roboto Condensed Light" panose="02000000000000000000" pitchFamily="2" charset="0"/>
+              </a:rPr>
+              <a:t>COVID Situation</a:t>
+            </a:r>
+          </a:p>
+        </p:txBody>
+      </p:sp>
+      <p:sp>
+        <p:nvSpPr>
+          <p:cNvPr id="21" name="Rectangle 20"/>
+          <p:cNvSpPr/>
+          <p:nvPr/>
+        </p:nvSpPr>
+        <p:spPr>
+          <a:xfrm>
+            <a:off x="203200" y="2145776"/>
+            <a:ext cx="2019300" cy="508000"/>
+          </a:xfrm>
+          <a:prstGeom prst="rect">
+            <a:avLst/>
+          </a:prstGeom>
+          <a:solidFill>
+            <a:schemeClr val="bg2">
+              <a:lumMod val="50000"/>
+            </a:schemeClr>
+          </a:solidFill>
+          <a:ln>
+            <a:noFill/>
+          </a:ln>
+        </p:spPr>
+        <p:style>
+          <a:lnRef idx="2">
+            <a:schemeClr val="accent1">
+              <a:shade val="50000"/>
+            </a:schemeClr>
+          </a:lnRef>
+          <a:fillRef idx="1">
+            <a:schemeClr val="accent1"/>
+          </a:fillRef>
+          <a:effectRef idx="0">
+            <a:schemeClr val="accent1"/>
+          </a:effectRef>
+          <a:fontRef idx="minor">
+            <a:schemeClr val="lt1"/>
+          </a:fontRef>
+        </p:style>
+        <p:txBody>
+          <a:bodyPr rtlCol="0" anchor="ctr"/>
+          <a:lstStyle/>
+          <a:p>
+            <a:pPr algn="ctr"/>
+            <a:r>
+              <a:rPr lang="en-US" dirty="0">
+                <a:latin typeface="Roboto Condensed Light" panose="02000000000000000000" pitchFamily="2" charset="0"/>
+                <a:ea typeface="Roboto Condensed Light" panose="02000000000000000000" pitchFamily="2" charset="0"/>
+              </a:rPr>
+              <a:t>Economy</a:t>
+            </a:r>
+          </a:p>
+        </p:txBody>
+      </p:sp>
+      <p:sp>
+        <p:nvSpPr>
+          <p:cNvPr id="22" name="Rectangle 21"/>
+          <p:cNvSpPr/>
+          <p:nvPr/>
+        </p:nvSpPr>
+        <p:spPr>
+          <a:xfrm>
+            <a:off x="209550" y="2724672"/>
+            <a:ext cx="2019300" cy="508000"/>
+          </a:xfrm>
+          <a:prstGeom prst="rect">
+            <a:avLst/>
+          </a:prstGeom>
+          <a:solidFill>
+            <a:schemeClr val="bg2">
+              <a:lumMod val="50000"/>
+            </a:schemeClr>
+          </a:solidFill>
+          <a:ln>
+            <a:noFill/>
+          </a:ln>
+        </p:spPr>
+        <p:style>
+          <a:lnRef idx="2">
+            <a:schemeClr val="accent1">
+              <a:shade val="50000"/>
+            </a:schemeClr>
+          </a:lnRef>
+          <a:fillRef idx="1">
+            <a:schemeClr val="accent1"/>
+          </a:fillRef>
+          <a:effectRef idx="0">
+            <a:schemeClr val="accent1"/>
+          </a:effectRef>
+          <a:fontRef idx="minor">
+            <a:schemeClr val="lt1"/>
+          </a:fontRef>
+        </p:style>
+        <p:txBody>
+          <a:bodyPr rtlCol="0" anchor="ctr"/>
+          <a:lstStyle/>
+          <a:p>
+            <a:pPr algn="ctr"/>
+            <a:r>
+              <a:rPr lang="en-US" dirty="0">
+                <a:latin typeface="Roboto Condensed Light" panose="02000000000000000000" pitchFamily="2" charset="0"/>
+                <a:ea typeface="Roboto Condensed Light" panose="02000000000000000000" pitchFamily="2" charset="0"/>
+              </a:rPr>
+              <a:t>Environment</a:t>
+            </a:r>
+          </a:p>
+        </p:txBody>
+      </p:sp>
+      <p:sp>
+        <p:nvSpPr>
+          <p:cNvPr id="23" name="Rectangle 22"/>
+          <p:cNvSpPr/>
+          <p:nvPr/>
+        </p:nvSpPr>
+        <p:spPr>
+          <a:xfrm>
+            <a:off x="209550" y="3321310"/>
+            <a:ext cx="2019300" cy="508000"/>
+          </a:xfrm>
+          <a:prstGeom prst="rect">
+            <a:avLst/>
+          </a:prstGeom>
+          <a:solidFill>
+            <a:schemeClr val="bg2">
+              <a:lumMod val="50000"/>
+            </a:schemeClr>
+          </a:solidFill>
+          <a:ln>
+            <a:noFill/>
+          </a:ln>
+        </p:spPr>
+        <p:style>
+          <a:lnRef idx="2">
+            <a:schemeClr val="accent1">
+              <a:shade val="50000"/>
+            </a:schemeClr>
+          </a:lnRef>
+          <a:fillRef idx="1">
+            <a:schemeClr val="accent1"/>
+          </a:fillRef>
+          <a:effectRef idx="0">
+            <a:schemeClr val="accent1"/>
+          </a:effectRef>
+          <a:fontRef idx="minor">
+            <a:schemeClr val="lt1"/>
+          </a:fontRef>
+        </p:style>
+        <p:txBody>
+          <a:bodyPr rtlCol="0" anchor="ctr"/>
+          <a:lstStyle/>
+          <a:p>
+            <a:pPr algn="ctr"/>
+            <a:r>
+              <a:rPr lang="en-US" dirty="0">
+                <a:latin typeface="Roboto Condensed Light" panose="02000000000000000000" pitchFamily="2" charset="0"/>
+                <a:ea typeface="Roboto Condensed Light" panose="02000000000000000000" pitchFamily="2" charset="0"/>
+              </a:rPr>
+              <a:t>Meet the Team</a:t>
+            </a:r>
+          </a:p>
+        </p:txBody>
+      </p:sp>
+      <p:pic>
+        <p:nvPicPr>
+          <p:cNvPr id="2" name="Picture 1"/>
+          <p:cNvPicPr>
+            <a:picLocks noChangeAspect="1"/>
+          </p:cNvPicPr>
+          <p:nvPr/>
+        </p:nvPicPr>
+        <p:blipFill>
+          <a:blip r:embed="rId2"/>
+          <a:stretch>
+            <a:fillRect/>
+          </a:stretch>
+        </p:blipFill>
+        <p:spPr>
+          <a:xfrm>
+            <a:off x="4921051" y="1457584"/>
+            <a:ext cx="3645099" cy="4127003"/>
+          </a:xfrm>
+          <a:prstGeom prst="rect">
+            <a:avLst/>
+          </a:prstGeom>
+        </p:spPr>
+      </p:pic>
+      <p:sp>
+        <p:nvSpPr>
+          <p:cNvPr id="24" name="Rectangle 23"/>
+          <p:cNvSpPr/>
+          <p:nvPr/>
+        </p:nvSpPr>
+        <p:spPr>
+          <a:xfrm>
+            <a:off x="2641600" y="1557223"/>
+            <a:ext cx="2019300" cy="508000"/>
+          </a:xfrm>
+          <a:prstGeom prst="rect">
+            <a:avLst/>
+          </a:prstGeom>
+          <a:solidFill>
+            <a:schemeClr val="bg2">
+              <a:lumMod val="50000"/>
+            </a:schemeClr>
+          </a:solidFill>
+          <a:ln>
+            <a:noFill/>
+          </a:ln>
+        </p:spPr>
+        <p:style>
+          <a:lnRef idx="2">
+            <a:schemeClr val="accent1">
+              <a:shade val="50000"/>
+            </a:schemeClr>
+          </a:lnRef>
+          <a:fillRef idx="1">
+            <a:schemeClr val="accent1"/>
+          </a:fillRef>
+          <a:effectRef idx="0">
+            <a:schemeClr val="accent1"/>
+          </a:effectRef>
+          <a:fontRef idx="minor">
+            <a:schemeClr val="lt1"/>
+          </a:fontRef>
+        </p:style>
+        <p:txBody>
+          <a:bodyPr rtlCol="0" anchor="ctr"/>
+          <a:lstStyle/>
+          <a:p>
+            <a:pPr algn="ctr"/>
+            <a:r>
+              <a:rPr lang="en-US" dirty="0">
+                <a:latin typeface="Roboto Condensed Light" panose="02000000000000000000" pitchFamily="2" charset="0"/>
+                <a:ea typeface="Roboto Condensed Light" panose="02000000000000000000" pitchFamily="2" charset="0"/>
+              </a:rPr>
+              <a:t>Select Country</a:t>
+            </a:r>
+          </a:p>
+        </p:txBody>
+      </p:sp>
+      <p:sp>
+        <p:nvSpPr>
+          <p:cNvPr id="3" name="TextBox 2"/>
+          <p:cNvSpPr txBox="1"/>
+          <p:nvPr/>
+        </p:nvSpPr>
+        <p:spPr>
+          <a:xfrm>
+            <a:off x="2641600" y="2260600"/>
+            <a:ext cx="2019300" cy="3754874"/>
+          </a:xfrm>
+          <a:prstGeom prst="rect">
+            <a:avLst/>
+          </a:prstGeom>
+          <a:noFill/>
+        </p:spPr>
+        <p:txBody>
+          <a:bodyPr wrap="square" rtlCol="0">
+            <a:spAutoFit/>
+          </a:bodyPr>
+          <a:lstStyle/>
+          <a:p>
+            <a:r>
+              <a:rPr lang="en-US" sz="1400" dirty="0">
+                <a:latin typeface="Roboto Condensed Light" panose="02000000000000000000" pitchFamily="2" charset="0"/>
+                <a:ea typeface="Roboto Condensed Light" panose="02000000000000000000" pitchFamily="2" charset="0"/>
+              </a:rPr>
+              <a:t>The yellow lines indicate the onset of lockdown in Italy and the bars show the actual number of covid-19 growth cases in the country at the time the mobility data was captured. The slightly increasing activity at the parks indicate that lives are slowly going back to normal for Italians by May 2020 compared to its low during March and April.</a:t>
+            </a:r>
+          </a:p>
+        </p:txBody>
+      </p:sp>
+      <p:sp>
+        <p:nvSpPr>
+          <p:cNvPr id="8" name="TextBox 7"/>
+          <p:cNvSpPr txBox="1"/>
+          <p:nvPr/>
+        </p:nvSpPr>
+        <p:spPr>
+          <a:xfrm>
+            <a:off x="2641600" y="952500"/>
+            <a:ext cx="3975100" cy="461665"/>
+          </a:xfrm>
+          <a:prstGeom prst="rect">
+            <a:avLst/>
+          </a:prstGeom>
+          <a:noFill/>
+        </p:spPr>
+        <p:txBody>
+          <a:bodyPr wrap="square" rtlCol="0">
+            <a:spAutoFit/>
+          </a:bodyPr>
+          <a:lstStyle/>
+          <a:p>
+            <a:r>
+              <a:rPr lang="en-US" sz="2400" b="1" dirty="0">
+                <a:latin typeface="Roboto Condensed Light" panose="02000000000000000000" pitchFamily="2" charset="0"/>
+                <a:ea typeface="Roboto Condensed Light" panose="02000000000000000000" pitchFamily="2" charset="0"/>
+              </a:rPr>
+              <a:t>COVID Situation</a:t>
+            </a:r>
+          </a:p>
+        </p:txBody>
+      </p:sp>
+      <p:pic>
+        <p:nvPicPr>
+          <p:cNvPr id="1026" name="Picture 2" descr="http://localhost:8000/gqueers_space_apps/staging/images/logo.png"/>
+          <p:cNvPicPr>
+            <a:picLocks noChangeAspect="1" noChangeArrowheads="1"/>
+          </p:cNvPicPr>
+          <p:nvPr/>
+        </p:nvPicPr>
+        <p:blipFill>
+          <a:blip r:embed="rId3" cstate="print">
+            <a:extLst>
+              <a:ext uri="{28A0092B-C50C-407E-A947-70E740481C1C}">
+                <a14:useLocalDpi xmlns:a14="http://schemas.microsoft.com/office/drawing/2010/main" val="0"/>
+              </a:ext>
+            </a:extLst>
+          </a:blip>
+          <a:srcRect/>
+          <a:stretch>
+            <a:fillRect/>
+          </a:stretch>
+        </p:blipFill>
+        <p:spPr bwMode="auto">
+          <a:xfrm>
+            <a:off x="203200" y="167733"/>
+            <a:ext cx="1651000" cy="350334"/>
+          </a:xfrm>
+          <a:prstGeom prst="rect">
+            <a:avLst/>
+          </a:prstGeom>
+          <a:noFill/>
+          <a:extLst>
+            <a:ext uri="{909E8E84-426E-40DD-AFC4-6F175D3DCCD1}">
+              <a14:hiddenFill xmlns:a14="http://schemas.microsoft.com/office/drawing/2010/main">
+                <a:solidFill>
+                  <a:srgbClr val="FFFFFF"/>
+                </a:solidFill>
+              </a14:hiddenFill>
+            </a:ext>
+          </a:extLst>
+        </p:spPr>
+      </p:pic>
+      <p:sp>
+        <p:nvSpPr>
+          <p:cNvPr id="15" name="Rectangle 14"/>
+          <p:cNvSpPr/>
+          <p:nvPr/>
+        </p:nvSpPr>
+        <p:spPr>
+          <a:xfrm>
+            <a:off x="8775700" y="1557223"/>
+            <a:ext cx="3149600" cy="1096553"/>
+          </a:xfrm>
+          <a:prstGeom prst="rect">
+            <a:avLst/>
+          </a:prstGeom>
+        </p:spPr>
+        <p:style>
+          <a:lnRef idx="2">
+            <a:schemeClr val="accent1">
+              <a:shade val="50000"/>
+            </a:schemeClr>
+          </a:lnRef>
+          <a:fillRef idx="1">
+            <a:schemeClr val="accent1"/>
+          </a:fillRef>
+          <a:effectRef idx="0">
+            <a:schemeClr val="accent1"/>
+          </a:effectRef>
+          <a:fontRef idx="minor">
+            <a:schemeClr val="lt1"/>
+          </a:fontRef>
+        </p:style>
+        <p:txBody>
+          <a:bodyPr rtlCol="0" anchor="ctr"/>
+          <a:lstStyle/>
+          <a:p>
+            <a:r>
+              <a:rPr lang="en-US" sz="1100" b="1" dirty="0"/>
+              <a:t>Residential Mobility Plateau</a:t>
+            </a:r>
+            <a:br>
+              <a:rPr lang="en-US" sz="1100" b="1" dirty="0"/>
+            </a:br>
+            <a:r>
+              <a:rPr lang="en-US" sz="1100" dirty="0"/>
+              <a:t>The yellow line indicates that the lockdown protocol has reached its plateau and cases have gone down after it. </a:t>
+            </a:r>
+          </a:p>
+        </p:txBody>
+      </p:sp>
+      <p:sp>
+        <p:nvSpPr>
+          <p:cNvPr id="16" name="Rectangle 15"/>
+          <p:cNvSpPr/>
+          <p:nvPr/>
+        </p:nvSpPr>
+        <p:spPr>
+          <a:xfrm>
+            <a:off x="8775700" y="2972808"/>
+            <a:ext cx="3149600" cy="1096553"/>
+          </a:xfrm>
+          <a:prstGeom prst="rect">
+            <a:avLst/>
+          </a:prstGeom>
+        </p:spPr>
+        <p:style>
+          <a:lnRef idx="2">
+            <a:schemeClr val="accent1">
+              <a:shade val="50000"/>
+            </a:schemeClr>
+          </a:lnRef>
+          <a:fillRef idx="1">
+            <a:schemeClr val="accent1"/>
+          </a:fillRef>
+          <a:effectRef idx="0">
+            <a:schemeClr val="accent1"/>
+          </a:effectRef>
+          <a:fontRef idx="minor">
+            <a:schemeClr val="lt1"/>
+          </a:fontRef>
+        </p:style>
+        <p:txBody>
+          <a:bodyPr rtlCol="0" anchor="ctr"/>
+          <a:lstStyle/>
+          <a:p>
+            <a:r>
+              <a:rPr lang="en-US" sz="1100" b="1" dirty="0"/>
+              <a:t>Covid-19 Cases Stabilizing</a:t>
+            </a:r>
+            <a:br>
+              <a:rPr lang="en-US" sz="1100" b="1" dirty="0"/>
+            </a:br>
+            <a:r>
+              <a:rPr lang="en-US" sz="1100" dirty="0"/>
+              <a:t>The pandemic has eased a bit on its attack on Italy and the growth rate has decreased compared to the earlier months of March and April. </a:t>
+            </a:r>
+          </a:p>
+        </p:txBody>
+      </p:sp>
+      <p:sp>
+        <p:nvSpPr>
+          <p:cNvPr id="17" name="Rectangle 16"/>
+          <p:cNvSpPr/>
+          <p:nvPr/>
+        </p:nvSpPr>
+        <p:spPr>
+          <a:xfrm>
+            <a:off x="8775700" y="4388393"/>
+            <a:ext cx="3149600" cy="1096553"/>
+          </a:xfrm>
+          <a:prstGeom prst="rect">
+            <a:avLst/>
+          </a:prstGeom>
+        </p:spPr>
+        <p:style>
+          <a:lnRef idx="2">
+            <a:schemeClr val="accent1">
+              <a:shade val="50000"/>
+            </a:schemeClr>
+          </a:lnRef>
+          <a:fillRef idx="1">
+            <a:schemeClr val="accent1"/>
+          </a:fillRef>
+          <a:effectRef idx="0">
+            <a:schemeClr val="accent1"/>
+          </a:effectRef>
+          <a:fontRef idx="minor">
+            <a:schemeClr val="lt1"/>
+          </a:fontRef>
+        </p:style>
+        <p:txBody>
+          <a:bodyPr rtlCol="0" anchor="ctr"/>
+          <a:lstStyle/>
+          <a:p>
+            <a:r>
+              <a:rPr lang="en-US" sz="1100" b="1" dirty="0"/>
+              <a:t>Grocery Activity Remains Lowered</a:t>
+            </a:r>
+            <a:br>
+              <a:rPr lang="en-US" sz="1100" b="1" dirty="0"/>
+            </a:br>
+            <a:r>
+              <a:rPr lang="en-US" sz="1100" dirty="0"/>
+              <a:t>Groceries and pharmacies remain at a lower range compared to baseline data from before Covid-19. </a:t>
+            </a:r>
+          </a:p>
+        </p:txBody>
+      </p:sp>
+    </p:spTree>
+    <p:extLst>
+      <p:ext uri="{BB962C8B-B14F-4D97-AF65-F5344CB8AC3E}">
+        <p14:creationId xmlns:p14="http://schemas.microsoft.com/office/powerpoint/2010/main" val="598440096"/>
+      </p:ext>
+    </p:extLst>
+  </p:cSld>
+  <p:clrMapOvr>
+    <a:masterClrMapping/>
+  </p:clrMapOvr>
+  <p:timing>
+    <p:tnLst>
+      <p:par>
+        <p:cTn id="1" dur="indefinite" restart="never" nodeType="tmRoot"/>
+      </p:par>
+    </p:tnLst>
+  </p:timing>
+</p:sld>
+</file>
+
 <file path=ppt/slides/slide3.xml><?xml version="1.0" encoding="utf-8"?>
 <p:sld xmlns:a="http://schemas.openxmlformats.org/drawingml/2006/main" xmlns:r="http://schemas.openxmlformats.org/officeDocument/2006/relationships" xmlns:p="http://schemas.openxmlformats.org/presentationml/2006/main">
   <p:cSld>
@@ -6858,8 +5214,8 @@
         </p:nvSpPr>
         <p:spPr>
           <a:xfrm>
-            <a:off x="2438400" y="6172200"/>
-            <a:ext cx="9753600" cy="685800"/>
+            <a:off x="2438400" y="6388100"/>
+            <a:ext cx="9753600" cy="469900"/>
           </a:xfrm>
           <a:prstGeom prst="rect">
             <a:avLst/>
@@ -7314,120 +5670,6 @@
           </a:p>
         </p:txBody>
       </p:sp>
-      <p:graphicFrame>
-        <p:nvGraphicFramePr>
-          <p:cNvPr id="18" name="Chart 17" title="Chart"/>
-          <p:cNvGraphicFramePr>
-            <a:graphicFrameLocks/>
-          </p:cNvGraphicFramePr>
-          <p:nvPr>
-            <p:extLst>
-              <p:ext uri="{D42A27DB-BD31-4B8C-83A1-F6EECF244321}">
-                <p14:modId xmlns:p14="http://schemas.microsoft.com/office/powerpoint/2010/main" val="1846095638"/>
-              </p:ext>
-            </p:extLst>
-          </p:nvPr>
-        </p:nvGraphicFramePr>
-        <p:xfrm>
-          <a:off x="5207298" y="753575"/>
-          <a:ext cx="3073102" cy="1900201"/>
-        </p:xfrm>
-        <a:graphic>
-          <a:graphicData uri="http://schemas.openxmlformats.org/drawingml/2006/chart">
-            <c:chart xmlns:c="http://schemas.openxmlformats.org/drawingml/2006/chart" xmlns:r="http://schemas.openxmlformats.org/officeDocument/2006/relationships" r:id="rId3"/>
-          </a:graphicData>
-        </a:graphic>
-      </p:graphicFrame>
-      <p:graphicFrame>
-        <p:nvGraphicFramePr>
-          <p:cNvPr id="20" name="Chart 19" title="Chart"/>
-          <p:cNvGraphicFramePr>
-            <a:graphicFrameLocks/>
-          </p:cNvGraphicFramePr>
-          <p:nvPr>
-            <p:extLst>
-              <p:ext uri="{D42A27DB-BD31-4B8C-83A1-F6EECF244321}">
-                <p14:modId xmlns:p14="http://schemas.microsoft.com/office/powerpoint/2010/main" val="754455903"/>
-              </p:ext>
-            </p:extLst>
-          </p:nvPr>
-        </p:nvGraphicFramePr>
-        <p:xfrm>
-          <a:off x="8306098" y="702567"/>
-          <a:ext cx="3073101" cy="1951209"/>
-        </p:xfrm>
-        <a:graphic>
-          <a:graphicData uri="http://schemas.openxmlformats.org/drawingml/2006/chart">
-            <c:chart xmlns:c="http://schemas.openxmlformats.org/drawingml/2006/chart" xmlns:r="http://schemas.openxmlformats.org/officeDocument/2006/relationships" r:id="rId4"/>
-          </a:graphicData>
-        </a:graphic>
-      </p:graphicFrame>
-      <p:graphicFrame>
-        <p:nvGraphicFramePr>
-          <p:cNvPr id="25" name="Chart 24" title="Chart"/>
-          <p:cNvGraphicFramePr>
-            <a:graphicFrameLocks/>
-          </p:cNvGraphicFramePr>
-          <p:nvPr>
-            <p:extLst>
-              <p:ext uri="{D42A27DB-BD31-4B8C-83A1-F6EECF244321}">
-                <p14:modId xmlns:p14="http://schemas.microsoft.com/office/powerpoint/2010/main" val="3727918188"/>
-              </p:ext>
-            </p:extLst>
-          </p:nvPr>
-        </p:nvGraphicFramePr>
-        <p:xfrm>
-          <a:off x="5390007" y="2653776"/>
-          <a:ext cx="2916091" cy="1803117"/>
-        </p:xfrm>
-        <a:graphic>
-          <a:graphicData uri="http://schemas.openxmlformats.org/drawingml/2006/chart">
-            <c:chart xmlns:c="http://schemas.openxmlformats.org/drawingml/2006/chart" xmlns:r="http://schemas.openxmlformats.org/officeDocument/2006/relationships" r:id="rId5"/>
-          </a:graphicData>
-        </a:graphic>
-      </p:graphicFrame>
-      <p:graphicFrame>
-        <p:nvGraphicFramePr>
-          <p:cNvPr id="26" name="Chart 25" title="Chart"/>
-          <p:cNvGraphicFramePr>
-            <a:graphicFrameLocks/>
-          </p:cNvGraphicFramePr>
-          <p:nvPr/>
-        </p:nvGraphicFramePr>
-        <p:xfrm>
-          <a:off x="8463109" y="2724672"/>
-          <a:ext cx="2916090" cy="1617891"/>
-        </p:xfrm>
-        <a:graphic>
-          <a:graphicData uri="http://schemas.openxmlformats.org/drawingml/2006/chart">
-            <c:chart xmlns:c="http://schemas.openxmlformats.org/drawingml/2006/chart" xmlns:r="http://schemas.openxmlformats.org/officeDocument/2006/relationships" r:id="rId6"/>
-          </a:graphicData>
-        </a:graphic>
-      </p:graphicFrame>
-      <p:graphicFrame>
-        <p:nvGraphicFramePr>
-          <p:cNvPr id="28" name="Chart 27" title="Chart"/>
-          <p:cNvGraphicFramePr>
-            <a:graphicFrameLocks/>
-          </p:cNvGraphicFramePr>
-          <p:nvPr>
-            <p:extLst>
-              <p:ext uri="{D42A27DB-BD31-4B8C-83A1-F6EECF244321}">
-                <p14:modId xmlns:p14="http://schemas.microsoft.com/office/powerpoint/2010/main" val="3498804872"/>
-              </p:ext>
-            </p:extLst>
-          </p:nvPr>
-        </p:nvGraphicFramePr>
-        <p:xfrm>
-          <a:off x="5390008" y="4342563"/>
-          <a:ext cx="3098800" cy="1916091"/>
-        </p:xfrm>
-        <a:graphic>
-          <a:graphicData uri="http://schemas.openxmlformats.org/drawingml/2006/chart">
-            <c:chart xmlns:c="http://schemas.openxmlformats.org/drawingml/2006/chart" xmlns:r="http://schemas.openxmlformats.org/officeDocument/2006/relationships" r:id="rId7"/>
-          </a:graphicData>
-        </a:graphic>
-      </p:graphicFrame>
       <p:cxnSp>
         <p:nvCxnSpPr>
           <p:cNvPr id="4" name="Straight Connector 3"/>
@@ -7554,60 +5796,126 @@
           </a:p>
         </p:txBody>
       </p:sp>
-      <p:sp>
-        <p:nvSpPr>
-          <p:cNvPr id="31" name="Rectangle 30"/>
-          <p:cNvSpPr/>
-          <p:nvPr/>
-        </p:nvSpPr>
-        <p:spPr>
-          <a:xfrm>
-            <a:off x="-2897" y="0"/>
-            <a:ext cx="5009002" cy="6858000"/>
-          </a:xfrm>
-          <a:prstGeom prst="rect">
-            <a:avLst/>
-          </a:prstGeom>
-          <a:solidFill>
-            <a:schemeClr val="bg2">
-              <a:lumMod val="10000"/>
-              <a:alpha val="84000"/>
-            </a:schemeClr>
-          </a:solidFill>
-        </p:spPr>
-        <p:style>
-          <a:lnRef idx="2">
-            <a:schemeClr val="accent1">
-              <a:shade val="50000"/>
-            </a:schemeClr>
-          </a:lnRef>
-          <a:fillRef idx="1">
-            <a:schemeClr val="accent1"/>
-          </a:fillRef>
-          <a:effectRef idx="0">
-            <a:schemeClr val="accent1"/>
-          </a:effectRef>
-          <a:fontRef idx="minor">
-            <a:schemeClr val="lt1"/>
-          </a:fontRef>
-        </p:style>
-        <p:txBody>
-          <a:bodyPr rtlCol="0" anchor="t"/>
-          <a:lstStyle/>
-          <a:p>
-            <a:endParaRPr lang="en-US" sz="2400" dirty="0"/>
-          </a:p>
-          <a:p>
-            <a:r>
-              <a:rPr lang="en-US" sz="2400" dirty="0"/>
-              <a:t>GIDEON is an integrated public policy information portal that aims to measure the impact of COVID on various countries and its effect in economic and environmental terms. The countries that are able to contain COVID while keeping their economy afloat with minimal impact to the environment stand the best chance of sustainably bouncing back after this crisis. </a:t>
-            </a:r>
-          </a:p>
-          <a:p>
-            <a:endParaRPr lang="en-US" sz="2400" dirty="0"/>
-          </a:p>
-        </p:txBody>
-      </p:sp>
+      <p:pic>
+        <p:nvPicPr>
+          <p:cNvPr id="8" name="Picture 7"/>
+          <p:cNvPicPr>
+            <a:picLocks noChangeAspect="1"/>
+          </p:cNvPicPr>
+          <p:nvPr/>
+        </p:nvPicPr>
+        <p:blipFill>
+          <a:blip r:embed="rId3"/>
+          <a:stretch>
+            <a:fillRect/>
+          </a:stretch>
+        </p:blipFill>
+        <p:spPr>
+          <a:xfrm>
+            <a:off x="5377305" y="795983"/>
+            <a:ext cx="2822656" cy="1743493"/>
+          </a:xfrm>
+          <a:prstGeom prst="rect">
+            <a:avLst/>
+          </a:prstGeom>
+        </p:spPr>
+      </p:pic>
+      <p:pic>
+        <p:nvPicPr>
+          <p:cNvPr id="9" name="Picture 8"/>
+          <p:cNvPicPr>
+            <a:picLocks noChangeAspect="1"/>
+          </p:cNvPicPr>
+          <p:nvPr/>
+        </p:nvPicPr>
+        <p:blipFill>
+          <a:blip r:embed="rId4"/>
+          <a:stretch>
+            <a:fillRect/>
+          </a:stretch>
+        </p:blipFill>
+        <p:spPr>
+          <a:xfrm>
+            <a:off x="8403160" y="795983"/>
+            <a:ext cx="2817797" cy="1743493"/>
+          </a:xfrm>
+          <a:prstGeom prst="rect">
+            <a:avLst/>
+          </a:prstGeom>
+        </p:spPr>
+      </p:pic>
+      <p:pic>
+        <p:nvPicPr>
+          <p:cNvPr id="10" name="Picture 9"/>
+          <p:cNvPicPr>
+            <a:picLocks noChangeAspect="1"/>
+          </p:cNvPicPr>
+          <p:nvPr/>
+        </p:nvPicPr>
+        <p:blipFill>
+          <a:blip r:embed="rId5"/>
+          <a:stretch>
+            <a:fillRect/>
+          </a:stretch>
+        </p:blipFill>
+        <p:spPr>
+          <a:xfrm>
+            <a:off x="5377305" y="2649659"/>
+            <a:ext cx="2822656" cy="1746499"/>
+          </a:xfrm>
+          <a:prstGeom prst="rect">
+            <a:avLst/>
+          </a:prstGeom>
+        </p:spPr>
+      </p:pic>
+      <p:pic>
+        <p:nvPicPr>
+          <p:cNvPr id="11" name="Picture 10"/>
+          <p:cNvPicPr>
+            <a:picLocks noChangeAspect="1"/>
+          </p:cNvPicPr>
+          <p:nvPr/>
+        </p:nvPicPr>
+        <p:blipFill>
+          <a:blip r:embed="rId6"/>
+          <a:stretch>
+            <a:fillRect/>
+          </a:stretch>
+        </p:blipFill>
+        <p:spPr>
+          <a:xfrm>
+            <a:off x="8403160" y="2649659"/>
+            <a:ext cx="2817797" cy="1742347"/>
+          </a:xfrm>
+          <a:prstGeom prst="rect">
+            <a:avLst/>
+          </a:prstGeom>
+        </p:spPr>
+      </p:pic>
+      <p:pic>
+        <p:nvPicPr>
+          <p:cNvPr id="12" name="Picture 11"/>
+          <p:cNvPicPr>
+            <a:picLocks noChangeAspect="1"/>
+          </p:cNvPicPr>
+          <p:nvPr/>
+        </p:nvPicPr>
+        <p:blipFill>
+          <a:blip r:embed="rId7"/>
+          <a:stretch>
+            <a:fillRect/>
+          </a:stretch>
+        </p:blipFill>
+        <p:spPr>
+          <a:xfrm>
+            <a:off x="5377305" y="4524089"/>
+            <a:ext cx="2822656" cy="1748362"/>
+          </a:xfrm>
+          <a:prstGeom prst="rect">
+            <a:avLst/>
+          </a:prstGeom>
+        </p:spPr>
+      </p:pic>
     </p:spTree>
     <p:extLst>
       <p:ext uri="{BB962C8B-B14F-4D97-AF65-F5344CB8AC3E}">
@@ -7621,88 +5929,9 @@
   <p:timing>
     <p:tnLst>
       <p:par>
-        <p:cTn id="1" dur="indefinite" restart="never" nodeType="tmRoot">
-          <p:childTnLst>
-            <p:seq concurrent="1" nextAc="seek">
-              <p:cTn id="2" dur="indefinite" nodeType="mainSeq">
-                <p:childTnLst>
-                  <p:par>
-                    <p:cTn id="3" fill="hold">
-                      <p:stCondLst>
-                        <p:cond delay="indefinite"/>
-                      </p:stCondLst>
-                      <p:childTnLst>
-                        <p:par>
-                          <p:cTn id="4" fill="hold">
-                            <p:stCondLst>
-                              <p:cond delay="0"/>
-                            </p:stCondLst>
-                            <p:childTnLst>
-                              <p:par>
-                                <p:cTn id="5" presetID="10" presetClass="entr" presetSubtype="0" fill="hold" grpId="0" nodeType="clickEffect">
-                                  <p:stCondLst>
-                                    <p:cond delay="0"/>
-                                  </p:stCondLst>
-                                  <p:childTnLst>
-                                    <p:set>
-                                      <p:cBhvr>
-                                        <p:cTn id="6" dur="1" fill="hold">
-                                          <p:stCondLst>
-                                            <p:cond delay="0"/>
-                                          </p:stCondLst>
-                                        </p:cTn>
-                                        <p:tgtEl>
-                                          <p:spTgt spid="31"/>
-                                        </p:tgtEl>
-                                        <p:attrNameLst>
-                                          <p:attrName>style.visibility</p:attrName>
-                                        </p:attrNameLst>
-                                      </p:cBhvr>
-                                      <p:to>
-                                        <p:strVal val="visible"/>
-                                      </p:to>
-                                    </p:set>
-                                    <p:animEffect transition="in" filter="fade">
-                                      <p:cBhvr>
-                                        <p:cTn id="7" dur="500"/>
-                                        <p:tgtEl>
-                                          <p:spTgt spid="31"/>
-                                        </p:tgtEl>
-                                      </p:cBhvr>
-                                    </p:animEffect>
-                                  </p:childTnLst>
-                                </p:cTn>
-                              </p:par>
-                            </p:childTnLst>
-                          </p:cTn>
-                        </p:par>
-                      </p:childTnLst>
-                    </p:cTn>
-                  </p:par>
-                </p:childTnLst>
-              </p:cTn>
-              <p:prevCondLst>
-                <p:cond evt="onPrev" delay="0">
-                  <p:tgtEl>
-                    <p:sldTgt/>
-                  </p:tgtEl>
-                </p:cond>
-              </p:prevCondLst>
-              <p:nextCondLst>
-                <p:cond evt="onNext" delay="0">
-                  <p:tgtEl>
-                    <p:sldTgt/>
-                  </p:tgtEl>
-                </p:cond>
-              </p:nextCondLst>
-            </p:seq>
-          </p:childTnLst>
-        </p:cTn>
+        <p:cTn id="1" dur="indefinite" restart="never" nodeType="tmRoot"/>
       </p:par>
     </p:tnLst>
-    <p:bldLst>
-      <p:bldP spid="31" grpId="0" animBg="1"/>
-    </p:bldLst>
   </p:timing>
 </p:sld>
 </file>
@@ -8311,60 +6540,6 @@
           </a:prstGeom>
         </p:spPr>
       </p:pic>
-      <p:sp>
-        <p:nvSpPr>
-          <p:cNvPr id="20" name="Rectangle 19"/>
-          <p:cNvSpPr/>
-          <p:nvPr/>
-        </p:nvSpPr>
-        <p:spPr>
-          <a:xfrm>
-            <a:off x="-2897" y="0"/>
-            <a:ext cx="5009002" cy="6858000"/>
-          </a:xfrm>
-          <a:prstGeom prst="rect">
-            <a:avLst/>
-          </a:prstGeom>
-          <a:solidFill>
-            <a:schemeClr val="bg2">
-              <a:lumMod val="10000"/>
-              <a:alpha val="84000"/>
-            </a:schemeClr>
-          </a:solidFill>
-        </p:spPr>
-        <p:style>
-          <a:lnRef idx="2">
-            <a:schemeClr val="accent1">
-              <a:shade val="50000"/>
-            </a:schemeClr>
-          </a:lnRef>
-          <a:fillRef idx="1">
-            <a:schemeClr val="accent1"/>
-          </a:fillRef>
-          <a:effectRef idx="0">
-            <a:schemeClr val="accent1"/>
-          </a:effectRef>
-          <a:fontRef idx="minor">
-            <a:schemeClr val="lt1"/>
-          </a:fontRef>
-        </p:style>
-        <p:txBody>
-          <a:bodyPr rtlCol="0" anchor="t"/>
-          <a:lstStyle/>
-          <a:p>
-            <a:endParaRPr lang="en-US" sz="2400" dirty="0"/>
-          </a:p>
-          <a:p>
-            <a:r>
-              <a:rPr lang="en-US" sz="2400" dirty="0"/>
-              <a:t>GIDEON is an integrated public policy information portal that aims to measure the impact of COVID on various countries and its effect in economic and environmental terms. The countries that are able to contain COVID while keeping their economy afloat with minimal impact to the environment stand the best chance of sustainably bouncing back after this crisis. </a:t>
-            </a:r>
-          </a:p>
-          <a:p>
-            <a:endParaRPr lang="en-US" sz="2400" dirty="0"/>
-          </a:p>
-        </p:txBody>
-      </p:sp>
     </p:spTree>
     <p:extLst>
       <p:ext uri="{BB962C8B-B14F-4D97-AF65-F5344CB8AC3E}">
@@ -8378,88 +6553,9 @@
   <p:timing>
     <p:tnLst>
       <p:par>
-        <p:cTn id="1" dur="indefinite" restart="never" nodeType="tmRoot">
-          <p:childTnLst>
-            <p:seq concurrent="1" nextAc="seek">
-              <p:cTn id="2" dur="indefinite" nodeType="mainSeq">
-                <p:childTnLst>
-                  <p:par>
-                    <p:cTn id="3" fill="hold">
-                      <p:stCondLst>
-                        <p:cond delay="indefinite"/>
-                      </p:stCondLst>
-                      <p:childTnLst>
-                        <p:par>
-                          <p:cTn id="4" fill="hold">
-                            <p:stCondLst>
-                              <p:cond delay="0"/>
-                            </p:stCondLst>
-                            <p:childTnLst>
-                              <p:par>
-                                <p:cTn id="5" presetID="10" presetClass="entr" presetSubtype="0" fill="hold" grpId="0" nodeType="clickEffect">
-                                  <p:stCondLst>
-                                    <p:cond delay="0"/>
-                                  </p:stCondLst>
-                                  <p:childTnLst>
-                                    <p:set>
-                                      <p:cBhvr>
-                                        <p:cTn id="6" dur="1" fill="hold">
-                                          <p:stCondLst>
-                                            <p:cond delay="0"/>
-                                          </p:stCondLst>
-                                        </p:cTn>
-                                        <p:tgtEl>
-                                          <p:spTgt spid="20"/>
-                                        </p:tgtEl>
-                                        <p:attrNameLst>
-                                          <p:attrName>style.visibility</p:attrName>
-                                        </p:attrNameLst>
-                                      </p:cBhvr>
-                                      <p:to>
-                                        <p:strVal val="visible"/>
-                                      </p:to>
-                                    </p:set>
-                                    <p:animEffect transition="in" filter="fade">
-                                      <p:cBhvr>
-                                        <p:cTn id="7" dur="500"/>
-                                        <p:tgtEl>
-                                          <p:spTgt spid="20"/>
-                                        </p:tgtEl>
-                                      </p:cBhvr>
-                                    </p:animEffect>
-                                  </p:childTnLst>
-                                </p:cTn>
-                              </p:par>
-                            </p:childTnLst>
-                          </p:cTn>
-                        </p:par>
-                      </p:childTnLst>
-                    </p:cTn>
-                  </p:par>
-                </p:childTnLst>
-              </p:cTn>
-              <p:prevCondLst>
-                <p:cond evt="onPrev" delay="0">
-                  <p:tgtEl>
-                    <p:sldTgt/>
-                  </p:tgtEl>
-                </p:cond>
-              </p:prevCondLst>
-              <p:nextCondLst>
-                <p:cond evt="onNext" delay="0">
-                  <p:tgtEl>
-                    <p:sldTgt/>
-                  </p:tgtEl>
-                </p:cond>
-              </p:nextCondLst>
-            </p:seq>
-          </p:childTnLst>
-        </p:cTn>
+        <p:cTn id="1" dur="indefinite" restart="never" nodeType="tmRoot"/>
       </p:par>
     </p:tnLst>
-    <p:bldLst>
-      <p:bldP spid="20" grpId="0" animBg="1"/>
-    </p:bldLst>
   </p:timing>
 </p:sld>
 </file>

--- a/5-slide-requirement_GIDEON.pptx
+++ b/5-slide-requirement_GIDEON.pptx
@@ -3115,25 +3115,8 @@
                 <a:latin typeface="Roboto Condensed Light" panose="02000000000000000000" pitchFamily="2" charset="0"/>
                 <a:ea typeface="Roboto Condensed Light" panose="02000000000000000000" pitchFamily="2" charset="0"/>
               </a:rPr>
-              <a:t>Risk: </a:t>
-            </a:r>
-            <a:r>
-              <a:rPr lang="en-US" sz="1600" dirty="0" err="1" smtClean="0">
-                <a:solidFill>
-                  <a:schemeClr val="bg1"/>
-                </a:solidFill>
-                <a:latin typeface="Roboto Condensed Light" panose="02000000000000000000" pitchFamily="2" charset="0"/>
-                <a:ea typeface="Roboto Condensed Light" panose="02000000000000000000" pitchFamily="2" charset="0"/>
-              </a:rPr>
-              <a:t>HIgh</a:t>
-            </a:r>
-            <a:endParaRPr lang="en-US" sz="1600" dirty="0">
-              <a:solidFill>
-                <a:schemeClr val="bg1"/>
-              </a:solidFill>
-              <a:latin typeface="Roboto Condensed Light" panose="02000000000000000000" pitchFamily="2" charset="0"/>
-              <a:ea typeface="Roboto Condensed Light" panose="02000000000000000000" pitchFamily="2" charset="0"/>
-            </a:endParaRPr>
+              <a:t>Risk: High</a:t>
+            </a:r>
           </a:p>
           <a:p>
             <a:r>
@@ -3166,25 +3149,8 @@
                 <a:latin typeface="Roboto Condensed Light" panose="02000000000000000000" pitchFamily="2" charset="0"/>
                 <a:ea typeface="Roboto Condensed Light" panose="02000000000000000000" pitchFamily="2" charset="0"/>
               </a:rPr>
-              <a:t> Growth: </a:t>
-            </a:r>
-            <a:r>
-              <a:rPr lang="en-US" sz="1600" dirty="0" smtClean="0">
-                <a:solidFill>
-                  <a:schemeClr val="bg1"/>
-                </a:solidFill>
-                <a:latin typeface="Roboto Condensed Light" panose="02000000000000000000" pitchFamily="2" charset="0"/>
-                <a:ea typeface="Roboto Condensed Light" panose="02000000000000000000" pitchFamily="2" charset="0"/>
-              </a:rPr>
-              <a:t>+212%</a:t>
-            </a:r>
-            <a:endParaRPr lang="en-US" sz="1600" dirty="0">
-              <a:solidFill>
-                <a:schemeClr val="bg1"/>
-              </a:solidFill>
-              <a:latin typeface="Roboto Condensed Light" panose="02000000000000000000" pitchFamily="2" charset="0"/>
-              <a:ea typeface="Roboto Condensed Light" panose="02000000000000000000" pitchFamily="2" charset="0"/>
-            </a:endParaRPr>
+              <a:t> Growth: +212%</a:t>
+            </a:r>
           </a:p>
           <a:p>
             <a:r>
@@ -3271,25 +3237,8 @@
                 <a:latin typeface="Roboto Condensed Light" panose="02000000000000000000" pitchFamily="2" charset="0"/>
                 <a:ea typeface="Roboto Condensed Light" panose="02000000000000000000" pitchFamily="2" charset="0"/>
               </a:rPr>
-              <a:t>Risk: </a:t>
-            </a:r>
-            <a:r>
-              <a:rPr lang="en-US" sz="1600" dirty="0" smtClean="0">
-                <a:solidFill>
-                  <a:schemeClr val="tx1"/>
-                </a:solidFill>
-                <a:latin typeface="Roboto Condensed Light" panose="02000000000000000000" pitchFamily="2" charset="0"/>
-                <a:ea typeface="Roboto Condensed Light" panose="02000000000000000000" pitchFamily="2" charset="0"/>
-              </a:rPr>
-              <a:t>Moderate-High</a:t>
-            </a:r>
-            <a:endParaRPr lang="en-US" sz="1600" dirty="0">
-              <a:solidFill>
-                <a:schemeClr val="tx1"/>
-              </a:solidFill>
-              <a:latin typeface="Roboto Condensed Light" panose="02000000000000000000" pitchFamily="2" charset="0"/>
-              <a:ea typeface="Roboto Condensed Light" panose="02000000000000000000" pitchFamily="2" charset="0"/>
-            </a:endParaRPr>
+              <a:t>Risk: Moderate-High</a:t>
+            </a:r>
           </a:p>
           <a:p>
             <a:r>
@@ -3322,25 +3271,8 @@
                 <a:latin typeface="Roboto Condensed Light" panose="02000000000000000000" pitchFamily="2" charset="0"/>
                 <a:ea typeface="Roboto Condensed Light" panose="02000000000000000000" pitchFamily="2" charset="0"/>
               </a:rPr>
-              <a:t> Growth: </a:t>
-            </a:r>
-            <a:r>
-              <a:rPr lang="en-US" sz="1600" dirty="0" smtClean="0">
-                <a:solidFill>
-                  <a:schemeClr val="tx1"/>
-                </a:solidFill>
-                <a:latin typeface="Roboto Condensed Light" panose="02000000000000000000" pitchFamily="2" charset="0"/>
-                <a:ea typeface="Roboto Condensed Light" panose="02000000000000000000" pitchFamily="2" charset="0"/>
-              </a:rPr>
-              <a:t>+223%</a:t>
-            </a:r>
-            <a:endParaRPr lang="en-US" sz="1600" dirty="0">
-              <a:solidFill>
-                <a:schemeClr val="tx1"/>
-              </a:solidFill>
-              <a:latin typeface="Roboto Condensed Light" panose="02000000000000000000" pitchFamily="2" charset="0"/>
-              <a:ea typeface="Roboto Condensed Light" panose="02000000000000000000" pitchFamily="2" charset="0"/>
-            </a:endParaRPr>
+              <a:t> Growth: +223%</a:t>
+            </a:r>
           </a:p>
           <a:p>
             <a:r>
@@ -3461,25 +3393,8 @@
                 <a:latin typeface="Roboto Condensed Light" panose="02000000000000000000" pitchFamily="2" charset="0"/>
                 <a:ea typeface="Roboto Condensed Light" panose="02000000000000000000" pitchFamily="2" charset="0"/>
               </a:rPr>
-              <a:t> Growth: </a:t>
-            </a:r>
-            <a:r>
-              <a:rPr lang="en-US" sz="1600" dirty="0" smtClean="0">
-                <a:solidFill>
-                  <a:schemeClr val="tx1"/>
-                </a:solidFill>
-                <a:latin typeface="Roboto Condensed Light" panose="02000000000000000000" pitchFamily="2" charset="0"/>
-                <a:ea typeface="Roboto Condensed Light" panose="02000000000000000000" pitchFamily="2" charset="0"/>
-              </a:rPr>
-              <a:t>+171%</a:t>
-            </a:r>
-            <a:endParaRPr lang="en-US" sz="1600" dirty="0">
-              <a:solidFill>
-                <a:schemeClr val="tx1"/>
-              </a:solidFill>
-              <a:latin typeface="Roboto Condensed Light" panose="02000000000000000000" pitchFamily="2" charset="0"/>
-              <a:ea typeface="Roboto Condensed Light" panose="02000000000000000000" pitchFamily="2" charset="0"/>
-            </a:endParaRPr>
+              <a:t> Growth: +171%</a:t>
+            </a:r>
           </a:p>
           <a:p>
             <a:r>
@@ -3566,25 +3481,8 @@
                 <a:latin typeface="Roboto Condensed Light" panose="02000000000000000000" pitchFamily="2" charset="0"/>
                 <a:ea typeface="Roboto Condensed Light" panose="02000000000000000000" pitchFamily="2" charset="0"/>
               </a:rPr>
-              <a:t>Risk: </a:t>
-            </a:r>
-            <a:r>
-              <a:rPr lang="en-US" sz="1600" dirty="0" smtClean="0">
-                <a:solidFill>
-                  <a:schemeClr val="bg1"/>
-                </a:solidFill>
-                <a:latin typeface="Roboto Condensed Light" panose="02000000000000000000" pitchFamily="2" charset="0"/>
-                <a:ea typeface="Roboto Condensed Light" panose="02000000000000000000" pitchFamily="2" charset="0"/>
-              </a:rPr>
-              <a:t>Low</a:t>
-            </a:r>
-            <a:endParaRPr lang="en-US" sz="1600" dirty="0">
-              <a:solidFill>
-                <a:schemeClr val="bg1"/>
-              </a:solidFill>
-              <a:latin typeface="Roboto Condensed Light" panose="02000000000000000000" pitchFamily="2" charset="0"/>
-              <a:ea typeface="Roboto Condensed Light" panose="02000000000000000000" pitchFamily="2" charset="0"/>
-            </a:endParaRPr>
+              <a:t>Risk: Low</a:t>
+            </a:r>
           </a:p>
           <a:p>
             <a:r>
@@ -3595,25 +3493,8 @@
                 <a:latin typeface="Roboto Condensed Light" panose="02000000000000000000" pitchFamily="2" charset="0"/>
                 <a:ea typeface="Roboto Condensed Light" panose="02000000000000000000" pitchFamily="2" charset="0"/>
               </a:rPr>
-              <a:t>GDP: +</a:t>
-            </a:r>
-            <a:r>
-              <a:rPr lang="en-US" sz="1600" dirty="0" smtClean="0">
-                <a:solidFill>
-                  <a:schemeClr val="bg1"/>
-                </a:solidFill>
-                <a:latin typeface="Roboto Condensed Light" panose="02000000000000000000" pitchFamily="2" charset="0"/>
-                <a:ea typeface="Roboto Condensed Light" panose="02000000000000000000" pitchFamily="2" charset="0"/>
-              </a:rPr>
-              <a:t>2.17%</a:t>
-            </a:r>
-            <a:endParaRPr lang="en-US" sz="1600" dirty="0">
-              <a:solidFill>
-                <a:schemeClr val="bg1"/>
-              </a:solidFill>
-              <a:latin typeface="Roboto Condensed Light" panose="02000000000000000000" pitchFamily="2" charset="0"/>
-              <a:ea typeface="Roboto Condensed Light" panose="02000000000000000000" pitchFamily="2" charset="0"/>
-            </a:endParaRPr>
+              <a:t>GDP: +2.17%</a:t>
+            </a:r>
           </a:p>
           <a:p>
             <a:r>
@@ -3634,35 +3515,8 @@
                 <a:latin typeface="Roboto Condensed Light" panose="02000000000000000000" pitchFamily="2" charset="0"/>
                 <a:ea typeface="Roboto Condensed Light" panose="02000000000000000000" pitchFamily="2" charset="0"/>
               </a:rPr>
-              <a:t> Growth: </a:t>
-            </a:r>
-            <a:r>
-              <a:rPr lang="en-US" sz="1600" dirty="0" smtClean="0">
-                <a:solidFill>
-                  <a:schemeClr val="bg1"/>
-                </a:solidFill>
-                <a:latin typeface="Roboto Condensed Light" panose="02000000000000000000" pitchFamily="2" charset="0"/>
-                <a:ea typeface="Roboto Condensed Light" panose="02000000000000000000" pitchFamily="2" charset="0"/>
-              </a:rPr>
-              <a:t>+400</a:t>
-            </a:r>
-            <a:r>
-              <a:rPr lang="en-US" sz="1600" dirty="0" smtClean="0">
-                <a:solidFill>
-                  <a:schemeClr val="bg1"/>
-                </a:solidFill>
-                <a:latin typeface="Roboto Condensed Light" panose="02000000000000000000" pitchFamily="2" charset="0"/>
-                <a:ea typeface="Roboto Condensed Light" panose="02000000000000000000" pitchFamily="2" charset="0"/>
-              </a:rPr>
-              <a:t>%</a:t>
-            </a:r>
-            <a:endParaRPr lang="en-US" sz="1600" dirty="0">
-              <a:solidFill>
-                <a:schemeClr val="bg1"/>
-              </a:solidFill>
-              <a:latin typeface="Roboto Condensed Light" panose="02000000000000000000" pitchFamily="2" charset="0"/>
-              <a:ea typeface="Roboto Condensed Light" panose="02000000000000000000" pitchFamily="2" charset="0"/>
-            </a:endParaRPr>
+              <a:t> Growth: +400%</a:t>
+            </a:r>
           </a:p>
           <a:p>
             <a:r>
@@ -4114,25 +3968,8 @@
                 <a:latin typeface="Roboto Condensed Light" panose="02000000000000000000" pitchFamily="2" charset="0"/>
                 <a:ea typeface="Roboto Condensed Light" panose="02000000000000000000" pitchFamily="2" charset="0"/>
               </a:rPr>
-              <a:t>Risk: </a:t>
-            </a:r>
-            <a:r>
-              <a:rPr lang="en-US" sz="1600" dirty="0" smtClean="0">
-                <a:solidFill>
-                  <a:schemeClr val="tx1"/>
-                </a:solidFill>
-                <a:latin typeface="Roboto Condensed Light" panose="02000000000000000000" pitchFamily="2" charset="0"/>
-                <a:ea typeface="Roboto Condensed Light" panose="02000000000000000000" pitchFamily="2" charset="0"/>
-              </a:rPr>
-              <a:t>Low-Moderate</a:t>
-            </a:r>
-            <a:endParaRPr lang="en-US" sz="1600" dirty="0">
-              <a:solidFill>
-                <a:schemeClr val="tx1"/>
-              </a:solidFill>
-              <a:latin typeface="Roboto Condensed Light" panose="02000000000000000000" pitchFamily="2" charset="0"/>
-              <a:ea typeface="Roboto Condensed Light" panose="02000000000000000000" pitchFamily="2" charset="0"/>
-            </a:endParaRPr>
+              <a:t>Risk: Low-Moderate</a:t>
+            </a:r>
           </a:p>
           <a:p>
             <a:r>
@@ -4165,25 +4002,8 @@
                 <a:latin typeface="Roboto Condensed Light" panose="02000000000000000000" pitchFamily="2" charset="0"/>
                 <a:ea typeface="Roboto Condensed Light" panose="02000000000000000000" pitchFamily="2" charset="0"/>
               </a:rPr>
-              <a:t> Growth: </a:t>
-            </a:r>
-            <a:r>
-              <a:rPr lang="en-US" sz="1600" dirty="0" smtClean="0">
-                <a:solidFill>
-                  <a:schemeClr val="tx1"/>
-                </a:solidFill>
-                <a:latin typeface="Roboto Condensed Light" panose="02000000000000000000" pitchFamily="2" charset="0"/>
-                <a:ea typeface="Roboto Condensed Light" panose="02000000000000000000" pitchFamily="2" charset="0"/>
-              </a:rPr>
-              <a:t>+248%</a:t>
-            </a:r>
-            <a:endParaRPr lang="en-US" sz="1600" dirty="0">
-              <a:solidFill>
-                <a:schemeClr val="tx1"/>
-              </a:solidFill>
-              <a:latin typeface="Roboto Condensed Light" panose="02000000000000000000" pitchFamily="2" charset="0"/>
-              <a:ea typeface="Roboto Condensed Light" panose="02000000000000000000" pitchFamily="2" charset="0"/>
-            </a:endParaRPr>
+              <a:t> Growth: +248%</a:t>
+            </a:r>
           </a:p>
           <a:p>
             <a:r>
@@ -4219,8 +4039,8 @@
         </p:nvSpPr>
         <p:spPr>
           <a:xfrm>
-            <a:off x="0" y="0"/>
-            <a:ext cx="5009002" cy="6858000"/>
+            <a:off x="8788399" y="3575310"/>
+            <a:ext cx="3469701" cy="3282690"/>
           </a:xfrm>
           <a:prstGeom prst="rect">
             <a:avLst/>
@@ -5134,13 +4954,6 @@
   <p:clrMapOvr>
     <a:masterClrMapping/>
   </p:clrMapOvr>
-  <p:timing>
-    <p:tnLst>
-      <p:par>
-        <p:cTn id="1" dur="indefinite" restart="never" nodeType="tmRoot"/>
-      </p:par>
-    </p:tnLst>
-  </p:timing>
 </p:sld>
 </file>
 
@@ -5926,13 +5739,6 @@
   <p:clrMapOvr>
     <a:masterClrMapping/>
   </p:clrMapOvr>
-  <p:timing>
-    <p:tnLst>
-      <p:par>
-        <p:cTn id="1" dur="indefinite" restart="never" nodeType="tmRoot"/>
-      </p:par>
-    </p:tnLst>
-  </p:timing>
 </p:sld>
 </file>
 
@@ -6550,13 +6356,6 @@
   <p:clrMapOvr>
     <a:masterClrMapping/>
   </p:clrMapOvr>
-  <p:timing>
-    <p:tnLst>
-      <p:par>
-        <p:cTn id="1" dur="indefinite" restart="never" nodeType="tmRoot"/>
-      </p:par>
-    </p:tnLst>
-  </p:timing>
 </p:sld>
 </file>
 

--- a/5-slide-requirement_GIDEON.pptx
+++ b/5-slide-requirement_GIDEON.pptx
@@ -3315,7 +3315,7 @@
             <a:avLst/>
           </a:prstGeom>
           <a:solidFill>
-            <a:schemeClr val="accent4"/>
+            <a:srgbClr val="FFFF00"/>
           </a:solidFill>
         </p:spPr>
         <p:style>
@@ -3924,7 +3924,7 @@
             <a:avLst/>
           </a:prstGeom>
           <a:solidFill>
-            <a:srgbClr val="92D050"/>
+            <a:srgbClr val="00B050"/>
           </a:solidFill>
         </p:spPr>
         <p:style>
@@ -3951,7 +3951,7 @@
             <a:r>
               <a:rPr lang="en-US" dirty="0">
                 <a:solidFill>
-                  <a:schemeClr val="tx1"/>
+                  <a:schemeClr val="bg1"/>
                 </a:solidFill>
                 <a:latin typeface="Roboto Condensed Light" panose="02000000000000000000" pitchFamily="2" charset="0"/>
                 <a:ea typeface="Roboto Condensed Light" panose="02000000000000000000" pitchFamily="2" charset="0"/>
@@ -3963,19 +3963,19 @@
             <a:r>
               <a:rPr lang="en-US" sz="1600" dirty="0">
                 <a:solidFill>
-                  <a:schemeClr val="tx1"/>
+                  <a:schemeClr val="bg1"/>
                 </a:solidFill>
                 <a:latin typeface="Roboto Condensed Light" panose="02000000000000000000" pitchFamily="2" charset="0"/>
                 <a:ea typeface="Roboto Condensed Light" panose="02000000000000000000" pitchFamily="2" charset="0"/>
               </a:rPr>
-              <a:t>Risk: Low-Moderate</a:t>
+              <a:t>Risk: Low</a:t>
             </a:r>
           </a:p>
           <a:p>
             <a:r>
               <a:rPr lang="en-US" sz="1600" dirty="0">
                 <a:solidFill>
-                  <a:schemeClr val="tx1"/>
+                  <a:schemeClr val="bg1"/>
                 </a:solidFill>
                 <a:latin typeface="Roboto Condensed Light" panose="02000000000000000000" pitchFamily="2" charset="0"/>
                 <a:ea typeface="Roboto Condensed Light" panose="02000000000000000000" pitchFamily="2" charset="0"/>
@@ -3987,7 +3987,7 @@
             <a:r>
               <a:rPr lang="en-US" sz="1600" dirty="0" err="1">
                 <a:solidFill>
-                  <a:schemeClr val="tx1"/>
+                  <a:schemeClr val="bg1"/>
                 </a:solidFill>
                 <a:latin typeface="Roboto Condensed Light" panose="02000000000000000000" pitchFamily="2" charset="0"/>
                 <a:ea typeface="Roboto Condensed Light" panose="02000000000000000000" pitchFamily="2" charset="0"/>
@@ -3997,7 +3997,7 @@
             <a:r>
               <a:rPr lang="en-US" sz="1600" dirty="0">
                 <a:solidFill>
-                  <a:schemeClr val="tx1"/>
+                  <a:schemeClr val="bg1"/>
                 </a:solidFill>
                 <a:latin typeface="Roboto Condensed Light" panose="02000000000000000000" pitchFamily="2" charset="0"/>
                 <a:ea typeface="Roboto Condensed Light" panose="02000000000000000000" pitchFamily="2" charset="0"/>
@@ -4009,7 +4009,7 @@
             <a:r>
               <a:rPr lang="en-US" sz="1600" dirty="0">
                 <a:solidFill>
-                  <a:schemeClr val="tx1"/>
+                  <a:schemeClr val="bg1"/>
                 </a:solidFill>
                 <a:latin typeface="Roboto Condensed Light" panose="02000000000000000000" pitchFamily="2" charset="0"/>
                 <a:ea typeface="Roboto Condensed Light" panose="02000000000000000000" pitchFamily="2" charset="0"/>
@@ -4021,7 +4021,7 @@
             <a:r>
               <a:rPr lang="en-US" sz="1600" dirty="0">
                 <a:solidFill>
-                  <a:schemeClr val="tx1"/>
+                  <a:schemeClr val="bg1"/>
                 </a:solidFill>
                 <a:latin typeface="Roboto Condensed Light" panose="02000000000000000000" pitchFamily="2" charset="0"/>
                 <a:ea typeface="Roboto Condensed Light" panose="02000000000000000000" pitchFamily="2" charset="0"/>
@@ -4039,8 +4039,8 @@
         </p:nvSpPr>
         <p:spPr>
           <a:xfrm>
-            <a:off x="8788399" y="3575310"/>
-            <a:ext cx="3469701" cy="3282690"/>
+            <a:off x="6719013" y="707661"/>
+            <a:ext cx="5472987" cy="6172200"/>
           </a:xfrm>
           <a:prstGeom prst="rect">
             <a:avLst/>
@@ -4077,8 +4077,111 @@
           <a:p>
             <a:r>
               <a:rPr lang="en-US" sz="2400" dirty="0"/>
-              <a:t>GIDEON is an integrated public policy information portal that aims to measure the impact of COVID on various countries and its effect in economic and environmental terms. The countries that are able to contain COVID while keeping their economy afloat with minimal impact to the environment stand the best chance of sustainably bouncing back after this crisis. </a:t>
-            </a:r>
+              <a:t>GIDEON is an integrated public policy information portal that aims to measure the impact of COVID on various countries and its effect in economic, health and environmental terms. The countries that are able to contain COVID while keeping their economy afloat with minimal impact to the environment stand the best chance of sustainably bouncing back after this crisis. </a:t>
+            </a:r>
+            <a:br>
+              <a:rPr lang="en-US" sz="2400" dirty="0"/>
+            </a:br>
+            <a:endParaRPr lang="en-US" sz="2400" dirty="0"/>
+          </a:p>
+          <a:p>
+            <a:br>
+              <a:rPr lang="en-US" sz="2400" dirty="0"/>
+            </a:br>
+            <a:endParaRPr lang="en-US" sz="2400" dirty="0"/>
+          </a:p>
+          <a:p>
+            <a:endParaRPr lang="en-US" sz="2400" dirty="0"/>
+          </a:p>
+        </p:txBody>
+      </p:sp>
+      <p:sp>
+        <p:nvSpPr>
+          <p:cNvPr id="26" name="Rectangle 25">
+            <a:extLst>
+              <a:ext uri="{FF2B5EF4-FFF2-40B4-BE49-F238E27FC236}">
+                <a16:creationId xmlns:a16="http://schemas.microsoft.com/office/drawing/2014/main" id="{F615AC91-E64E-4708-8948-C193B48954B8}"/>
+              </a:ext>
+            </a:extLst>
+          </p:cNvPr>
+          <p:cNvSpPr/>
+          <p:nvPr/>
+        </p:nvSpPr>
+        <p:spPr>
+          <a:xfrm>
+            <a:off x="6719012" y="685800"/>
+            <a:ext cx="5472987" cy="6172200"/>
+          </a:xfrm>
+          <a:prstGeom prst="rect">
+            <a:avLst/>
+          </a:prstGeom>
+          <a:solidFill>
+            <a:schemeClr val="bg2">
+              <a:lumMod val="10000"/>
+            </a:schemeClr>
+          </a:solidFill>
+        </p:spPr>
+        <p:style>
+          <a:lnRef idx="2">
+            <a:schemeClr val="accent1">
+              <a:shade val="50000"/>
+            </a:schemeClr>
+          </a:lnRef>
+          <a:fillRef idx="1">
+            <a:schemeClr val="accent1"/>
+          </a:fillRef>
+          <a:effectRef idx="0">
+            <a:schemeClr val="accent1"/>
+          </a:effectRef>
+          <a:fontRef idx="minor">
+            <a:schemeClr val="lt1"/>
+          </a:fontRef>
+        </p:style>
+        <p:txBody>
+          <a:bodyPr rtlCol="0" anchor="t"/>
+          <a:lstStyle/>
+          <a:p>
+            <a:endParaRPr lang="en-US" sz="2400" dirty="0"/>
+          </a:p>
+          <a:p>
+            <a:r>
+              <a:rPr lang="en-US" sz="2400" dirty="0"/>
+              <a:t>Using a combination of Earth Observation data (VIIRS and Sentinel-5p) to predict GDP growth and air pollution levels, Google mobility data, and COVID infection data from Johns Hopkins University, GIDEON ranks 5 observed countries on a risk scaled based on their ability to recover economic activity while managing COVID infections and air pollution.</a:t>
+            </a:r>
+            <a:br>
+              <a:rPr lang="en-US" sz="2400" dirty="0"/>
+            </a:br>
+            <a:endParaRPr lang="en-US" sz="2400" dirty="0"/>
+          </a:p>
+          <a:p>
+            <a:r>
+              <a:rPr lang="en-US" sz="2400" dirty="0"/>
+              <a:t>Low Risk – Singapore and Japan</a:t>
+            </a:r>
+          </a:p>
+          <a:p>
+            <a:r>
+              <a:rPr lang="en-US" sz="2400" dirty="0"/>
+              <a:t>Moderate – Philippines</a:t>
+            </a:r>
+          </a:p>
+          <a:p>
+            <a:r>
+              <a:rPr lang="en-US" sz="2400" dirty="0"/>
+              <a:t>Moderate-High – Sweden</a:t>
+            </a:r>
+          </a:p>
+          <a:p>
+            <a:r>
+              <a:rPr lang="en-US" sz="2400" dirty="0"/>
+              <a:t>High - Italy</a:t>
+            </a:r>
+          </a:p>
+          <a:p>
+            <a:br>
+              <a:rPr lang="en-US" sz="2400" dirty="0"/>
+            </a:br>
+            <a:endParaRPr lang="en-US" sz="2400" dirty="0"/>
           </a:p>
           <a:p>
             <a:endParaRPr lang="en-US" sz="2400" dirty="0"/>
@@ -4089,6 +4192,2838 @@
     <p:extLst>
       <p:ext uri="{BB962C8B-B14F-4D97-AF65-F5344CB8AC3E}">
         <p14:creationId xmlns:p14="http://schemas.microsoft.com/office/powerpoint/2010/main" val="1757251175"/>
+      </p:ext>
+    </p:extLst>
+  </p:cSld>
+  <p:clrMapOvr>
+    <a:masterClrMapping/>
+  </p:clrMapOvr>
+  <p:timing>
+    <p:tnLst>
+      <p:par>
+        <p:cTn id="1" dur="indefinite" restart="never" nodeType="tmRoot">
+          <p:childTnLst>
+            <p:seq concurrent="1" nextAc="seek">
+              <p:cTn id="2" dur="indefinite" nodeType="mainSeq">
+                <p:childTnLst>
+                  <p:par>
+                    <p:cTn id="3" fill="hold">
+                      <p:stCondLst>
+                        <p:cond delay="indefinite"/>
+                      </p:stCondLst>
+                      <p:childTnLst>
+                        <p:par>
+                          <p:cTn id="4" fill="hold">
+                            <p:stCondLst>
+                              <p:cond delay="0"/>
+                            </p:stCondLst>
+                            <p:childTnLst>
+                              <p:par>
+                                <p:cTn id="5" presetID="10" presetClass="entr" presetSubtype="0" fill="hold" grpId="0" nodeType="clickEffect">
+                                  <p:stCondLst>
+                                    <p:cond delay="0"/>
+                                  </p:stCondLst>
+                                  <p:childTnLst>
+                                    <p:set>
+                                      <p:cBhvr>
+                                        <p:cTn id="6" dur="1" fill="hold">
+                                          <p:stCondLst>
+                                            <p:cond delay="0"/>
+                                          </p:stCondLst>
+                                        </p:cTn>
+                                        <p:tgtEl>
+                                          <p:spTgt spid="18"/>
+                                        </p:tgtEl>
+                                        <p:attrNameLst>
+                                          <p:attrName>style.visibility</p:attrName>
+                                        </p:attrNameLst>
+                                      </p:cBhvr>
+                                      <p:to>
+                                        <p:strVal val="visible"/>
+                                      </p:to>
+                                    </p:set>
+                                    <p:animEffect transition="in" filter="fade">
+                                      <p:cBhvr>
+                                        <p:cTn id="7" dur="500"/>
+                                        <p:tgtEl>
+                                          <p:spTgt spid="18"/>
+                                        </p:tgtEl>
+                                      </p:cBhvr>
+                                    </p:animEffect>
+                                  </p:childTnLst>
+                                </p:cTn>
+                              </p:par>
+                            </p:childTnLst>
+                          </p:cTn>
+                        </p:par>
+                      </p:childTnLst>
+                    </p:cTn>
+                  </p:par>
+                  <p:par>
+                    <p:cTn id="8" fill="hold">
+                      <p:stCondLst>
+                        <p:cond delay="indefinite"/>
+                      </p:stCondLst>
+                      <p:childTnLst>
+                        <p:par>
+                          <p:cTn id="9" fill="hold">
+                            <p:stCondLst>
+                              <p:cond delay="0"/>
+                            </p:stCondLst>
+                            <p:childTnLst>
+                              <p:par>
+                                <p:cTn id="10" presetID="10" presetClass="entr" presetSubtype="0" fill="hold" grpId="0" nodeType="clickEffect">
+                                  <p:stCondLst>
+                                    <p:cond delay="0"/>
+                                  </p:stCondLst>
+                                  <p:childTnLst>
+                                    <p:set>
+                                      <p:cBhvr>
+                                        <p:cTn id="11" dur="1" fill="hold">
+                                          <p:stCondLst>
+                                            <p:cond delay="0"/>
+                                          </p:stCondLst>
+                                        </p:cTn>
+                                        <p:tgtEl>
+                                          <p:spTgt spid="26"/>
+                                        </p:tgtEl>
+                                        <p:attrNameLst>
+                                          <p:attrName>style.visibility</p:attrName>
+                                        </p:attrNameLst>
+                                      </p:cBhvr>
+                                      <p:to>
+                                        <p:strVal val="visible"/>
+                                      </p:to>
+                                    </p:set>
+                                    <p:animEffect transition="in" filter="fade">
+                                      <p:cBhvr>
+                                        <p:cTn id="12" dur="500"/>
+                                        <p:tgtEl>
+                                          <p:spTgt spid="26"/>
+                                        </p:tgtEl>
+                                      </p:cBhvr>
+                                    </p:animEffect>
+                                  </p:childTnLst>
+                                </p:cTn>
+                              </p:par>
+                            </p:childTnLst>
+                          </p:cTn>
+                        </p:par>
+                      </p:childTnLst>
+                    </p:cTn>
+                  </p:par>
+                </p:childTnLst>
+              </p:cTn>
+              <p:prevCondLst>
+                <p:cond evt="onPrev" delay="0">
+                  <p:tgtEl>
+                    <p:sldTgt/>
+                  </p:tgtEl>
+                </p:cond>
+              </p:prevCondLst>
+              <p:nextCondLst>
+                <p:cond evt="onNext" delay="0">
+                  <p:tgtEl>
+                    <p:sldTgt/>
+                  </p:tgtEl>
+                </p:cond>
+              </p:nextCondLst>
+            </p:seq>
+          </p:childTnLst>
+        </p:cTn>
+      </p:par>
+    </p:tnLst>
+    <p:bldLst>
+      <p:bldP spid="18" grpId="0" animBg="1"/>
+      <p:bldP spid="26" grpId="0" animBg="1"/>
+    </p:bldLst>
+  </p:timing>
+</p:sld>
+</file>
+
+<file path=ppt/slides/slide2.xml><?xml version="1.0" encoding="utf-8"?>
+<p:sld xmlns:a="http://schemas.openxmlformats.org/drawingml/2006/main" xmlns:r="http://schemas.openxmlformats.org/officeDocument/2006/relationships" xmlns:p="http://schemas.openxmlformats.org/presentationml/2006/main">
+  <p:cSld>
+    <p:spTree>
+      <p:nvGrpSpPr>
+        <p:cNvPr id="1" name=""/>
+        <p:cNvGrpSpPr/>
+        <p:nvPr/>
+      </p:nvGrpSpPr>
+      <p:grpSpPr>
+        <a:xfrm>
+          <a:off x="0" y="0"/>
+          <a:ext cx="0" cy="0"/>
+          <a:chOff x="0" y="0"/>
+          <a:chExt cx="0" cy="0"/>
+        </a:xfrm>
+      </p:grpSpPr>
+      <p:sp>
+        <p:nvSpPr>
+          <p:cNvPr id="4" name="Rectangle 3"/>
+          <p:cNvSpPr/>
+          <p:nvPr/>
+        </p:nvSpPr>
+        <p:spPr>
+          <a:xfrm>
+            <a:off x="0" y="0"/>
+            <a:ext cx="12192000" cy="685800"/>
+          </a:xfrm>
+          <a:prstGeom prst="rect">
+            <a:avLst/>
+          </a:prstGeom>
+          <a:solidFill>
+            <a:schemeClr val="tx1"/>
+          </a:solidFill>
+        </p:spPr>
+        <p:style>
+          <a:lnRef idx="2">
+            <a:schemeClr val="accent1">
+              <a:shade val="50000"/>
+            </a:schemeClr>
+          </a:lnRef>
+          <a:fillRef idx="1">
+            <a:schemeClr val="accent1"/>
+          </a:fillRef>
+          <a:effectRef idx="0">
+            <a:schemeClr val="accent1"/>
+          </a:effectRef>
+          <a:fontRef idx="minor">
+            <a:schemeClr val="lt1"/>
+          </a:fontRef>
+        </p:style>
+        <p:txBody>
+          <a:bodyPr rtlCol="0" anchor="ctr"/>
+          <a:lstStyle/>
+          <a:p>
+            <a:r>
+              <a:rPr lang="en-US" sz="2400" dirty="0">
+                <a:latin typeface="Roboto Condensed Light" panose="02000000000000000000" pitchFamily="2" charset="0"/>
+                <a:ea typeface="Roboto Condensed Light" panose="02000000000000000000" pitchFamily="2" charset="0"/>
+              </a:rPr>
+              <a:t>		Global Impact Detection from Emitted Light, Onset of COVID, and NO2</a:t>
+            </a:r>
+          </a:p>
+        </p:txBody>
+      </p:sp>
+      <p:sp>
+        <p:nvSpPr>
+          <p:cNvPr id="5" name="Rectangle 4"/>
+          <p:cNvSpPr/>
+          <p:nvPr/>
+        </p:nvSpPr>
+        <p:spPr>
+          <a:xfrm>
+            <a:off x="0" y="685800"/>
+            <a:ext cx="2438400" cy="6172200"/>
+          </a:xfrm>
+          <a:prstGeom prst="rect">
+            <a:avLst/>
+          </a:prstGeom>
+          <a:solidFill>
+            <a:schemeClr val="bg2">
+              <a:lumMod val="75000"/>
+            </a:schemeClr>
+          </a:solidFill>
+        </p:spPr>
+        <p:style>
+          <a:lnRef idx="2">
+            <a:schemeClr val="accent1">
+              <a:shade val="50000"/>
+            </a:schemeClr>
+          </a:lnRef>
+          <a:fillRef idx="1">
+            <a:schemeClr val="accent1"/>
+          </a:fillRef>
+          <a:effectRef idx="0">
+            <a:schemeClr val="accent1"/>
+          </a:effectRef>
+          <a:fontRef idx="minor">
+            <a:schemeClr val="lt1"/>
+          </a:fontRef>
+        </p:style>
+        <p:txBody>
+          <a:bodyPr rtlCol="0" anchor="ctr"/>
+          <a:lstStyle/>
+          <a:p>
+            <a:pPr algn="ctr"/>
+            <a:endParaRPr lang="en-US"/>
+          </a:p>
+        </p:txBody>
+      </p:sp>
+      <p:sp>
+        <p:nvSpPr>
+          <p:cNvPr id="6" name="Rectangle 5"/>
+          <p:cNvSpPr/>
+          <p:nvPr/>
+        </p:nvSpPr>
+        <p:spPr>
+          <a:xfrm>
+            <a:off x="2438400" y="6172200"/>
+            <a:ext cx="9753600" cy="685800"/>
+          </a:xfrm>
+          <a:prstGeom prst="rect">
+            <a:avLst/>
+          </a:prstGeom>
+          <a:solidFill>
+            <a:schemeClr val="tx1"/>
+          </a:solidFill>
+        </p:spPr>
+        <p:style>
+          <a:lnRef idx="2">
+            <a:schemeClr val="accent1">
+              <a:shade val="50000"/>
+            </a:schemeClr>
+          </a:lnRef>
+          <a:fillRef idx="1">
+            <a:schemeClr val="accent1"/>
+          </a:fillRef>
+          <a:effectRef idx="0">
+            <a:schemeClr val="accent1"/>
+          </a:effectRef>
+          <a:fontRef idx="minor">
+            <a:schemeClr val="lt1"/>
+          </a:fontRef>
+        </p:style>
+        <p:txBody>
+          <a:bodyPr rtlCol="0" anchor="ctr"/>
+          <a:lstStyle/>
+          <a:p>
+            <a:r>
+              <a:rPr lang="en-US" sz="2400" dirty="0"/>
+              <a:t>Team GIDEON – Visit us at </a:t>
+            </a:r>
+            <a:r>
+              <a:rPr lang="en-US" sz="2400" dirty="0" err="1"/>
+              <a:t>projectgideon.co</a:t>
+            </a:r>
+            <a:endParaRPr lang="en-US" sz="2400" dirty="0"/>
+          </a:p>
+        </p:txBody>
+      </p:sp>
+      <p:sp>
+        <p:nvSpPr>
+          <p:cNvPr id="19" name="Rectangle 18"/>
+          <p:cNvSpPr/>
+          <p:nvPr/>
+        </p:nvSpPr>
+        <p:spPr>
+          <a:xfrm>
+            <a:off x="203200" y="952500"/>
+            <a:ext cx="2019300" cy="508000"/>
+          </a:xfrm>
+          <a:prstGeom prst="rect">
+            <a:avLst/>
+          </a:prstGeom>
+          <a:solidFill>
+            <a:schemeClr val="bg2">
+              <a:lumMod val="50000"/>
+            </a:schemeClr>
+          </a:solidFill>
+          <a:ln>
+            <a:noFill/>
+          </a:ln>
+        </p:spPr>
+        <p:style>
+          <a:lnRef idx="2">
+            <a:schemeClr val="accent1">
+              <a:shade val="50000"/>
+            </a:schemeClr>
+          </a:lnRef>
+          <a:fillRef idx="1">
+            <a:schemeClr val="accent1"/>
+          </a:fillRef>
+          <a:effectRef idx="0">
+            <a:schemeClr val="accent1"/>
+          </a:effectRef>
+          <a:fontRef idx="minor">
+            <a:schemeClr val="lt1"/>
+          </a:fontRef>
+        </p:style>
+        <p:txBody>
+          <a:bodyPr rtlCol="0" anchor="ctr"/>
+          <a:lstStyle/>
+          <a:p>
+            <a:pPr algn="ctr"/>
+            <a:r>
+              <a:rPr lang="en-US" dirty="0">
+                <a:latin typeface="Roboto Condensed Light" panose="02000000000000000000" pitchFamily="2" charset="0"/>
+                <a:ea typeface="Roboto Condensed Light" panose="02000000000000000000" pitchFamily="2" charset="0"/>
+              </a:rPr>
+              <a:t>Snapshot</a:t>
+            </a:r>
+          </a:p>
+        </p:txBody>
+      </p:sp>
+      <p:sp>
+        <p:nvSpPr>
+          <p:cNvPr id="20" name="Rectangle 19"/>
+          <p:cNvSpPr/>
+          <p:nvPr/>
+        </p:nvSpPr>
+        <p:spPr>
+          <a:xfrm>
+            <a:off x="203200" y="1549138"/>
+            <a:ext cx="2019300" cy="508000"/>
+          </a:xfrm>
+          <a:prstGeom prst="rect">
+            <a:avLst/>
+          </a:prstGeom>
+          <a:solidFill>
+            <a:schemeClr val="bg2">
+              <a:lumMod val="50000"/>
+            </a:schemeClr>
+          </a:solidFill>
+          <a:ln>
+            <a:noFill/>
+          </a:ln>
+        </p:spPr>
+        <p:style>
+          <a:lnRef idx="2">
+            <a:schemeClr val="accent1">
+              <a:shade val="50000"/>
+            </a:schemeClr>
+          </a:lnRef>
+          <a:fillRef idx="1">
+            <a:schemeClr val="accent1"/>
+          </a:fillRef>
+          <a:effectRef idx="0">
+            <a:schemeClr val="accent1"/>
+          </a:effectRef>
+          <a:fontRef idx="minor">
+            <a:schemeClr val="lt1"/>
+          </a:fontRef>
+        </p:style>
+        <p:txBody>
+          <a:bodyPr rtlCol="0" anchor="ctr"/>
+          <a:lstStyle/>
+          <a:p>
+            <a:pPr algn="ctr"/>
+            <a:r>
+              <a:rPr lang="en-US" dirty="0">
+                <a:latin typeface="Roboto Condensed Light" panose="02000000000000000000" pitchFamily="2" charset="0"/>
+                <a:ea typeface="Roboto Condensed Light" panose="02000000000000000000" pitchFamily="2" charset="0"/>
+              </a:rPr>
+              <a:t>COVID Situation</a:t>
+            </a:r>
+          </a:p>
+        </p:txBody>
+      </p:sp>
+      <p:sp>
+        <p:nvSpPr>
+          <p:cNvPr id="21" name="Rectangle 20"/>
+          <p:cNvSpPr/>
+          <p:nvPr/>
+        </p:nvSpPr>
+        <p:spPr>
+          <a:xfrm>
+            <a:off x="203200" y="2145776"/>
+            <a:ext cx="2019300" cy="508000"/>
+          </a:xfrm>
+          <a:prstGeom prst="rect">
+            <a:avLst/>
+          </a:prstGeom>
+          <a:solidFill>
+            <a:schemeClr val="bg2">
+              <a:lumMod val="50000"/>
+            </a:schemeClr>
+          </a:solidFill>
+          <a:ln>
+            <a:noFill/>
+          </a:ln>
+        </p:spPr>
+        <p:style>
+          <a:lnRef idx="2">
+            <a:schemeClr val="accent1">
+              <a:shade val="50000"/>
+            </a:schemeClr>
+          </a:lnRef>
+          <a:fillRef idx="1">
+            <a:schemeClr val="accent1"/>
+          </a:fillRef>
+          <a:effectRef idx="0">
+            <a:schemeClr val="accent1"/>
+          </a:effectRef>
+          <a:fontRef idx="minor">
+            <a:schemeClr val="lt1"/>
+          </a:fontRef>
+        </p:style>
+        <p:txBody>
+          <a:bodyPr rtlCol="0" anchor="ctr"/>
+          <a:lstStyle/>
+          <a:p>
+            <a:pPr algn="ctr"/>
+            <a:r>
+              <a:rPr lang="en-US" dirty="0">
+                <a:latin typeface="Roboto Condensed Light" panose="02000000000000000000" pitchFamily="2" charset="0"/>
+                <a:ea typeface="Roboto Condensed Light" panose="02000000000000000000" pitchFamily="2" charset="0"/>
+              </a:rPr>
+              <a:t>Economy</a:t>
+            </a:r>
+          </a:p>
+        </p:txBody>
+      </p:sp>
+      <p:sp>
+        <p:nvSpPr>
+          <p:cNvPr id="22" name="Rectangle 21"/>
+          <p:cNvSpPr/>
+          <p:nvPr/>
+        </p:nvSpPr>
+        <p:spPr>
+          <a:xfrm>
+            <a:off x="209550" y="2724672"/>
+            <a:ext cx="2019300" cy="508000"/>
+          </a:xfrm>
+          <a:prstGeom prst="rect">
+            <a:avLst/>
+          </a:prstGeom>
+          <a:solidFill>
+            <a:schemeClr val="bg2">
+              <a:lumMod val="50000"/>
+            </a:schemeClr>
+          </a:solidFill>
+          <a:ln>
+            <a:noFill/>
+          </a:ln>
+        </p:spPr>
+        <p:style>
+          <a:lnRef idx="2">
+            <a:schemeClr val="accent1">
+              <a:shade val="50000"/>
+            </a:schemeClr>
+          </a:lnRef>
+          <a:fillRef idx="1">
+            <a:schemeClr val="accent1"/>
+          </a:fillRef>
+          <a:effectRef idx="0">
+            <a:schemeClr val="accent1"/>
+          </a:effectRef>
+          <a:fontRef idx="minor">
+            <a:schemeClr val="lt1"/>
+          </a:fontRef>
+        </p:style>
+        <p:txBody>
+          <a:bodyPr rtlCol="0" anchor="ctr"/>
+          <a:lstStyle/>
+          <a:p>
+            <a:pPr algn="ctr"/>
+            <a:r>
+              <a:rPr lang="en-US" dirty="0">
+                <a:latin typeface="Roboto Condensed Light" panose="02000000000000000000" pitchFamily="2" charset="0"/>
+                <a:ea typeface="Roboto Condensed Light" panose="02000000000000000000" pitchFamily="2" charset="0"/>
+              </a:rPr>
+              <a:t>Environment</a:t>
+            </a:r>
+          </a:p>
+        </p:txBody>
+      </p:sp>
+      <p:sp>
+        <p:nvSpPr>
+          <p:cNvPr id="23" name="Rectangle 22"/>
+          <p:cNvSpPr/>
+          <p:nvPr/>
+        </p:nvSpPr>
+        <p:spPr>
+          <a:xfrm>
+            <a:off x="209550" y="3321310"/>
+            <a:ext cx="2019300" cy="508000"/>
+          </a:xfrm>
+          <a:prstGeom prst="rect">
+            <a:avLst/>
+          </a:prstGeom>
+          <a:solidFill>
+            <a:schemeClr val="bg2">
+              <a:lumMod val="50000"/>
+            </a:schemeClr>
+          </a:solidFill>
+          <a:ln>
+            <a:noFill/>
+          </a:ln>
+        </p:spPr>
+        <p:style>
+          <a:lnRef idx="2">
+            <a:schemeClr val="accent1">
+              <a:shade val="50000"/>
+            </a:schemeClr>
+          </a:lnRef>
+          <a:fillRef idx="1">
+            <a:schemeClr val="accent1"/>
+          </a:fillRef>
+          <a:effectRef idx="0">
+            <a:schemeClr val="accent1"/>
+          </a:effectRef>
+          <a:fontRef idx="minor">
+            <a:schemeClr val="lt1"/>
+          </a:fontRef>
+        </p:style>
+        <p:txBody>
+          <a:bodyPr rtlCol="0" anchor="ctr"/>
+          <a:lstStyle/>
+          <a:p>
+            <a:pPr algn="ctr"/>
+            <a:r>
+              <a:rPr lang="en-US" dirty="0">
+                <a:latin typeface="Roboto Condensed Light" panose="02000000000000000000" pitchFamily="2" charset="0"/>
+                <a:ea typeface="Roboto Condensed Light" panose="02000000000000000000" pitchFamily="2" charset="0"/>
+              </a:rPr>
+              <a:t>Meet the Team</a:t>
+            </a:r>
+          </a:p>
+        </p:txBody>
+      </p:sp>
+      <p:pic>
+        <p:nvPicPr>
+          <p:cNvPr id="2" name="Picture 1"/>
+          <p:cNvPicPr>
+            <a:picLocks noChangeAspect="1"/>
+          </p:cNvPicPr>
+          <p:nvPr/>
+        </p:nvPicPr>
+        <p:blipFill>
+          <a:blip r:embed="rId2"/>
+          <a:stretch>
+            <a:fillRect/>
+          </a:stretch>
+        </p:blipFill>
+        <p:spPr>
+          <a:xfrm>
+            <a:off x="4921051" y="1457584"/>
+            <a:ext cx="3645099" cy="4127003"/>
+          </a:xfrm>
+          <a:prstGeom prst="rect">
+            <a:avLst/>
+          </a:prstGeom>
+        </p:spPr>
+      </p:pic>
+      <p:sp>
+        <p:nvSpPr>
+          <p:cNvPr id="24" name="Rectangle 23"/>
+          <p:cNvSpPr/>
+          <p:nvPr/>
+        </p:nvSpPr>
+        <p:spPr>
+          <a:xfrm>
+            <a:off x="2641600" y="1557223"/>
+            <a:ext cx="2019300" cy="508000"/>
+          </a:xfrm>
+          <a:prstGeom prst="rect">
+            <a:avLst/>
+          </a:prstGeom>
+          <a:solidFill>
+            <a:schemeClr val="bg2">
+              <a:lumMod val="50000"/>
+            </a:schemeClr>
+          </a:solidFill>
+          <a:ln>
+            <a:noFill/>
+          </a:ln>
+        </p:spPr>
+        <p:style>
+          <a:lnRef idx="2">
+            <a:schemeClr val="accent1">
+              <a:shade val="50000"/>
+            </a:schemeClr>
+          </a:lnRef>
+          <a:fillRef idx="1">
+            <a:schemeClr val="accent1"/>
+          </a:fillRef>
+          <a:effectRef idx="0">
+            <a:schemeClr val="accent1"/>
+          </a:effectRef>
+          <a:fontRef idx="minor">
+            <a:schemeClr val="lt1"/>
+          </a:fontRef>
+        </p:style>
+        <p:txBody>
+          <a:bodyPr rtlCol="0" anchor="ctr"/>
+          <a:lstStyle/>
+          <a:p>
+            <a:pPr algn="ctr"/>
+            <a:r>
+              <a:rPr lang="en-US" dirty="0">
+                <a:latin typeface="Roboto Condensed Light" panose="02000000000000000000" pitchFamily="2" charset="0"/>
+                <a:ea typeface="Roboto Condensed Light" panose="02000000000000000000" pitchFamily="2" charset="0"/>
+              </a:rPr>
+              <a:t>Select Country</a:t>
+            </a:r>
+          </a:p>
+        </p:txBody>
+      </p:sp>
+      <p:sp>
+        <p:nvSpPr>
+          <p:cNvPr id="3" name="TextBox 2"/>
+          <p:cNvSpPr txBox="1"/>
+          <p:nvPr/>
+        </p:nvSpPr>
+        <p:spPr>
+          <a:xfrm>
+            <a:off x="2641600" y="2260600"/>
+            <a:ext cx="2019300" cy="3754874"/>
+          </a:xfrm>
+          <a:prstGeom prst="rect">
+            <a:avLst/>
+          </a:prstGeom>
+          <a:noFill/>
+        </p:spPr>
+        <p:txBody>
+          <a:bodyPr wrap="square" rtlCol="0">
+            <a:spAutoFit/>
+          </a:bodyPr>
+          <a:lstStyle/>
+          <a:p>
+            <a:r>
+              <a:rPr lang="en-US" sz="1400" dirty="0">
+                <a:latin typeface="Roboto Condensed Light" panose="02000000000000000000" pitchFamily="2" charset="0"/>
+                <a:ea typeface="Roboto Condensed Light" panose="02000000000000000000" pitchFamily="2" charset="0"/>
+              </a:rPr>
+              <a:t>The yellow lines indicate the onset of lockdown in Italy and the bars show the actual number of covid-19 growth cases in the country at the time the mobility data was captured. The slightly increasing activity at the parks indicate that lives are slowly going back to normal for Italians by May 2020 compared to its low during March and April.</a:t>
+            </a:r>
+          </a:p>
+        </p:txBody>
+      </p:sp>
+      <p:sp>
+        <p:nvSpPr>
+          <p:cNvPr id="8" name="TextBox 7"/>
+          <p:cNvSpPr txBox="1"/>
+          <p:nvPr/>
+        </p:nvSpPr>
+        <p:spPr>
+          <a:xfrm>
+            <a:off x="2641600" y="952500"/>
+            <a:ext cx="3975100" cy="461665"/>
+          </a:xfrm>
+          <a:prstGeom prst="rect">
+            <a:avLst/>
+          </a:prstGeom>
+          <a:noFill/>
+        </p:spPr>
+        <p:txBody>
+          <a:bodyPr wrap="square" rtlCol="0">
+            <a:spAutoFit/>
+          </a:bodyPr>
+          <a:lstStyle/>
+          <a:p>
+            <a:r>
+              <a:rPr lang="en-US" sz="2400" b="1" dirty="0">
+                <a:latin typeface="Roboto Condensed Light" panose="02000000000000000000" pitchFamily="2" charset="0"/>
+                <a:ea typeface="Roboto Condensed Light" panose="02000000000000000000" pitchFamily="2" charset="0"/>
+              </a:rPr>
+              <a:t>COVID Situation</a:t>
+            </a:r>
+          </a:p>
+        </p:txBody>
+      </p:sp>
+      <p:pic>
+        <p:nvPicPr>
+          <p:cNvPr id="1026" name="Picture 2" descr="http://localhost:8000/gqueers_space_apps/staging/images/logo.png"/>
+          <p:cNvPicPr>
+            <a:picLocks noChangeAspect="1" noChangeArrowheads="1"/>
+          </p:cNvPicPr>
+          <p:nvPr/>
+        </p:nvPicPr>
+        <p:blipFill>
+          <a:blip r:embed="rId3" cstate="print">
+            <a:extLst>
+              <a:ext uri="{28A0092B-C50C-407E-A947-70E740481C1C}">
+                <a14:useLocalDpi xmlns:a14="http://schemas.microsoft.com/office/drawing/2010/main" val="0"/>
+              </a:ext>
+            </a:extLst>
+          </a:blip>
+          <a:srcRect/>
+          <a:stretch>
+            <a:fillRect/>
+          </a:stretch>
+        </p:blipFill>
+        <p:spPr bwMode="auto">
+          <a:xfrm>
+            <a:off x="203200" y="167733"/>
+            <a:ext cx="1651000" cy="350334"/>
+          </a:xfrm>
+          <a:prstGeom prst="rect">
+            <a:avLst/>
+          </a:prstGeom>
+          <a:noFill/>
+          <a:extLst>
+            <a:ext uri="{909E8E84-426E-40DD-AFC4-6F175D3DCCD1}">
+              <a14:hiddenFill xmlns:a14="http://schemas.microsoft.com/office/drawing/2010/main">
+                <a:solidFill>
+                  <a:srgbClr val="FFFFFF"/>
+                </a:solidFill>
+              </a14:hiddenFill>
+            </a:ext>
+          </a:extLst>
+        </p:spPr>
+      </p:pic>
+      <p:sp>
+        <p:nvSpPr>
+          <p:cNvPr id="15" name="Rectangle 14"/>
+          <p:cNvSpPr/>
+          <p:nvPr/>
+        </p:nvSpPr>
+        <p:spPr>
+          <a:xfrm>
+            <a:off x="8775700" y="1557223"/>
+            <a:ext cx="3149600" cy="1096553"/>
+          </a:xfrm>
+          <a:prstGeom prst="rect">
+            <a:avLst/>
+          </a:prstGeom>
+        </p:spPr>
+        <p:style>
+          <a:lnRef idx="2">
+            <a:schemeClr val="accent1">
+              <a:shade val="50000"/>
+            </a:schemeClr>
+          </a:lnRef>
+          <a:fillRef idx="1">
+            <a:schemeClr val="accent1"/>
+          </a:fillRef>
+          <a:effectRef idx="0">
+            <a:schemeClr val="accent1"/>
+          </a:effectRef>
+          <a:fontRef idx="minor">
+            <a:schemeClr val="lt1"/>
+          </a:fontRef>
+        </p:style>
+        <p:txBody>
+          <a:bodyPr rtlCol="0" anchor="ctr"/>
+          <a:lstStyle/>
+          <a:p>
+            <a:r>
+              <a:rPr lang="en-US" sz="1100" b="1" dirty="0"/>
+              <a:t>Residential Mobility Plateau</a:t>
+            </a:r>
+            <a:br>
+              <a:rPr lang="en-US" sz="1100" b="1" dirty="0"/>
+            </a:br>
+            <a:r>
+              <a:rPr lang="en-US" sz="1100" dirty="0"/>
+              <a:t>The yellow line indicates that the lockdown protocol has reached its plateau and cases have gone down after it. </a:t>
+            </a:r>
+          </a:p>
+        </p:txBody>
+      </p:sp>
+      <p:sp>
+        <p:nvSpPr>
+          <p:cNvPr id="16" name="Rectangle 15"/>
+          <p:cNvSpPr/>
+          <p:nvPr/>
+        </p:nvSpPr>
+        <p:spPr>
+          <a:xfrm>
+            <a:off x="8775700" y="2972808"/>
+            <a:ext cx="3149600" cy="1096553"/>
+          </a:xfrm>
+          <a:prstGeom prst="rect">
+            <a:avLst/>
+          </a:prstGeom>
+        </p:spPr>
+        <p:style>
+          <a:lnRef idx="2">
+            <a:schemeClr val="accent1">
+              <a:shade val="50000"/>
+            </a:schemeClr>
+          </a:lnRef>
+          <a:fillRef idx="1">
+            <a:schemeClr val="accent1"/>
+          </a:fillRef>
+          <a:effectRef idx="0">
+            <a:schemeClr val="accent1"/>
+          </a:effectRef>
+          <a:fontRef idx="minor">
+            <a:schemeClr val="lt1"/>
+          </a:fontRef>
+        </p:style>
+        <p:txBody>
+          <a:bodyPr rtlCol="0" anchor="ctr"/>
+          <a:lstStyle/>
+          <a:p>
+            <a:r>
+              <a:rPr lang="en-US" sz="1100" b="1" dirty="0"/>
+              <a:t>Covid-19 Cases Stabilizing</a:t>
+            </a:r>
+            <a:br>
+              <a:rPr lang="en-US" sz="1100" b="1" dirty="0"/>
+            </a:br>
+            <a:r>
+              <a:rPr lang="en-US" sz="1100" dirty="0"/>
+              <a:t>The pandemic has eased a bit on its attack on Italy and the growth rate has decreased compared to the earlier months of March and April. </a:t>
+            </a:r>
+          </a:p>
+        </p:txBody>
+      </p:sp>
+      <p:sp>
+        <p:nvSpPr>
+          <p:cNvPr id="17" name="Rectangle 16"/>
+          <p:cNvSpPr/>
+          <p:nvPr/>
+        </p:nvSpPr>
+        <p:spPr>
+          <a:xfrm>
+            <a:off x="8775700" y="4388393"/>
+            <a:ext cx="3149600" cy="1096553"/>
+          </a:xfrm>
+          <a:prstGeom prst="rect">
+            <a:avLst/>
+          </a:prstGeom>
+        </p:spPr>
+        <p:style>
+          <a:lnRef idx="2">
+            <a:schemeClr val="accent1">
+              <a:shade val="50000"/>
+            </a:schemeClr>
+          </a:lnRef>
+          <a:fillRef idx="1">
+            <a:schemeClr val="accent1"/>
+          </a:fillRef>
+          <a:effectRef idx="0">
+            <a:schemeClr val="accent1"/>
+          </a:effectRef>
+          <a:fontRef idx="minor">
+            <a:schemeClr val="lt1"/>
+          </a:fontRef>
+        </p:style>
+        <p:txBody>
+          <a:bodyPr rtlCol="0" anchor="ctr"/>
+          <a:lstStyle/>
+          <a:p>
+            <a:r>
+              <a:rPr lang="en-US" sz="1100" b="1" dirty="0"/>
+              <a:t>Grocery Activity Remains Lowered</a:t>
+            </a:r>
+            <a:br>
+              <a:rPr lang="en-US" sz="1100" b="1" dirty="0"/>
+            </a:br>
+            <a:r>
+              <a:rPr lang="en-US" sz="1100" dirty="0"/>
+              <a:t>Groceries and pharmacies remain at a lower range compared to baseline data from before Covid-19. </a:t>
+            </a:r>
+          </a:p>
+        </p:txBody>
+      </p:sp>
+      <p:sp>
+        <p:nvSpPr>
+          <p:cNvPr id="18" name="Rectangle 17">
+            <a:extLst>
+              <a:ext uri="{FF2B5EF4-FFF2-40B4-BE49-F238E27FC236}">
+                <a16:creationId xmlns:a16="http://schemas.microsoft.com/office/drawing/2014/main" id="{76AD969D-08EC-41B9-AF3C-56B81FF94D3E}"/>
+              </a:ext>
+            </a:extLst>
+          </p:cNvPr>
+          <p:cNvSpPr/>
+          <p:nvPr/>
+        </p:nvSpPr>
+        <p:spPr>
+          <a:xfrm>
+            <a:off x="0" y="674793"/>
+            <a:ext cx="4921051" cy="6172200"/>
+          </a:xfrm>
+          <a:prstGeom prst="rect">
+            <a:avLst/>
+          </a:prstGeom>
+          <a:solidFill>
+            <a:schemeClr val="bg2">
+              <a:lumMod val="10000"/>
+              <a:alpha val="84000"/>
+            </a:schemeClr>
+          </a:solidFill>
+        </p:spPr>
+        <p:style>
+          <a:lnRef idx="2">
+            <a:schemeClr val="accent1">
+              <a:shade val="50000"/>
+            </a:schemeClr>
+          </a:lnRef>
+          <a:fillRef idx="1">
+            <a:schemeClr val="accent1"/>
+          </a:fillRef>
+          <a:effectRef idx="0">
+            <a:schemeClr val="accent1"/>
+          </a:effectRef>
+          <a:fontRef idx="minor">
+            <a:schemeClr val="lt1"/>
+          </a:fontRef>
+        </p:style>
+        <p:txBody>
+          <a:bodyPr rtlCol="0" anchor="t"/>
+          <a:lstStyle/>
+          <a:p>
+            <a:endParaRPr lang="en-US" sz="2400" dirty="0"/>
+          </a:p>
+          <a:p>
+            <a:r>
+              <a:rPr lang="en-US" sz="2400" dirty="0"/>
+              <a:t>GIDEON also provides a snapshot of a country situation on the mobility of its inhabitants in relation to the infection growth rates.</a:t>
+            </a:r>
+            <a:br>
+              <a:rPr lang="en-US" sz="2400" dirty="0"/>
+            </a:br>
+            <a:br>
+              <a:rPr lang="en-US" sz="2400" dirty="0"/>
+            </a:br>
+            <a:r>
+              <a:rPr lang="en-US" sz="2400" dirty="0"/>
+              <a:t>Google Mobility data shows Singapore with the highest lockdown index and therefore lowest mobility. Meanwhile, Sweden, which did not impose a lockdown, has the highest mobility.</a:t>
+            </a:r>
+          </a:p>
+          <a:p>
+            <a:endParaRPr lang="en-US" sz="2400" dirty="0"/>
+          </a:p>
+          <a:p>
+            <a:endParaRPr lang="en-US" sz="2400" dirty="0"/>
+          </a:p>
+        </p:txBody>
+      </p:sp>
+      <p:sp>
+        <p:nvSpPr>
+          <p:cNvPr id="25" name="Rectangle 24">
+            <a:extLst>
+              <a:ext uri="{FF2B5EF4-FFF2-40B4-BE49-F238E27FC236}">
+                <a16:creationId xmlns:a16="http://schemas.microsoft.com/office/drawing/2014/main" id="{D1E7500F-CDA1-4802-B7E0-BEFF57B88575}"/>
+              </a:ext>
+            </a:extLst>
+          </p:cNvPr>
+          <p:cNvSpPr/>
+          <p:nvPr/>
+        </p:nvSpPr>
+        <p:spPr>
+          <a:xfrm>
+            <a:off x="0" y="683932"/>
+            <a:ext cx="4921051" cy="6172200"/>
+          </a:xfrm>
+          <a:prstGeom prst="rect">
+            <a:avLst/>
+          </a:prstGeom>
+          <a:solidFill>
+            <a:schemeClr val="bg2">
+              <a:lumMod val="10000"/>
+            </a:schemeClr>
+          </a:solidFill>
+        </p:spPr>
+        <p:style>
+          <a:lnRef idx="2">
+            <a:schemeClr val="accent1">
+              <a:shade val="50000"/>
+            </a:schemeClr>
+          </a:lnRef>
+          <a:fillRef idx="1">
+            <a:schemeClr val="accent1"/>
+          </a:fillRef>
+          <a:effectRef idx="0">
+            <a:schemeClr val="accent1"/>
+          </a:effectRef>
+          <a:fontRef idx="minor">
+            <a:schemeClr val="lt1"/>
+          </a:fontRef>
+        </p:style>
+        <p:txBody>
+          <a:bodyPr rtlCol="0" anchor="t"/>
+          <a:lstStyle/>
+          <a:p>
+            <a:endParaRPr lang="en-US" sz="2400" dirty="0"/>
+          </a:p>
+          <a:p>
+            <a:r>
+              <a:rPr lang="en-US" sz="2400" dirty="0"/>
+              <a:t>GIDEON also crawls COVID pandemic news on each country with a set of headlines and URL links listed on the dashboard.</a:t>
+            </a:r>
+          </a:p>
+          <a:p>
+            <a:endParaRPr lang="en-US" sz="2400" dirty="0"/>
+          </a:p>
+          <a:p>
+            <a:endParaRPr lang="en-US" sz="2400" dirty="0"/>
+          </a:p>
+          <a:p>
+            <a:endParaRPr lang="en-US" sz="2400" dirty="0"/>
+          </a:p>
+          <a:p>
+            <a:endParaRPr lang="en-US" sz="2400" dirty="0"/>
+          </a:p>
+        </p:txBody>
+      </p:sp>
+    </p:spTree>
+    <p:extLst>
+      <p:ext uri="{BB962C8B-B14F-4D97-AF65-F5344CB8AC3E}">
+        <p14:creationId xmlns:p14="http://schemas.microsoft.com/office/powerpoint/2010/main" val="598440096"/>
+      </p:ext>
+    </p:extLst>
+  </p:cSld>
+  <p:clrMapOvr>
+    <a:masterClrMapping/>
+  </p:clrMapOvr>
+  <p:timing>
+    <p:tnLst>
+      <p:par>
+        <p:cTn id="1" dur="indefinite" restart="never" nodeType="tmRoot">
+          <p:childTnLst>
+            <p:seq concurrent="1" nextAc="seek">
+              <p:cTn id="2" dur="indefinite" nodeType="mainSeq">
+                <p:childTnLst>
+                  <p:par>
+                    <p:cTn id="3" fill="hold">
+                      <p:stCondLst>
+                        <p:cond delay="indefinite"/>
+                      </p:stCondLst>
+                      <p:childTnLst>
+                        <p:par>
+                          <p:cTn id="4" fill="hold">
+                            <p:stCondLst>
+                              <p:cond delay="0"/>
+                            </p:stCondLst>
+                            <p:childTnLst>
+                              <p:par>
+                                <p:cTn id="5" presetID="10" presetClass="entr" presetSubtype="0" fill="hold" grpId="0" nodeType="clickEffect">
+                                  <p:stCondLst>
+                                    <p:cond delay="0"/>
+                                  </p:stCondLst>
+                                  <p:childTnLst>
+                                    <p:set>
+                                      <p:cBhvr>
+                                        <p:cTn id="6" dur="1" fill="hold">
+                                          <p:stCondLst>
+                                            <p:cond delay="0"/>
+                                          </p:stCondLst>
+                                        </p:cTn>
+                                        <p:tgtEl>
+                                          <p:spTgt spid="18"/>
+                                        </p:tgtEl>
+                                        <p:attrNameLst>
+                                          <p:attrName>style.visibility</p:attrName>
+                                        </p:attrNameLst>
+                                      </p:cBhvr>
+                                      <p:to>
+                                        <p:strVal val="visible"/>
+                                      </p:to>
+                                    </p:set>
+                                    <p:animEffect transition="in" filter="fade">
+                                      <p:cBhvr>
+                                        <p:cTn id="7" dur="500"/>
+                                        <p:tgtEl>
+                                          <p:spTgt spid="18"/>
+                                        </p:tgtEl>
+                                      </p:cBhvr>
+                                    </p:animEffect>
+                                  </p:childTnLst>
+                                </p:cTn>
+                              </p:par>
+                            </p:childTnLst>
+                          </p:cTn>
+                        </p:par>
+                      </p:childTnLst>
+                    </p:cTn>
+                  </p:par>
+                  <p:par>
+                    <p:cTn id="8" fill="hold">
+                      <p:stCondLst>
+                        <p:cond delay="indefinite"/>
+                      </p:stCondLst>
+                      <p:childTnLst>
+                        <p:par>
+                          <p:cTn id="9" fill="hold">
+                            <p:stCondLst>
+                              <p:cond delay="0"/>
+                            </p:stCondLst>
+                            <p:childTnLst>
+                              <p:par>
+                                <p:cTn id="10" presetID="10" presetClass="entr" presetSubtype="0" fill="hold" grpId="0" nodeType="clickEffect">
+                                  <p:stCondLst>
+                                    <p:cond delay="0"/>
+                                  </p:stCondLst>
+                                  <p:childTnLst>
+                                    <p:set>
+                                      <p:cBhvr>
+                                        <p:cTn id="11" dur="1" fill="hold">
+                                          <p:stCondLst>
+                                            <p:cond delay="0"/>
+                                          </p:stCondLst>
+                                        </p:cTn>
+                                        <p:tgtEl>
+                                          <p:spTgt spid="25"/>
+                                        </p:tgtEl>
+                                        <p:attrNameLst>
+                                          <p:attrName>style.visibility</p:attrName>
+                                        </p:attrNameLst>
+                                      </p:cBhvr>
+                                      <p:to>
+                                        <p:strVal val="visible"/>
+                                      </p:to>
+                                    </p:set>
+                                    <p:animEffect transition="in" filter="fade">
+                                      <p:cBhvr>
+                                        <p:cTn id="12" dur="500"/>
+                                        <p:tgtEl>
+                                          <p:spTgt spid="25"/>
+                                        </p:tgtEl>
+                                      </p:cBhvr>
+                                    </p:animEffect>
+                                  </p:childTnLst>
+                                </p:cTn>
+                              </p:par>
+                            </p:childTnLst>
+                          </p:cTn>
+                        </p:par>
+                      </p:childTnLst>
+                    </p:cTn>
+                  </p:par>
+                </p:childTnLst>
+              </p:cTn>
+              <p:prevCondLst>
+                <p:cond evt="onPrev" delay="0">
+                  <p:tgtEl>
+                    <p:sldTgt/>
+                  </p:tgtEl>
+                </p:cond>
+              </p:prevCondLst>
+              <p:nextCondLst>
+                <p:cond evt="onNext" delay="0">
+                  <p:tgtEl>
+                    <p:sldTgt/>
+                  </p:tgtEl>
+                </p:cond>
+              </p:nextCondLst>
+            </p:seq>
+          </p:childTnLst>
+        </p:cTn>
+      </p:par>
+    </p:tnLst>
+    <p:bldLst>
+      <p:bldP spid="18" grpId="0" animBg="1"/>
+      <p:bldP spid="25" grpId="0" animBg="1"/>
+    </p:bldLst>
+  </p:timing>
+</p:sld>
+</file>
+
+<file path=ppt/slides/slide3.xml><?xml version="1.0" encoding="utf-8"?>
+<p:sld xmlns:a="http://schemas.openxmlformats.org/drawingml/2006/main" xmlns:r="http://schemas.openxmlformats.org/officeDocument/2006/relationships" xmlns:p="http://schemas.openxmlformats.org/presentationml/2006/main">
+  <p:cSld>
+    <p:spTree>
+      <p:nvGrpSpPr>
+        <p:cNvPr id="1" name=""/>
+        <p:cNvGrpSpPr/>
+        <p:nvPr/>
+      </p:nvGrpSpPr>
+      <p:grpSpPr>
+        <a:xfrm>
+          <a:off x="0" y="0"/>
+          <a:ext cx="0" cy="0"/>
+          <a:chOff x="0" y="0"/>
+          <a:chExt cx="0" cy="0"/>
+        </a:xfrm>
+      </p:grpSpPr>
+      <p:sp>
+        <p:nvSpPr>
+          <p:cNvPr id="5" name="Rectangle 4"/>
+          <p:cNvSpPr/>
+          <p:nvPr/>
+        </p:nvSpPr>
+        <p:spPr>
+          <a:xfrm>
+            <a:off x="0" y="685800"/>
+            <a:ext cx="2438400" cy="6172200"/>
+          </a:xfrm>
+          <a:prstGeom prst="rect">
+            <a:avLst/>
+          </a:prstGeom>
+          <a:solidFill>
+            <a:schemeClr val="bg2">
+              <a:lumMod val="75000"/>
+            </a:schemeClr>
+          </a:solidFill>
+        </p:spPr>
+        <p:style>
+          <a:lnRef idx="2">
+            <a:schemeClr val="accent1">
+              <a:shade val="50000"/>
+            </a:schemeClr>
+          </a:lnRef>
+          <a:fillRef idx="1">
+            <a:schemeClr val="accent1"/>
+          </a:fillRef>
+          <a:effectRef idx="0">
+            <a:schemeClr val="accent1"/>
+          </a:effectRef>
+          <a:fontRef idx="minor">
+            <a:schemeClr val="lt1"/>
+          </a:fontRef>
+        </p:style>
+        <p:txBody>
+          <a:bodyPr rtlCol="0" anchor="ctr"/>
+          <a:lstStyle/>
+          <a:p>
+            <a:pPr algn="ctr"/>
+            <a:endParaRPr lang="en-US"/>
+          </a:p>
+        </p:txBody>
+      </p:sp>
+      <p:sp>
+        <p:nvSpPr>
+          <p:cNvPr id="6" name="Rectangle 5"/>
+          <p:cNvSpPr/>
+          <p:nvPr/>
+        </p:nvSpPr>
+        <p:spPr>
+          <a:xfrm>
+            <a:off x="2438400" y="6388100"/>
+            <a:ext cx="9753600" cy="469900"/>
+          </a:xfrm>
+          <a:prstGeom prst="rect">
+            <a:avLst/>
+          </a:prstGeom>
+          <a:solidFill>
+            <a:schemeClr val="tx1"/>
+          </a:solidFill>
+        </p:spPr>
+        <p:style>
+          <a:lnRef idx="2">
+            <a:schemeClr val="accent1">
+              <a:shade val="50000"/>
+            </a:schemeClr>
+          </a:lnRef>
+          <a:fillRef idx="1">
+            <a:schemeClr val="accent1"/>
+          </a:fillRef>
+          <a:effectRef idx="0">
+            <a:schemeClr val="accent1"/>
+          </a:effectRef>
+          <a:fontRef idx="minor">
+            <a:schemeClr val="lt1"/>
+          </a:fontRef>
+        </p:style>
+        <p:txBody>
+          <a:bodyPr rtlCol="0" anchor="ctr"/>
+          <a:lstStyle/>
+          <a:p>
+            <a:r>
+              <a:rPr lang="en-US" sz="2400" dirty="0"/>
+              <a:t>Team GIDEON – Visit us at </a:t>
+            </a:r>
+            <a:r>
+              <a:rPr lang="en-US" sz="2400" dirty="0" err="1"/>
+              <a:t>projectgideon.co</a:t>
+            </a:r>
+            <a:endParaRPr lang="en-US" sz="2400" dirty="0"/>
+          </a:p>
+        </p:txBody>
+      </p:sp>
+      <p:sp>
+        <p:nvSpPr>
+          <p:cNvPr id="19" name="Rectangle 18"/>
+          <p:cNvSpPr/>
+          <p:nvPr/>
+        </p:nvSpPr>
+        <p:spPr>
+          <a:xfrm>
+            <a:off x="203200" y="952500"/>
+            <a:ext cx="2019300" cy="508000"/>
+          </a:xfrm>
+          <a:prstGeom prst="rect">
+            <a:avLst/>
+          </a:prstGeom>
+          <a:solidFill>
+            <a:schemeClr val="bg2">
+              <a:lumMod val="50000"/>
+            </a:schemeClr>
+          </a:solidFill>
+          <a:ln>
+            <a:noFill/>
+          </a:ln>
+        </p:spPr>
+        <p:style>
+          <a:lnRef idx="2">
+            <a:schemeClr val="accent1">
+              <a:shade val="50000"/>
+            </a:schemeClr>
+          </a:lnRef>
+          <a:fillRef idx="1">
+            <a:schemeClr val="accent1"/>
+          </a:fillRef>
+          <a:effectRef idx="0">
+            <a:schemeClr val="accent1"/>
+          </a:effectRef>
+          <a:fontRef idx="minor">
+            <a:schemeClr val="lt1"/>
+          </a:fontRef>
+        </p:style>
+        <p:txBody>
+          <a:bodyPr rtlCol="0" anchor="ctr"/>
+          <a:lstStyle/>
+          <a:p>
+            <a:pPr algn="ctr"/>
+            <a:r>
+              <a:rPr lang="en-US" dirty="0"/>
+              <a:t>Snapshot</a:t>
+            </a:r>
+          </a:p>
+        </p:txBody>
+      </p:sp>
+      <p:sp>
+        <p:nvSpPr>
+          <p:cNvPr id="21" name="Rectangle 20"/>
+          <p:cNvSpPr/>
+          <p:nvPr/>
+        </p:nvSpPr>
+        <p:spPr>
+          <a:xfrm>
+            <a:off x="203200" y="2145776"/>
+            <a:ext cx="2019300" cy="508000"/>
+          </a:xfrm>
+          <a:prstGeom prst="rect">
+            <a:avLst/>
+          </a:prstGeom>
+          <a:solidFill>
+            <a:schemeClr val="bg2">
+              <a:lumMod val="50000"/>
+            </a:schemeClr>
+          </a:solidFill>
+          <a:ln>
+            <a:noFill/>
+          </a:ln>
+        </p:spPr>
+        <p:style>
+          <a:lnRef idx="2">
+            <a:schemeClr val="accent1">
+              <a:shade val="50000"/>
+            </a:schemeClr>
+          </a:lnRef>
+          <a:fillRef idx="1">
+            <a:schemeClr val="accent1"/>
+          </a:fillRef>
+          <a:effectRef idx="0">
+            <a:schemeClr val="accent1"/>
+          </a:effectRef>
+          <a:fontRef idx="minor">
+            <a:schemeClr val="lt1"/>
+          </a:fontRef>
+        </p:style>
+        <p:txBody>
+          <a:bodyPr rtlCol="0" anchor="ctr"/>
+          <a:lstStyle/>
+          <a:p>
+            <a:pPr algn="ctr"/>
+            <a:r>
+              <a:rPr lang="en-US" dirty="0"/>
+              <a:t>Economy</a:t>
+            </a:r>
+          </a:p>
+        </p:txBody>
+      </p:sp>
+      <p:sp>
+        <p:nvSpPr>
+          <p:cNvPr id="22" name="Rectangle 21"/>
+          <p:cNvSpPr/>
+          <p:nvPr/>
+        </p:nvSpPr>
+        <p:spPr>
+          <a:xfrm>
+            <a:off x="209550" y="2724672"/>
+            <a:ext cx="2019300" cy="508000"/>
+          </a:xfrm>
+          <a:prstGeom prst="rect">
+            <a:avLst/>
+          </a:prstGeom>
+          <a:solidFill>
+            <a:schemeClr val="bg2">
+              <a:lumMod val="50000"/>
+            </a:schemeClr>
+          </a:solidFill>
+          <a:ln>
+            <a:noFill/>
+          </a:ln>
+        </p:spPr>
+        <p:style>
+          <a:lnRef idx="2">
+            <a:schemeClr val="accent1">
+              <a:shade val="50000"/>
+            </a:schemeClr>
+          </a:lnRef>
+          <a:fillRef idx="1">
+            <a:schemeClr val="accent1"/>
+          </a:fillRef>
+          <a:effectRef idx="0">
+            <a:schemeClr val="accent1"/>
+          </a:effectRef>
+          <a:fontRef idx="minor">
+            <a:schemeClr val="lt1"/>
+          </a:fontRef>
+        </p:style>
+        <p:txBody>
+          <a:bodyPr rtlCol="0" anchor="ctr"/>
+          <a:lstStyle/>
+          <a:p>
+            <a:pPr algn="ctr"/>
+            <a:r>
+              <a:rPr lang="en-US" dirty="0"/>
+              <a:t>Environment</a:t>
+            </a:r>
+          </a:p>
+        </p:txBody>
+      </p:sp>
+      <p:sp>
+        <p:nvSpPr>
+          <p:cNvPr id="23" name="Rectangle 22"/>
+          <p:cNvSpPr/>
+          <p:nvPr/>
+        </p:nvSpPr>
+        <p:spPr>
+          <a:xfrm>
+            <a:off x="209550" y="3321310"/>
+            <a:ext cx="2019300" cy="508000"/>
+          </a:xfrm>
+          <a:prstGeom prst="rect">
+            <a:avLst/>
+          </a:prstGeom>
+          <a:solidFill>
+            <a:schemeClr val="bg2">
+              <a:lumMod val="50000"/>
+            </a:schemeClr>
+          </a:solidFill>
+          <a:ln>
+            <a:noFill/>
+          </a:ln>
+        </p:spPr>
+        <p:style>
+          <a:lnRef idx="2">
+            <a:schemeClr val="accent1">
+              <a:shade val="50000"/>
+            </a:schemeClr>
+          </a:lnRef>
+          <a:fillRef idx="1">
+            <a:schemeClr val="accent1"/>
+          </a:fillRef>
+          <a:effectRef idx="0">
+            <a:schemeClr val="accent1"/>
+          </a:effectRef>
+          <a:fontRef idx="minor">
+            <a:schemeClr val="lt1"/>
+          </a:fontRef>
+        </p:style>
+        <p:txBody>
+          <a:bodyPr rtlCol="0" anchor="ctr"/>
+          <a:lstStyle/>
+          <a:p>
+            <a:pPr algn="ctr"/>
+            <a:r>
+              <a:rPr lang="en-US" dirty="0"/>
+              <a:t>Meet the Team</a:t>
+            </a:r>
+          </a:p>
+        </p:txBody>
+      </p:sp>
+      <p:sp>
+        <p:nvSpPr>
+          <p:cNvPr id="3" name="TextBox 2"/>
+          <p:cNvSpPr txBox="1"/>
+          <p:nvPr/>
+        </p:nvSpPr>
+        <p:spPr>
+          <a:xfrm>
+            <a:off x="2641599" y="1500358"/>
+            <a:ext cx="2532507" cy="1815882"/>
+          </a:xfrm>
+          <a:prstGeom prst="rect">
+            <a:avLst/>
+          </a:prstGeom>
+          <a:noFill/>
+        </p:spPr>
+        <p:txBody>
+          <a:bodyPr wrap="square" rtlCol="0">
+            <a:spAutoFit/>
+          </a:bodyPr>
+          <a:lstStyle/>
+          <a:p>
+            <a:r>
+              <a:rPr lang="en-US" sz="1400" dirty="0"/>
+              <a:t>The forecasted GDP is relatively close to the actual GDP growth of the country. An R^2 value of XX has been observed in the modeling of the data. </a:t>
+            </a:r>
+          </a:p>
+          <a:p>
+            <a:endParaRPr lang="en-US" sz="1400" dirty="0"/>
+          </a:p>
+          <a:p>
+            <a:r>
+              <a:rPr lang="en-US" sz="1400" dirty="0"/>
+              <a:t>A projected increase in GDP is expected.</a:t>
+            </a:r>
+          </a:p>
+        </p:txBody>
+      </p:sp>
+      <p:sp>
+        <p:nvSpPr>
+          <p:cNvPr id="14" name="TextBox 13"/>
+          <p:cNvSpPr txBox="1"/>
+          <p:nvPr/>
+        </p:nvSpPr>
+        <p:spPr>
+          <a:xfrm>
+            <a:off x="2641600" y="952500"/>
+            <a:ext cx="3975100" cy="461665"/>
+          </a:xfrm>
+          <a:prstGeom prst="rect">
+            <a:avLst/>
+          </a:prstGeom>
+          <a:noFill/>
+        </p:spPr>
+        <p:txBody>
+          <a:bodyPr wrap="square" rtlCol="0">
+            <a:spAutoFit/>
+          </a:bodyPr>
+          <a:lstStyle/>
+          <a:p>
+            <a:r>
+              <a:rPr lang="en-US" sz="2400" b="1" dirty="0"/>
+              <a:t>Economic Forecast</a:t>
+            </a:r>
+          </a:p>
+        </p:txBody>
+      </p:sp>
+      <p:sp>
+        <p:nvSpPr>
+          <p:cNvPr id="15" name="Rectangle 14"/>
+          <p:cNvSpPr/>
+          <p:nvPr/>
+        </p:nvSpPr>
+        <p:spPr>
+          <a:xfrm>
+            <a:off x="0" y="0"/>
+            <a:ext cx="12192000" cy="685800"/>
+          </a:xfrm>
+          <a:prstGeom prst="rect">
+            <a:avLst/>
+          </a:prstGeom>
+          <a:solidFill>
+            <a:schemeClr val="tx1"/>
+          </a:solidFill>
+        </p:spPr>
+        <p:style>
+          <a:lnRef idx="2">
+            <a:schemeClr val="accent1">
+              <a:shade val="50000"/>
+            </a:schemeClr>
+          </a:lnRef>
+          <a:fillRef idx="1">
+            <a:schemeClr val="accent1"/>
+          </a:fillRef>
+          <a:effectRef idx="0">
+            <a:schemeClr val="accent1"/>
+          </a:effectRef>
+          <a:fontRef idx="minor">
+            <a:schemeClr val="lt1"/>
+          </a:fontRef>
+        </p:style>
+        <p:txBody>
+          <a:bodyPr rtlCol="0" anchor="ctr"/>
+          <a:lstStyle/>
+          <a:p>
+            <a:r>
+              <a:rPr lang="en-US" sz="2400" dirty="0">
+                <a:latin typeface="Roboto Condensed Light" panose="02000000000000000000" pitchFamily="2" charset="0"/>
+                <a:ea typeface="Roboto Condensed Light" panose="02000000000000000000" pitchFamily="2" charset="0"/>
+              </a:rPr>
+              <a:t>		Global Impact Detection from Emitted Light, Onset of COVID, and NO2</a:t>
+            </a:r>
+          </a:p>
+        </p:txBody>
+      </p:sp>
+      <p:pic>
+        <p:nvPicPr>
+          <p:cNvPr id="16" name="Picture 2" descr="http://localhost:8000/gqueers_space_apps/staging/images/logo.png"/>
+          <p:cNvPicPr>
+            <a:picLocks noChangeAspect="1" noChangeArrowheads="1"/>
+          </p:cNvPicPr>
+          <p:nvPr/>
+        </p:nvPicPr>
+        <p:blipFill>
+          <a:blip r:embed="rId2" cstate="print">
+            <a:extLst>
+              <a:ext uri="{28A0092B-C50C-407E-A947-70E740481C1C}">
+                <a14:useLocalDpi xmlns:a14="http://schemas.microsoft.com/office/drawing/2010/main" val="0"/>
+              </a:ext>
+            </a:extLst>
+          </a:blip>
+          <a:srcRect/>
+          <a:stretch>
+            <a:fillRect/>
+          </a:stretch>
+        </p:blipFill>
+        <p:spPr bwMode="auto">
+          <a:xfrm>
+            <a:off x="203200" y="167733"/>
+            <a:ext cx="1651000" cy="350334"/>
+          </a:xfrm>
+          <a:prstGeom prst="rect">
+            <a:avLst/>
+          </a:prstGeom>
+          <a:noFill/>
+          <a:extLst>
+            <a:ext uri="{909E8E84-426E-40DD-AFC4-6F175D3DCCD1}">
+              <a14:hiddenFill xmlns:a14="http://schemas.microsoft.com/office/drawing/2010/main">
+                <a:solidFill>
+                  <a:srgbClr val="FFFFFF"/>
+                </a:solidFill>
+              </a14:hiddenFill>
+            </a:ext>
+          </a:extLst>
+        </p:spPr>
+      </p:pic>
+      <p:sp>
+        <p:nvSpPr>
+          <p:cNvPr id="27" name="Rectangle 26"/>
+          <p:cNvSpPr/>
+          <p:nvPr/>
+        </p:nvSpPr>
+        <p:spPr>
+          <a:xfrm>
+            <a:off x="203200" y="1549138"/>
+            <a:ext cx="2019300" cy="508000"/>
+          </a:xfrm>
+          <a:prstGeom prst="rect">
+            <a:avLst/>
+          </a:prstGeom>
+          <a:solidFill>
+            <a:schemeClr val="bg2">
+              <a:lumMod val="50000"/>
+            </a:schemeClr>
+          </a:solidFill>
+          <a:ln>
+            <a:noFill/>
+          </a:ln>
+        </p:spPr>
+        <p:style>
+          <a:lnRef idx="2">
+            <a:schemeClr val="accent1">
+              <a:shade val="50000"/>
+            </a:schemeClr>
+          </a:lnRef>
+          <a:fillRef idx="1">
+            <a:schemeClr val="accent1"/>
+          </a:fillRef>
+          <a:effectRef idx="0">
+            <a:schemeClr val="accent1"/>
+          </a:effectRef>
+          <a:fontRef idx="minor">
+            <a:schemeClr val="lt1"/>
+          </a:fontRef>
+        </p:style>
+        <p:txBody>
+          <a:bodyPr rtlCol="0" anchor="ctr"/>
+          <a:lstStyle/>
+          <a:p>
+            <a:pPr algn="ctr"/>
+            <a:r>
+              <a:rPr lang="en-US" dirty="0">
+                <a:latin typeface="Roboto Condensed Light" panose="02000000000000000000" pitchFamily="2" charset="0"/>
+                <a:ea typeface="Roboto Condensed Light" panose="02000000000000000000" pitchFamily="2" charset="0"/>
+              </a:rPr>
+              <a:t>COVID Situation</a:t>
+            </a:r>
+          </a:p>
+        </p:txBody>
+      </p:sp>
+      <p:cxnSp>
+        <p:nvCxnSpPr>
+          <p:cNvPr id="4" name="Straight Connector 3"/>
+          <p:cNvCxnSpPr/>
+          <p:nvPr/>
+        </p:nvCxnSpPr>
+        <p:spPr>
+          <a:xfrm>
+            <a:off x="3086100" y="5138999"/>
+            <a:ext cx="1257300" cy="0"/>
+          </a:xfrm>
+          <a:prstGeom prst="line">
+            <a:avLst/>
+          </a:prstGeom>
+          <a:ln w="76200"/>
+        </p:spPr>
+        <p:style>
+          <a:lnRef idx="1">
+            <a:schemeClr val="accent1"/>
+          </a:lnRef>
+          <a:fillRef idx="0">
+            <a:schemeClr val="accent1"/>
+          </a:fillRef>
+          <a:effectRef idx="0">
+            <a:schemeClr val="accent1"/>
+          </a:effectRef>
+          <a:fontRef idx="minor">
+            <a:schemeClr val="tx1"/>
+          </a:fontRef>
+        </p:style>
+      </p:cxnSp>
+      <p:cxnSp>
+        <p:nvCxnSpPr>
+          <p:cNvPr id="29" name="Straight Connector 28"/>
+          <p:cNvCxnSpPr/>
+          <p:nvPr/>
+        </p:nvCxnSpPr>
+        <p:spPr>
+          <a:xfrm>
+            <a:off x="3086100" y="5558099"/>
+            <a:ext cx="1257300" cy="0"/>
+          </a:xfrm>
+          <a:prstGeom prst="line">
+            <a:avLst/>
+          </a:prstGeom>
+          <a:ln w="76200">
+            <a:solidFill>
+              <a:schemeClr val="accent2"/>
+            </a:solidFill>
+          </a:ln>
+        </p:spPr>
+        <p:style>
+          <a:lnRef idx="1">
+            <a:schemeClr val="accent1"/>
+          </a:lnRef>
+          <a:fillRef idx="0">
+            <a:schemeClr val="accent1"/>
+          </a:fillRef>
+          <a:effectRef idx="0">
+            <a:schemeClr val="accent1"/>
+          </a:effectRef>
+          <a:fontRef idx="minor">
+            <a:schemeClr val="tx1"/>
+          </a:fontRef>
+        </p:style>
+      </p:cxnSp>
+      <p:sp>
+        <p:nvSpPr>
+          <p:cNvPr id="7" name="TextBox 6"/>
+          <p:cNvSpPr txBox="1"/>
+          <p:nvPr/>
+        </p:nvSpPr>
+        <p:spPr>
+          <a:xfrm>
+            <a:off x="3175000" y="4872299"/>
+            <a:ext cx="1168400" cy="276999"/>
+          </a:xfrm>
+          <a:prstGeom prst="rect">
+            <a:avLst/>
+          </a:prstGeom>
+          <a:noFill/>
+        </p:spPr>
+        <p:txBody>
+          <a:bodyPr wrap="square" rtlCol="0">
+            <a:spAutoFit/>
+          </a:bodyPr>
+          <a:lstStyle/>
+          <a:p>
+            <a:pPr algn="ctr"/>
+            <a:r>
+              <a:rPr lang="en-US" sz="1200" dirty="0"/>
+              <a:t>Current</a:t>
+            </a:r>
+          </a:p>
+        </p:txBody>
+      </p:sp>
+      <p:sp>
+        <p:nvSpPr>
+          <p:cNvPr id="30" name="TextBox 29"/>
+          <p:cNvSpPr txBox="1"/>
+          <p:nvPr/>
+        </p:nvSpPr>
+        <p:spPr>
+          <a:xfrm>
+            <a:off x="3175000" y="5260849"/>
+            <a:ext cx="1168400" cy="276999"/>
+          </a:xfrm>
+          <a:prstGeom prst="rect">
+            <a:avLst/>
+          </a:prstGeom>
+          <a:noFill/>
+        </p:spPr>
+        <p:txBody>
+          <a:bodyPr wrap="square" rtlCol="0">
+            <a:spAutoFit/>
+          </a:bodyPr>
+          <a:lstStyle/>
+          <a:p>
+            <a:pPr algn="ctr"/>
+            <a:r>
+              <a:rPr lang="en-US" sz="1200" dirty="0"/>
+              <a:t>Predicted GDP</a:t>
+            </a:r>
+          </a:p>
+        </p:txBody>
+      </p:sp>
+      <p:pic>
+        <p:nvPicPr>
+          <p:cNvPr id="8" name="Picture 7"/>
+          <p:cNvPicPr>
+            <a:picLocks noChangeAspect="1"/>
+          </p:cNvPicPr>
+          <p:nvPr/>
+        </p:nvPicPr>
+        <p:blipFill>
+          <a:blip r:embed="rId3"/>
+          <a:stretch>
+            <a:fillRect/>
+          </a:stretch>
+        </p:blipFill>
+        <p:spPr>
+          <a:xfrm>
+            <a:off x="5377305" y="795983"/>
+            <a:ext cx="2822656" cy="1743493"/>
+          </a:xfrm>
+          <a:prstGeom prst="rect">
+            <a:avLst/>
+          </a:prstGeom>
+        </p:spPr>
+      </p:pic>
+      <p:pic>
+        <p:nvPicPr>
+          <p:cNvPr id="9" name="Picture 8"/>
+          <p:cNvPicPr>
+            <a:picLocks noChangeAspect="1"/>
+          </p:cNvPicPr>
+          <p:nvPr/>
+        </p:nvPicPr>
+        <p:blipFill>
+          <a:blip r:embed="rId4"/>
+          <a:stretch>
+            <a:fillRect/>
+          </a:stretch>
+        </p:blipFill>
+        <p:spPr>
+          <a:xfrm>
+            <a:off x="8403160" y="795983"/>
+            <a:ext cx="2817797" cy="1743493"/>
+          </a:xfrm>
+          <a:prstGeom prst="rect">
+            <a:avLst/>
+          </a:prstGeom>
+        </p:spPr>
+      </p:pic>
+      <p:pic>
+        <p:nvPicPr>
+          <p:cNvPr id="10" name="Picture 9"/>
+          <p:cNvPicPr>
+            <a:picLocks noChangeAspect="1"/>
+          </p:cNvPicPr>
+          <p:nvPr/>
+        </p:nvPicPr>
+        <p:blipFill>
+          <a:blip r:embed="rId5"/>
+          <a:stretch>
+            <a:fillRect/>
+          </a:stretch>
+        </p:blipFill>
+        <p:spPr>
+          <a:xfrm>
+            <a:off x="5377305" y="2649659"/>
+            <a:ext cx="2822656" cy="1746499"/>
+          </a:xfrm>
+          <a:prstGeom prst="rect">
+            <a:avLst/>
+          </a:prstGeom>
+        </p:spPr>
+      </p:pic>
+      <p:pic>
+        <p:nvPicPr>
+          <p:cNvPr id="11" name="Picture 10"/>
+          <p:cNvPicPr>
+            <a:picLocks noChangeAspect="1"/>
+          </p:cNvPicPr>
+          <p:nvPr/>
+        </p:nvPicPr>
+        <p:blipFill>
+          <a:blip r:embed="rId6"/>
+          <a:stretch>
+            <a:fillRect/>
+          </a:stretch>
+        </p:blipFill>
+        <p:spPr>
+          <a:xfrm>
+            <a:off x="8403160" y="2649659"/>
+            <a:ext cx="2817797" cy="1742347"/>
+          </a:xfrm>
+          <a:prstGeom prst="rect">
+            <a:avLst/>
+          </a:prstGeom>
+        </p:spPr>
+      </p:pic>
+      <p:pic>
+        <p:nvPicPr>
+          <p:cNvPr id="12" name="Picture 11"/>
+          <p:cNvPicPr>
+            <a:picLocks noChangeAspect="1"/>
+          </p:cNvPicPr>
+          <p:nvPr/>
+        </p:nvPicPr>
+        <p:blipFill>
+          <a:blip r:embed="rId7"/>
+          <a:stretch>
+            <a:fillRect/>
+          </a:stretch>
+        </p:blipFill>
+        <p:spPr>
+          <a:xfrm>
+            <a:off x="5377305" y="4524089"/>
+            <a:ext cx="2822656" cy="1748362"/>
+          </a:xfrm>
+          <a:prstGeom prst="rect">
+            <a:avLst/>
+          </a:prstGeom>
+        </p:spPr>
+      </p:pic>
+      <p:sp>
+        <p:nvSpPr>
+          <p:cNvPr id="24" name="Rectangle 23">
+            <a:extLst>
+              <a:ext uri="{FF2B5EF4-FFF2-40B4-BE49-F238E27FC236}">
+                <a16:creationId xmlns:a16="http://schemas.microsoft.com/office/drawing/2014/main" id="{281D1A68-EB81-45BD-BD9F-DEE4483B1295}"/>
+              </a:ext>
+            </a:extLst>
+          </p:cNvPr>
+          <p:cNvSpPr/>
+          <p:nvPr/>
+        </p:nvSpPr>
+        <p:spPr>
+          <a:xfrm>
+            <a:off x="0" y="671560"/>
+            <a:ext cx="5377305" cy="6172200"/>
+          </a:xfrm>
+          <a:prstGeom prst="rect">
+            <a:avLst/>
+          </a:prstGeom>
+          <a:solidFill>
+            <a:schemeClr val="bg2">
+              <a:lumMod val="10000"/>
+            </a:schemeClr>
+          </a:solidFill>
+        </p:spPr>
+        <p:style>
+          <a:lnRef idx="2">
+            <a:schemeClr val="accent1">
+              <a:shade val="50000"/>
+            </a:schemeClr>
+          </a:lnRef>
+          <a:fillRef idx="1">
+            <a:schemeClr val="accent1"/>
+          </a:fillRef>
+          <a:effectRef idx="0">
+            <a:schemeClr val="accent1"/>
+          </a:effectRef>
+          <a:fontRef idx="minor">
+            <a:schemeClr val="lt1"/>
+          </a:fontRef>
+        </p:style>
+        <p:txBody>
+          <a:bodyPr rtlCol="0" anchor="t"/>
+          <a:lstStyle/>
+          <a:p>
+            <a:endParaRPr lang="en-US" sz="2400" dirty="0"/>
+          </a:p>
+          <a:p>
+            <a:r>
+              <a:rPr lang="en-US" sz="2400" dirty="0"/>
+              <a:t>The key feature of GIDEON is a nowcast of GDP growth. It models GDP growth on change in night lights and Nitrogen Dioxide levels.* This provides a leading indicator of activity ahead of the usual quarterly announcements.</a:t>
+            </a:r>
+            <a:br>
+              <a:rPr lang="en-US" sz="2400" dirty="0"/>
+            </a:br>
+            <a:br>
+              <a:rPr lang="en-US" sz="2400" dirty="0"/>
+            </a:br>
+            <a:r>
+              <a:rPr lang="en-US" sz="2400" dirty="0"/>
+              <a:t>GIDEON enables its primary audience – government policymakers –to quickly respond and calibrate strategies to safely navigate a country through the pandemic.</a:t>
+            </a:r>
+          </a:p>
+          <a:p>
+            <a:endParaRPr lang="en-US" sz="2400" dirty="0"/>
+          </a:p>
+          <a:p>
+            <a:endParaRPr lang="en-US" sz="2400" dirty="0"/>
+          </a:p>
+          <a:p>
+            <a:r>
+              <a:rPr lang="en-US" sz="2000" dirty="0"/>
+              <a:t>*Nightlights data – VIIRS; NO2 – Sentinel-5p </a:t>
+            </a:r>
+          </a:p>
+          <a:p>
+            <a:endParaRPr lang="en-US" sz="2400" dirty="0"/>
+          </a:p>
+        </p:txBody>
+      </p:sp>
+    </p:spTree>
+    <p:extLst>
+      <p:ext uri="{BB962C8B-B14F-4D97-AF65-F5344CB8AC3E}">
+        <p14:creationId xmlns:p14="http://schemas.microsoft.com/office/powerpoint/2010/main" val="1152169160"/>
+      </p:ext>
+    </p:extLst>
+  </p:cSld>
+  <p:clrMapOvr>
+    <a:masterClrMapping/>
+  </p:clrMapOvr>
+  <p:timing>
+    <p:tnLst>
+      <p:par>
+        <p:cTn id="1" dur="indefinite" restart="never" nodeType="tmRoot">
+          <p:childTnLst>
+            <p:seq concurrent="1" nextAc="seek">
+              <p:cTn id="2" dur="indefinite" nodeType="mainSeq">
+                <p:childTnLst>
+                  <p:par>
+                    <p:cTn id="3" fill="hold">
+                      <p:stCondLst>
+                        <p:cond delay="indefinite"/>
+                      </p:stCondLst>
+                      <p:childTnLst>
+                        <p:par>
+                          <p:cTn id="4" fill="hold">
+                            <p:stCondLst>
+                              <p:cond delay="0"/>
+                            </p:stCondLst>
+                            <p:childTnLst>
+                              <p:par>
+                                <p:cTn id="5" presetID="10" presetClass="entr" presetSubtype="0" fill="hold" grpId="0" nodeType="clickEffect">
+                                  <p:stCondLst>
+                                    <p:cond delay="0"/>
+                                  </p:stCondLst>
+                                  <p:childTnLst>
+                                    <p:set>
+                                      <p:cBhvr>
+                                        <p:cTn id="6" dur="1" fill="hold">
+                                          <p:stCondLst>
+                                            <p:cond delay="0"/>
+                                          </p:stCondLst>
+                                        </p:cTn>
+                                        <p:tgtEl>
+                                          <p:spTgt spid="24"/>
+                                        </p:tgtEl>
+                                        <p:attrNameLst>
+                                          <p:attrName>style.visibility</p:attrName>
+                                        </p:attrNameLst>
+                                      </p:cBhvr>
+                                      <p:to>
+                                        <p:strVal val="visible"/>
+                                      </p:to>
+                                    </p:set>
+                                    <p:animEffect transition="in" filter="fade">
+                                      <p:cBhvr>
+                                        <p:cTn id="7" dur="500"/>
+                                        <p:tgtEl>
+                                          <p:spTgt spid="24"/>
+                                        </p:tgtEl>
+                                      </p:cBhvr>
+                                    </p:animEffect>
+                                  </p:childTnLst>
+                                </p:cTn>
+                              </p:par>
+                            </p:childTnLst>
+                          </p:cTn>
+                        </p:par>
+                      </p:childTnLst>
+                    </p:cTn>
+                  </p:par>
+                </p:childTnLst>
+              </p:cTn>
+              <p:prevCondLst>
+                <p:cond evt="onPrev" delay="0">
+                  <p:tgtEl>
+                    <p:sldTgt/>
+                  </p:tgtEl>
+                </p:cond>
+              </p:prevCondLst>
+              <p:nextCondLst>
+                <p:cond evt="onNext" delay="0">
+                  <p:tgtEl>
+                    <p:sldTgt/>
+                  </p:tgtEl>
+                </p:cond>
+              </p:nextCondLst>
+            </p:seq>
+          </p:childTnLst>
+        </p:cTn>
+      </p:par>
+    </p:tnLst>
+    <p:bldLst>
+      <p:bldP spid="24" grpId="0" animBg="1"/>
+    </p:bldLst>
+  </p:timing>
+</p:sld>
+</file>
+
+<file path=ppt/slides/slide4.xml><?xml version="1.0" encoding="utf-8"?>
+<p:sld xmlns:a="http://schemas.openxmlformats.org/drawingml/2006/main" xmlns:r="http://schemas.openxmlformats.org/officeDocument/2006/relationships" xmlns:p="http://schemas.openxmlformats.org/presentationml/2006/main">
+  <p:cSld>
+    <p:spTree>
+      <p:nvGrpSpPr>
+        <p:cNvPr id="1" name=""/>
+        <p:cNvGrpSpPr/>
+        <p:nvPr/>
+      </p:nvGrpSpPr>
+      <p:grpSpPr>
+        <a:xfrm>
+          <a:off x="0" y="0"/>
+          <a:ext cx="0" cy="0"/>
+          <a:chOff x="0" y="0"/>
+          <a:chExt cx="0" cy="0"/>
+        </a:xfrm>
+      </p:grpSpPr>
+      <p:sp>
+        <p:nvSpPr>
+          <p:cNvPr id="5" name="Rectangle 4"/>
+          <p:cNvSpPr/>
+          <p:nvPr/>
+        </p:nvSpPr>
+        <p:spPr>
+          <a:xfrm>
+            <a:off x="0" y="685800"/>
+            <a:ext cx="2438400" cy="6172200"/>
+          </a:xfrm>
+          <a:prstGeom prst="rect">
+            <a:avLst/>
+          </a:prstGeom>
+          <a:solidFill>
+            <a:schemeClr val="bg2">
+              <a:lumMod val="75000"/>
+            </a:schemeClr>
+          </a:solidFill>
+        </p:spPr>
+        <p:style>
+          <a:lnRef idx="2">
+            <a:schemeClr val="accent1">
+              <a:shade val="50000"/>
+            </a:schemeClr>
+          </a:lnRef>
+          <a:fillRef idx="1">
+            <a:schemeClr val="accent1"/>
+          </a:fillRef>
+          <a:effectRef idx="0">
+            <a:schemeClr val="accent1"/>
+          </a:effectRef>
+          <a:fontRef idx="minor">
+            <a:schemeClr val="lt1"/>
+          </a:fontRef>
+        </p:style>
+        <p:txBody>
+          <a:bodyPr rtlCol="0" anchor="ctr"/>
+          <a:lstStyle/>
+          <a:p>
+            <a:pPr algn="ctr"/>
+            <a:endParaRPr lang="en-US"/>
+          </a:p>
+        </p:txBody>
+      </p:sp>
+      <p:sp>
+        <p:nvSpPr>
+          <p:cNvPr id="6" name="Rectangle 5"/>
+          <p:cNvSpPr/>
+          <p:nvPr/>
+        </p:nvSpPr>
+        <p:spPr>
+          <a:xfrm>
+            <a:off x="2438400" y="6172200"/>
+            <a:ext cx="9753600" cy="685800"/>
+          </a:xfrm>
+          <a:prstGeom prst="rect">
+            <a:avLst/>
+          </a:prstGeom>
+          <a:solidFill>
+            <a:schemeClr val="tx1"/>
+          </a:solidFill>
+        </p:spPr>
+        <p:style>
+          <a:lnRef idx="2">
+            <a:schemeClr val="accent1">
+              <a:shade val="50000"/>
+            </a:schemeClr>
+          </a:lnRef>
+          <a:fillRef idx="1">
+            <a:schemeClr val="accent1"/>
+          </a:fillRef>
+          <a:effectRef idx="0">
+            <a:schemeClr val="accent1"/>
+          </a:effectRef>
+          <a:fontRef idx="minor">
+            <a:schemeClr val="lt1"/>
+          </a:fontRef>
+        </p:style>
+        <p:txBody>
+          <a:bodyPr rtlCol="0" anchor="ctr"/>
+          <a:lstStyle/>
+          <a:p>
+            <a:r>
+              <a:rPr lang="en-US" sz="2400" dirty="0"/>
+              <a:t>Team GIDEON – Visit us at </a:t>
+            </a:r>
+            <a:r>
+              <a:rPr lang="en-US" sz="2400" dirty="0" err="1"/>
+              <a:t>projectgideon.co</a:t>
+            </a:r>
+            <a:endParaRPr lang="en-US" sz="2400" dirty="0"/>
+          </a:p>
+        </p:txBody>
+      </p:sp>
+      <p:sp>
+        <p:nvSpPr>
+          <p:cNvPr id="19" name="Rectangle 18"/>
+          <p:cNvSpPr/>
+          <p:nvPr/>
+        </p:nvSpPr>
+        <p:spPr>
+          <a:xfrm>
+            <a:off x="203200" y="952500"/>
+            <a:ext cx="2019300" cy="508000"/>
+          </a:xfrm>
+          <a:prstGeom prst="rect">
+            <a:avLst/>
+          </a:prstGeom>
+          <a:solidFill>
+            <a:schemeClr val="bg2">
+              <a:lumMod val="50000"/>
+            </a:schemeClr>
+          </a:solidFill>
+          <a:ln>
+            <a:noFill/>
+          </a:ln>
+        </p:spPr>
+        <p:style>
+          <a:lnRef idx="2">
+            <a:schemeClr val="accent1">
+              <a:shade val="50000"/>
+            </a:schemeClr>
+          </a:lnRef>
+          <a:fillRef idx="1">
+            <a:schemeClr val="accent1"/>
+          </a:fillRef>
+          <a:effectRef idx="0">
+            <a:schemeClr val="accent1"/>
+          </a:effectRef>
+          <a:fontRef idx="minor">
+            <a:schemeClr val="lt1"/>
+          </a:fontRef>
+        </p:style>
+        <p:txBody>
+          <a:bodyPr rtlCol="0" anchor="ctr"/>
+          <a:lstStyle/>
+          <a:p>
+            <a:pPr algn="ctr"/>
+            <a:r>
+              <a:rPr lang="en-US" dirty="0"/>
+              <a:t>Snapshot</a:t>
+            </a:r>
+          </a:p>
+        </p:txBody>
+      </p:sp>
+      <p:sp>
+        <p:nvSpPr>
+          <p:cNvPr id="21" name="Rectangle 20"/>
+          <p:cNvSpPr/>
+          <p:nvPr/>
+        </p:nvSpPr>
+        <p:spPr>
+          <a:xfrm>
+            <a:off x="203200" y="2145776"/>
+            <a:ext cx="2019300" cy="508000"/>
+          </a:xfrm>
+          <a:prstGeom prst="rect">
+            <a:avLst/>
+          </a:prstGeom>
+          <a:solidFill>
+            <a:schemeClr val="bg2">
+              <a:lumMod val="50000"/>
+            </a:schemeClr>
+          </a:solidFill>
+          <a:ln>
+            <a:noFill/>
+          </a:ln>
+        </p:spPr>
+        <p:style>
+          <a:lnRef idx="2">
+            <a:schemeClr val="accent1">
+              <a:shade val="50000"/>
+            </a:schemeClr>
+          </a:lnRef>
+          <a:fillRef idx="1">
+            <a:schemeClr val="accent1"/>
+          </a:fillRef>
+          <a:effectRef idx="0">
+            <a:schemeClr val="accent1"/>
+          </a:effectRef>
+          <a:fontRef idx="minor">
+            <a:schemeClr val="lt1"/>
+          </a:fontRef>
+        </p:style>
+        <p:txBody>
+          <a:bodyPr rtlCol="0" anchor="ctr"/>
+          <a:lstStyle/>
+          <a:p>
+            <a:pPr algn="ctr"/>
+            <a:r>
+              <a:rPr lang="en-US" dirty="0"/>
+              <a:t>Economy</a:t>
+            </a:r>
+          </a:p>
+        </p:txBody>
+      </p:sp>
+      <p:sp>
+        <p:nvSpPr>
+          <p:cNvPr id="22" name="Rectangle 21"/>
+          <p:cNvSpPr/>
+          <p:nvPr/>
+        </p:nvSpPr>
+        <p:spPr>
+          <a:xfrm>
+            <a:off x="209550" y="2724672"/>
+            <a:ext cx="2019300" cy="508000"/>
+          </a:xfrm>
+          <a:prstGeom prst="rect">
+            <a:avLst/>
+          </a:prstGeom>
+          <a:solidFill>
+            <a:schemeClr val="bg2">
+              <a:lumMod val="50000"/>
+            </a:schemeClr>
+          </a:solidFill>
+          <a:ln>
+            <a:noFill/>
+          </a:ln>
+        </p:spPr>
+        <p:style>
+          <a:lnRef idx="2">
+            <a:schemeClr val="accent1">
+              <a:shade val="50000"/>
+            </a:schemeClr>
+          </a:lnRef>
+          <a:fillRef idx="1">
+            <a:schemeClr val="accent1"/>
+          </a:fillRef>
+          <a:effectRef idx="0">
+            <a:schemeClr val="accent1"/>
+          </a:effectRef>
+          <a:fontRef idx="minor">
+            <a:schemeClr val="lt1"/>
+          </a:fontRef>
+        </p:style>
+        <p:txBody>
+          <a:bodyPr rtlCol="0" anchor="ctr"/>
+          <a:lstStyle/>
+          <a:p>
+            <a:pPr algn="ctr"/>
+            <a:r>
+              <a:rPr lang="en-US" dirty="0"/>
+              <a:t>Environment</a:t>
+            </a:r>
+          </a:p>
+        </p:txBody>
+      </p:sp>
+      <p:sp>
+        <p:nvSpPr>
+          <p:cNvPr id="23" name="Rectangle 22"/>
+          <p:cNvSpPr/>
+          <p:nvPr/>
+        </p:nvSpPr>
+        <p:spPr>
+          <a:xfrm>
+            <a:off x="209550" y="3321310"/>
+            <a:ext cx="2019300" cy="508000"/>
+          </a:xfrm>
+          <a:prstGeom prst="rect">
+            <a:avLst/>
+          </a:prstGeom>
+          <a:solidFill>
+            <a:schemeClr val="bg2">
+              <a:lumMod val="50000"/>
+            </a:schemeClr>
+          </a:solidFill>
+          <a:ln>
+            <a:noFill/>
+          </a:ln>
+        </p:spPr>
+        <p:style>
+          <a:lnRef idx="2">
+            <a:schemeClr val="accent1">
+              <a:shade val="50000"/>
+            </a:schemeClr>
+          </a:lnRef>
+          <a:fillRef idx="1">
+            <a:schemeClr val="accent1"/>
+          </a:fillRef>
+          <a:effectRef idx="0">
+            <a:schemeClr val="accent1"/>
+          </a:effectRef>
+          <a:fontRef idx="minor">
+            <a:schemeClr val="lt1"/>
+          </a:fontRef>
+        </p:style>
+        <p:txBody>
+          <a:bodyPr rtlCol="0" anchor="ctr"/>
+          <a:lstStyle/>
+          <a:p>
+            <a:pPr algn="ctr"/>
+            <a:r>
+              <a:rPr lang="en-US" dirty="0"/>
+              <a:t>Meet the Team</a:t>
+            </a:r>
+          </a:p>
+        </p:txBody>
+      </p:sp>
+      <p:sp>
+        <p:nvSpPr>
+          <p:cNvPr id="24" name="Rectangle 23"/>
+          <p:cNvSpPr/>
+          <p:nvPr/>
+        </p:nvSpPr>
+        <p:spPr>
+          <a:xfrm>
+            <a:off x="2641600" y="1557223"/>
+            <a:ext cx="2019300" cy="508000"/>
+          </a:xfrm>
+          <a:prstGeom prst="rect">
+            <a:avLst/>
+          </a:prstGeom>
+          <a:solidFill>
+            <a:schemeClr val="bg2">
+              <a:lumMod val="50000"/>
+            </a:schemeClr>
+          </a:solidFill>
+          <a:ln>
+            <a:noFill/>
+          </a:ln>
+        </p:spPr>
+        <p:style>
+          <a:lnRef idx="2">
+            <a:schemeClr val="accent1">
+              <a:shade val="50000"/>
+            </a:schemeClr>
+          </a:lnRef>
+          <a:fillRef idx="1">
+            <a:schemeClr val="accent1"/>
+          </a:fillRef>
+          <a:effectRef idx="0">
+            <a:schemeClr val="accent1"/>
+          </a:effectRef>
+          <a:fontRef idx="minor">
+            <a:schemeClr val="lt1"/>
+          </a:fontRef>
+        </p:style>
+        <p:txBody>
+          <a:bodyPr rtlCol="0" anchor="ctr"/>
+          <a:lstStyle/>
+          <a:p>
+            <a:pPr algn="ctr"/>
+            <a:r>
+              <a:rPr lang="en-US" dirty="0"/>
+              <a:t>Select Country</a:t>
+            </a:r>
+          </a:p>
+        </p:txBody>
+      </p:sp>
+      <p:sp>
+        <p:nvSpPr>
+          <p:cNvPr id="3" name="TextBox 2"/>
+          <p:cNvSpPr txBox="1"/>
+          <p:nvPr/>
+        </p:nvSpPr>
+        <p:spPr>
+          <a:xfrm>
+            <a:off x="2641600" y="2260600"/>
+            <a:ext cx="2019300" cy="3539430"/>
+          </a:xfrm>
+          <a:prstGeom prst="rect">
+            <a:avLst/>
+          </a:prstGeom>
+          <a:noFill/>
+        </p:spPr>
+        <p:txBody>
+          <a:bodyPr wrap="square" rtlCol="0">
+            <a:spAutoFit/>
+          </a:bodyPr>
+          <a:lstStyle/>
+          <a:p>
+            <a:r>
+              <a:rPr lang="en-US" sz="1400" dirty="0"/>
+              <a:t>Air quality in Singapore from all its air quality monitoring stations indicate Good to Moderate pollution levels at this time. The map updates from the globally stationed air monitoring sites every 48 hours and can be studied more closely to understand environmental contribution to the impact assessment of covid-19.</a:t>
+            </a:r>
+          </a:p>
+        </p:txBody>
+      </p:sp>
+      <p:sp>
+        <p:nvSpPr>
+          <p:cNvPr id="14" name="TextBox 13"/>
+          <p:cNvSpPr txBox="1"/>
+          <p:nvPr/>
+        </p:nvSpPr>
+        <p:spPr>
+          <a:xfrm>
+            <a:off x="2641600" y="952500"/>
+            <a:ext cx="3975100" cy="461665"/>
+          </a:xfrm>
+          <a:prstGeom prst="rect">
+            <a:avLst/>
+          </a:prstGeom>
+          <a:noFill/>
+        </p:spPr>
+        <p:txBody>
+          <a:bodyPr wrap="square" rtlCol="0">
+            <a:spAutoFit/>
+          </a:bodyPr>
+          <a:lstStyle/>
+          <a:p>
+            <a:r>
+              <a:rPr lang="en-US" sz="2400" b="1" dirty="0"/>
+              <a:t>Environment Assessment</a:t>
+            </a:r>
+          </a:p>
+        </p:txBody>
+      </p:sp>
+      <p:sp>
+        <p:nvSpPr>
+          <p:cNvPr id="15" name="Rectangle 14"/>
+          <p:cNvSpPr/>
+          <p:nvPr/>
+        </p:nvSpPr>
+        <p:spPr>
+          <a:xfrm>
+            <a:off x="0" y="0"/>
+            <a:ext cx="12192000" cy="685800"/>
+          </a:xfrm>
+          <a:prstGeom prst="rect">
+            <a:avLst/>
+          </a:prstGeom>
+          <a:solidFill>
+            <a:schemeClr val="tx1"/>
+          </a:solidFill>
+        </p:spPr>
+        <p:style>
+          <a:lnRef idx="2">
+            <a:schemeClr val="accent1">
+              <a:shade val="50000"/>
+            </a:schemeClr>
+          </a:lnRef>
+          <a:fillRef idx="1">
+            <a:schemeClr val="accent1"/>
+          </a:fillRef>
+          <a:effectRef idx="0">
+            <a:schemeClr val="accent1"/>
+          </a:effectRef>
+          <a:fontRef idx="minor">
+            <a:schemeClr val="lt1"/>
+          </a:fontRef>
+        </p:style>
+        <p:txBody>
+          <a:bodyPr rtlCol="0" anchor="ctr"/>
+          <a:lstStyle/>
+          <a:p>
+            <a:r>
+              <a:rPr lang="en-US" sz="2400" dirty="0">
+                <a:latin typeface="Roboto Condensed Light" panose="02000000000000000000" pitchFamily="2" charset="0"/>
+                <a:ea typeface="Roboto Condensed Light" panose="02000000000000000000" pitchFamily="2" charset="0"/>
+              </a:rPr>
+              <a:t>		Global Impact Detection from Emitted Light, Onset of COVID, and NO2</a:t>
+            </a:r>
+          </a:p>
+        </p:txBody>
+      </p:sp>
+      <p:pic>
+        <p:nvPicPr>
+          <p:cNvPr id="16" name="Picture 2" descr="http://localhost:8000/gqueers_space_apps/staging/images/logo.png"/>
+          <p:cNvPicPr>
+            <a:picLocks noChangeAspect="1" noChangeArrowheads="1"/>
+          </p:cNvPicPr>
+          <p:nvPr/>
+        </p:nvPicPr>
+        <p:blipFill>
+          <a:blip r:embed="rId2" cstate="print">
+            <a:extLst>
+              <a:ext uri="{28A0092B-C50C-407E-A947-70E740481C1C}">
+                <a14:useLocalDpi xmlns:a14="http://schemas.microsoft.com/office/drawing/2010/main" val="0"/>
+              </a:ext>
+            </a:extLst>
+          </a:blip>
+          <a:srcRect/>
+          <a:stretch>
+            <a:fillRect/>
+          </a:stretch>
+        </p:blipFill>
+        <p:spPr bwMode="auto">
+          <a:xfrm>
+            <a:off x="203200" y="167733"/>
+            <a:ext cx="1651000" cy="350334"/>
+          </a:xfrm>
+          <a:prstGeom prst="rect">
+            <a:avLst/>
+          </a:prstGeom>
+          <a:noFill/>
+          <a:extLst>
+            <a:ext uri="{909E8E84-426E-40DD-AFC4-6F175D3DCCD1}">
+              <a14:hiddenFill xmlns:a14="http://schemas.microsoft.com/office/drawing/2010/main">
+                <a:solidFill>
+                  <a:srgbClr val="FFFFFF"/>
+                </a:solidFill>
+              </a14:hiddenFill>
+            </a:ext>
+          </a:extLst>
+        </p:spPr>
+      </p:pic>
+      <p:sp>
+        <p:nvSpPr>
+          <p:cNvPr id="17" name="Rectangle 16"/>
+          <p:cNvSpPr/>
+          <p:nvPr/>
+        </p:nvSpPr>
+        <p:spPr>
+          <a:xfrm>
+            <a:off x="203200" y="1549138"/>
+            <a:ext cx="2019300" cy="508000"/>
+          </a:xfrm>
+          <a:prstGeom prst="rect">
+            <a:avLst/>
+          </a:prstGeom>
+          <a:solidFill>
+            <a:schemeClr val="bg2">
+              <a:lumMod val="50000"/>
+            </a:schemeClr>
+          </a:solidFill>
+          <a:ln>
+            <a:noFill/>
+          </a:ln>
+        </p:spPr>
+        <p:style>
+          <a:lnRef idx="2">
+            <a:schemeClr val="accent1">
+              <a:shade val="50000"/>
+            </a:schemeClr>
+          </a:lnRef>
+          <a:fillRef idx="1">
+            <a:schemeClr val="accent1"/>
+          </a:fillRef>
+          <a:effectRef idx="0">
+            <a:schemeClr val="accent1"/>
+          </a:effectRef>
+          <a:fontRef idx="minor">
+            <a:schemeClr val="lt1"/>
+          </a:fontRef>
+        </p:style>
+        <p:txBody>
+          <a:bodyPr rtlCol="0" anchor="ctr"/>
+          <a:lstStyle/>
+          <a:p>
+            <a:pPr algn="ctr"/>
+            <a:r>
+              <a:rPr lang="en-US" dirty="0">
+                <a:latin typeface="Roboto Condensed Light" panose="02000000000000000000" pitchFamily="2" charset="0"/>
+                <a:ea typeface="Roboto Condensed Light" panose="02000000000000000000" pitchFamily="2" charset="0"/>
+              </a:rPr>
+              <a:t>COVID Situation</a:t>
+            </a:r>
+          </a:p>
+        </p:txBody>
+      </p:sp>
+      <p:pic>
+        <p:nvPicPr>
+          <p:cNvPr id="7" name="Picture 6">
+            <a:extLst>
+              <a:ext uri="{FF2B5EF4-FFF2-40B4-BE49-F238E27FC236}">
+                <a16:creationId xmlns:a16="http://schemas.microsoft.com/office/drawing/2014/main" id="{8B476AF1-8E92-E745-AFF6-031ABAE3AFC0}"/>
+              </a:ext>
+            </a:extLst>
+          </p:cNvPr>
+          <p:cNvPicPr>
+            <a:picLocks noChangeAspect="1"/>
+          </p:cNvPicPr>
+          <p:nvPr/>
+        </p:nvPicPr>
+        <p:blipFill>
+          <a:blip r:embed="rId3">
+            <a:extLst>
+              <a:ext uri="{28A0092B-C50C-407E-A947-70E740481C1C}">
+                <a14:useLocalDpi xmlns:a14="http://schemas.microsoft.com/office/drawing/2010/main" val="0"/>
+              </a:ext>
+            </a:extLst>
+          </a:blip>
+          <a:stretch>
+            <a:fillRect/>
+          </a:stretch>
+        </p:blipFill>
+        <p:spPr>
+          <a:xfrm>
+            <a:off x="4864100" y="1549137"/>
+            <a:ext cx="7118350" cy="4566005"/>
+          </a:xfrm>
+          <a:prstGeom prst="rect">
+            <a:avLst/>
+          </a:prstGeom>
+        </p:spPr>
+      </p:pic>
+      <p:sp>
+        <p:nvSpPr>
+          <p:cNvPr id="18" name="Rectangle 17">
+            <a:extLst>
+              <a:ext uri="{FF2B5EF4-FFF2-40B4-BE49-F238E27FC236}">
+                <a16:creationId xmlns:a16="http://schemas.microsoft.com/office/drawing/2014/main" id="{742AB518-ED07-4019-BA7B-09512E7CAA60}"/>
+              </a:ext>
+            </a:extLst>
+          </p:cNvPr>
+          <p:cNvSpPr/>
+          <p:nvPr/>
+        </p:nvSpPr>
+        <p:spPr>
+          <a:xfrm>
+            <a:off x="0" y="663786"/>
+            <a:ext cx="5377305" cy="6172200"/>
+          </a:xfrm>
+          <a:prstGeom prst="rect">
+            <a:avLst/>
+          </a:prstGeom>
+          <a:solidFill>
+            <a:schemeClr val="bg2">
+              <a:lumMod val="10000"/>
+            </a:schemeClr>
+          </a:solidFill>
+        </p:spPr>
+        <p:style>
+          <a:lnRef idx="2">
+            <a:schemeClr val="accent1">
+              <a:shade val="50000"/>
+            </a:schemeClr>
+          </a:lnRef>
+          <a:fillRef idx="1">
+            <a:schemeClr val="accent1"/>
+          </a:fillRef>
+          <a:effectRef idx="0">
+            <a:schemeClr val="accent1"/>
+          </a:effectRef>
+          <a:fontRef idx="minor">
+            <a:schemeClr val="lt1"/>
+          </a:fontRef>
+        </p:style>
+        <p:txBody>
+          <a:bodyPr rtlCol="0" anchor="t"/>
+          <a:lstStyle/>
+          <a:p>
+            <a:endParaRPr lang="en-US" sz="2400" dirty="0"/>
+          </a:p>
+          <a:p>
+            <a:r>
+              <a:rPr lang="en-US" sz="2400" dirty="0"/>
+              <a:t>GIDEON leverages ArcGIS API to provide an interactive global map of pollution. It also provides a time series of Sentinel-5p NO2 level in the target countries.</a:t>
+            </a:r>
+          </a:p>
+          <a:p>
+            <a:endParaRPr lang="en-US" sz="2400" dirty="0"/>
+          </a:p>
+          <a:p>
+            <a:r>
+              <a:rPr lang="en-US" sz="2400" dirty="0"/>
+              <a:t>Countries under strict lockdown such as the Philippines show low levels of NO2 during the pandemic. Meanwhile, Singapore shows spikes in NO2 levels.</a:t>
+            </a:r>
+            <a:endParaRPr lang="en-US" sz="2000" dirty="0"/>
+          </a:p>
+          <a:p>
+            <a:endParaRPr lang="en-US" sz="2400" dirty="0"/>
+          </a:p>
+        </p:txBody>
+      </p:sp>
+    </p:spTree>
+    <p:extLst>
+      <p:ext uri="{BB962C8B-B14F-4D97-AF65-F5344CB8AC3E}">
+        <p14:creationId xmlns:p14="http://schemas.microsoft.com/office/powerpoint/2010/main" val="497127354"/>
       </p:ext>
     </p:extLst>
   </p:cSld>
@@ -4184,2181 +7119,6 @@
 </p:sld>
 </file>
 
-<file path=ppt/slides/slide2.xml><?xml version="1.0" encoding="utf-8"?>
-<p:sld xmlns:a="http://schemas.openxmlformats.org/drawingml/2006/main" xmlns:r="http://schemas.openxmlformats.org/officeDocument/2006/relationships" xmlns:p="http://schemas.openxmlformats.org/presentationml/2006/main">
-  <p:cSld>
-    <p:spTree>
-      <p:nvGrpSpPr>
-        <p:cNvPr id="1" name=""/>
-        <p:cNvGrpSpPr/>
-        <p:nvPr/>
-      </p:nvGrpSpPr>
-      <p:grpSpPr>
-        <a:xfrm>
-          <a:off x="0" y="0"/>
-          <a:ext cx="0" cy="0"/>
-          <a:chOff x="0" y="0"/>
-          <a:chExt cx="0" cy="0"/>
-        </a:xfrm>
-      </p:grpSpPr>
-      <p:sp>
-        <p:nvSpPr>
-          <p:cNvPr id="4" name="Rectangle 3"/>
-          <p:cNvSpPr/>
-          <p:nvPr/>
-        </p:nvSpPr>
-        <p:spPr>
-          <a:xfrm>
-            <a:off x="0" y="0"/>
-            <a:ext cx="12192000" cy="685800"/>
-          </a:xfrm>
-          <a:prstGeom prst="rect">
-            <a:avLst/>
-          </a:prstGeom>
-          <a:solidFill>
-            <a:schemeClr val="tx1"/>
-          </a:solidFill>
-        </p:spPr>
-        <p:style>
-          <a:lnRef idx="2">
-            <a:schemeClr val="accent1">
-              <a:shade val="50000"/>
-            </a:schemeClr>
-          </a:lnRef>
-          <a:fillRef idx="1">
-            <a:schemeClr val="accent1"/>
-          </a:fillRef>
-          <a:effectRef idx="0">
-            <a:schemeClr val="accent1"/>
-          </a:effectRef>
-          <a:fontRef idx="minor">
-            <a:schemeClr val="lt1"/>
-          </a:fontRef>
-        </p:style>
-        <p:txBody>
-          <a:bodyPr rtlCol="0" anchor="ctr"/>
-          <a:lstStyle/>
-          <a:p>
-            <a:r>
-              <a:rPr lang="en-US" sz="2400" dirty="0">
-                <a:latin typeface="Roboto Condensed Light" panose="02000000000000000000" pitchFamily="2" charset="0"/>
-                <a:ea typeface="Roboto Condensed Light" panose="02000000000000000000" pitchFamily="2" charset="0"/>
-              </a:rPr>
-              <a:t>		Global Impact Detection from Emitted Light, Onset of COVID, and NO2</a:t>
-            </a:r>
-          </a:p>
-        </p:txBody>
-      </p:sp>
-      <p:sp>
-        <p:nvSpPr>
-          <p:cNvPr id="5" name="Rectangle 4"/>
-          <p:cNvSpPr/>
-          <p:nvPr/>
-        </p:nvSpPr>
-        <p:spPr>
-          <a:xfrm>
-            <a:off x="0" y="685800"/>
-            <a:ext cx="2438400" cy="6172200"/>
-          </a:xfrm>
-          <a:prstGeom prst="rect">
-            <a:avLst/>
-          </a:prstGeom>
-          <a:solidFill>
-            <a:schemeClr val="bg2">
-              <a:lumMod val="75000"/>
-            </a:schemeClr>
-          </a:solidFill>
-        </p:spPr>
-        <p:style>
-          <a:lnRef idx="2">
-            <a:schemeClr val="accent1">
-              <a:shade val="50000"/>
-            </a:schemeClr>
-          </a:lnRef>
-          <a:fillRef idx="1">
-            <a:schemeClr val="accent1"/>
-          </a:fillRef>
-          <a:effectRef idx="0">
-            <a:schemeClr val="accent1"/>
-          </a:effectRef>
-          <a:fontRef idx="minor">
-            <a:schemeClr val="lt1"/>
-          </a:fontRef>
-        </p:style>
-        <p:txBody>
-          <a:bodyPr rtlCol="0" anchor="ctr"/>
-          <a:lstStyle/>
-          <a:p>
-            <a:pPr algn="ctr"/>
-            <a:endParaRPr lang="en-US"/>
-          </a:p>
-        </p:txBody>
-      </p:sp>
-      <p:sp>
-        <p:nvSpPr>
-          <p:cNvPr id="6" name="Rectangle 5"/>
-          <p:cNvSpPr/>
-          <p:nvPr/>
-        </p:nvSpPr>
-        <p:spPr>
-          <a:xfrm>
-            <a:off x="2438400" y="6172200"/>
-            <a:ext cx="9753600" cy="685800"/>
-          </a:xfrm>
-          <a:prstGeom prst="rect">
-            <a:avLst/>
-          </a:prstGeom>
-          <a:solidFill>
-            <a:schemeClr val="tx1"/>
-          </a:solidFill>
-        </p:spPr>
-        <p:style>
-          <a:lnRef idx="2">
-            <a:schemeClr val="accent1">
-              <a:shade val="50000"/>
-            </a:schemeClr>
-          </a:lnRef>
-          <a:fillRef idx="1">
-            <a:schemeClr val="accent1"/>
-          </a:fillRef>
-          <a:effectRef idx="0">
-            <a:schemeClr val="accent1"/>
-          </a:effectRef>
-          <a:fontRef idx="minor">
-            <a:schemeClr val="lt1"/>
-          </a:fontRef>
-        </p:style>
-        <p:txBody>
-          <a:bodyPr rtlCol="0" anchor="ctr"/>
-          <a:lstStyle/>
-          <a:p>
-            <a:r>
-              <a:rPr lang="en-US" sz="2400" dirty="0"/>
-              <a:t>Team GIDEON – Visit us at </a:t>
-            </a:r>
-            <a:r>
-              <a:rPr lang="en-US" sz="2400" dirty="0" err="1"/>
-              <a:t>projectgideon.co</a:t>
-            </a:r>
-            <a:endParaRPr lang="en-US" sz="2400" dirty="0"/>
-          </a:p>
-        </p:txBody>
-      </p:sp>
-      <p:sp>
-        <p:nvSpPr>
-          <p:cNvPr id="19" name="Rectangle 18"/>
-          <p:cNvSpPr/>
-          <p:nvPr/>
-        </p:nvSpPr>
-        <p:spPr>
-          <a:xfrm>
-            <a:off x="203200" y="952500"/>
-            <a:ext cx="2019300" cy="508000"/>
-          </a:xfrm>
-          <a:prstGeom prst="rect">
-            <a:avLst/>
-          </a:prstGeom>
-          <a:solidFill>
-            <a:schemeClr val="bg2">
-              <a:lumMod val="50000"/>
-            </a:schemeClr>
-          </a:solidFill>
-          <a:ln>
-            <a:noFill/>
-          </a:ln>
-        </p:spPr>
-        <p:style>
-          <a:lnRef idx="2">
-            <a:schemeClr val="accent1">
-              <a:shade val="50000"/>
-            </a:schemeClr>
-          </a:lnRef>
-          <a:fillRef idx="1">
-            <a:schemeClr val="accent1"/>
-          </a:fillRef>
-          <a:effectRef idx="0">
-            <a:schemeClr val="accent1"/>
-          </a:effectRef>
-          <a:fontRef idx="minor">
-            <a:schemeClr val="lt1"/>
-          </a:fontRef>
-        </p:style>
-        <p:txBody>
-          <a:bodyPr rtlCol="0" anchor="ctr"/>
-          <a:lstStyle/>
-          <a:p>
-            <a:pPr algn="ctr"/>
-            <a:r>
-              <a:rPr lang="en-US" dirty="0">
-                <a:latin typeface="Roboto Condensed Light" panose="02000000000000000000" pitchFamily="2" charset="0"/>
-                <a:ea typeface="Roboto Condensed Light" panose="02000000000000000000" pitchFamily="2" charset="0"/>
-              </a:rPr>
-              <a:t>Snapshot</a:t>
-            </a:r>
-          </a:p>
-        </p:txBody>
-      </p:sp>
-      <p:sp>
-        <p:nvSpPr>
-          <p:cNvPr id="20" name="Rectangle 19"/>
-          <p:cNvSpPr/>
-          <p:nvPr/>
-        </p:nvSpPr>
-        <p:spPr>
-          <a:xfrm>
-            <a:off x="203200" y="1549138"/>
-            <a:ext cx="2019300" cy="508000"/>
-          </a:xfrm>
-          <a:prstGeom prst="rect">
-            <a:avLst/>
-          </a:prstGeom>
-          <a:solidFill>
-            <a:schemeClr val="bg2">
-              <a:lumMod val="50000"/>
-            </a:schemeClr>
-          </a:solidFill>
-          <a:ln>
-            <a:noFill/>
-          </a:ln>
-        </p:spPr>
-        <p:style>
-          <a:lnRef idx="2">
-            <a:schemeClr val="accent1">
-              <a:shade val="50000"/>
-            </a:schemeClr>
-          </a:lnRef>
-          <a:fillRef idx="1">
-            <a:schemeClr val="accent1"/>
-          </a:fillRef>
-          <a:effectRef idx="0">
-            <a:schemeClr val="accent1"/>
-          </a:effectRef>
-          <a:fontRef idx="minor">
-            <a:schemeClr val="lt1"/>
-          </a:fontRef>
-        </p:style>
-        <p:txBody>
-          <a:bodyPr rtlCol="0" anchor="ctr"/>
-          <a:lstStyle/>
-          <a:p>
-            <a:pPr algn="ctr"/>
-            <a:r>
-              <a:rPr lang="en-US" dirty="0">
-                <a:latin typeface="Roboto Condensed Light" panose="02000000000000000000" pitchFamily="2" charset="0"/>
-                <a:ea typeface="Roboto Condensed Light" panose="02000000000000000000" pitchFamily="2" charset="0"/>
-              </a:rPr>
-              <a:t>COVID Situation</a:t>
-            </a:r>
-          </a:p>
-        </p:txBody>
-      </p:sp>
-      <p:sp>
-        <p:nvSpPr>
-          <p:cNvPr id="21" name="Rectangle 20"/>
-          <p:cNvSpPr/>
-          <p:nvPr/>
-        </p:nvSpPr>
-        <p:spPr>
-          <a:xfrm>
-            <a:off x="203200" y="2145776"/>
-            <a:ext cx="2019300" cy="508000"/>
-          </a:xfrm>
-          <a:prstGeom prst="rect">
-            <a:avLst/>
-          </a:prstGeom>
-          <a:solidFill>
-            <a:schemeClr val="bg2">
-              <a:lumMod val="50000"/>
-            </a:schemeClr>
-          </a:solidFill>
-          <a:ln>
-            <a:noFill/>
-          </a:ln>
-        </p:spPr>
-        <p:style>
-          <a:lnRef idx="2">
-            <a:schemeClr val="accent1">
-              <a:shade val="50000"/>
-            </a:schemeClr>
-          </a:lnRef>
-          <a:fillRef idx="1">
-            <a:schemeClr val="accent1"/>
-          </a:fillRef>
-          <a:effectRef idx="0">
-            <a:schemeClr val="accent1"/>
-          </a:effectRef>
-          <a:fontRef idx="minor">
-            <a:schemeClr val="lt1"/>
-          </a:fontRef>
-        </p:style>
-        <p:txBody>
-          <a:bodyPr rtlCol="0" anchor="ctr"/>
-          <a:lstStyle/>
-          <a:p>
-            <a:pPr algn="ctr"/>
-            <a:r>
-              <a:rPr lang="en-US" dirty="0">
-                <a:latin typeface="Roboto Condensed Light" panose="02000000000000000000" pitchFamily="2" charset="0"/>
-                <a:ea typeface="Roboto Condensed Light" panose="02000000000000000000" pitchFamily="2" charset="0"/>
-              </a:rPr>
-              <a:t>Economy</a:t>
-            </a:r>
-          </a:p>
-        </p:txBody>
-      </p:sp>
-      <p:sp>
-        <p:nvSpPr>
-          <p:cNvPr id="22" name="Rectangle 21"/>
-          <p:cNvSpPr/>
-          <p:nvPr/>
-        </p:nvSpPr>
-        <p:spPr>
-          <a:xfrm>
-            <a:off x="209550" y="2724672"/>
-            <a:ext cx="2019300" cy="508000"/>
-          </a:xfrm>
-          <a:prstGeom prst="rect">
-            <a:avLst/>
-          </a:prstGeom>
-          <a:solidFill>
-            <a:schemeClr val="bg2">
-              <a:lumMod val="50000"/>
-            </a:schemeClr>
-          </a:solidFill>
-          <a:ln>
-            <a:noFill/>
-          </a:ln>
-        </p:spPr>
-        <p:style>
-          <a:lnRef idx="2">
-            <a:schemeClr val="accent1">
-              <a:shade val="50000"/>
-            </a:schemeClr>
-          </a:lnRef>
-          <a:fillRef idx="1">
-            <a:schemeClr val="accent1"/>
-          </a:fillRef>
-          <a:effectRef idx="0">
-            <a:schemeClr val="accent1"/>
-          </a:effectRef>
-          <a:fontRef idx="minor">
-            <a:schemeClr val="lt1"/>
-          </a:fontRef>
-        </p:style>
-        <p:txBody>
-          <a:bodyPr rtlCol="0" anchor="ctr"/>
-          <a:lstStyle/>
-          <a:p>
-            <a:pPr algn="ctr"/>
-            <a:r>
-              <a:rPr lang="en-US" dirty="0">
-                <a:latin typeface="Roboto Condensed Light" panose="02000000000000000000" pitchFamily="2" charset="0"/>
-                <a:ea typeface="Roboto Condensed Light" panose="02000000000000000000" pitchFamily="2" charset="0"/>
-              </a:rPr>
-              <a:t>Environment</a:t>
-            </a:r>
-          </a:p>
-        </p:txBody>
-      </p:sp>
-      <p:sp>
-        <p:nvSpPr>
-          <p:cNvPr id="23" name="Rectangle 22"/>
-          <p:cNvSpPr/>
-          <p:nvPr/>
-        </p:nvSpPr>
-        <p:spPr>
-          <a:xfrm>
-            <a:off x="209550" y="3321310"/>
-            <a:ext cx="2019300" cy="508000"/>
-          </a:xfrm>
-          <a:prstGeom prst="rect">
-            <a:avLst/>
-          </a:prstGeom>
-          <a:solidFill>
-            <a:schemeClr val="bg2">
-              <a:lumMod val="50000"/>
-            </a:schemeClr>
-          </a:solidFill>
-          <a:ln>
-            <a:noFill/>
-          </a:ln>
-        </p:spPr>
-        <p:style>
-          <a:lnRef idx="2">
-            <a:schemeClr val="accent1">
-              <a:shade val="50000"/>
-            </a:schemeClr>
-          </a:lnRef>
-          <a:fillRef idx="1">
-            <a:schemeClr val="accent1"/>
-          </a:fillRef>
-          <a:effectRef idx="0">
-            <a:schemeClr val="accent1"/>
-          </a:effectRef>
-          <a:fontRef idx="minor">
-            <a:schemeClr val="lt1"/>
-          </a:fontRef>
-        </p:style>
-        <p:txBody>
-          <a:bodyPr rtlCol="0" anchor="ctr"/>
-          <a:lstStyle/>
-          <a:p>
-            <a:pPr algn="ctr"/>
-            <a:r>
-              <a:rPr lang="en-US" dirty="0">
-                <a:latin typeface="Roboto Condensed Light" panose="02000000000000000000" pitchFamily="2" charset="0"/>
-                <a:ea typeface="Roboto Condensed Light" panose="02000000000000000000" pitchFamily="2" charset="0"/>
-              </a:rPr>
-              <a:t>Meet the Team</a:t>
-            </a:r>
-          </a:p>
-        </p:txBody>
-      </p:sp>
-      <p:pic>
-        <p:nvPicPr>
-          <p:cNvPr id="2" name="Picture 1"/>
-          <p:cNvPicPr>
-            <a:picLocks noChangeAspect="1"/>
-          </p:cNvPicPr>
-          <p:nvPr/>
-        </p:nvPicPr>
-        <p:blipFill>
-          <a:blip r:embed="rId2"/>
-          <a:stretch>
-            <a:fillRect/>
-          </a:stretch>
-        </p:blipFill>
-        <p:spPr>
-          <a:xfrm>
-            <a:off x="4921051" y="1457584"/>
-            <a:ext cx="3645099" cy="4127003"/>
-          </a:xfrm>
-          <a:prstGeom prst="rect">
-            <a:avLst/>
-          </a:prstGeom>
-        </p:spPr>
-      </p:pic>
-      <p:sp>
-        <p:nvSpPr>
-          <p:cNvPr id="24" name="Rectangle 23"/>
-          <p:cNvSpPr/>
-          <p:nvPr/>
-        </p:nvSpPr>
-        <p:spPr>
-          <a:xfrm>
-            <a:off x="2641600" y="1557223"/>
-            <a:ext cx="2019300" cy="508000"/>
-          </a:xfrm>
-          <a:prstGeom prst="rect">
-            <a:avLst/>
-          </a:prstGeom>
-          <a:solidFill>
-            <a:schemeClr val="bg2">
-              <a:lumMod val="50000"/>
-            </a:schemeClr>
-          </a:solidFill>
-          <a:ln>
-            <a:noFill/>
-          </a:ln>
-        </p:spPr>
-        <p:style>
-          <a:lnRef idx="2">
-            <a:schemeClr val="accent1">
-              <a:shade val="50000"/>
-            </a:schemeClr>
-          </a:lnRef>
-          <a:fillRef idx="1">
-            <a:schemeClr val="accent1"/>
-          </a:fillRef>
-          <a:effectRef idx="0">
-            <a:schemeClr val="accent1"/>
-          </a:effectRef>
-          <a:fontRef idx="minor">
-            <a:schemeClr val="lt1"/>
-          </a:fontRef>
-        </p:style>
-        <p:txBody>
-          <a:bodyPr rtlCol="0" anchor="ctr"/>
-          <a:lstStyle/>
-          <a:p>
-            <a:pPr algn="ctr"/>
-            <a:r>
-              <a:rPr lang="en-US" dirty="0">
-                <a:latin typeface="Roboto Condensed Light" panose="02000000000000000000" pitchFamily="2" charset="0"/>
-                <a:ea typeface="Roboto Condensed Light" panose="02000000000000000000" pitchFamily="2" charset="0"/>
-              </a:rPr>
-              <a:t>Select Country</a:t>
-            </a:r>
-          </a:p>
-        </p:txBody>
-      </p:sp>
-      <p:sp>
-        <p:nvSpPr>
-          <p:cNvPr id="3" name="TextBox 2"/>
-          <p:cNvSpPr txBox="1"/>
-          <p:nvPr/>
-        </p:nvSpPr>
-        <p:spPr>
-          <a:xfrm>
-            <a:off x="2641600" y="2260600"/>
-            <a:ext cx="2019300" cy="3754874"/>
-          </a:xfrm>
-          <a:prstGeom prst="rect">
-            <a:avLst/>
-          </a:prstGeom>
-          <a:noFill/>
-        </p:spPr>
-        <p:txBody>
-          <a:bodyPr wrap="square" rtlCol="0">
-            <a:spAutoFit/>
-          </a:bodyPr>
-          <a:lstStyle/>
-          <a:p>
-            <a:r>
-              <a:rPr lang="en-US" sz="1400" dirty="0">
-                <a:latin typeface="Roboto Condensed Light" panose="02000000000000000000" pitchFamily="2" charset="0"/>
-                <a:ea typeface="Roboto Condensed Light" panose="02000000000000000000" pitchFamily="2" charset="0"/>
-              </a:rPr>
-              <a:t>The yellow lines indicate the onset of lockdown in Italy and the bars show the actual number of covid-19 growth cases in the country at the time the mobility data was captured. The slightly increasing activity at the parks indicate that lives are slowly going back to normal for Italians by May 2020 compared to its low during March and April.</a:t>
-            </a:r>
-          </a:p>
-        </p:txBody>
-      </p:sp>
-      <p:sp>
-        <p:nvSpPr>
-          <p:cNvPr id="8" name="TextBox 7"/>
-          <p:cNvSpPr txBox="1"/>
-          <p:nvPr/>
-        </p:nvSpPr>
-        <p:spPr>
-          <a:xfrm>
-            <a:off x="2641600" y="952500"/>
-            <a:ext cx="3975100" cy="461665"/>
-          </a:xfrm>
-          <a:prstGeom prst="rect">
-            <a:avLst/>
-          </a:prstGeom>
-          <a:noFill/>
-        </p:spPr>
-        <p:txBody>
-          <a:bodyPr wrap="square" rtlCol="0">
-            <a:spAutoFit/>
-          </a:bodyPr>
-          <a:lstStyle/>
-          <a:p>
-            <a:r>
-              <a:rPr lang="en-US" sz="2400" b="1" dirty="0">
-                <a:latin typeface="Roboto Condensed Light" panose="02000000000000000000" pitchFamily="2" charset="0"/>
-                <a:ea typeface="Roboto Condensed Light" panose="02000000000000000000" pitchFamily="2" charset="0"/>
-              </a:rPr>
-              <a:t>COVID Situation</a:t>
-            </a:r>
-          </a:p>
-        </p:txBody>
-      </p:sp>
-      <p:pic>
-        <p:nvPicPr>
-          <p:cNvPr id="1026" name="Picture 2" descr="http://localhost:8000/gqueers_space_apps/staging/images/logo.png"/>
-          <p:cNvPicPr>
-            <a:picLocks noChangeAspect="1" noChangeArrowheads="1"/>
-          </p:cNvPicPr>
-          <p:nvPr/>
-        </p:nvPicPr>
-        <p:blipFill>
-          <a:blip r:embed="rId3" cstate="print">
-            <a:extLst>
-              <a:ext uri="{28A0092B-C50C-407E-A947-70E740481C1C}">
-                <a14:useLocalDpi xmlns:a14="http://schemas.microsoft.com/office/drawing/2010/main" val="0"/>
-              </a:ext>
-            </a:extLst>
-          </a:blip>
-          <a:srcRect/>
-          <a:stretch>
-            <a:fillRect/>
-          </a:stretch>
-        </p:blipFill>
-        <p:spPr bwMode="auto">
-          <a:xfrm>
-            <a:off x="203200" y="167733"/>
-            <a:ext cx="1651000" cy="350334"/>
-          </a:xfrm>
-          <a:prstGeom prst="rect">
-            <a:avLst/>
-          </a:prstGeom>
-          <a:noFill/>
-          <a:extLst>
-            <a:ext uri="{909E8E84-426E-40DD-AFC4-6F175D3DCCD1}">
-              <a14:hiddenFill xmlns:a14="http://schemas.microsoft.com/office/drawing/2010/main">
-                <a:solidFill>
-                  <a:srgbClr val="FFFFFF"/>
-                </a:solidFill>
-              </a14:hiddenFill>
-            </a:ext>
-          </a:extLst>
-        </p:spPr>
-      </p:pic>
-      <p:sp>
-        <p:nvSpPr>
-          <p:cNvPr id="15" name="Rectangle 14"/>
-          <p:cNvSpPr/>
-          <p:nvPr/>
-        </p:nvSpPr>
-        <p:spPr>
-          <a:xfrm>
-            <a:off x="8775700" y="1557223"/>
-            <a:ext cx="3149600" cy="1096553"/>
-          </a:xfrm>
-          <a:prstGeom prst="rect">
-            <a:avLst/>
-          </a:prstGeom>
-        </p:spPr>
-        <p:style>
-          <a:lnRef idx="2">
-            <a:schemeClr val="accent1">
-              <a:shade val="50000"/>
-            </a:schemeClr>
-          </a:lnRef>
-          <a:fillRef idx="1">
-            <a:schemeClr val="accent1"/>
-          </a:fillRef>
-          <a:effectRef idx="0">
-            <a:schemeClr val="accent1"/>
-          </a:effectRef>
-          <a:fontRef idx="minor">
-            <a:schemeClr val="lt1"/>
-          </a:fontRef>
-        </p:style>
-        <p:txBody>
-          <a:bodyPr rtlCol="0" anchor="ctr"/>
-          <a:lstStyle/>
-          <a:p>
-            <a:r>
-              <a:rPr lang="en-US" sz="1100" b="1" dirty="0"/>
-              <a:t>Residential Mobility Plateau</a:t>
-            </a:r>
-            <a:br>
-              <a:rPr lang="en-US" sz="1100" b="1" dirty="0"/>
-            </a:br>
-            <a:r>
-              <a:rPr lang="en-US" sz="1100" dirty="0"/>
-              <a:t>The yellow line indicates that the lockdown protocol has reached its plateau and cases have gone down after it. </a:t>
-            </a:r>
-          </a:p>
-        </p:txBody>
-      </p:sp>
-      <p:sp>
-        <p:nvSpPr>
-          <p:cNvPr id="16" name="Rectangle 15"/>
-          <p:cNvSpPr/>
-          <p:nvPr/>
-        </p:nvSpPr>
-        <p:spPr>
-          <a:xfrm>
-            <a:off x="8775700" y="2972808"/>
-            <a:ext cx="3149600" cy="1096553"/>
-          </a:xfrm>
-          <a:prstGeom prst="rect">
-            <a:avLst/>
-          </a:prstGeom>
-        </p:spPr>
-        <p:style>
-          <a:lnRef idx="2">
-            <a:schemeClr val="accent1">
-              <a:shade val="50000"/>
-            </a:schemeClr>
-          </a:lnRef>
-          <a:fillRef idx="1">
-            <a:schemeClr val="accent1"/>
-          </a:fillRef>
-          <a:effectRef idx="0">
-            <a:schemeClr val="accent1"/>
-          </a:effectRef>
-          <a:fontRef idx="minor">
-            <a:schemeClr val="lt1"/>
-          </a:fontRef>
-        </p:style>
-        <p:txBody>
-          <a:bodyPr rtlCol="0" anchor="ctr"/>
-          <a:lstStyle/>
-          <a:p>
-            <a:r>
-              <a:rPr lang="en-US" sz="1100" b="1" dirty="0"/>
-              <a:t>Covid-19 Cases Stabilizing</a:t>
-            </a:r>
-            <a:br>
-              <a:rPr lang="en-US" sz="1100" b="1" dirty="0"/>
-            </a:br>
-            <a:r>
-              <a:rPr lang="en-US" sz="1100" dirty="0"/>
-              <a:t>The pandemic has eased a bit on its attack on Italy and the growth rate has decreased compared to the earlier months of March and April. </a:t>
-            </a:r>
-          </a:p>
-        </p:txBody>
-      </p:sp>
-      <p:sp>
-        <p:nvSpPr>
-          <p:cNvPr id="17" name="Rectangle 16"/>
-          <p:cNvSpPr/>
-          <p:nvPr/>
-        </p:nvSpPr>
-        <p:spPr>
-          <a:xfrm>
-            <a:off x="8775700" y="4388393"/>
-            <a:ext cx="3149600" cy="1096553"/>
-          </a:xfrm>
-          <a:prstGeom prst="rect">
-            <a:avLst/>
-          </a:prstGeom>
-        </p:spPr>
-        <p:style>
-          <a:lnRef idx="2">
-            <a:schemeClr val="accent1">
-              <a:shade val="50000"/>
-            </a:schemeClr>
-          </a:lnRef>
-          <a:fillRef idx="1">
-            <a:schemeClr val="accent1"/>
-          </a:fillRef>
-          <a:effectRef idx="0">
-            <a:schemeClr val="accent1"/>
-          </a:effectRef>
-          <a:fontRef idx="minor">
-            <a:schemeClr val="lt1"/>
-          </a:fontRef>
-        </p:style>
-        <p:txBody>
-          <a:bodyPr rtlCol="0" anchor="ctr"/>
-          <a:lstStyle/>
-          <a:p>
-            <a:r>
-              <a:rPr lang="en-US" sz="1100" b="1" dirty="0"/>
-              <a:t>Grocery Activity Remains Lowered</a:t>
-            </a:r>
-            <a:br>
-              <a:rPr lang="en-US" sz="1100" b="1" dirty="0"/>
-            </a:br>
-            <a:r>
-              <a:rPr lang="en-US" sz="1100" dirty="0"/>
-              <a:t>Groceries and pharmacies remain at a lower range compared to baseline data from before Covid-19. </a:t>
-            </a:r>
-          </a:p>
-        </p:txBody>
-      </p:sp>
-    </p:spTree>
-    <p:extLst>
-      <p:ext uri="{BB962C8B-B14F-4D97-AF65-F5344CB8AC3E}">
-        <p14:creationId xmlns:p14="http://schemas.microsoft.com/office/powerpoint/2010/main" val="598440096"/>
-      </p:ext>
-    </p:extLst>
-  </p:cSld>
-  <p:clrMapOvr>
-    <a:masterClrMapping/>
-  </p:clrMapOvr>
-</p:sld>
-</file>
-
-<file path=ppt/slides/slide3.xml><?xml version="1.0" encoding="utf-8"?>
-<p:sld xmlns:a="http://schemas.openxmlformats.org/drawingml/2006/main" xmlns:r="http://schemas.openxmlformats.org/officeDocument/2006/relationships" xmlns:p="http://schemas.openxmlformats.org/presentationml/2006/main">
-  <p:cSld>
-    <p:spTree>
-      <p:nvGrpSpPr>
-        <p:cNvPr id="1" name=""/>
-        <p:cNvGrpSpPr/>
-        <p:nvPr/>
-      </p:nvGrpSpPr>
-      <p:grpSpPr>
-        <a:xfrm>
-          <a:off x="0" y="0"/>
-          <a:ext cx="0" cy="0"/>
-          <a:chOff x="0" y="0"/>
-          <a:chExt cx="0" cy="0"/>
-        </a:xfrm>
-      </p:grpSpPr>
-      <p:sp>
-        <p:nvSpPr>
-          <p:cNvPr id="5" name="Rectangle 4"/>
-          <p:cNvSpPr/>
-          <p:nvPr/>
-        </p:nvSpPr>
-        <p:spPr>
-          <a:xfrm>
-            <a:off x="0" y="685800"/>
-            <a:ext cx="2438400" cy="6172200"/>
-          </a:xfrm>
-          <a:prstGeom prst="rect">
-            <a:avLst/>
-          </a:prstGeom>
-          <a:solidFill>
-            <a:schemeClr val="bg2">
-              <a:lumMod val="75000"/>
-            </a:schemeClr>
-          </a:solidFill>
-        </p:spPr>
-        <p:style>
-          <a:lnRef idx="2">
-            <a:schemeClr val="accent1">
-              <a:shade val="50000"/>
-            </a:schemeClr>
-          </a:lnRef>
-          <a:fillRef idx="1">
-            <a:schemeClr val="accent1"/>
-          </a:fillRef>
-          <a:effectRef idx="0">
-            <a:schemeClr val="accent1"/>
-          </a:effectRef>
-          <a:fontRef idx="minor">
-            <a:schemeClr val="lt1"/>
-          </a:fontRef>
-        </p:style>
-        <p:txBody>
-          <a:bodyPr rtlCol="0" anchor="ctr"/>
-          <a:lstStyle/>
-          <a:p>
-            <a:pPr algn="ctr"/>
-            <a:endParaRPr lang="en-US"/>
-          </a:p>
-        </p:txBody>
-      </p:sp>
-      <p:sp>
-        <p:nvSpPr>
-          <p:cNvPr id="6" name="Rectangle 5"/>
-          <p:cNvSpPr/>
-          <p:nvPr/>
-        </p:nvSpPr>
-        <p:spPr>
-          <a:xfrm>
-            <a:off x="2438400" y="6388100"/>
-            <a:ext cx="9753600" cy="469900"/>
-          </a:xfrm>
-          <a:prstGeom prst="rect">
-            <a:avLst/>
-          </a:prstGeom>
-          <a:solidFill>
-            <a:schemeClr val="tx1"/>
-          </a:solidFill>
-        </p:spPr>
-        <p:style>
-          <a:lnRef idx="2">
-            <a:schemeClr val="accent1">
-              <a:shade val="50000"/>
-            </a:schemeClr>
-          </a:lnRef>
-          <a:fillRef idx="1">
-            <a:schemeClr val="accent1"/>
-          </a:fillRef>
-          <a:effectRef idx="0">
-            <a:schemeClr val="accent1"/>
-          </a:effectRef>
-          <a:fontRef idx="minor">
-            <a:schemeClr val="lt1"/>
-          </a:fontRef>
-        </p:style>
-        <p:txBody>
-          <a:bodyPr rtlCol="0" anchor="ctr"/>
-          <a:lstStyle/>
-          <a:p>
-            <a:r>
-              <a:rPr lang="en-US" sz="2400" dirty="0"/>
-              <a:t>Team GIDEON – Visit us at </a:t>
-            </a:r>
-            <a:r>
-              <a:rPr lang="en-US" sz="2400" dirty="0" err="1"/>
-              <a:t>projectgideon.co</a:t>
-            </a:r>
-            <a:endParaRPr lang="en-US" sz="2400" dirty="0"/>
-          </a:p>
-        </p:txBody>
-      </p:sp>
-      <p:sp>
-        <p:nvSpPr>
-          <p:cNvPr id="19" name="Rectangle 18"/>
-          <p:cNvSpPr/>
-          <p:nvPr/>
-        </p:nvSpPr>
-        <p:spPr>
-          <a:xfrm>
-            <a:off x="203200" y="952500"/>
-            <a:ext cx="2019300" cy="508000"/>
-          </a:xfrm>
-          <a:prstGeom prst="rect">
-            <a:avLst/>
-          </a:prstGeom>
-          <a:solidFill>
-            <a:schemeClr val="bg2">
-              <a:lumMod val="50000"/>
-            </a:schemeClr>
-          </a:solidFill>
-          <a:ln>
-            <a:noFill/>
-          </a:ln>
-        </p:spPr>
-        <p:style>
-          <a:lnRef idx="2">
-            <a:schemeClr val="accent1">
-              <a:shade val="50000"/>
-            </a:schemeClr>
-          </a:lnRef>
-          <a:fillRef idx="1">
-            <a:schemeClr val="accent1"/>
-          </a:fillRef>
-          <a:effectRef idx="0">
-            <a:schemeClr val="accent1"/>
-          </a:effectRef>
-          <a:fontRef idx="minor">
-            <a:schemeClr val="lt1"/>
-          </a:fontRef>
-        </p:style>
-        <p:txBody>
-          <a:bodyPr rtlCol="0" anchor="ctr"/>
-          <a:lstStyle/>
-          <a:p>
-            <a:pPr algn="ctr"/>
-            <a:r>
-              <a:rPr lang="en-US" dirty="0"/>
-              <a:t>Snapshot</a:t>
-            </a:r>
-          </a:p>
-        </p:txBody>
-      </p:sp>
-      <p:sp>
-        <p:nvSpPr>
-          <p:cNvPr id="21" name="Rectangle 20"/>
-          <p:cNvSpPr/>
-          <p:nvPr/>
-        </p:nvSpPr>
-        <p:spPr>
-          <a:xfrm>
-            <a:off x="203200" y="2145776"/>
-            <a:ext cx="2019300" cy="508000"/>
-          </a:xfrm>
-          <a:prstGeom prst="rect">
-            <a:avLst/>
-          </a:prstGeom>
-          <a:solidFill>
-            <a:schemeClr val="bg2">
-              <a:lumMod val="50000"/>
-            </a:schemeClr>
-          </a:solidFill>
-          <a:ln>
-            <a:noFill/>
-          </a:ln>
-        </p:spPr>
-        <p:style>
-          <a:lnRef idx="2">
-            <a:schemeClr val="accent1">
-              <a:shade val="50000"/>
-            </a:schemeClr>
-          </a:lnRef>
-          <a:fillRef idx="1">
-            <a:schemeClr val="accent1"/>
-          </a:fillRef>
-          <a:effectRef idx="0">
-            <a:schemeClr val="accent1"/>
-          </a:effectRef>
-          <a:fontRef idx="minor">
-            <a:schemeClr val="lt1"/>
-          </a:fontRef>
-        </p:style>
-        <p:txBody>
-          <a:bodyPr rtlCol="0" anchor="ctr"/>
-          <a:lstStyle/>
-          <a:p>
-            <a:pPr algn="ctr"/>
-            <a:r>
-              <a:rPr lang="en-US" dirty="0"/>
-              <a:t>Economy</a:t>
-            </a:r>
-          </a:p>
-        </p:txBody>
-      </p:sp>
-      <p:sp>
-        <p:nvSpPr>
-          <p:cNvPr id="22" name="Rectangle 21"/>
-          <p:cNvSpPr/>
-          <p:nvPr/>
-        </p:nvSpPr>
-        <p:spPr>
-          <a:xfrm>
-            <a:off x="209550" y="2724672"/>
-            <a:ext cx="2019300" cy="508000"/>
-          </a:xfrm>
-          <a:prstGeom prst="rect">
-            <a:avLst/>
-          </a:prstGeom>
-          <a:solidFill>
-            <a:schemeClr val="bg2">
-              <a:lumMod val="50000"/>
-            </a:schemeClr>
-          </a:solidFill>
-          <a:ln>
-            <a:noFill/>
-          </a:ln>
-        </p:spPr>
-        <p:style>
-          <a:lnRef idx="2">
-            <a:schemeClr val="accent1">
-              <a:shade val="50000"/>
-            </a:schemeClr>
-          </a:lnRef>
-          <a:fillRef idx="1">
-            <a:schemeClr val="accent1"/>
-          </a:fillRef>
-          <a:effectRef idx="0">
-            <a:schemeClr val="accent1"/>
-          </a:effectRef>
-          <a:fontRef idx="minor">
-            <a:schemeClr val="lt1"/>
-          </a:fontRef>
-        </p:style>
-        <p:txBody>
-          <a:bodyPr rtlCol="0" anchor="ctr"/>
-          <a:lstStyle/>
-          <a:p>
-            <a:pPr algn="ctr"/>
-            <a:r>
-              <a:rPr lang="en-US" dirty="0"/>
-              <a:t>Environment</a:t>
-            </a:r>
-          </a:p>
-        </p:txBody>
-      </p:sp>
-      <p:sp>
-        <p:nvSpPr>
-          <p:cNvPr id="23" name="Rectangle 22"/>
-          <p:cNvSpPr/>
-          <p:nvPr/>
-        </p:nvSpPr>
-        <p:spPr>
-          <a:xfrm>
-            <a:off x="209550" y="3321310"/>
-            <a:ext cx="2019300" cy="508000"/>
-          </a:xfrm>
-          <a:prstGeom prst="rect">
-            <a:avLst/>
-          </a:prstGeom>
-          <a:solidFill>
-            <a:schemeClr val="bg2">
-              <a:lumMod val="50000"/>
-            </a:schemeClr>
-          </a:solidFill>
-          <a:ln>
-            <a:noFill/>
-          </a:ln>
-        </p:spPr>
-        <p:style>
-          <a:lnRef idx="2">
-            <a:schemeClr val="accent1">
-              <a:shade val="50000"/>
-            </a:schemeClr>
-          </a:lnRef>
-          <a:fillRef idx="1">
-            <a:schemeClr val="accent1"/>
-          </a:fillRef>
-          <a:effectRef idx="0">
-            <a:schemeClr val="accent1"/>
-          </a:effectRef>
-          <a:fontRef idx="minor">
-            <a:schemeClr val="lt1"/>
-          </a:fontRef>
-        </p:style>
-        <p:txBody>
-          <a:bodyPr rtlCol="0" anchor="ctr"/>
-          <a:lstStyle/>
-          <a:p>
-            <a:pPr algn="ctr"/>
-            <a:r>
-              <a:rPr lang="en-US" dirty="0"/>
-              <a:t>Meet the Team</a:t>
-            </a:r>
-          </a:p>
-        </p:txBody>
-      </p:sp>
-      <p:sp>
-        <p:nvSpPr>
-          <p:cNvPr id="3" name="TextBox 2"/>
-          <p:cNvSpPr txBox="1"/>
-          <p:nvPr/>
-        </p:nvSpPr>
-        <p:spPr>
-          <a:xfrm>
-            <a:off x="2641599" y="1500358"/>
-            <a:ext cx="2532507" cy="1815882"/>
-          </a:xfrm>
-          <a:prstGeom prst="rect">
-            <a:avLst/>
-          </a:prstGeom>
-          <a:noFill/>
-        </p:spPr>
-        <p:txBody>
-          <a:bodyPr wrap="square" rtlCol="0">
-            <a:spAutoFit/>
-          </a:bodyPr>
-          <a:lstStyle/>
-          <a:p>
-            <a:r>
-              <a:rPr lang="en-US" sz="1400" dirty="0"/>
-              <a:t>The forecasted GDP is relatively close to the actual GDP growth of the country. An R^2 value of XX has been observed in the modeling of the data. </a:t>
-            </a:r>
-          </a:p>
-          <a:p>
-            <a:endParaRPr lang="en-US" sz="1400" dirty="0"/>
-          </a:p>
-          <a:p>
-            <a:r>
-              <a:rPr lang="en-US" sz="1400" dirty="0"/>
-              <a:t>A projected increase in GDP is expected.</a:t>
-            </a:r>
-          </a:p>
-        </p:txBody>
-      </p:sp>
-      <p:sp>
-        <p:nvSpPr>
-          <p:cNvPr id="14" name="TextBox 13"/>
-          <p:cNvSpPr txBox="1"/>
-          <p:nvPr/>
-        </p:nvSpPr>
-        <p:spPr>
-          <a:xfrm>
-            <a:off x="2641600" y="952500"/>
-            <a:ext cx="3975100" cy="461665"/>
-          </a:xfrm>
-          <a:prstGeom prst="rect">
-            <a:avLst/>
-          </a:prstGeom>
-          <a:noFill/>
-        </p:spPr>
-        <p:txBody>
-          <a:bodyPr wrap="square" rtlCol="0">
-            <a:spAutoFit/>
-          </a:bodyPr>
-          <a:lstStyle/>
-          <a:p>
-            <a:r>
-              <a:rPr lang="en-US" sz="2400" b="1" dirty="0"/>
-              <a:t>Economic Forecast</a:t>
-            </a:r>
-          </a:p>
-        </p:txBody>
-      </p:sp>
-      <p:sp>
-        <p:nvSpPr>
-          <p:cNvPr id="15" name="Rectangle 14"/>
-          <p:cNvSpPr/>
-          <p:nvPr/>
-        </p:nvSpPr>
-        <p:spPr>
-          <a:xfrm>
-            <a:off x="0" y="0"/>
-            <a:ext cx="12192000" cy="685800"/>
-          </a:xfrm>
-          <a:prstGeom prst="rect">
-            <a:avLst/>
-          </a:prstGeom>
-          <a:solidFill>
-            <a:schemeClr val="tx1"/>
-          </a:solidFill>
-        </p:spPr>
-        <p:style>
-          <a:lnRef idx="2">
-            <a:schemeClr val="accent1">
-              <a:shade val="50000"/>
-            </a:schemeClr>
-          </a:lnRef>
-          <a:fillRef idx="1">
-            <a:schemeClr val="accent1"/>
-          </a:fillRef>
-          <a:effectRef idx="0">
-            <a:schemeClr val="accent1"/>
-          </a:effectRef>
-          <a:fontRef idx="minor">
-            <a:schemeClr val="lt1"/>
-          </a:fontRef>
-        </p:style>
-        <p:txBody>
-          <a:bodyPr rtlCol="0" anchor="ctr"/>
-          <a:lstStyle/>
-          <a:p>
-            <a:r>
-              <a:rPr lang="en-US" sz="2400" dirty="0">
-                <a:latin typeface="Roboto Condensed Light" panose="02000000000000000000" pitchFamily="2" charset="0"/>
-                <a:ea typeface="Roboto Condensed Light" panose="02000000000000000000" pitchFamily="2" charset="0"/>
-              </a:rPr>
-              <a:t>		Global Impact Detection from Emitted Light, Onset of COVID, and NO2</a:t>
-            </a:r>
-          </a:p>
-        </p:txBody>
-      </p:sp>
-      <p:pic>
-        <p:nvPicPr>
-          <p:cNvPr id="16" name="Picture 2" descr="http://localhost:8000/gqueers_space_apps/staging/images/logo.png"/>
-          <p:cNvPicPr>
-            <a:picLocks noChangeAspect="1" noChangeArrowheads="1"/>
-          </p:cNvPicPr>
-          <p:nvPr/>
-        </p:nvPicPr>
-        <p:blipFill>
-          <a:blip r:embed="rId2" cstate="print">
-            <a:extLst>
-              <a:ext uri="{28A0092B-C50C-407E-A947-70E740481C1C}">
-                <a14:useLocalDpi xmlns:a14="http://schemas.microsoft.com/office/drawing/2010/main" val="0"/>
-              </a:ext>
-            </a:extLst>
-          </a:blip>
-          <a:srcRect/>
-          <a:stretch>
-            <a:fillRect/>
-          </a:stretch>
-        </p:blipFill>
-        <p:spPr bwMode="auto">
-          <a:xfrm>
-            <a:off x="203200" y="167733"/>
-            <a:ext cx="1651000" cy="350334"/>
-          </a:xfrm>
-          <a:prstGeom prst="rect">
-            <a:avLst/>
-          </a:prstGeom>
-          <a:noFill/>
-          <a:extLst>
-            <a:ext uri="{909E8E84-426E-40DD-AFC4-6F175D3DCCD1}">
-              <a14:hiddenFill xmlns:a14="http://schemas.microsoft.com/office/drawing/2010/main">
-                <a:solidFill>
-                  <a:srgbClr val="FFFFFF"/>
-                </a:solidFill>
-              </a14:hiddenFill>
-            </a:ext>
-          </a:extLst>
-        </p:spPr>
-      </p:pic>
-      <p:sp>
-        <p:nvSpPr>
-          <p:cNvPr id="27" name="Rectangle 26"/>
-          <p:cNvSpPr/>
-          <p:nvPr/>
-        </p:nvSpPr>
-        <p:spPr>
-          <a:xfrm>
-            <a:off x="203200" y="1549138"/>
-            <a:ext cx="2019300" cy="508000"/>
-          </a:xfrm>
-          <a:prstGeom prst="rect">
-            <a:avLst/>
-          </a:prstGeom>
-          <a:solidFill>
-            <a:schemeClr val="bg2">
-              <a:lumMod val="50000"/>
-            </a:schemeClr>
-          </a:solidFill>
-          <a:ln>
-            <a:noFill/>
-          </a:ln>
-        </p:spPr>
-        <p:style>
-          <a:lnRef idx="2">
-            <a:schemeClr val="accent1">
-              <a:shade val="50000"/>
-            </a:schemeClr>
-          </a:lnRef>
-          <a:fillRef idx="1">
-            <a:schemeClr val="accent1"/>
-          </a:fillRef>
-          <a:effectRef idx="0">
-            <a:schemeClr val="accent1"/>
-          </a:effectRef>
-          <a:fontRef idx="minor">
-            <a:schemeClr val="lt1"/>
-          </a:fontRef>
-        </p:style>
-        <p:txBody>
-          <a:bodyPr rtlCol="0" anchor="ctr"/>
-          <a:lstStyle/>
-          <a:p>
-            <a:pPr algn="ctr"/>
-            <a:r>
-              <a:rPr lang="en-US" dirty="0">
-                <a:latin typeface="Roboto Condensed Light" panose="02000000000000000000" pitchFamily="2" charset="0"/>
-                <a:ea typeface="Roboto Condensed Light" panose="02000000000000000000" pitchFamily="2" charset="0"/>
-              </a:rPr>
-              <a:t>COVID Situation</a:t>
-            </a:r>
-          </a:p>
-        </p:txBody>
-      </p:sp>
-      <p:cxnSp>
-        <p:nvCxnSpPr>
-          <p:cNvPr id="4" name="Straight Connector 3"/>
-          <p:cNvCxnSpPr/>
-          <p:nvPr/>
-        </p:nvCxnSpPr>
-        <p:spPr>
-          <a:xfrm>
-            <a:off x="3086100" y="5138999"/>
-            <a:ext cx="1257300" cy="0"/>
-          </a:xfrm>
-          <a:prstGeom prst="line">
-            <a:avLst/>
-          </a:prstGeom>
-          <a:ln w="76200"/>
-        </p:spPr>
-        <p:style>
-          <a:lnRef idx="1">
-            <a:schemeClr val="accent1"/>
-          </a:lnRef>
-          <a:fillRef idx="0">
-            <a:schemeClr val="accent1"/>
-          </a:fillRef>
-          <a:effectRef idx="0">
-            <a:schemeClr val="accent1"/>
-          </a:effectRef>
-          <a:fontRef idx="minor">
-            <a:schemeClr val="tx1"/>
-          </a:fontRef>
-        </p:style>
-      </p:cxnSp>
-      <p:cxnSp>
-        <p:nvCxnSpPr>
-          <p:cNvPr id="29" name="Straight Connector 28"/>
-          <p:cNvCxnSpPr/>
-          <p:nvPr/>
-        </p:nvCxnSpPr>
-        <p:spPr>
-          <a:xfrm>
-            <a:off x="3086100" y="5558099"/>
-            <a:ext cx="1257300" cy="0"/>
-          </a:xfrm>
-          <a:prstGeom prst="line">
-            <a:avLst/>
-          </a:prstGeom>
-          <a:ln w="76200">
-            <a:solidFill>
-              <a:schemeClr val="accent2"/>
-            </a:solidFill>
-          </a:ln>
-        </p:spPr>
-        <p:style>
-          <a:lnRef idx="1">
-            <a:schemeClr val="accent1"/>
-          </a:lnRef>
-          <a:fillRef idx="0">
-            <a:schemeClr val="accent1"/>
-          </a:fillRef>
-          <a:effectRef idx="0">
-            <a:schemeClr val="accent1"/>
-          </a:effectRef>
-          <a:fontRef idx="minor">
-            <a:schemeClr val="tx1"/>
-          </a:fontRef>
-        </p:style>
-      </p:cxnSp>
-      <p:sp>
-        <p:nvSpPr>
-          <p:cNvPr id="7" name="TextBox 6"/>
-          <p:cNvSpPr txBox="1"/>
-          <p:nvPr/>
-        </p:nvSpPr>
-        <p:spPr>
-          <a:xfrm>
-            <a:off x="3175000" y="4872299"/>
-            <a:ext cx="1168400" cy="276999"/>
-          </a:xfrm>
-          <a:prstGeom prst="rect">
-            <a:avLst/>
-          </a:prstGeom>
-          <a:noFill/>
-        </p:spPr>
-        <p:txBody>
-          <a:bodyPr wrap="square" rtlCol="0">
-            <a:spAutoFit/>
-          </a:bodyPr>
-          <a:lstStyle/>
-          <a:p>
-            <a:pPr algn="ctr"/>
-            <a:r>
-              <a:rPr lang="en-US" sz="1200" dirty="0"/>
-              <a:t>Current</a:t>
-            </a:r>
-          </a:p>
-        </p:txBody>
-      </p:sp>
-      <p:sp>
-        <p:nvSpPr>
-          <p:cNvPr id="30" name="TextBox 29"/>
-          <p:cNvSpPr txBox="1"/>
-          <p:nvPr/>
-        </p:nvSpPr>
-        <p:spPr>
-          <a:xfrm>
-            <a:off x="3175000" y="5260849"/>
-            <a:ext cx="1168400" cy="276999"/>
-          </a:xfrm>
-          <a:prstGeom prst="rect">
-            <a:avLst/>
-          </a:prstGeom>
-          <a:noFill/>
-        </p:spPr>
-        <p:txBody>
-          <a:bodyPr wrap="square" rtlCol="0">
-            <a:spAutoFit/>
-          </a:bodyPr>
-          <a:lstStyle/>
-          <a:p>
-            <a:pPr algn="ctr"/>
-            <a:r>
-              <a:rPr lang="en-US" sz="1200" dirty="0"/>
-              <a:t>Predicted GDP</a:t>
-            </a:r>
-          </a:p>
-        </p:txBody>
-      </p:sp>
-      <p:pic>
-        <p:nvPicPr>
-          <p:cNvPr id="8" name="Picture 7"/>
-          <p:cNvPicPr>
-            <a:picLocks noChangeAspect="1"/>
-          </p:cNvPicPr>
-          <p:nvPr/>
-        </p:nvPicPr>
-        <p:blipFill>
-          <a:blip r:embed="rId3"/>
-          <a:stretch>
-            <a:fillRect/>
-          </a:stretch>
-        </p:blipFill>
-        <p:spPr>
-          <a:xfrm>
-            <a:off x="5377305" y="795983"/>
-            <a:ext cx="2822656" cy="1743493"/>
-          </a:xfrm>
-          <a:prstGeom prst="rect">
-            <a:avLst/>
-          </a:prstGeom>
-        </p:spPr>
-      </p:pic>
-      <p:pic>
-        <p:nvPicPr>
-          <p:cNvPr id="9" name="Picture 8"/>
-          <p:cNvPicPr>
-            <a:picLocks noChangeAspect="1"/>
-          </p:cNvPicPr>
-          <p:nvPr/>
-        </p:nvPicPr>
-        <p:blipFill>
-          <a:blip r:embed="rId4"/>
-          <a:stretch>
-            <a:fillRect/>
-          </a:stretch>
-        </p:blipFill>
-        <p:spPr>
-          <a:xfrm>
-            <a:off x="8403160" y="795983"/>
-            <a:ext cx="2817797" cy="1743493"/>
-          </a:xfrm>
-          <a:prstGeom prst="rect">
-            <a:avLst/>
-          </a:prstGeom>
-        </p:spPr>
-      </p:pic>
-      <p:pic>
-        <p:nvPicPr>
-          <p:cNvPr id="10" name="Picture 9"/>
-          <p:cNvPicPr>
-            <a:picLocks noChangeAspect="1"/>
-          </p:cNvPicPr>
-          <p:nvPr/>
-        </p:nvPicPr>
-        <p:blipFill>
-          <a:blip r:embed="rId5"/>
-          <a:stretch>
-            <a:fillRect/>
-          </a:stretch>
-        </p:blipFill>
-        <p:spPr>
-          <a:xfrm>
-            <a:off x="5377305" y="2649659"/>
-            <a:ext cx="2822656" cy="1746499"/>
-          </a:xfrm>
-          <a:prstGeom prst="rect">
-            <a:avLst/>
-          </a:prstGeom>
-        </p:spPr>
-      </p:pic>
-      <p:pic>
-        <p:nvPicPr>
-          <p:cNvPr id="11" name="Picture 10"/>
-          <p:cNvPicPr>
-            <a:picLocks noChangeAspect="1"/>
-          </p:cNvPicPr>
-          <p:nvPr/>
-        </p:nvPicPr>
-        <p:blipFill>
-          <a:blip r:embed="rId6"/>
-          <a:stretch>
-            <a:fillRect/>
-          </a:stretch>
-        </p:blipFill>
-        <p:spPr>
-          <a:xfrm>
-            <a:off x="8403160" y="2649659"/>
-            <a:ext cx="2817797" cy="1742347"/>
-          </a:xfrm>
-          <a:prstGeom prst="rect">
-            <a:avLst/>
-          </a:prstGeom>
-        </p:spPr>
-      </p:pic>
-      <p:pic>
-        <p:nvPicPr>
-          <p:cNvPr id="12" name="Picture 11"/>
-          <p:cNvPicPr>
-            <a:picLocks noChangeAspect="1"/>
-          </p:cNvPicPr>
-          <p:nvPr/>
-        </p:nvPicPr>
-        <p:blipFill>
-          <a:blip r:embed="rId7"/>
-          <a:stretch>
-            <a:fillRect/>
-          </a:stretch>
-        </p:blipFill>
-        <p:spPr>
-          <a:xfrm>
-            <a:off x="5377305" y="4524089"/>
-            <a:ext cx="2822656" cy="1748362"/>
-          </a:xfrm>
-          <a:prstGeom prst="rect">
-            <a:avLst/>
-          </a:prstGeom>
-        </p:spPr>
-      </p:pic>
-    </p:spTree>
-    <p:extLst>
-      <p:ext uri="{BB962C8B-B14F-4D97-AF65-F5344CB8AC3E}">
-        <p14:creationId xmlns:p14="http://schemas.microsoft.com/office/powerpoint/2010/main" val="1152169160"/>
-      </p:ext>
-    </p:extLst>
-  </p:cSld>
-  <p:clrMapOvr>
-    <a:masterClrMapping/>
-  </p:clrMapOvr>
-</p:sld>
-</file>
-
-<file path=ppt/slides/slide4.xml><?xml version="1.0" encoding="utf-8"?>
-<p:sld xmlns:a="http://schemas.openxmlformats.org/drawingml/2006/main" xmlns:r="http://schemas.openxmlformats.org/officeDocument/2006/relationships" xmlns:p="http://schemas.openxmlformats.org/presentationml/2006/main">
-  <p:cSld>
-    <p:spTree>
-      <p:nvGrpSpPr>
-        <p:cNvPr id="1" name=""/>
-        <p:cNvGrpSpPr/>
-        <p:nvPr/>
-      </p:nvGrpSpPr>
-      <p:grpSpPr>
-        <a:xfrm>
-          <a:off x="0" y="0"/>
-          <a:ext cx="0" cy="0"/>
-          <a:chOff x="0" y="0"/>
-          <a:chExt cx="0" cy="0"/>
-        </a:xfrm>
-      </p:grpSpPr>
-      <p:sp>
-        <p:nvSpPr>
-          <p:cNvPr id="5" name="Rectangle 4"/>
-          <p:cNvSpPr/>
-          <p:nvPr/>
-        </p:nvSpPr>
-        <p:spPr>
-          <a:xfrm>
-            <a:off x="0" y="685800"/>
-            <a:ext cx="2438400" cy="6172200"/>
-          </a:xfrm>
-          <a:prstGeom prst="rect">
-            <a:avLst/>
-          </a:prstGeom>
-          <a:solidFill>
-            <a:schemeClr val="bg2">
-              <a:lumMod val="75000"/>
-            </a:schemeClr>
-          </a:solidFill>
-        </p:spPr>
-        <p:style>
-          <a:lnRef idx="2">
-            <a:schemeClr val="accent1">
-              <a:shade val="50000"/>
-            </a:schemeClr>
-          </a:lnRef>
-          <a:fillRef idx="1">
-            <a:schemeClr val="accent1"/>
-          </a:fillRef>
-          <a:effectRef idx="0">
-            <a:schemeClr val="accent1"/>
-          </a:effectRef>
-          <a:fontRef idx="minor">
-            <a:schemeClr val="lt1"/>
-          </a:fontRef>
-        </p:style>
-        <p:txBody>
-          <a:bodyPr rtlCol="0" anchor="ctr"/>
-          <a:lstStyle/>
-          <a:p>
-            <a:pPr algn="ctr"/>
-            <a:endParaRPr lang="en-US"/>
-          </a:p>
-        </p:txBody>
-      </p:sp>
-      <p:sp>
-        <p:nvSpPr>
-          <p:cNvPr id="6" name="Rectangle 5"/>
-          <p:cNvSpPr/>
-          <p:nvPr/>
-        </p:nvSpPr>
-        <p:spPr>
-          <a:xfrm>
-            <a:off x="2438400" y="6172200"/>
-            <a:ext cx="9753600" cy="685800"/>
-          </a:xfrm>
-          <a:prstGeom prst="rect">
-            <a:avLst/>
-          </a:prstGeom>
-          <a:solidFill>
-            <a:schemeClr val="tx1"/>
-          </a:solidFill>
-        </p:spPr>
-        <p:style>
-          <a:lnRef idx="2">
-            <a:schemeClr val="accent1">
-              <a:shade val="50000"/>
-            </a:schemeClr>
-          </a:lnRef>
-          <a:fillRef idx="1">
-            <a:schemeClr val="accent1"/>
-          </a:fillRef>
-          <a:effectRef idx="0">
-            <a:schemeClr val="accent1"/>
-          </a:effectRef>
-          <a:fontRef idx="minor">
-            <a:schemeClr val="lt1"/>
-          </a:fontRef>
-        </p:style>
-        <p:txBody>
-          <a:bodyPr rtlCol="0" anchor="ctr"/>
-          <a:lstStyle/>
-          <a:p>
-            <a:r>
-              <a:rPr lang="en-US" sz="2400" dirty="0"/>
-              <a:t>Team GIDEON – Visit us at </a:t>
-            </a:r>
-            <a:r>
-              <a:rPr lang="en-US" sz="2400" dirty="0" err="1"/>
-              <a:t>projectgideon.co</a:t>
-            </a:r>
-            <a:endParaRPr lang="en-US" sz="2400" dirty="0"/>
-          </a:p>
-        </p:txBody>
-      </p:sp>
-      <p:sp>
-        <p:nvSpPr>
-          <p:cNvPr id="19" name="Rectangle 18"/>
-          <p:cNvSpPr/>
-          <p:nvPr/>
-        </p:nvSpPr>
-        <p:spPr>
-          <a:xfrm>
-            <a:off x="203200" y="952500"/>
-            <a:ext cx="2019300" cy="508000"/>
-          </a:xfrm>
-          <a:prstGeom prst="rect">
-            <a:avLst/>
-          </a:prstGeom>
-          <a:solidFill>
-            <a:schemeClr val="bg2">
-              <a:lumMod val="50000"/>
-            </a:schemeClr>
-          </a:solidFill>
-          <a:ln>
-            <a:noFill/>
-          </a:ln>
-        </p:spPr>
-        <p:style>
-          <a:lnRef idx="2">
-            <a:schemeClr val="accent1">
-              <a:shade val="50000"/>
-            </a:schemeClr>
-          </a:lnRef>
-          <a:fillRef idx="1">
-            <a:schemeClr val="accent1"/>
-          </a:fillRef>
-          <a:effectRef idx="0">
-            <a:schemeClr val="accent1"/>
-          </a:effectRef>
-          <a:fontRef idx="minor">
-            <a:schemeClr val="lt1"/>
-          </a:fontRef>
-        </p:style>
-        <p:txBody>
-          <a:bodyPr rtlCol="0" anchor="ctr"/>
-          <a:lstStyle/>
-          <a:p>
-            <a:pPr algn="ctr"/>
-            <a:r>
-              <a:rPr lang="en-US" dirty="0"/>
-              <a:t>Snapshot</a:t>
-            </a:r>
-          </a:p>
-        </p:txBody>
-      </p:sp>
-      <p:sp>
-        <p:nvSpPr>
-          <p:cNvPr id="21" name="Rectangle 20"/>
-          <p:cNvSpPr/>
-          <p:nvPr/>
-        </p:nvSpPr>
-        <p:spPr>
-          <a:xfrm>
-            <a:off x="203200" y="2145776"/>
-            <a:ext cx="2019300" cy="508000"/>
-          </a:xfrm>
-          <a:prstGeom prst="rect">
-            <a:avLst/>
-          </a:prstGeom>
-          <a:solidFill>
-            <a:schemeClr val="bg2">
-              <a:lumMod val="50000"/>
-            </a:schemeClr>
-          </a:solidFill>
-          <a:ln>
-            <a:noFill/>
-          </a:ln>
-        </p:spPr>
-        <p:style>
-          <a:lnRef idx="2">
-            <a:schemeClr val="accent1">
-              <a:shade val="50000"/>
-            </a:schemeClr>
-          </a:lnRef>
-          <a:fillRef idx="1">
-            <a:schemeClr val="accent1"/>
-          </a:fillRef>
-          <a:effectRef idx="0">
-            <a:schemeClr val="accent1"/>
-          </a:effectRef>
-          <a:fontRef idx="minor">
-            <a:schemeClr val="lt1"/>
-          </a:fontRef>
-        </p:style>
-        <p:txBody>
-          <a:bodyPr rtlCol="0" anchor="ctr"/>
-          <a:lstStyle/>
-          <a:p>
-            <a:pPr algn="ctr"/>
-            <a:r>
-              <a:rPr lang="en-US" dirty="0"/>
-              <a:t>Economy</a:t>
-            </a:r>
-          </a:p>
-        </p:txBody>
-      </p:sp>
-      <p:sp>
-        <p:nvSpPr>
-          <p:cNvPr id="22" name="Rectangle 21"/>
-          <p:cNvSpPr/>
-          <p:nvPr/>
-        </p:nvSpPr>
-        <p:spPr>
-          <a:xfrm>
-            <a:off x="209550" y="2724672"/>
-            <a:ext cx="2019300" cy="508000"/>
-          </a:xfrm>
-          <a:prstGeom prst="rect">
-            <a:avLst/>
-          </a:prstGeom>
-          <a:solidFill>
-            <a:schemeClr val="bg2">
-              <a:lumMod val="50000"/>
-            </a:schemeClr>
-          </a:solidFill>
-          <a:ln>
-            <a:noFill/>
-          </a:ln>
-        </p:spPr>
-        <p:style>
-          <a:lnRef idx="2">
-            <a:schemeClr val="accent1">
-              <a:shade val="50000"/>
-            </a:schemeClr>
-          </a:lnRef>
-          <a:fillRef idx="1">
-            <a:schemeClr val="accent1"/>
-          </a:fillRef>
-          <a:effectRef idx="0">
-            <a:schemeClr val="accent1"/>
-          </a:effectRef>
-          <a:fontRef idx="minor">
-            <a:schemeClr val="lt1"/>
-          </a:fontRef>
-        </p:style>
-        <p:txBody>
-          <a:bodyPr rtlCol="0" anchor="ctr"/>
-          <a:lstStyle/>
-          <a:p>
-            <a:pPr algn="ctr"/>
-            <a:r>
-              <a:rPr lang="en-US" dirty="0"/>
-              <a:t>Environment</a:t>
-            </a:r>
-          </a:p>
-        </p:txBody>
-      </p:sp>
-      <p:sp>
-        <p:nvSpPr>
-          <p:cNvPr id="23" name="Rectangle 22"/>
-          <p:cNvSpPr/>
-          <p:nvPr/>
-        </p:nvSpPr>
-        <p:spPr>
-          <a:xfrm>
-            <a:off x="209550" y="3321310"/>
-            <a:ext cx="2019300" cy="508000"/>
-          </a:xfrm>
-          <a:prstGeom prst="rect">
-            <a:avLst/>
-          </a:prstGeom>
-          <a:solidFill>
-            <a:schemeClr val="bg2">
-              <a:lumMod val="50000"/>
-            </a:schemeClr>
-          </a:solidFill>
-          <a:ln>
-            <a:noFill/>
-          </a:ln>
-        </p:spPr>
-        <p:style>
-          <a:lnRef idx="2">
-            <a:schemeClr val="accent1">
-              <a:shade val="50000"/>
-            </a:schemeClr>
-          </a:lnRef>
-          <a:fillRef idx="1">
-            <a:schemeClr val="accent1"/>
-          </a:fillRef>
-          <a:effectRef idx="0">
-            <a:schemeClr val="accent1"/>
-          </a:effectRef>
-          <a:fontRef idx="minor">
-            <a:schemeClr val="lt1"/>
-          </a:fontRef>
-        </p:style>
-        <p:txBody>
-          <a:bodyPr rtlCol="0" anchor="ctr"/>
-          <a:lstStyle/>
-          <a:p>
-            <a:pPr algn="ctr"/>
-            <a:r>
-              <a:rPr lang="en-US" dirty="0"/>
-              <a:t>Meet the Team</a:t>
-            </a:r>
-          </a:p>
-        </p:txBody>
-      </p:sp>
-      <p:sp>
-        <p:nvSpPr>
-          <p:cNvPr id="24" name="Rectangle 23"/>
-          <p:cNvSpPr/>
-          <p:nvPr/>
-        </p:nvSpPr>
-        <p:spPr>
-          <a:xfrm>
-            <a:off x="2641600" y="1557223"/>
-            <a:ext cx="2019300" cy="508000"/>
-          </a:xfrm>
-          <a:prstGeom prst="rect">
-            <a:avLst/>
-          </a:prstGeom>
-          <a:solidFill>
-            <a:schemeClr val="bg2">
-              <a:lumMod val="50000"/>
-            </a:schemeClr>
-          </a:solidFill>
-          <a:ln>
-            <a:noFill/>
-          </a:ln>
-        </p:spPr>
-        <p:style>
-          <a:lnRef idx="2">
-            <a:schemeClr val="accent1">
-              <a:shade val="50000"/>
-            </a:schemeClr>
-          </a:lnRef>
-          <a:fillRef idx="1">
-            <a:schemeClr val="accent1"/>
-          </a:fillRef>
-          <a:effectRef idx="0">
-            <a:schemeClr val="accent1"/>
-          </a:effectRef>
-          <a:fontRef idx="minor">
-            <a:schemeClr val="lt1"/>
-          </a:fontRef>
-        </p:style>
-        <p:txBody>
-          <a:bodyPr rtlCol="0" anchor="ctr"/>
-          <a:lstStyle/>
-          <a:p>
-            <a:pPr algn="ctr"/>
-            <a:r>
-              <a:rPr lang="en-US" dirty="0"/>
-              <a:t>Select Country</a:t>
-            </a:r>
-          </a:p>
-        </p:txBody>
-      </p:sp>
-      <p:sp>
-        <p:nvSpPr>
-          <p:cNvPr id="3" name="TextBox 2"/>
-          <p:cNvSpPr txBox="1"/>
-          <p:nvPr/>
-        </p:nvSpPr>
-        <p:spPr>
-          <a:xfrm>
-            <a:off x="2641600" y="2260600"/>
-            <a:ext cx="2019300" cy="3539430"/>
-          </a:xfrm>
-          <a:prstGeom prst="rect">
-            <a:avLst/>
-          </a:prstGeom>
-          <a:noFill/>
-        </p:spPr>
-        <p:txBody>
-          <a:bodyPr wrap="square" rtlCol="0">
-            <a:spAutoFit/>
-          </a:bodyPr>
-          <a:lstStyle/>
-          <a:p>
-            <a:r>
-              <a:rPr lang="en-US" sz="1400" dirty="0"/>
-              <a:t>Air quality in Singapore from all its air quality monitoring stations indicate Good to Moderate pollution levels at this time. The map updates from the globally stationed air monitoring sites every 48 hours and can be studied more closely to understand environmental contribution to the impact assessment of covid-19.</a:t>
-            </a:r>
-          </a:p>
-        </p:txBody>
-      </p:sp>
-      <p:sp>
-        <p:nvSpPr>
-          <p:cNvPr id="14" name="TextBox 13"/>
-          <p:cNvSpPr txBox="1"/>
-          <p:nvPr/>
-        </p:nvSpPr>
-        <p:spPr>
-          <a:xfrm>
-            <a:off x="2641600" y="952500"/>
-            <a:ext cx="3975100" cy="461665"/>
-          </a:xfrm>
-          <a:prstGeom prst="rect">
-            <a:avLst/>
-          </a:prstGeom>
-          <a:noFill/>
-        </p:spPr>
-        <p:txBody>
-          <a:bodyPr wrap="square" rtlCol="0">
-            <a:spAutoFit/>
-          </a:bodyPr>
-          <a:lstStyle/>
-          <a:p>
-            <a:r>
-              <a:rPr lang="en-US" sz="2400" b="1" dirty="0"/>
-              <a:t>Environment Assessment</a:t>
-            </a:r>
-          </a:p>
-        </p:txBody>
-      </p:sp>
-      <p:sp>
-        <p:nvSpPr>
-          <p:cNvPr id="15" name="Rectangle 14"/>
-          <p:cNvSpPr/>
-          <p:nvPr/>
-        </p:nvSpPr>
-        <p:spPr>
-          <a:xfrm>
-            <a:off x="0" y="0"/>
-            <a:ext cx="12192000" cy="685800"/>
-          </a:xfrm>
-          <a:prstGeom prst="rect">
-            <a:avLst/>
-          </a:prstGeom>
-          <a:solidFill>
-            <a:schemeClr val="tx1"/>
-          </a:solidFill>
-        </p:spPr>
-        <p:style>
-          <a:lnRef idx="2">
-            <a:schemeClr val="accent1">
-              <a:shade val="50000"/>
-            </a:schemeClr>
-          </a:lnRef>
-          <a:fillRef idx="1">
-            <a:schemeClr val="accent1"/>
-          </a:fillRef>
-          <a:effectRef idx="0">
-            <a:schemeClr val="accent1"/>
-          </a:effectRef>
-          <a:fontRef idx="minor">
-            <a:schemeClr val="lt1"/>
-          </a:fontRef>
-        </p:style>
-        <p:txBody>
-          <a:bodyPr rtlCol="0" anchor="ctr"/>
-          <a:lstStyle/>
-          <a:p>
-            <a:r>
-              <a:rPr lang="en-US" sz="2400" dirty="0">
-                <a:latin typeface="Roboto Condensed Light" panose="02000000000000000000" pitchFamily="2" charset="0"/>
-                <a:ea typeface="Roboto Condensed Light" panose="02000000000000000000" pitchFamily="2" charset="0"/>
-              </a:rPr>
-              <a:t>		Global Impact Detection from Emitted Light, Onset of COVID, and NO2</a:t>
-            </a:r>
-          </a:p>
-        </p:txBody>
-      </p:sp>
-      <p:pic>
-        <p:nvPicPr>
-          <p:cNvPr id="16" name="Picture 2" descr="http://localhost:8000/gqueers_space_apps/staging/images/logo.png"/>
-          <p:cNvPicPr>
-            <a:picLocks noChangeAspect="1" noChangeArrowheads="1"/>
-          </p:cNvPicPr>
-          <p:nvPr/>
-        </p:nvPicPr>
-        <p:blipFill>
-          <a:blip r:embed="rId2" cstate="print">
-            <a:extLst>
-              <a:ext uri="{28A0092B-C50C-407E-A947-70E740481C1C}">
-                <a14:useLocalDpi xmlns:a14="http://schemas.microsoft.com/office/drawing/2010/main" val="0"/>
-              </a:ext>
-            </a:extLst>
-          </a:blip>
-          <a:srcRect/>
-          <a:stretch>
-            <a:fillRect/>
-          </a:stretch>
-        </p:blipFill>
-        <p:spPr bwMode="auto">
-          <a:xfrm>
-            <a:off x="203200" y="167733"/>
-            <a:ext cx="1651000" cy="350334"/>
-          </a:xfrm>
-          <a:prstGeom prst="rect">
-            <a:avLst/>
-          </a:prstGeom>
-          <a:noFill/>
-          <a:extLst>
-            <a:ext uri="{909E8E84-426E-40DD-AFC4-6F175D3DCCD1}">
-              <a14:hiddenFill xmlns:a14="http://schemas.microsoft.com/office/drawing/2010/main">
-                <a:solidFill>
-                  <a:srgbClr val="FFFFFF"/>
-                </a:solidFill>
-              </a14:hiddenFill>
-            </a:ext>
-          </a:extLst>
-        </p:spPr>
-      </p:pic>
-      <p:sp>
-        <p:nvSpPr>
-          <p:cNvPr id="17" name="Rectangle 16"/>
-          <p:cNvSpPr/>
-          <p:nvPr/>
-        </p:nvSpPr>
-        <p:spPr>
-          <a:xfrm>
-            <a:off x="203200" y="1549138"/>
-            <a:ext cx="2019300" cy="508000"/>
-          </a:xfrm>
-          <a:prstGeom prst="rect">
-            <a:avLst/>
-          </a:prstGeom>
-          <a:solidFill>
-            <a:schemeClr val="bg2">
-              <a:lumMod val="50000"/>
-            </a:schemeClr>
-          </a:solidFill>
-          <a:ln>
-            <a:noFill/>
-          </a:ln>
-        </p:spPr>
-        <p:style>
-          <a:lnRef idx="2">
-            <a:schemeClr val="accent1">
-              <a:shade val="50000"/>
-            </a:schemeClr>
-          </a:lnRef>
-          <a:fillRef idx="1">
-            <a:schemeClr val="accent1"/>
-          </a:fillRef>
-          <a:effectRef idx="0">
-            <a:schemeClr val="accent1"/>
-          </a:effectRef>
-          <a:fontRef idx="minor">
-            <a:schemeClr val="lt1"/>
-          </a:fontRef>
-        </p:style>
-        <p:txBody>
-          <a:bodyPr rtlCol="0" anchor="ctr"/>
-          <a:lstStyle/>
-          <a:p>
-            <a:pPr algn="ctr"/>
-            <a:r>
-              <a:rPr lang="en-US" dirty="0">
-                <a:latin typeface="Roboto Condensed Light" panose="02000000000000000000" pitchFamily="2" charset="0"/>
-                <a:ea typeface="Roboto Condensed Light" panose="02000000000000000000" pitchFamily="2" charset="0"/>
-              </a:rPr>
-              <a:t>COVID Situation</a:t>
-            </a:r>
-          </a:p>
-        </p:txBody>
-      </p:sp>
-      <p:pic>
-        <p:nvPicPr>
-          <p:cNvPr id="7" name="Picture 6">
-            <a:extLst>
-              <a:ext uri="{FF2B5EF4-FFF2-40B4-BE49-F238E27FC236}">
-                <a16:creationId xmlns:a16="http://schemas.microsoft.com/office/drawing/2014/main" id="{8B476AF1-8E92-E745-AFF6-031ABAE3AFC0}"/>
-              </a:ext>
-            </a:extLst>
-          </p:cNvPr>
-          <p:cNvPicPr>
-            <a:picLocks noChangeAspect="1"/>
-          </p:cNvPicPr>
-          <p:nvPr/>
-        </p:nvPicPr>
-        <p:blipFill>
-          <a:blip r:embed="rId3">
-            <a:extLst>
-              <a:ext uri="{28A0092B-C50C-407E-A947-70E740481C1C}">
-                <a14:useLocalDpi xmlns:a14="http://schemas.microsoft.com/office/drawing/2010/main" val="0"/>
-              </a:ext>
-            </a:extLst>
-          </a:blip>
-          <a:stretch>
-            <a:fillRect/>
-          </a:stretch>
-        </p:blipFill>
-        <p:spPr>
-          <a:xfrm>
-            <a:off x="4864100" y="1549137"/>
-            <a:ext cx="7118350" cy="4566005"/>
-          </a:xfrm>
-          <a:prstGeom prst="rect">
-            <a:avLst/>
-          </a:prstGeom>
-        </p:spPr>
-      </p:pic>
-    </p:spTree>
-    <p:extLst>
-      <p:ext uri="{BB962C8B-B14F-4D97-AF65-F5344CB8AC3E}">
-        <p14:creationId xmlns:p14="http://schemas.microsoft.com/office/powerpoint/2010/main" val="497127354"/>
-      </p:ext>
-    </p:extLst>
-  </p:cSld>
-  <p:clrMapOvr>
-    <a:masterClrMapping/>
-  </p:clrMapOvr>
-</p:sld>
-</file>
-
 <file path=ppt/slides/slide5.xml><?xml version="1.0" encoding="utf-8"?>
 <p:sld xmlns:a="http://schemas.openxmlformats.org/drawingml/2006/main" xmlns:r="http://schemas.openxmlformats.org/officeDocument/2006/relationships" xmlns:p="http://schemas.openxmlformats.org/presentationml/2006/main">
   <p:cSld>
@@ -6898,7 +7658,7 @@
           <a:p>
             <a:r>
               <a:rPr lang="en-US" sz="1400" dirty="0"/>
-              <a:t>Apart from the acronym, the team name is inspired by the story of Gideon in the book of Judges in the Bible which beat the odds in warfare against Midianites with 3 symbolic items: trumpet (noise of human activity), clay jar (the isolation caused by Covid-19), and the torch (night light NASA data). </a:t>
+              <a:t>The team name is inspired by Gideon, a warrior and prophet, who led a small army and triumphed in the face of tremendous odds. Team Gideon aims to enable especially countries with the longest odds with the integrative knowledge to understand and overcome the pandemic. </a:t>
             </a:r>
           </a:p>
         </p:txBody>

--- a/5-slide-requirement_GIDEON.pptx
+++ b/5-slide-requirement_GIDEON.pptx
@@ -4146,7 +4146,7 @@
           <a:p>
             <a:r>
               <a:rPr lang="en-US" sz="2400" dirty="0"/>
-              <a:t>Using a combination of Earth Observation data (VIIRS and Sentinel-5p) to predict GDP growth and air pollution levels, Google mobility data, and COVID infection data from Johns Hopkins University, GIDEON ranks 5 observed countries on a risk scaled based on their ability to recover economic activity while managing COVID infections and air pollution.</a:t>
+              <a:t>Using a combination of Earth Observation data (VIIRS and Sentinel-5p) to predict GDP growth and air pollution levels, Google mobility data, and COVID infection data from Johns Hopkins University, GIDEON ranks 5 observed countries on a risk-based scale on their ability to recover economic activity while managing COVID infections and air pollution.</a:t>
             </a:r>
             <a:br>
               <a:rPr lang="en-US" sz="2400" dirty="0"/>
@@ -4858,7 +4858,7 @@
         <p:spPr>
           <a:xfrm>
             <a:off x="2641600" y="2260600"/>
-            <a:ext cx="2019300" cy="3754874"/>
+            <a:ext cx="2019300" cy="2893100"/>
           </a:xfrm>
           <a:prstGeom prst="rect">
             <a:avLst/>
@@ -4876,7 +4876,7 @@
                 <a:latin typeface="Roboto Condensed Light" panose="02000000000000000000" pitchFamily="2" charset="0"/>
                 <a:ea typeface="Roboto Condensed Light" panose="02000000000000000000" pitchFamily="2" charset="0"/>
               </a:rPr>
-              <a:t>The yellow lines indicate the onset of lockdown in Italy and the bars show the actual number of covid-19 growth cases in the country at the time the mobility data was captured. The slightly increasing activity at the parks indicate that lives are slowly going back to normal for Italians by May 2020 compared to its low during March and April.</a:t>
+              <a:t>The yellow lines indicate the pattern of residential mobility before and after the onset of lockdown in Italy. The slightly increasing activity at the parks indicate that lives are slowly going back to normal for Italians by May 2020 compared to its low during March and April.</a:t>
             </a:r>
           </a:p>
         </p:txBody>
@@ -5115,7 +5115,7 @@
         </p:nvSpPr>
         <p:spPr>
           <a:xfrm>
-            <a:off x="0" y="674793"/>
+            <a:off x="0" y="685800"/>
             <a:ext cx="4921051" cy="6172200"/>
           </a:xfrm>
           <a:prstGeom prst="rect">
@@ -5188,7 +5188,7 @@
         </p:nvSpPr>
         <p:spPr>
           <a:xfrm>
-            <a:off x="0" y="683932"/>
+            <a:off x="-1" y="685800"/>
             <a:ext cx="4921051" cy="6172200"/>
           </a:xfrm>
           <a:prstGeom prst="rect">
@@ -6228,7 +6228,7 @@
             </a:br>
             <a:r>
               <a:rPr lang="en-US" sz="2400" dirty="0"/>
-              <a:t>GIDEON enables its primary audience – government policymakers –to quickly respond and calibrate strategies to safely navigate a country through the pandemic.</a:t>
+              <a:t>GIDEON enables its primary audience – government policymakers – to quickly respond and calibrate strategies to safely navigate through the pandemic.</a:t>
             </a:r>
           </a:p>
           <a:p>
@@ -7609,7 +7609,7 @@
         <p:spPr>
           <a:xfrm>
             <a:off x="2641599" y="1593159"/>
-            <a:ext cx="2832101" cy="4401205"/>
+            <a:ext cx="2832101" cy="4616648"/>
           </a:xfrm>
           <a:prstGeom prst="rect">
             <a:avLst/>
@@ -7658,7 +7658,7 @@
           <a:p>
             <a:r>
               <a:rPr lang="en-US" sz="1400" dirty="0"/>
-              <a:t>The team name is inspired by Gideon, a warrior and prophet, who led a small army and triumphed in the face of tremendous odds. Team Gideon aims to enable especially countries with the longest odds with the integrative knowledge to understand and overcome the pandemic. </a:t>
+              <a:t>The team name is inspired by Gideon, a warrior and prophet, who led a small army and triumphed in the face of tremendous odds. Team Gideon aims to enable policymakers, especially those from countries with the longest odds, with the integrative knowledge to understand and overcome the pandemic. </a:t>
             </a:r>
           </a:p>
         </p:txBody>

--- a/5-slide-requirement_GIDEON.pptx
+++ b/5-slide-requirement_GIDEON.pptx
@@ -245,7 +245,7 @@
           <a:p>
             <a:fld id="{8FC4E41D-B3F7-4526-ABA4-1183C6C39B77}" type="datetimeFigureOut">
               <a:rPr lang="en-US" smtClean="0"/>
-              <a:t>5/31/2020</a:t>
+              <a:t>5/31/20</a:t>
             </a:fld>
             <a:endParaRPr lang="en-US"/>
           </a:p>
@@ -413,7 +413,7 @@
           <a:p>
             <a:fld id="{8FC4E41D-B3F7-4526-ABA4-1183C6C39B77}" type="datetimeFigureOut">
               <a:rPr lang="en-US" smtClean="0"/>
-              <a:t>5/31/2020</a:t>
+              <a:t>5/31/20</a:t>
             </a:fld>
             <a:endParaRPr lang="en-US"/>
           </a:p>
@@ -591,7 +591,7 @@
           <a:p>
             <a:fld id="{8FC4E41D-B3F7-4526-ABA4-1183C6C39B77}" type="datetimeFigureOut">
               <a:rPr lang="en-US" smtClean="0"/>
-              <a:t>5/31/2020</a:t>
+              <a:t>5/31/20</a:t>
             </a:fld>
             <a:endParaRPr lang="en-US"/>
           </a:p>
@@ -759,7 +759,7 @@
           <a:p>
             <a:fld id="{8FC4E41D-B3F7-4526-ABA4-1183C6C39B77}" type="datetimeFigureOut">
               <a:rPr lang="en-US" smtClean="0"/>
-              <a:t>5/31/2020</a:t>
+              <a:t>5/31/20</a:t>
             </a:fld>
             <a:endParaRPr lang="en-US"/>
           </a:p>
@@ -1004,7 +1004,7 @@
           <a:p>
             <a:fld id="{8FC4E41D-B3F7-4526-ABA4-1183C6C39B77}" type="datetimeFigureOut">
               <a:rPr lang="en-US" smtClean="0"/>
-              <a:t>5/31/2020</a:t>
+              <a:t>5/31/20</a:t>
             </a:fld>
             <a:endParaRPr lang="en-US"/>
           </a:p>
@@ -1233,7 +1233,7 @@
           <a:p>
             <a:fld id="{8FC4E41D-B3F7-4526-ABA4-1183C6C39B77}" type="datetimeFigureOut">
               <a:rPr lang="en-US" smtClean="0"/>
-              <a:t>5/31/2020</a:t>
+              <a:t>5/31/20</a:t>
             </a:fld>
             <a:endParaRPr lang="en-US"/>
           </a:p>
@@ -1597,7 +1597,7 @@
           <a:p>
             <a:fld id="{8FC4E41D-B3F7-4526-ABA4-1183C6C39B77}" type="datetimeFigureOut">
               <a:rPr lang="en-US" smtClean="0"/>
-              <a:t>5/31/2020</a:t>
+              <a:t>5/31/20</a:t>
             </a:fld>
             <a:endParaRPr lang="en-US"/>
           </a:p>
@@ -1714,7 +1714,7 @@
           <a:p>
             <a:fld id="{8FC4E41D-B3F7-4526-ABA4-1183C6C39B77}" type="datetimeFigureOut">
               <a:rPr lang="en-US" smtClean="0"/>
-              <a:t>5/31/2020</a:t>
+              <a:t>5/31/20</a:t>
             </a:fld>
             <a:endParaRPr lang="en-US"/>
           </a:p>
@@ -1809,7 +1809,7 @@
           <a:p>
             <a:fld id="{8FC4E41D-B3F7-4526-ABA4-1183C6C39B77}" type="datetimeFigureOut">
               <a:rPr lang="en-US" smtClean="0"/>
-              <a:t>5/31/2020</a:t>
+              <a:t>5/31/20</a:t>
             </a:fld>
             <a:endParaRPr lang="en-US"/>
           </a:p>
@@ -2084,7 +2084,7 @@
           <a:p>
             <a:fld id="{8FC4E41D-B3F7-4526-ABA4-1183C6C39B77}" type="datetimeFigureOut">
               <a:rPr lang="en-US" smtClean="0"/>
-              <a:t>5/31/2020</a:t>
+              <a:t>5/31/20</a:t>
             </a:fld>
             <a:endParaRPr lang="en-US"/>
           </a:p>
@@ -2336,7 +2336,7 @@
           <a:p>
             <a:fld id="{8FC4E41D-B3F7-4526-ABA4-1183C6C39B77}" type="datetimeFigureOut">
               <a:rPr lang="en-US" smtClean="0"/>
-              <a:t>5/31/2020</a:t>
+              <a:t>5/31/20</a:t>
             </a:fld>
             <a:endParaRPr lang="en-US"/>
           </a:p>
@@ -2547,7 +2547,7 @@
           <a:p>
             <a:fld id="{8FC4E41D-B3F7-4526-ABA4-1183C6C39B77}" type="datetimeFigureOut">
               <a:rPr lang="en-US" smtClean="0"/>
-              <a:t>5/31/2020</a:t>
+              <a:t>5/31/20</a:t>
             </a:fld>
             <a:endParaRPr lang="en-US"/>
           </a:p>
@@ -3043,11 +3043,10 @@
               <a:t>Team GIDEON – Visit us at </a:t>
             </a:r>
             <a:r>
-              <a:rPr lang="en-US" sz="2400" dirty="0" err="1">
-                <a:latin typeface="Roboto Condensed Light" panose="02000000000000000000" pitchFamily="2" charset="0"/>
-                <a:ea typeface="Roboto Condensed Light" panose="02000000000000000000" pitchFamily="2" charset="0"/>
+              <a:rPr lang="en-PH" sz="2400" dirty="0">
+                <a:hlinkClick r:id="rId2"/>
               </a:rPr>
-              <a:t>projectgideon.co</a:t>
+              <a:t>https://opendata.org.ph/projectgideon/</a:t>
             </a:r>
             <a:endParaRPr lang="en-US" sz="2400" dirty="0">
               <a:latin typeface="Roboto Condensed Light" panose="02000000000000000000" pitchFamily="2" charset="0"/>
@@ -3817,7 +3816,7 @@
           <p:nvPr/>
         </p:nvPicPr>
         <p:blipFill>
-          <a:blip r:embed="rId2" cstate="print">
+          <a:blip r:embed="rId3" cstate="print">
             <a:extLst>
               <a:ext uri="{28A0092B-C50C-407E-A947-70E740481C1C}">
                 <a14:useLocalDpi xmlns:a14="http://schemas.microsoft.com/office/drawing/2010/main" val="0"/>
@@ -4109,7 +4108,7 @@
         </p:nvSpPr>
         <p:spPr>
           <a:xfrm>
-            <a:off x="6719012" y="685800"/>
+            <a:off x="502720" y="663939"/>
             <a:ext cx="5472987" cy="6172200"/>
           </a:xfrm>
           <a:prstGeom prst="rect">
@@ -4494,8 +4493,10 @@
               <a:t>Team GIDEON – Visit us at </a:t>
             </a:r>
             <a:r>
-              <a:rPr lang="en-US" sz="2400" dirty="0" err="1"/>
-              <a:t>projectgideon.co</a:t>
+              <a:rPr lang="en-PH" sz="2400" dirty="0">
+                <a:hlinkClick r:id="rId2"/>
+              </a:rPr>
+              <a:t>https://opendata.org.ph/projectgideon/</a:t>
             </a:r>
             <a:endParaRPr lang="en-US" sz="2400" dirty="0"/>
           </a:p>
@@ -4780,7 +4781,7 @@
           <p:nvPr/>
         </p:nvPicPr>
         <p:blipFill>
-          <a:blip r:embed="rId2"/>
+          <a:blip r:embed="rId3"/>
           <a:stretch>
             <a:fillRect/>
           </a:stretch>
@@ -4922,7 +4923,7 @@
           <p:nvPr/>
         </p:nvPicPr>
         <p:blipFill>
-          <a:blip r:embed="rId3" cstate="print">
+          <a:blip r:embed="rId4" cstate="print">
             <a:extLst>
               <a:ext uri="{28A0092B-C50C-407E-A947-70E740481C1C}">
                 <a14:useLocalDpi xmlns:a14="http://schemas.microsoft.com/office/drawing/2010/main" val="0"/>
@@ -5500,8 +5501,10 @@
               <a:t>Team GIDEON – Visit us at </a:t>
             </a:r>
             <a:r>
-              <a:rPr lang="en-US" sz="2400" dirty="0" err="1"/>
-              <a:t>projectgideon.co</a:t>
+              <a:rPr lang="en-PH" sz="2400" dirty="0">
+                <a:hlinkClick r:id="rId2"/>
+              </a:rPr>
+              <a:t>https://opendata.org.ph/projectgideon/</a:t>
             </a:r>
             <a:endParaRPr lang="en-US" sz="2400" dirty="0"/>
           </a:p>
@@ -5835,7 +5838,7 @@
           <p:nvPr/>
         </p:nvPicPr>
         <p:blipFill>
-          <a:blip r:embed="rId2" cstate="print">
+          <a:blip r:embed="rId3" cstate="print">
             <a:extLst>
               <a:ext uri="{28A0092B-C50C-407E-A947-70E740481C1C}">
                 <a14:useLocalDpi xmlns:a14="http://schemas.microsoft.com/office/drawing/2010/main" val="0"/>
@@ -6056,7 +6059,7 @@
           <p:nvPr/>
         </p:nvPicPr>
         <p:blipFill>
-          <a:blip r:embed="rId3"/>
+          <a:blip r:embed="rId4"/>
           <a:stretch>
             <a:fillRect/>
           </a:stretch>
@@ -6080,7 +6083,7 @@
           <p:nvPr/>
         </p:nvPicPr>
         <p:blipFill>
-          <a:blip r:embed="rId4"/>
+          <a:blip r:embed="rId5"/>
           <a:stretch>
             <a:fillRect/>
           </a:stretch>
@@ -6104,7 +6107,7 @@
           <p:nvPr/>
         </p:nvPicPr>
         <p:blipFill>
-          <a:blip r:embed="rId5"/>
+          <a:blip r:embed="rId6"/>
           <a:stretch>
             <a:fillRect/>
           </a:stretch>
@@ -6128,7 +6131,7 @@
           <p:nvPr/>
         </p:nvPicPr>
         <p:blipFill>
-          <a:blip r:embed="rId6"/>
+          <a:blip r:embed="rId7"/>
           <a:stretch>
             <a:fillRect/>
           </a:stretch>
@@ -6152,7 +6155,7 @@
           <p:nvPr/>
         </p:nvPicPr>
         <p:blipFill>
-          <a:blip r:embed="rId7"/>
+          <a:blip r:embed="rId8"/>
           <a:stretch>
             <a:fillRect/>
           </a:stretch>
@@ -6452,8 +6455,10 @@
               <a:t>Team GIDEON – Visit us at </a:t>
             </a:r>
             <a:r>
-              <a:rPr lang="en-US" sz="2400" dirty="0" err="1"/>
-              <a:t>projectgideon.co</a:t>
+              <a:rPr lang="en-PH" sz="2400" dirty="0">
+                <a:hlinkClick r:id="rId2"/>
+              </a:rPr>
+              <a:t>https://opendata.org.ph/projectgideon/</a:t>
             </a:r>
             <a:endParaRPr lang="en-US" sz="2400" dirty="0"/>
           </a:p>
@@ -6829,7 +6834,7 @@
           <p:nvPr/>
         </p:nvPicPr>
         <p:blipFill>
-          <a:blip r:embed="rId2" cstate="print">
+          <a:blip r:embed="rId3" cstate="print">
             <a:extLst>
               <a:ext uri="{28A0092B-C50C-407E-A947-70E740481C1C}">
                 <a14:useLocalDpi xmlns:a14="http://schemas.microsoft.com/office/drawing/2010/main" val="0"/>
@@ -6930,7 +6935,7 @@
           <p:nvPr/>
         </p:nvPicPr>
         <p:blipFill>
-          <a:blip r:embed="rId3">
+          <a:blip r:embed="rId4">
             <a:extLst>
               <a:ext uri="{28A0092B-C50C-407E-A947-70E740481C1C}">
                 <a14:useLocalDpi xmlns:a14="http://schemas.microsoft.com/office/drawing/2010/main" val="0"/>
@@ -7221,16 +7226,15 @@
           <a:p>
             <a:r>
               <a:rPr lang="en-US" sz="2400" dirty="0"/>
-              <a:t>Team GIDEON – Beat the odds  with data.  - https://</a:t>
-            </a:r>
-            <a:r>
-              <a:rPr lang="en-US" sz="2400" dirty="0" err="1"/>
-              <a:t>projectgideon.co</a:t>
-            </a:r>
-            <a:r>
-              <a:rPr lang="en-US" sz="2400" dirty="0"/>
-              <a:t>/</a:t>
-            </a:r>
+              <a:t>Team GIDEON – Beat the odds  with data.  - </a:t>
+            </a:r>
+            <a:r>
+              <a:rPr lang="en-PH" sz="2400" dirty="0">
+                <a:hlinkClick r:id="rId2"/>
+              </a:rPr>
+              <a:t>https://opendata.org.ph/projectgideon/</a:t>
+            </a:r>
+            <a:endParaRPr lang="en-US" sz="2400" dirty="0"/>
           </a:p>
         </p:txBody>
       </p:sp>
@@ -7476,7 +7480,7 @@
           <p:nvPr/>
         </p:nvPicPr>
         <p:blipFill rotWithShape="1">
-          <a:blip r:embed="rId2"/>
+          <a:blip r:embed="rId3"/>
           <a:srcRect l="20588" t="12876" r="27940" b="43292"/>
           <a:stretch/>
         </p:blipFill>
@@ -7499,7 +7503,7 @@
           <p:nvPr/>
         </p:nvPicPr>
         <p:blipFill rotWithShape="1">
-          <a:blip r:embed="rId3" cstate="print">
+          <a:blip r:embed="rId4" cstate="print">
             <a:extLst>
               <a:ext uri="{28A0092B-C50C-407E-A947-70E740481C1C}">
                 <a14:useLocalDpi xmlns:a14="http://schemas.microsoft.com/office/drawing/2010/main" val="0"/>
@@ -7528,7 +7532,7 @@
           <p:nvPr/>
         </p:nvPicPr>
         <p:blipFill rotWithShape="1">
-          <a:blip r:embed="rId4"/>
+          <a:blip r:embed="rId5"/>
           <a:srcRect l="11480" t="248" r="11589" b="-248"/>
           <a:stretch/>
         </p:blipFill>
@@ -7551,7 +7555,7 @@
           <p:nvPr/>
         </p:nvPicPr>
         <p:blipFill rotWithShape="1">
-          <a:blip r:embed="rId5" cstate="print">
+          <a:blip r:embed="rId6" cstate="print">
             <a:extLst>
               <a:ext uri="{28A0092B-C50C-407E-A947-70E740481C1C}">
                 <a14:useLocalDpi xmlns:a14="http://schemas.microsoft.com/office/drawing/2010/main" val="0"/>
@@ -7580,7 +7584,7 @@
           <p:nvPr/>
         </p:nvPicPr>
         <p:blipFill rotWithShape="1">
-          <a:blip r:embed="rId6" cstate="print">
+          <a:blip r:embed="rId7" cstate="print">
             <a:extLst>
               <a:ext uri="{28A0092B-C50C-407E-A947-70E740481C1C}">
                 <a14:useLocalDpi xmlns:a14="http://schemas.microsoft.com/office/drawing/2010/main" val="0"/>
@@ -7720,7 +7724,7 @@
           <p:nvPr/>
         </p:nvPicPr>
         <p:blipFill>
-          <a:blip r:embed="rId7" cstate="print">
+          <a:blip r:embed="rId8" cstate="print">
             <a:extLst>
               <a:ext uri="{28A0092B-C50C-407E-A947-70E740481C1C}">
                 <a14:useLocalDpi xmlns:a14="http://schemas.microsoft.com/office/drawing/2010/main" val="0"/>
